--- a/Projet_4_Solution_fonctionnelle_et_technique.pptx
+++ b/Projet_4_Solution_fonctionnelle_et_technique.pptx
@@ -7,6 +7,23 @@
   <p:sldIdLst>
     <p:sldId id="256" r:id="rId2"/>
     <p:sldId id="257" r:id="rId3"/>
+    <p:sldId id="273" r:id="rId4"/>
+    <p:sldId id="259" r:id="rId5"/>
+    <p:sldId id="258" r:id="rId6"/>
+    <p:sldId id="274" r:id="rId7"/>
+    <p:sldId id="275" r:id="rId8"/>
+    <p:sldId id="260" r:id="rId9"/>
+    <p:sldId id="262" r:id="rId10"/>
+    <p:sldId id="263" r:id="rId11"/>
+    <p:sldId id="271" r:id="rId12"/>
+    <p:sldId id="264" r:id="rId13"/>
+    <p:sldId id="276" r:id="rId14"/>
+    <p:sldId id="265" r:id="rId15"/>
+    <p:sldId id="266" r:id="rId16"/>
+    <p:sldId id="267" r:id="rId17"/>
+    <p:sldId id="268" r:id="rId18"/>
+    <p:sldId id="272" r:id="rId19"/>
+    <p:sldId id="277" r:id="rId20"/>
   </p:sldIdLst>
   <p:sldSz cx="12192000" cy="6858000"/>
   <p:notesSz cx="6858000" cy="9144000"/>
@@ -105,6 +122,11 @@
       </a:defRPr>
     </a:lvl9pPr>
   </p:defaultTextStyle>
+  <p:extLst>
+    <p:ext uri="{EFAFB233-063F-42B5-8137-9DF3F51BA10A}">
+      <p15:sldGuideLst xmlns:p15="http://schemas.microsoft.com/office/powerpoint/2012/main"/>
+    </p:ext>
+  </p:extLst>
 </p:presentation>
 </file>
 
@@ -255,7 +277,7 @@
           <a:p>
             <a:fld id="{5BE96FD4-4427-443E-B153-7B15BC878EB4}" type="datetimeFigureOut">
               <a:rPr lang="fr-FR" smtClean="0"/>
-              <a:t>16/04/2020</a:t>
+              <a:t>17/04/2020</a:t>
             </a:fld>
             <a:endParaRPr lang="fr-FR"/>
           </a:p>
@@ -453,7 +475,7 @@
           <a:p>
             <a:fld id="{5BE96FD4-4427-443E-B153-7B15BC878EB4}" type="datetimeFigureOut">
               <a:rPr lang="fr-FR" smtClean="0"/>
-              <a:t>16/04/2020</a:t>
+              <a:t>17/04/2020</a:t>
             </a:fld>
             <a:endParaRPr lang="fr-FR"/>
           </a:p>
@@ -661,7 +683,7 @@
           <a:p>
             <a:fld id="{5BE96FD4-4427-443E-B153-7B15BC878EB4}" type="datetimeFigureOut">
               <a:rPr lang="fr-FR" smtClean="0"/>
-              <a:t>16/04/2020</a:t>
+              <a:t>17/04/2020</a:t>
             </a:fld>
             <a:endParaRPr lang="fr-FR"/>
           </a:p>
@@ -859,7 +881,7 @@
           <a:p>
             <a:fld id="{5BE96FD4-4427-443E-B153-7B15BC878EB4}" type="datetimeFigureOut">
               <a:rPr lang="fr-FR" smtClean="0"/>
-              <a:t>16/04/2020</a:t>
+              <a:t>17/04/2020</a:t>
             </a:fld>
             <a:endParaRPr lang="fr-FR"/>
           </a:p>
@@ -1134,7 +1156,7 @@
           <a:p>
             <a:fld id="{5BE96FD4-4427-443E-B153-7B15BC878EB4}" type="datetimeFigureOut">
               <a:rPr lang="fr-FR" smtClean="0"/>
-              <a:t>16/04/2020</a:t>
+              <a:t>17/04/2020</a:t>
             </a:fld>
             <a:endParaRPr lang="fr-FR"/>
           </a:p>
@@ -1399,7 +1421,7 @@
           <a:p>
             <a:fld id="{5BE96FD4-4427-443E-B153-7B15BC878EB4}" type="datetimeFigureOut">
               <a:rPr lang="fr-FR" smtClean="0"/>
-              <a:t>16/04/2020</a:t>
+              <a:t>17/04/2020</a:t>
             </a:fld>
             <a:endParaRPr lang="fr-FR"/>
           </a:p>
@@ -1811,7 +1833,7 @@
           <a:p>
             <a:fld id="{5BE96FD4-4427-443E-B153-7B15BC878EB4}" type="datetimeFigureOut">
               <a:rPr lang="fr-FR" smtClean="0"/>
-              <a:t>16/04/2020</a:t>
+              <a:t>17/04/2020</a:t>
             </a:fld>
             <a:endParaRPr lang="fr-FR"/>
           </a:p>
@@ -1952,7 +1974,7 @@
           <a:p>
             <a:fld id="{5BE96FD4-4427-443E-B153-7B15BC878EB4}" type="datetimeFigureOut">
               <a:rPr lang="fr-FR" smtClean="0"/>
-              <a:t>16/04/2020</a:t>
+              <a:t>17/04/2020</a:t>
             </a:fld>
             <a:endParaRPr lang="fr-FR"/>
           </a:p>
@@ -2065,7 +2087,7 @@
           <a:p>
             <a:fld id="{5BE96FD4-4427-443E-B153-7B15BC878EB4}" type="datetimeFigureOut">
               <a:rPr lang="fr-FR" smtClean="0"/>
-              <a:t>16/04/2020</a:t>
+              <a:t>17/04/2020</a:t>
             </a:fld>
             <a:endParaRPr lang="fr-FR"/>
           </a:p>
@@ -2376,7 +2398,7 @@
           <a:p>
             <a:fld id="{5BE96FD4-4427-443E-B153-7B15BC878EB4}" type="datetimeFigureOut">
               <a:rPr lang="fr-FR" smtClean="0"/>
-              <a:t>16/04/2020</a:t>
+              <a:t>17/04/2020</a:t>
             </a:fld>
             <a:endParaRPr lang="fr-FR"/>
           </a:p>
@@ -2664,7 +2686,7 @@
           <a:p>
             <a:fld id="{5BE96FD4-4427-443E-B153-7B15BC878EB4}" type="datetimeFigureOut">
               <a:rPr lang="fr-FR" smtClean="0"/>
-              <a:t>16/04/2020</a:t>
+              <a:t>17/04/2020</a:t>
             </a:fld>
             <a:endParaRPr lang="fr-FR"/>
           </a:p>
@@ -2905,7 +2927,7 @@
           <a:p>
             <a:fld id="{5BE96FD4-4427-443E-B153-7B15BC878EB4}" type="datetimeFigureOut">
               <a:rPr lang="fr-FR" smtClean="0"/>
-              <a:t>16/04/2020</a:t>
+              <a:t>17/04/2020</a:t>
             </a:fld>
             <a:endParaRPr lang="fr-FR"/>
           </a:p>
@@ -3503,6 +3525,2676 @@
 </p:sld>
 </file>
 
+<file path=ppt/slides/slide10.xml><?xml version="1.0" encoding="utf-8"?>
+<p:sld xmlns:a="http://schemas.openxmlformats.org/drawingml/2006/main" xmlns:r="http://schemas.openxmlformats.org/officeDocument/2006/relationships" xmlns:p="http://schemas.openxmlformats.org/presentationml/2006/main">
+  <p:cSld>
+    <p:spTree>
+      <p:nvGrpSpPr>
+        <p:cNvPr id="1" name=""/>
+        <p:cNvGrpSpPr/>
+        <p:nvPr/>
+      </p:nvGrpSpPr>
+      <p:grpSpPr>
+        <a:xfrm>
+          <a:off x="0" y="0"/>
+          <a:ext cx="0" cy="0"/>
+          <a:chOff x="0" y="0"/>
+          <a:chExt cx="0" cy="0"/>
+        </a:xfrm>
+      </p:grpSpPr>
+      <p:sp>
+        <p:nvSpPr>
+          <p:cNvPr id="5" name="Titre 1">
+            <a:extLst>
+              <a:ext uri="{FF2B5EF4-FFF2-40B4-BE49-F238E27FC236}">
+                <a16:creationId xmlns:a16="http://schemas.microsoft.com/office/drawing/2014/main" id="{BA30865C-3393-4E44-A14D-E3EB2B954861}"/>
+              </a:ext>
+            </a:extLst>
+          </p:cNvPr>
+          <p:cNvSpPr>
+            <a:spLocks noGrp="1"/>
+          </p:cNvSpPr>
+          <p:nvPr>
+            <p:ph type="title"/>
+          </p:nvPr>
+        </p:nvSpPr>
+        <p:spPr>
+          <a:xfrm>
+            <a:off x="129540" y="0"/>
+            <a:ext cx="8221980" cy="1325563"/>
+          </a:xfrm>
+        </p:spPr>
+        <p:txBody>
+          <a:bodyPr/>
+          <a:lstStyle/>
+          <a:p>
+            <a:r>
+              <a:rPr lang="fr-FR" dirty="0"/>
+              <a:t>Spécifications Fonctionnelles</a:t>
+            </a:r>
+          </a:p>
+        </p:txBody>
+      </p:sp>
+      <p:sp>
+        <p:nvSpPr>
+          <p:cNvPr id="6" name="ZoneTexte 5">
+            <a:extLst>
+              <a:ext uri="{FF2B5EF4-FFF2-40B4-BE49-F238E27FC236}">
+                <a16:creationId xmlns:a16="http://schemas.microsoft.com/office/drawing/2014/main" id="{DF02C497-D03A-4948-8530-B9053CAC30E7}"/>
+              </a:ext>
+            </a:extLst>
+          </p:cNvPr>
+          <p:cNvSpPr txBox="1"/>
+          <p:nvPr/>
+        </p:nvSpPr>
+        <p:spPr>
+          <a:xfrm>
+            <a:off x="83820" y="956231"/>
+            <a:ext cx="3131820" cy="369332"/>
+          </a:xfrm>
+          <a:prstGeom prst="rect">
+            <a:avLst/>
+          </a:prstGeom>
+          <a:noFill/>
+        </p:spPr>
+        <p:txBody>
+          <a:bodyPr wrap="square" rtlCol="0">
+            <a:spAutoFit/>
+          </a:bodyPr>
+          <a:lstStyle/>
+          <a:p>
+            <a:r>
+              <a:rPr lang="fr-FR" i="1" dirty="0"/>
+              <a:t>Les fonctionnalités générales</a:t>
+            </a:r>
+          </a:p>
+        </p:txBody>
+      </p:sp>
+      <p:pic>
+        <p:nvPicPr>
+          <p:cNvPr id="2" name="Image 1">
+            <a:extLst>
+              <a:ext uri="{FF2B5EF4-FFF2-40B4-BE49-F238E27FC236}">
+                <a16:creationId xmlns:a16="http://schemas.microsoft.com/office/drawing/2014/main" id="{BDFDAB28-1FE0-4827-BB53-051A236C851C}"/>
+              </a:ext>
+            </a:extLst>
+          </p:cNvPr>
+          <p:cNvPicPr>
+            <a:picLocks noChangeAspect="1"/>
+          </p:cNvPicPr>
+          <p:nvPr/>
+        </p:nvPicPr>
+        <p:blipFill>
+          <a:blip r:embed="rId2"/>
+          <a:stretch>
+            <a:fillRect/>
+          </a:stretch>
+        </p:blipFill>
+        <p:spPr>
+          <a:xfrm>
+            <a:off x="6903721" y="956231"/>
+            <a:ext cx="4511238" cy="5414979"/>
+          </a:xfrm>
+          <a:prstGeom prst="rect">
+            <a:avLst/>
+          </a:prstGeom>
+        </p:spPr>
+      </p:pic>
+      <p:pic>
+        <p:nvPicPr>
+          <p:cNvPr id="3" name="Image 2">
+            <a:extLst>
+              <a:ext uri="{FF2B5EF4-FFF2-40B4-BE49-F238E27FC236}">
+                <a16:creationId xmlns:a16="http://schemas.microsoft.com/office/drawing/2014/main" id="{D7C37F0D-9BDD-493F-9B43-9FC4082913C1}"/>
+              </a:ext>
+            </a:extLst>
+          </p:cNvPr>
+          <p:cNvPicPr>
+            <a:picLocks noChangeAspect="1"/>
+          </p:cNvPicPr>
+          <p:nvPr/>
+        </p:nvPicPr>
+        <p:blipFill>
+          <a:blip r:embed="rId3"/>
+          <a:stretch>
+            <a:fillRect/>
+          </a:stretch>
+        </p:blipFill>
+        <p:spPr>
+          <a:xfrm>
+            <a:off x="129540" y="2689802"/>
+            <a:ext cx="6096000" cy="1478394"/>
+          </a:xfrm>
+          <a:prstGeom prst="rect">
+            <a:avLst/>
+          </a:prstGeom>
+        </p:spPr>
+      </p:pic>
+    </p:spTree>
+    <p:extLst>
+      <p:ext uri="{BB962C8B-B14F-4D97-AF65-F5344CB8AC3E}">
+        <p14:creationId xmlns:p14="http://schemas.microsoft.com/office/powerpoint/2010/main" val="1117117435"/>
+      </p:ext>
+    </p:extLst>
+  </p:cSld>
+  <p:clrMapOvr>
+    <a:masterClrMapping/>
+  </p:clrMapOvr>
+</p:sld>
+</file>
+
+<file path=ppt/slides/slide11.xml><?xml version="1.0" encoding="utf-8"?>
+<p:sld xmlns:a="http://schemas.openxmlformats.org/drawingml/2006/main" xmlns:r="http://schemas.openxmlformats.org/officeDocument/2006/relationships" xmlns:p="http://schemas.openxmlformats.org/presentationml/2006/main">
+  <p:cSld>
+    <p:spTree>
+      <p:nvGrpSpPr>
+        <p:cNvPr id="1" name=""/>
+        <p:cNvGrpSpPr/>
+        <p:nvPr/>
+      </p:nvGrpSpPr>
+      <p:grpSpPr>
+        <a:xfrm>
+          <a:off x="0" y="0"/>
+          <a:ext cx="0" cy="0"/>
+          <a:chOff x="0" y="0"/>
+          <a:chExt cx="0" cy="0"/>
+        </a:xfrm>
+      </p:grpSpPr>
+      <p:sp>
+        <p:nvSpPr>
+          <p:cNvPr id="5" name="Titre 1">
+            <a:extLst>
+              <a:ext uri="{FF2B5EF4-FFF2-40B4-BE49-F238E27FC236}">
+                <a16:creationId xmlns:a16="http://schemas.microsoft.com/office/drawing/2014/main" id="{BA30865C-3393-4E44-A14D-E3EB2B954861}"/>
+              </a:ext>
+            </a:extLst>
+          </p:cNvPr>
+          <p:cNvSpPr>
+            <a:spLocks noGrp="1"/>
+          </p:cNvSpPr>
+          <p:nvPr>
+            <p:ph type="title"/>
+          </p:nvPr>
+        </p:nvSpPr>
+        <p:spPr>
+          <a:xfrm>
+            <a:off x="129540" y="0"/>
+            <a:ext cx="8221980" cy="1325563"/>
+          </a:xfrm>
+        </p:spPr>
+        <p:txBody>
+          <a:bodyPr/>
+          <a:lstStyle/>
+          <a:p>
+            <a:r>
+              <a:rPr lang="fr-FR" dirty="0"/>
+              <a:t>Spécifications Fonctionnelles</a:t>
+            </a:r>
+          </a:p>
+        </p:txBody>
+      </p:sp>
+      <p:sp>
+        <p:nvSpPr>
+          <p:cNvPr id="6" name="ZoneTexte 5">
+            <a:extLst>
+              <a:ext uri="{FF2B5EF4-FFF2-40B4-BE49-F238E27FC236}">
+                <a16:creationId xmlns:a16="http://schemas.microsoft.com/office/drawing/2014/main" id="{DF02C497-D03A-4948-8530-B9053CAC30E7}"/>
+              </a:ext>
+            </a:extLst>
+          </p:cNvPr>
+          <p:cNvSpPr txBox="1"/>
+          <p:nvPr/>
+        </p:nvSpPr>
+        <p:spPr>
+          <a:xfrm>
+            <a:off x="83820" y="956231"/>
+            <a:ext cx="3055620" cy="369332"/>
+          </a:xfrm>
+          <a:prstGeom prst="rect">
+            <a:avLst/>
+          </a:prstGeom>
+          <a:noFill/>
+        </p:spPr>
+        <p:txBody>
+          <a:bodyPr wrap="square" rtlCol="0">
+            <a:spAutoFit/>
+          </a:bodyPr>
+          <a:lstStyle/>
+          <a:p>
+            <a:r>
+              <a:rPr lang="fr-FR" i="1" dirty="0"/>
+              <a:t>Les fonctionnalités détaillées</a:t>
+            </a:r>
+          </a:p>
+        </p:txBody>
+      </p:sp>
+      <p:pic>
+        <p:nvPicPr>
+          <p:cNvPr id="1028" name="Image 1">
+            <a:extLst>
+              <a:ext uri="{FF2B5EF4-FFF2-40B4-BE49-F238E27FC236}">
+                <a16:creationId xmlns:a16="http://schemas.microsoft.com/office/drawing/2014/main" id="{486DA824-CD56-459D-9424-B8BDB42A1BC0}"/>
+              </a:ext>
+            </a:extLst>
+          </p:cNvPr>
+          <p:cNvPicPr>
+            <a:picLocks noChangeAspect="1" noChangeArrowheads="1"/>
+          </p:cNvPicPr>
+          <p:nvPr/>
+        </p:nvPicPr>
+        <p:blipFill>
+          <a:blip r:embed="rId2">
+            <a:extLst>
+              <a:ext uri="{28A0092B-C50C-407E-A947-70E740481C1C}">
+                <a14:useLocalDpi xmlns:a14="http://schemas.microsoft.com/office/drawing/2010/main" val="0"/>
+              </a:ext>
+            </a:extLst>
+          </a:blip>
+          <a:srcRect/>
+          <a:stretch>
+            <a:fillRect/>
+          </a:stretch>
+        </p:blipFill>
+        <p:spPr bwMode="auto">
+          <a:xfrm>
+            <a:off x="262255" y="2281794"/>
+            <a:ext cx="6126163" cy="2971800"/>
+          </a:xfrm>
+          <a:prstGeom prst="rect">
+            <a:avLst/>
+          </a:prstGeom>
+          <a:noFill/>
+          <a:ln>
+            <a:noFill/>
+          </a:ln>
+          <a:extLst>
+            <a:ext uri="{909E8E84-426E-40DD-AFC4-6F175D3DCCD1}">
+              <a14:hiddenFill xmlns:a14="http://schemas.microsoft.com/office/drawing/2010/main">
+                <a:solidFill>
+                  <a:srgbClr val="FFFFFF"/>
+                </a:solidFill>
+              </a14:hiddenFill>
+            </a:ext>
+            <a:ext uri="{91240B29-F687-4F45-9708-019B960494DF}">
+              <a14:hiddenLine xmlns:a14="http://schemas.microsoft.com/office/drawing/2010/main" w="9525">
+                <a:solidFill>
+                  <a:srgbClr val="000000"/>
+                </a:solidFill>
+                <a:miter lim="800000"/>
+                <a:headEnd/>
+                <a:tailEnd/>
+              </a14:hiddenLine>
+            </a:ext>
+          </a:extLst>
+        </p:spPr>
+      </p:pic>
+      <p:pic>
+        <p:nvPicPr>
+          <p:cNvPr id="1029" name="Picture 5">
+            <a:extLst>
+              <a:ext uri="{FF2B5EF4-FFF2-40B4-BE49-F238E27FC236}">
+                <a16:creationId xmlns:a16="http://schemas.microsoft.com/office/drawing/2014/main" id="{91C19D1D-A0A0-46B7-80D8-8EF0E54CE433}"/>
+              </a:ext>
+            </a:extLst>
+          </p:cNvPr>
+          <p:cNvPicPr>
+            <a:picLocks noChangeAspect="1" noChangeArrowheads="1"/>
+          </p:cNvPicPr>
+          <p:nvPr/>
+        </p:nvPicPr>
+        <p:blipFill>
+          <a:blip r:embed="rId3">
+            <a:extLst>
+              <a:ext uri="{28A0092B-C50C-407E-A947-70E740481C1C}">
+                <a14:useLocalDpi xmlns:a14="http://schemas.microsoft.com/office/drawing/2010/main" val="0"/>
+              </a:ext>
+            </a:extLst>
+          </a:blip>
+          <a:srcRect/>
+          <a:stretch>
+            <a:fillRect/>
+          </a:stretch>
+        </p:blipFill>
+        <p:spPr bwMode="auto">
+          <a:xfrm>
+            <a:off x="7242175" y="129381"/>
+            <a:ext cx="4068763" cy="6599237"/>
+          </a:xfrm>
+          <a:prstGeom prst="rect">
+            <a:avLst/>
+          </a:prstGeom>
+          <a:noFill/>
+          <a:ln>
+            <a:noFill/>
+          </a:ln>
+          <a:extLst>
+            <a:ext uri="{909E8E84-426E-40DD-AFC4-6F175D3DCCD1}">
+              <a14:hiddenFill xmlns:a14="http://schemas.microsoft.com/office/drawing/2010/main">
+                <a:solidFill>
+                  <a:srgbClr val="FFFFFF"/>
+                </a:solidFill>
+              </a14:hiddenFill>
+            </a:ext>
+            <a:ext uri="{91240B29-F687-4F45-9708-019B960494DF}">
+              <a14:hiddenLine xmlns:a14="http://schemas.microsoft.com/office/drawing/2010/main" w="9525">
+                <a:solidFill>
+                  <a:srgbClr val="000000"/>
+                </a:solidFill>
+                <a:miter lim="800000"/>
+                <a:headEnd/>
+                <a:tailEnd/>
+              </a14:hiddenLine>
+            </a:ext>
+          </a:extLst>
+        </p:spPr>
+      </p:pic>
+    </p:spTree>
+    <p:extLst>
+      <p:ext uri="{BB962C8B-B14F-4D97-AF65-F5344CB8AC3E}">
+        <p14:creationId xmlns:p14="http://schemas.microsoft.com/office/powerpoint/2010/main" val="70180672"/>
+      </p:ext>
+    </p:extLst>
+  </p:cSld>
+  <p:clrMapOvr>
+    <a:masterClrMapping/>
+  </p:clrMapOvr>
+</p:sld>
+</file>
+
+<file path=ppt/slides/slide12.xml><?xml version="1.0" encoding="utf-8"?>
+<p:sld xmlns:a="http://schemas.openxmlformats.org/drawingml/2006/main" xmlns:r="http://schemas.openxmlformats.org/officeDocument/2006/relationships" xmlns:p="http://schemas.openxmlformats.org/presentationml/2006/main">
+  <p:cSld>
+    <p:spTree>
+      <p:nvGrpSpPr>
+        <p:cNvPr id="1" name=""/>
+        <p:cNvGrpSpPr/>
+        <p:nvPr/>
+      </p:nvGrpSpPr>
+      <p:grpSpPr>
+        <a:xfrm>
+          <a:off x="0" y="0"/>
+          <a:ext cx="0" cy="0"/>
+          <a:chOff x="0" y="0"/>
+          <a:chExt cx="0" cy="0"/>
+        </a:xfrm>
+      </p:grpSpPr>
+      <p:sp>
+        <p:nvSpPr>
+          <p:cNvPr id="5" name="Titre 1">
+            <a:extLst>
+              <a:ext uri="{FF2B5EF4-FFF2-40B4-BE49-F238E27FC236}">
+                <a16:creationId xmlns:a16="http://schemas.microsoft.com/office/drawing/2014/main" id="{BA30865C-3393-4E44-A14D-E3EB2B954861}"/>
+              </a:ext>
+            </a:extLst>
+          </p:cNvPr>
+          <p:cNvSpPr>
+            <a:spLocks noGrp="1"/>
+          </p:cNvSpPr>
+          <p:nvPr>
+            <p:ph type="title"/>
+          </p:nvPr>
+        </p:nvSpPr>
+        <p:spPr>
+          <a:xfrm>
+            <a:off x="129540" y="0"/>
+            <a:ext cx="8221980" cy="1325563"/>
+          </a:xfrm>
+        </p:spPr>
+        <p:txBody>
+          <a:bodyPr/>
+          <a:lstStyle/>
+          <a:p>
+            <a:r>
+              <a:rPr lang="fr-FR" dirty="0"/>
+              <a:t>Spécifications Fonctionnelles</a:t>
+            </a:r>
+          </a:p>
+        </p:txBody>
+      </p:sp>
+      <p:sp>
+        <p:nvSpPr>
+          <p:cNvPr id="6" name="ZoneTexte 5">
+            <a:extLst>
+              <a:ext uri="{FF2B5EF4-FFF2-40B4-BE49-F238E27FC236}">
+                <a16:creationId xmlns:a16="http://schemas.microsoft.com/office/drawing/2014/main" id="{DF02C497-D03A-4948-8530-B9053CAC30E7}"/>
+              </a:ext>
+            </a:extLst>
+          </p:cNvPr>
+          <p:cNvSpPr txBox="1"/>
+          <p:nvPr/>
+        </p:nvSpPr>
+        <p:spPr>
+          <a:xfrm>
+            <a:off x="83820" y="956231"/>
+            <a:ext cx="3208020" cy="369332"/>
+          </a:xfrm>
+          <a:prstGeom prst="rect">
+            <a:avLst/>
+          </a:prstGeom>
+          <a:noFill/>
+        </p:spPr>
+        <p:txBody>
+          <a:bodyPr wrap="square" rtlCol="0">
+            <a:spAutoFit/>
+          </a:bodyPr>
+          <a:lstStyle/>
+          <a:p>
+            <a:r>
+              <a:rPr lang="fr-FR" i="1" dirty="0"/>
+              <a:t>Le cycle de vie d’une commande</a:t>
+            </a:r>
+          </a:p>
+        </p:txBody>
+      </p:sp>
+      <p:pic>
+        <p:nvPicPr>
+          <p:cNvPr id="2" name="Image 1">
+            <a:extLst>
+              <a:ext uri="{FF2B5EF4-FFF2-40B4-BE49-F238E27FC236}">
+                <a16:creationId xmlns:a16="http://schemas.microsoft.com/office/drawing/2014/main" id="{74B20998-1C0A-4821-8F04-829388628A83}"/>
+              </a:ext>
+            </a:extLst>
+          </p:cNvPr>
+          <p:cNvPicPr>
+            <a:picLocks noChangeAspect="1"/>
+          </p:cNvPicPr>
+          <p:nvPr/>
+        </p:nvPicPr>
+        <p:blipFill>
+          <a:blip r:embed="rId2"/>
+          <a:stretch>
+            <a:fillRect/>
+          </a:stretch>
+        </p:blipFill>
+        <p:spPr>
+          <a:xfrm>
+            <a:off x="1081695" y="2083953"/>
+            <a:ext cx="9657109" cy="3265287"/>
+          </a:xfrm>
+          <a:prstGeom prst="rect">
+            <a:avLst/>
+          </a:prstGeom>
+        </p:spPr>
+      </p:pic>
+    </p:spTree>
+    <p:extLst>
+      <p:ext uri="{BB962C8B-B14F-4D97-AF65-F5344CB8AC3E}">
+        <p14:creationId xmlns:p14="http://schemas.microsoft.com/office/powerpoint/2010/main" val="2771353780"/>
+      </p:ext>
+    </p:extLst>
+  </p:cSld>
+  <p:clrMapOvr>
+    <a:masterClrMapping/>
+  </p:clrMapOvr>
+</p:sld>
+</file>
+
+<file path=ppt/slides/slide13.xml><?xml version="1.0" encoding="utf-8"?>
+<p:sld xmlns:a="http://schemas.openxmlformats.org/drawingml/2006/main" xmlns:r="http://schemas.openxmlformats.org/officeDocument/2006/relationships" xmlns:p="http://schemas.openxmlformats.org/presentationml/2006/main">
+  <p:cSld>
+    <p:bg>
+      <p:bgPr>
+        <a:solidFill>
+          <a:schemeClr val="bg1"/>
+        </a:solidFill>
+        <a:effectLst/>
+      </p:bgPr>
+    </p:bg>
+    <p:spTree>
+      <p:nvGrpSpPr>
+        <p:cNvPr id="1" name=""/>
+        <p:cNvGrpSpPr/>
+        <p:nvPr/>
+      </p:nvGrpSpPr>
+      <p:grpSpPr>
+        <a:xfrm>
+          <a:off x="0" y="0"/>
+          <a:ext cx="0" cy="0"/>
+          <a:chOff x="0" y="0"/>
+          <a:chExt cx="0" cy="0"/>
+        </a:xfrm>
+      </p:grpSpPr>
+      <p:sp>
+        <p:nvSpPr>
+          <p:cNvPr id="9" name="Rectangle 8">
+            <a:extLst>
+              <a:ext uri="{FF2B5EF4-FFF2-40B4-BE49-F238E27FC236}">
+                <a16:creationId xmlns:a16="http://schemas.microsoft.com/office/drawing/2014/main" id="{936CFC0A-8C37-453C-9488-1B30FBC3B3B0}"/>
+              </a:ext>
+              <a:ext uri="{C183D7F6-B498-43B3-948B-1728B52AA6E4}">
+                <adec:decorative xmlns:adec="http://schemas.microsoft.com/office/drawing/2017/decorative" val="1"/>
+              </a:ext>
+            </a:extLst>
+          </p:cNvPr>
+          <p:cNvSpPr>
+            <a:spLocks noGrp="1" noRot="1" noChangeAspect="1" noMove="1" noResize="1" noEditPoints="1" noAdjustHandles="1" noChangeArrowheads="1" noChangeShapeType="1" noTextEdit="1"/>
+          </p:cNvSpPr>
+          <p:nvPr>
+            <p:extLst>
+              <p:ext uri="{386F3935-93C4-4BCD-93E2-E3B085C9AB24}">
+                <p16:designElem xmlns:p16="http://schemas.microsoft.com/office/powerpoint/2015/main" val="1"/>
+              </p:ext>
+            </p:extLst>
+          </p:nvPr>
+        </p:nvSpPr>
+        <p:spPr>
+          <a:xfrm>
+            <a:off x="0" y="0"/>
+            <a:ext cx="12192000" cy="6858000"/>
+          </a:xfrm>
+          <a:prstGeom prst="rect">
+            <a:avLst/>
+          </a:prstGeom>
+          <a:solidFill>
+            <a:srgbClr val="FFFFFF"/>
+          </a:solidFill>
+          <a:ln w="12700" cap="flat" cmpd="sng" algn="ctr">
+            <a:noFill/>
+            <a:prstDash val="solid"/>
+            <a:miter lim="800000"/>
+          </a:ln>
+          <a:effectLst/>
+        </p:spPr>
+        <p:style>
+          <a:lnRef idx="2">
+            <a:schemeClr val="accent1">
+              <a:shade val="50000"/>
+            </a:schemeClr>
+          </a:lnRef>
+          <a:fillRef idx="1">
+            <a:schemeClr val="accent1"/>
+          </a:fillRef>
+          <a:effectRef idx="0">
+            <a:schemeClr val="accent1"/>
+          </a:effectRef>
+          <a:fontRef idx="minor">
+            <a:schemeClr val="lt1"/>
+          </a:fontRef>
+        </p:style>
+        <p:txBody>
+          <a:bodyPr rtlCol="0" anchor="ctr"/>
+          <a:lstStyle/>
+          <a:p>
+            <a:pPr algn="ctr"/>
+            <a:endParaRPr lang="en-US"/>
+          </a:p>
+        </p:txBody>
+      </p:sp>
+      <p:sp>
+        <p:nvSpPr>
+          <p:cNvPr id="2" name="Titre 1">
+            <a:extLst>
+              <a:ext uri="{FF2B5EF4-FFF2-40B4-BE49-F238E27FC236}">
+                <a16:creationId xmlns:a16="http://schemas.microsoft.com/office/drawing/2014/main" id="{3D758C1C-AD7D-4A5F-A517-82C141E10E20}"/>
+              </a:ext>
+            </a:extLst>
+          </p:cNvPr>
+          <p:cNvSpPr>
+            <a:spLocks noGrp="1"/>
+          </p:cNvSpPr>
+          <p:nvPr>
+            <p:ph type="ctrTitle"/>
+          </p:nvPr>
+        </p:nvSpPr>
+        <p:spPr>
+          <a:xfrm>
+            <a:off x="1382597" y="3424348"/>
+            <a:ext cx="9426806" cy="1424410"/>
+          </a:xfrm>
+        </p:spPr>
+        <p:txBody>
+          <a:bodyPr anchor="b">
+            <a:normAutofit/>
+          </a:bodyPr>
+          <a:lstStyle/>
+          <a:p>
+            <a:r>
+              <a:rPr lang="fr-FR" sz="5400">
+                <a:solidFill>
+                  <a:srgbClr val="1B1B1B"/>
+                </a:solidFill>
+              </a:rPr>
+              <a:t>Spécifications Techniques</a:t>
+            </a:r>
+          </a:p>
+        </p:txBody>
+      </p:sp>
+      <p:sp>
+        <p:nvSpPr>
+          <p:cNvPr id="11" name="Oval 10">
+            <a:extLst>
+              <a:ext uri="{FF2B5EF4-FFF2-40B4-BE49-F238E27FC236}">
+                <a16:creationId xmlns:a16="http://schemas.microsoft.com/office/drawing/2014/main" id="{FBC3EAFD-A275-4F9B-8F62-72B6678F35A8}"/>
+              </a:ext>
+              <a:ext uri="{C183D7F6-B498-43B3-948B-1728B52AA6E4}">
+                <adec:decorative xmlns:adec="http://schemas.microsoft.com/office/drawing/2017/decorative" val="1"/>
+              </a:ext>
+            </a:extLst>
+          </p:cNvPr>
+          <p:cNvSpPr>
+            <a:spLocks noGrp="1" noRot="1" noChangeAspect="1" noMove="1" noResize="1" noEditPoints="1" noAdjustHandles="1" noChangeArrowheads="1" noChangeShapeType="1" noTextEdit="1"/>
+          </p:cNvSpPr>
+          <p:nvPr>
+            <p:extLst>
+              <p:ext uri="{386F3935-93C4-4BCD-93E2-E3B085C9AB24}">
+                <p16:designElem xmlns:p16="http://schemas.microsoft.com/office/powerpoint/2015/main" val="1"/>
+              </p:ext>
+            </p:extLst>
+          </p:nvPr>
+        </p:nvSpPr>
+        <p:spPr>
+          <a:xfrm>
+            <a:off x="4908526" y="933319"/>
+            <a:ext cx="2463430" cy="2486070"/>
+          </a:xfrm>
+          <a:prstGeom prst="ellipse">
+            <a:avLst/>
+          </a:prstGeom>
+          <a:solidFill>
+            <a:schemeClr val="accent1"/>
+          </a:solidFill>
+          <a:ln>
+            <a:noFill/>
+          </a:ln>
+        </p:spPr>
+        <p:style>
+          <a:lnRef idx="2">
+            <a:schemeClr val="accent1">
+              <a:shade val="50000"/>
+            </a:schemeClr>
+          </a:lnRef>
+          <a:fillRef idx="1">
+            <a:schemeClr val="accent1"/>
+          </a:fillRef>
+          <a:effectRef idx="0">
+            <a:schemeClr val="accent1"/>
+          </a:effectRef>
+          <a:fontRef idx="minor">
+            <a:schemeClr val="lt1"/>
+          </a:fontRef>
+        </p:style>
+        <p:txBody>
+          <a:bodyPr rtlCol="0" anchor="ctr"/>
+          <a:lstStyle/>
+          <a:p>
+            <a:pPr algn="ctr"/>
+            <a:endParaRPr lang="en-US"/>
+          </a:p>
+        </p:txBody>
+      </p:sp>
+      <p:sp>
+        <p:nvSpPr>
+          <p:cNvPr id="13" name="Oval 12">
+            <a:extLst>
+              <a:ext uri="{FF2B5EF4-FFF2-40B4-BE49-F238E27FC236}">
+                <a16:creationId xmlns:a16="http://schemas.microsoft.com/office/drawing/2014/main" id="{06E64A6D-2B9F-4AAD-AB42-A61BAF01AC12}"/>
+              </a:ext>
+              <a:ext uri="{C183D7F6-B498-43B3-948B-1728B52AA6E4}">
+                <adec:decorative xmlns:adec="http://schemas.microsoft.com/office/drawing/2017/decorative" val="1"/>
+              </a:ext>
+            </a:extLst>
+          </p:cNvPr>
+          <p:cNvSpPr>
+            <a:spLocks noGrp="1" noRot="1" noChangeAspect="1" noMove="1" noResize="1" noEditPoints="1" noAdjustHandles="1" noChangeArrowheads="1" noChangeShapeType="1" noTextEdit="1"/>
+          </p:cNvSpPr>
+          <p:nvPr>
+            <p:extLst>
+              <p:ext uri="{386F3935-93C4-4BCD-93E2-E3B085C9AB24}">
+                <p16:designElem xmlns:p16="http://schemas.microsoft.com/office/powerpoint/2015/main" val="1"/>
+              </p:ext>
+            </p:extLst>
+          </p:nvPr>
+        </p:nvSpPr>
+        <p:spPr>
+          <a:xfrm>
+            <a:off x="5117592" y="1268361"/>
+            <a:ext cx="1956816" cy="1953058"/>
+          </a:xfrm>
+          <a:prstGeom prst="ellipse">
+            <a:avLst/>
+          </a:prstGeom>
+          <a:solidFill>
+            <a:srgbClr val="FFFFFF"/>
+          </a:solidFill>
+          <a:ln>
+            <a:solidFill>
+              <a:schemeClr val="accent1">
+                <a:lumMod val="60000"/>
+                <a:lumOff val="40000"/>
+              </a:schemeClr>
+            </a:solidFill>
+          </a:ln>
+        </p:spPr>
+        <p:style>
+          <a:lnRef idx="2">
+            <a:schemeClr val="accent1">
+              <a:shade val="50000"/>
+            </a:schemeClr>
+          </a:lnRef>
+          <a:fillRef idx="1">
+            <a:schemeClr val="accent1"/>
+          </a:fillRef>
+          <a:effectRef idx="0">
+            <a:schemeClr val="accent1"/>
+          </a:effectRef>
+          <a:fontRef idx="minor">
+            <a:schemeClr val="lt1"/>
+          </a:fontRef>
+        </p:style>
+        <p:txBody>
+          <a:bodyPr rtlCol="0" anchor="ctr"/>
+          <a:lstStyle/>
+          <a:p>
+            <a:pPr algn="ctr"/>
+            <a:endParaRPr lang="en-US"/>
+          </a:p>
+        </p:txBody>
+      </p:sp>
+      <p:pic>
+        <p:nvPicPr>
+          <p:cNvPr id="4" name="Image 3" descr="Une image contenant dessin&#10;&#10;Description générée automatiquement">
+            <a:extLst>
+              <a:ext uri="{FF2B5EF4-FFF2-40B4-BE49-F238E27FC236}">
+                <a16:creationId xmlns:a16="http://schemas.microsoft.com/office/drawing/2014/main" id="{8C8E35CB-83FA-4998-8414-044FDAED8389}"/>
+              </a:ext>
+            </a:extLst>
+          </p:cNvPr>
+          <p:cNvPicPr>
+            <a:picLocks noChangeAspect="1"/>
+          </p:cNvPicPr>
+          <p:nvPr/>
+        </p:nvPicPr>
+        <p:blipFill rotWithShape="1">
+          <a:blip r:embed="rId2">
+            <a:alphaModFix/>
+          </a:blip>
+          <a:srcRect l="6322" r="3" b="3"/>
+          <a:stretch/>
+        </p:blipFill>
+        <p:spPr>
+          <a:xfrm>
+            <a:off x="5181600" y="1330490"/>
+            <a:ext cx="1828800" cy="1828800"/>
+          </a:xfrm>
+          <a:custGeom>
+            <a:avLst/>
+            <a:gdLst/>
+            <a:ahLst/>
+            <a:cxnLst/>
+            <a:rect l="l" t="t" r="r" b="b"/>
+            <a:pathLst>
+              <a:path w="6057610" h="6057610">
+                <a:moveTo>
+                  <a:pt x="3028805" y="0"/>
+                </a:moveTo>
+                <a:cubicBezTo>
+                  <a:pt x="4701568" y="0"/>
+                  <a:pt x="6057610" y="1356042"/>
+                  <a:pt x="6057610" y="3028805"/>
+                </a:cubicBezTo>
+                <a:cubicBezTo>
+                  <a:pt x="6057610" y="4701568"/>
+                  <a:pt x="4701568" y="6057610"/>
+                  <a:pt x="3028805" y="6057610"/>
+                </a:cubicBezTo>
+                <a:cubicBezTo>
+                  <a:pt x="1356042" y="6057610"/>
+                  <a:pt x="0" y="4701568"/>
+                  <a:pt x="0" y="3028805"/>
+                </a:cubicBezTo>
+                <a:cubicBezTo>
+                  <a:pt x="0" y="1356042"/>
+                  <a:pt x="1356042" y="0"/>
+                  <a:pt x="3028805" y="0"/>
+                </a:cubicBezTo>
+                <a:close/>
+              </a:path>
+            </a:pathLst>
+          </a:custGeom>
+          <a:effectLst>
+            <a:softEdge rad="0"/>
+          </a:effectLst>
+        </p:spPr>
+      </p:pic>
+      <p:pic>
+        <p:nvPicPr>
+          <p:cNvPr id="15" name="Picture 14">
+            <a:extLst>
+              <a:ext uri="{FF2B5EF4-FFF2-40B4-BE49-F238E27FC236}">
+                <a16:creationId xmlns:a16="http://schemas.microsoft.com/office/drawing/2014/main" id="{C51881DD-AD85-41BE-8A49-C2FB45800E10}"/>
+              </a:ext>
+              <a:ext uri="{C183D7F6-B498-43B3-948B-1728B52AA6E4}">
+                <adec:decorative xmlns:adec="http://schemas.microsoft.com/office/drawing/2017/decorative" val="1"/>
+              </a:ext>
+            </a:extLst>
+          </p:cNvPr>
+          <p:cNvPicPr>
+            <a:picLocks noGrp="1" noRot="1" noChangeAspect="1" noMove="1" noResize="1" noEditPoints="1" noAdjustHandles="1" noChangeArrowheads="1" noChangeShapeType="1" noCrop="1"/>
+          </p:cNvPicPr>
+          <p:nvPr>
+            <p:extLst>
+              <p:ext uri="{386F3935-93C4-4BCD-93E2-E3B085C9AB24}">
+                <p16:designElem xmlns:p16="http://schemas.microsoft.com/office/powerpoint/2015/main" val="1"/>
+              </p:ext>
+            </p:extLst>
+          </p:nvPr>
+        </p:nvPicPr>
+        <p:blipFill>
+          <a:blip r:embed="rId3" cstate="print">
+            <a:extLst>
+              <a:ext uri="{28A0092B-C50C-407E-A947-70E740481C1C}">
+                <a14:useLocalDpi xmlns:a14="http://schemas.microsoft.com/office/drawing/2010/main" val="0"/>
+              </a:ext>
+            </a:extLst>
+          </a:blip>
+          <a:srcRect l="33525" t="5243" r="33525" b="36180"/>
+          <a:stretch>
+            <a:fillRect/>
+          </a:stretch>
+        </p:blipFill>
+        <p:spPr>
+          <a:xfrm>
+            <a:off x="4860081" y="896194"/>
+            <a:ext cx="2560320" cy="2560320"/>
+          </a:xfrm>
+          <a:custGeom>
+            <a:avLst/>
+            <a:gdLst>
+              <a:gd name="connsiteX0" fmla="*/ 2008598 w 4017196"/>
+              <a:gd name="connsiteY0" fmla="*/ 0 h 4017196"/>
+              <a:gd name="connsiteX1" fmla="*/ 4017196 w 4017196"/>
+              <a:gd name="connsiteY1" fmla="*/ 2008598 h 4017196"/>
+              <a:gd name="connsiteX2" fmla="*/ 2008598 w 4017196"/>
+              <a:gd name="connsiteY2" fmla="*/ 4017196 h 4017196"/>
+              <a:gd name="connsiteX3" fmla="*/ 0 w 4017196"/>
+              <a:gd name="connsiteY3" fmla="*/ 2008598 h 4017196"/>
+              <a:gd name="connsiteX4" fmla="*/ 2008598 w 4017196"/>
+              <a:gd name="connsiteY4" fmla="*/ 0 h 4017196"/>
+            </a:gdLst>
+            <a:ahLst/>
+            <a:cxnLst>
+              <a:cxn ang="0">
+                <a:pos x="connsiteX0" y="connsiteY0"/>
+              </a:cxn>
+              <a:cxn ang="0">
+                <a:pos x="connsiteX1" y="connsiteY1"/>
+              </a:cxn>
+              <a:cxn ang="0">
+                <a:pos x="connsiteX2" y="connsiteY2"/>
+              </a:cxn>
+              <a:cxn ang="0">
+                <a:pos x="connsiteX3" y="connsiteY3"/>
+              </a:cxn>
+              <a:cxn ang="0">
+                <a:pos x="connsiteX4" y="connsiteY4"/>
+              </a:cxn>
+            </a:cxnLst>
+            <a:rect l="l" t="t" r="r" b="b"/>
+            <a:pathLst>
+              <a:path w="4017196" h="4017196">
+                <a:moveTo>
+                  <a:pt x="2008598" y="0"/>
+                </a:moveTo>
+                <a:cubicBezTo>
+                  <a:pt x="3117916" y="0"/>
+                  <a:pt x="4017196" y="899280"/>
+                  <a:pt x="4017196" y="2008598"/>
+                </a:cubicBezTo>
+                <a:cubicBezTo>
+                  <a:pt x="4017196" y="3117916"/>
+                  <a:pt x="3117916" y="4017196"/>
+                  <a:pt x="2008598" y="4017196"/>
+                </a:cubicBezTo>
+                <a:cubicBezTo>
+                  <a:pt x="899280" y="4017196"/>
+                  <a:pt x="0" y="3117916"/>
+                  <a:pt x="0" y="2008598"/>
+                </a:cubicBezTo>
+                <a:cubicBezTo>
+                  <a:pt x="0" y="899280"/>
+                  <a:pt x="899280" y="0"/>
+                  <a:pt x="2008598" y="0"/>
+                </a:cubicBezTo>
+                <a:close/>
+              </a:path>
+            </a:pathLst>
+          </a:custGeom>
+        </p:spPr>
+      </p:pic>
+      <p:cxnSp>
+        <p:nvCxnSpPr>
+          <p:cNvPr id="17" name="Straight Connector 16">
+            <a:extLst>
+              <a:ext uri="{FF2B5EF4-FFF2-40B4-BE49-F238E27FC236}">
+                <a16:creationId xmlns:a16="http://schemas.microsoft.com/office/drawing/2014/main" id="{9AD20FE8-ED02-4CDE-83B1-A1436305C3DC}"/>
+              </a:ext>
+              <a:ext uri="{C183D7F6-B498-43B3-948B-1728B52AA6E4}">
+                <adec:decorative xmlns:adec="http://schemas.microsoft.com/office/drawing/2017/decorative" val="1"/>
+              </a:ext>
+            </a:extLst>
+          </p:cNvPr>
+          <p:cNvCxnSpPr>
+            <a:cxnSpLocks noGrp="1" noRot="1" noChangeAspect="1" noMove="1" noResize="1" noEditPoints="1" noAdjustHandles="1" noChangeArrowheads="1" noChangeShapeType="1"/>
+          </p:cNvCxnSpPr>
+          <p:nvPr>
+            <p:extLst>
+              <p:ext uri="{386F3935-93C4-4BCD-93E2-E3B085C9AB24}">
+                <p16:designElem xmlns:p16="http://schemas.microsoft.com/office/powerpoint/2015/main" val="1"/>
+              </p:ext>
+            </p:extLst>
+          </p:nvPr>
+        </p:nvCxnSpPr>
+        <p:spPr>
+          <a:xfrm>
+            <a:off x="5775960" y="4971278"/>
+            <a:ext cx="640080" cy="0"/>
+          </a:xfrm>
+          <a:prstGeom prst="line">
+            <a:avLst/>
+          </a:prstGeom>
+          <a:ln w="28575">
+            <a:solidFill>
+              <a:srgbClr val="404040"/>
+            </a:solidFill>
+          </a:ln>
+        </p:spPr>
+        <p:style>
+          <a:lnRef idx="1">
+            <a:schemeClr val="accent1"/>
+          </a:lnRef>
+          <a:fillRef idx="0">
+            <a:schemeClr val="accent1"/>
+          </a:fillRef>
+          <a:effectRef idx="0">
+            <a:schemeClr val="accent1"/>
+          </a:effectRef>
+          <a:fontRef idx="minor">
+            <a:schemeClr val="tx1"/>
+          </a:fontRef>
+        </p:style>
+      </p:cxnSp>
+    </p:spTree>
+    <p:extLst>
+      <p:ext uri="{BB962C8B-B14F-4D97-AF65-F5344CB8AC3E}">
+        <p14:creationId xmlns:p14="http://schemas.microsoft.com/office/powerpoint/2010/main" val="3913071061"/>
+      </p:ext>
+    </p:extLst>
+  </p:cSld>
+  <p:clrMapOvr>
+    <a:masterClrMapping/>
+  </p:clrMapOvr>
+</p:sld>
+</file>
+
+<file path=ppt/slides/slide14.xml><?xml version="1.0" encoding="utf-8"?>
+<p:sld xmlns:a="http://schemas.openxmlformats.org/drawingml/2006/main" xmlns:r="http://schemas.openxmlformats.org/officeDocument/2006/relationships" xmlns:p="http://schemas.openxmlformats.org/presentationml/2006/main">
+  <p:cSld>
+    <p:spTree>
+      <p:nvGrpSpPr>
+        <p:cNvPr id="1" name=""/>
+        <p:cNvGrpSpPr/>
+        <p:nvPr/>
+      </p:nvGrpSpPr>
+      <p:grpSpPr>
+        <a:xfrm>
+          <a:off x="0" y="0"/>
+          <a:ext cx="0" cy="0"/>
+          <a:chOff x="0" y="0"/>
+          <a:chExt cx="0" cy="0"/>
+        </a:xfrm>
+      </p:grpSpPr>
+      <p:sp>
+        <p:nvSpPr>
+          <p:cNvPr id="5" name="Titre 1">
+            <a:extLst>
+              <a:ext uri="{FF2B5EF4-FFF2-40B4-BE49-F238E27FC236}">
+                <a16:creationId xmlns:a16="http://schemas.microsoft.com/office/drawing/2014/main" id="{BA30865C-3393-4E44-A14D-E3EB2B954861}"/>
+              </a:ext>
+            </a:extLst>
+          </p:cNvPr>
+          <p:cNvSpPr>
+            <a:spLocks noGrp="1"/>
+          </p:cNvSpPr>
+          <p:nvPr>
+            <p:ph type="title"/>
+          </p:nvPr>
+        </p:nvSpPr>
+        <p:spPr>
+          <a:xfrm>
+            <a:off x="129540" y="0"/>
+            <a:ext cx="8221980" cy="1325563"/>
+          </a:xfrm>
+        </p:spPr>
+        <p:txBody>
+          <a:bodyPr/>
+          <a:lstStyle/>
+          <a:p>
+            <a:r>
+              <a:rPr lang="fr-FR" dirty="0"/>
+              <a:t>Spécifications Techniques</a:t>
+            </a:r>
+          </a:p>
+        </p:txBody>
+      </p:sp>
+      <p:sp>
+        <p:nvSpPr>
+          <p:cNvPr id="6" name="ZoneTexte 5">
+            <a:extLst>
+              <a:ext uri="{FF2B5EF4-FFF2-40B4-BE49-F238E27FC236}">
+                <a16:creationId xmlns:a16="http://schemas.microsoft.com/office/drawing/2014/main" id="{DF02C497-D03A-4948-8530-B9053CAC30E7}"/>
+              </a:ext>
+            </a:extLst>
+          </p:cNvPr>
+          <p:cNvSpPr txBox="1"/>
+          <p:nvPr/>
+        </p:nvSpPr>
+        <p:spPr>
+          <a:xfrm>
+            <a:off x="83820" y="956231"/>
+            <a:ext cx="3009900" cy="369332"/>
+          </a:xfrm>
+          <a:prstGeom prst="rect">
+            <a:avLst/>
+          </a:prstGeom>
+          <a:noFill/>
+        </p:spPr>
+        <p:txBody>
+          <a:bodyPr wrap="square" rtlCol="0">
+            <a:spAutoFit/>
+          </a:bodyPr>
+          <a:lstStyle/>
+          <a:p>
+            <a:r>
+              <a:rPr lang="fr-FR" i="1" dirty="0"/>
+              <a:t>Choix technologiques internes</a:t>
+            </a:r>
+          </a:p>
+        </p:txBody>
+      </p:sp>
+      <p:sp>
+        <p:nvSpPr>
+          <p:cNvPr id="4" name="Espace réservé du contenu 2">
+            <a:extLst>
+              <a:ext uri="{FF2B5EF4-FFF2-40B4-BE49-F238E27FC236}">
+                <a16:creationId xmlns:a16="http://schemas.microsoft.com/office/drawing/2014/main" id="{97D0BA48-3C49-4D07-A973-1B24C7C3A5DD}"/>
+              </a:ext>
+            </a:extLst>
+          </p:cNvPr>
+          <p:cNvSpPr>
+            <a:spLocks noGrp="1"/>
+          </p:cNvSpPr>
+          <p:nvPr>
+            <p:ph sz="half" idx="1"/>
+          </p:nvPr>
+        </p:nvSpPr>
+        <p:spPr>
+          <a:xfrm>
+            <a:off x="259080" y="2007838"/>
+            <a:ext cx="4450080" cy="2796423"/>
+          </a:xfrm>
+        </p:spPr>
+        <p:txBody>
+          <a:bodyPr/>
+          <a:lstStyle/>
+          <a:p>
+            <a:pPr marL="0" indent="0">
+              <a:buNone/>
+            </a:pPr>
+            <a:endParaRPr lang="fr-FR" dirty="0"/>
+          </a:p>
+          <a:p>
+            <a:r>
+              <a:rPr lang="fr-FR" dirty="0"/>
+              <a:t>CMS</a:t>
+            </a:r>
+          </a:p>
+          <a:p>
+            <a:endParaRPr lang="fr-FR" dirty="0"/>
+          </a:p>
+          <a:p>
+            <a:pPr marL="0" indent="0">
+              <a:buNone/>
+            </a:pPr>
+            <a:endParaRPr lang="fr-FR" dirty="0"/>
+          </a:p>
+          <a:p>
+            <a:pPr marL="0" indent="0">
+              <a:buNone/>
+            </a:pPr>
+            <a:endParaRPr lang="fr-FR" dirty="0"/>
+          </a:p>
+        </p:txBody>
+      </p:sp>
+      <p:pic>
+        <p:nvPicPr>
+          <p:cNvPr id="2" name="Image 1">
+            <a:extLst>
+              <a:ext uri="{FF2B5EF4-FFF2-40B4-BE49-F238E27FC236}">
+                <a16:creationId xmlns:a16="http://schemas.microsoft.com/office/drawing/2014/main" id="{6A68E941-8FC1-4C66-82F6-F91650D5B4C2}"/>
+              </a:ext>
+            </a:extLst>
+          </p:cNvPr>
+          <p:cNvPicPr>
+            <a:picLocks noChangeAspect="1"/>
+          </p:cNvPicPr>
+          <p:nvPr/>
+        </p:nvPicPr>
+        <p:blipFill>
+          <a:blip r:embed="rId2"/>
+          <a:stretch>
+            <a:fillRect/>
+          </a:stretch>
+        </p:blipFill>
+        <p:spPr>
+          <a:xfrm>
+            <a:off x="7959003" y="1140897"/>
+            <a:ext cx="2004234" cy="2080440"/>
+          </a:xfrm>
+          <a:prstGeom prst="rect">
+            <a:avLst/>
+          </a:prstGeom>
+        </p:spPr>
+      </p:pic>
+      <p:pic>
+        <p:nvPicPr>
+          <p:cNvPr id="3" name="Image 2">
+            <a:extLst>
+              <a:ext uri="{FF2B5EF4-FFF2-40B4-BE49-F238E27FC236}">
+                <a16:creationId xmlns:a16="http://schemas.microsoft.com/office/drawing/2014/main" id="{ED58C331-BF8C-4940-AF9A-06B4AC4136F4}"/>
+              </a:ext>
+            </a:extLst>
+          </p:cNvPr>
+          <p:cNvPicPr>
+            <a:picLocks noChangeAspect="1"/>
+          </p:cNvPicPr>
+          <p:nvPr/>
+        </p:nvPicPr>
+        <p:blipFill>
+          <a:blip r:embed="rId3"/>
+          <a:stretch>
+            <a:fillRect/>
+          </a:stretch>
+        </p:blipFill>
+        <p:spPr>
+          <a:xfrm>
+            <a:off x="7959003" y="3636664"/>
+            <a:ext cx="2034716" cy="1676545"/>
+          </a:xfrm>
+          <a:prstGeom prst="rect">
+            <a:avLst/>
+          </a:prstGeom>
+        </p:spPr>
+      </p:pic>
+      <p:pic>
+        <p:nvPicPr>
+          <p:cNvPr id="7" name="Image 6">
+            <a:extLst>
+              <a:ext uri="{FF2B5EF4-FFF2-40B4-BE49-F238E27FC236}">
+                <a16:creationId xmlns:a16="http://schemas.microsoft.com/office/drawing/2014/main" id="{4966E0B2-023F-4056-BAB3-1355961AA8CD}"/>
+              </a:ext>
+            </a:extLst>
+          </p:cNvPr>
+          <p:cNvPicPr>
+            <a:picLocks noChangeAspect="1"/>
+          </p:cNvPicPr>
+          <p:nvPr/>
+        </p:nvPicPr>
+        <p:blipFill>
+          <a:blip r:embed="rId4"/>
+          <a:stretch>
+            <a:fillRect/>
+          </a:stretch>
+        </p:blipFill>
+        <p:spPr>
+          <a:xfrm>
+            <a:off x="5131986" y="2430693"/>
+            <a:ext cx="1928027" cy="1996613"/>
+          </a:xfrm>
+          <a:prstGeom prst="rect">
+            <a:avLst/>
+          </a:prstGeom>
+        </p:spPr>
+      </p:pic>
+    </p:spTree>
+    <p:extLst>
+      <p:ext uri="{BB962C8B-B14F-4D97-AF65-F5344CB8AC3E}">
+        <p14:creationId xmlns:p14="http://schemas.microsoft.com/office/powerpoint/2010/main" val="2262700931"/>
+      </p:ext>
+    </p:extLst>
+  </p:cSld>
+  <p:clrMapOvr>
+    <a:masterClrMapping/>
+  </p:clrMapOvr>
+</p:sld>
+</file>
+
+<file path=ppt/slides/slide15.xml><?xml version="1.0" encoding="utf-8"?>
+<p:sld xmlns:a="http://schemas.openxmlformats.org/drawingml/2006/main" xmlns:r="http://schemas.openxmlformats.org/officeDocument/2006/relationships" xmlns:p="http://schemas.openxmlformats.org/presentationml/2006/main">
+  <p:cSld>
+    <p:spTree>
+      <p:nvGrpSpPr>
+        <p:cNvPr id="1" name=""/>
+        <p:cNvGrpSpPr/>
+        <p:nvPr/>
+      </p:nvGrpSpPr>
+      <p:grpSpPr>
+        <a:xfrm>
+          <a:off x="0" y="0"/>
+          <a:ext cx="0" cy="0"/>
+          <a:chOff x="0" y="0"/>
+          <a:chExt cx="0" cy="0"/>
+        </a:xfrm>
+      </p:grpSpPr>
+      <p:sp>
+        <p:nvSpPr>
+          <p:cNvPr id="5" name="Titre 1">
+            <a:extLst>
+              <a:ext uri="{FF2B5EF4-FFF2-40B4-BE49-F238E27FC236}">
+                <a16:creationId xmlns:a16="http://schemas.microsoft.com/office/drawing/2014/main" id="{BA30865C-3393-4E44-A14D-E3EB2B954861}"/>
+              </a:ext>
+            </a:extLst>
+          </p:cNvPr>
+          <p:cNvSpPr>
+            <a:spLocks noGrp="1"/>
+          </p:cNvSpPr>
+          <p:nvPr>
+            <p:ph type="title"/>
+          </p:nvPr>
+        </p:nvSpPr>
+        <p:spPr>
+          <a:xfrm>
+            <a:off x="129540" y="0"/>
+            <a:ext cx="8221980" cy="1325563"/>
+          </a:xfrm>
+        </p:spPr>
+        <p:txBody>
+          <a:bodyPr/>
+          <a:lstStyle/>
+          <a:p>
+            <a:r>
+              <a:rPr lang="fr-FR" dirty="0"/>
+              <a:t>Spécifications Techniques</a:t>
+            </a:r>
+          </a:p>
+        </p:txBody>
+      </p:sp>
+      <p:sp>
+        <p:nvSpPr>
+          <p:cNvPr id="6" name="ZoneTexte 5">
+            <a:extLst>
+              <a:ext uri="{FF2B5EF4-FFF2-40B4-BE49-F238E27FC236}">
+                <a16:creationId xmlns:a16="http://schemas.microsoft.com/office/drawing/2014/main" id="{DF02C497-D03A-4948-8530-B9053CAC30E7}"/>
+              </a:ext>
+            </a:extLst>
+          </p:cNvPr>
+          <p:cNvSpPr txBox="1"/>
+          <p:nvPr/>
+        </p:nvSpPr>
+        <p:spPr>
+          <a:xfrm>
+            <a:off x="83820" y="956231"/>
+            <a:ext cx="3009900" cy="369332"/>
+          </a:xfrm>
+          <a:prstGeom prst="rect">
+            <a:avLst/>
+          </a:prstGeom>
+          <a:noFill/>
+        </p:spPr>
+        <p:txBody>
+          <a:bodyPr wrap="square" rtlCol="0">
+            <a:spAutoFit/>
+          </a:bodyPr>
+          <a:lstStyle/>
+          <a:p>
+            <a:r>
+              <a:rPr lang="fr-FR" i="1" dirty="0"/>
+              <a:t>Choix technologiques internes</a:t>
+            </a:r>
+          </a:p>
+        </p:txBody>
+      </p:sp>
+      <p:sp>
+        <p:nvSpPr>
+          <p:cNvPr id="4" name="Espace réservé du contenu 2">
+            <a:extLst>
+              <a:ext uri="{FF2B5EF4-FFF2-40B4-BE49-F238E27FC236}">
+                <a16:creationId xmlns:a16="http://schemas.microsoft.com/office/drawing/2014/main" id="{97D0BA48-3C49-4D07-A973-1B24C7C3A5DD}"/>
+              </a:ext>
+            </a:extLst>
+          </p:cNvPr>
+          <p:cNvSpPr>
+            <a:spLocks noGrp="1"/>
+          </p:cNvSpPr>
+          <p:nvPr>
+            <p:ph sz="half" idx="1"/>
+          </p:nvPr>
+        </p:nvSpPr>
+        <p:spPr>
+          <a:xfrm>
+            <a:off x="259080" y="2007838"/>
+            <a:ext cx="4450080" cy="2796423"/>
+          </a:xfrm>
+        </p:spPr>
+        <p:txBody>
+          <a:bodyPr/>
+          <a:lstStyle/>
+          <a:p>
+            <a:pPr marL="0" indent="0">
+              <a:buNone/>
+            </a:pPr>
+            <a:endParaRPr lang="fr-FR" dirty="0"/>
+          </a:p>
+          <a:p>
+            <a:r>
+              <a:rPr lang="fr-FR" dirty="0"/>
+              <a:t>BDD</a:t>
+            </a:r>
+          </a:p>
+          <a:p>
+            <a:endParaRPr lang="fr-FR" dirty="0"/>
+          </a:p>
+          <a:p>
+            <a:pPr marL="0" indent="0">
+              <a:buNone/>
+            </a:pPr>
+            <a:endParaRPr lang="fr-FR" dirty="0"/>
+          </a:p>
+          <a:p>
+            <a:pPr marL="0" indent="0">
+              <a:buNone/>
+            </a:pPr>
+            <a:endParaRPr lang="fr-FR" dirty="0"/>
+          </a:p>
+        </p:txBody>
+      </p:sp>
+      <p:pic>
+        <p:nvPicPr>
+          <p:cNvPr id="2" name="Image 1">
+            <a:extLst>
+              <a:ext uri="{FF2B5EF4-FFF2-40B4-BE49-F238E27FC236}">
+                <a16:creationId xmlns:a16="http://schemas.microsoft.com/office/drawing/2014/main" id="{5685C6E0-9CF0-4A82-B22B-FF281538D001}"/>
+              </a:ext>
+            </a:extLst>
+          </p:cNvPr>
+          <p:cNvPicPr>
+            <a:picLocks noChangeAspect="1"/>
+          </p:cNvPicPr>
+          <p:nvPr/>
+        </p:nvPicPr>
+        <p:blipFill>
+          <a:blip r:embed="rId2"/>
+          <a:stretch>
+            <a:fillRect/>
+          </a:stretch>
+        </p:blipFill>
+        <p:spPr>
+          <a:xfrm>
+            <a:off x="7128380" y="1843903"/>
+            <a:ext cx="2994920" cy="1585097"/>
+          </a:xfrm>
+          <a:prstGeom prst="rect">
+            <a:avLst/>
+          </a:prstGeom>
+        </p:spPr>
+      </p:pic>
+      <p:pic>
+        <p:nvPicPr>
+          <p:cNvPr id="3" name="Image 2">
+            <a:extLst>
+              <a:ext uri="{FF2B5EF4-FFF2-40B4-BE49-F238E27FC236}">
+                <a16:creationId xmlns:a16="http://schemas.microsoft.com/office/drawing/2014/main" id="{8A0CAA59-AFF9-4CB8-AFA6-575822FC4341}"/>
+              </a:ext>
+            </a:extLst>
+          </p:cNvPr>
+          <p:cNvPicPr>
+            <a:picLocks noChangeAspect="1"/>
+          </p:cNvPicPr>
+          <p:nvPr/>
+        </p:nvPicPr>
+        <p:blipFill>
+          <a:blip r:embed="rId3"/>
+          <a:stretch>
+            <a:fillRect/>
+          </a:stretch>
+        </p:blipFill>
+        <p:spPr>
+          <a:xfrm>
+            <a:off x="7821860" y="3908833"/>
+            <a:ext cx="1607959" cy="1790855"/>
+          </a:xfrm>
+          <a:prstGeom prst="rect">
+            <a:avLst/>
+          </a:prstGeom>
+        </p:spPr>
+      </p:pic>
+    </p:spTree>
+    <p:extLst>
+      <p:ext uri="{BB962C8B-B14F-4D97-AF65-F5344CB8AC3E}">
+        <p14:creationId xmlns:p14="http://schemas.microsoft.com/office/powerpoint/2010/main" val="25514128"/>
+      </p:ext>
+    </p:extLst>
+  </p:cSld>
+  <p:clrMapOvr>
+    <a:masterClrMapping/>
+  </p:clrMapOvr>
+</p:sld>
+</file>
+
+<file path=ppt/slides/slide16.xml><?xml version="1.0" encoding="utf-8"?>
+<p:sld xmlns:a="http://schemas.openxmlformats.org/drawingml/2006/main" xmlns:r="http://schemas.openxmlformats.org/officeDocument/2006/relationships" xmlns:p="http://schemas.openxmlformats.org/presentationml/2006/main">
+  <p:cSld>
+    <p:spTree>
+      <p:nvGrpSpPr>
+        <p:cNvPr id="1" name=""/>
+        <p:cNvGrpSpPr/>
+        <p:nvPr/>
+      </p:nvGrpSpPr>
+      <p:grpSpPr>
+        <a:xfrm>
+          <a:off x="0" y="0"/>
+          <a:ext cx="0" cy="0"/>
+          <a:chOff x="0" y="0"/>
+          <a:chExt cx="0" cy="0"/>
+        </a:xfrm>
+      </p:grpSpPr>
+      <p:sp>
+        <p:nvSpPr>
+          <p:cNvPr id="5" name="Titre 1">
+            <a:extLst>
+              <a:ext uri="{FF2B5EF4-FFF2-40B4-BE49-F238E27FC236}">
+                <a16:creationId xmlns:a16="http://schemas.microsoft.com/office/drawing/2014/main" id="{BA30865C-3393-4E44-A14D-E3EB2B954861}"/>
+              </a:ext>
+            </a:extLst>
+          </p:cNvPr>
+          <p:cNvSpPr>
+            <a:spLocks noGrp="1"/>
+          </p:cNvSpPr>
+          <p:nvPr>
+            <p:ph type="title"/>
+          </p:nvPr>
+        </p:nvSpPr>
+        <p:spPr>
+          <a:xfrm>
+            <a:off x="129540" y="0"/>
+            <a:ext cx="8221980" cy="1325563"/>
+          </a:xfrm>
+        </p:spPr>
+        <p:txBody>
+          <a:bodyPr/>
+          <a:lstStyle/>
+          <a:p>
+            <a:r>
+              <a:rPr lang="fr-FR" dirty="0"/>
+              <a:t>Spécifications Techniques</a:t>
+            </a:r>
+          </a:p>
+        </p:txBody>
+      </p:sp>
+      <p:sp>
+        <p:nvSpPr>
+          <p:cNvPr id="6" name="ZoneTexte 5">
+            <a:extLst>
+              <a:ext uri="{FF2B5EF4-FFF2-40B4-BE49-F238E27FC236}">
+                <a16:creationId xmlns:a16="http://schemas.microsoft.com/office/drawing/2014/main" id="{DF02C497-D03A-4948-8530-B9053CAC30E7}"/>
+              </a:ext>
+            </a:extLst>
+          </p:cNvPr>
+          <p:cNvSpPr txBox="1"/>
+          <p:nvPr/>
+        </p:nvSpPr>
+        <p:spPr>
+          <a:xfrm>
+            <a:off x="83820" y="956231"/>
+            <a:ext cx="3009900" cy="369332"/>
+          </a:xfrm>
+          <a:prstGeom prst="rect">
+            <a:avLst/>
+          </a:prstGeom>
+          <a:noFill/>
+        </p:spPr>
+        <p:txBody>
+          <a:bodyPr wrap="square" rtlCol="0">
+            <a:spAutoFit/>
+          </a:bodyPr>
+          <a:lstStyle/>
+          <a:p>
+            <a:r>
+              <a:rPr lang="fr-FR" i="1" dirty="0"/>
+              <a:t>Choix technologiques externes</a:t>
+            </a:r>
+          </a:p>
+        </p:txBody>
+      </p:sp>
+      <p:sp>
+        <p:nvSpPr>
+          <p:cNvPr id="4" name="Espace réservé du contenu 2">
+            <a:extLst>
+              <a:ext uri="{FF2B5EF4-FFF2-40B4-BE49-F238E27FC236}">
+                <a16:creationId xmlns:a16="http://schemas.microsoft.com/office/drawing/2014/main" id="{97D0BA48-3C49-4D07-A973-1B24C7C3A5DD}"/>
+              </a:ext>
+            </a:extLst>
+          </p:cNvPr>
+          <p:cNvSpPr>
+            <a:spLocks noGrp="1"/>
+          </p:cNvSpPr>
+          <p:nvPr>
+            <p:ph sz="half" idx="1"/>
+          </p:nvPr>
+        </p:nvSpPr>
+        <p:spPr>
+          <a:xfrm>
+            <a:off x="259080" y="2007838"/>
+            <a:ext cx="4450080" cy="2796423"/>
+          </a:xfrm>
+        </p:spPr>
+        <p:txBody>
+          <a:bodyPr/>
+          <a:lstStyle/>
+          <a:p>
+            <a:pPr marL="0" indent="0">
+              <a:buNone/>
+            </a:pPr>
+            <a:endParaRPr lang="fr-FR" dirty="0"/>
+          </a:p>
+          <a:p>
+            <a:r>
+              <a:rPr lang="fr-FR" dirty="0"/>
+              <a:t>Système bancaire</a:t>
+            </a:r>
+          </a:p>
+          <a:p>
+            <a:endParaRPr lang="fr-FR" dirty="0"/>
+          </a:p>
+          <a:p>
+            <a:pPr marL="0" indent="0">
+              <a:buNone/>
+            </a:pPr>
+            <a:endParaRPr lang="fr-FR" dirty="0"/>
+          </a:p>
+          <a:p>
+            <a:pPr marL="0" indent="0">
+              <a:buNone/>
+            </a:pPr>
+            <a:endParaRPr lang="fr-FR" dirty="0"/>
+          </a:p>
+        </p:txBody>
+      </p:sp>
+      <p:pic>
+        <p:nvPicPr>
+          <p:cNvPr id="2" name="Image 1">
+            <a:extLst>
+              <a:ext uri="{FF2B5EF4-FFF2-40B4-BE49-F238E27FC236}">
+                <a16:creationId xmlns:a16="http://schemas.microsoft.com/office/drawing/2014/main" id="{F8C05210-7CAB-48E6-BFE7-ABDC350EB61C}"/>
+              </a:ext>
+            </a:extLst>
+          </p:cNvPr>
+          <p:cNvPicPr>
+            <a:picLocks noChangeAspect="1"/>
+          </p:cNvPicPr>
+          <p:nvPr/>
+        </p:nvPicPr>
+        <p:blipFill>
+          <a:blip r:embed="rId2"/>
+          <a:stretch>
+            <a:fillRect/>
+          </a:stretch>
+        </p:blipFill>
+        <p:spPr>
+          <a:xfrm>
+            <a:off x="4240530" y="1336961"/>
+            <a:ext cx="2865368" cy="1516511"/>
+          </a:xfrm>
+          <a:prstGeom prst="rect">
+            <a:avLst/>
+          </a:prstGeom>
+        </p:spPr>
+      </p:pic>
+      <p:pic>
+        <p:nvPicPr>
+          <p:cNvPr id="3" name="Image 2">
+            <a:extLst>
+              <a:ext uri="{FF2B5EF4-FFF2-40B4-BE49-F238E27FC236}">
+                <a16:creationId xmlns:a16="http://schemas.microsoft.com/office/drawing/2014/main" id="{B1AA2C8C-2FC3-4E45-8318-9D9133E8CB26}"/>
+              </a:ext>
+            </a:extLst>
+          </p:cNvPr>
+          <p:cNvPicPr>
+            <a:picLocks noChangeAspect="1"/>
+          </p:cNvPicPr>
+          <p:nvPr/>
+        </p:nvPicPr>
+        <p:blipFill>
+          <a:blip r:embed="rId3"/>
+          <a:stretch>
+            <a:fillRect/>
+          </a:stretch>
+        </p:blipFill>
+        <p:spPr>
+          <a:xfrm>
+            <a:off x="4240530" y="4175687"/>
+            <a:ext cx="2857748" cy="1676545"/>
+          </a:xfrm>
+          <a:prstGeom prst="rect">
+            <a:avLst/>
+          </a:prstGeom>
+        </p:spPr>
+      </p:pic>
+      <p:pic>
+        <p:nvPicPr>
+          <p:cNvPr id="8" name="Image 7">
+            <a:extLst>
+              <a:ext uri="{FF2B5EF4-FFF2-40B4-BE49-F238E27FC236}">
+                <a16:creationId xmlns:a16="http://schemas.microsoft.com/office/drawing/2014/main" id="{BF3B79B0-DFFC-4A3E-A5A0-D547DD2612D4}"/>
+              </a:ext>
+            </a:extLst>
+          </p:cNvPr>
+          <p:cNvPicPr>
+            <a:picLocks noChangeAspect="1"/>
+          </p:cNvPicPr>
+          <p:nvPr/>
+        </p:nvPicPr>
+        <p:blipFill>
+          <a:blip r:embed="rId4"/>
+          <a:stretch>
+            <a:fillRect/>
+          </a:stretch>
+        </p:blipFill>
+        <p:spPr>
+          <a:xfrm>
+            <a:off x="8031365" y="4477010"/>
+            <a:ext cx="2651990" cy="990686"/>
+          </a:xfrm>
+          <a:prstGeom prst="rect">
+            <a:avLst/>
+          </a:prstGeom>
+        </p:spPr>
+      </p:pic>
+      <p:pic>
+        <p:nvPicPr>
+          <p:cNvPr id="9" name="Image 8">
+            <a:extLst>
+              <a:ext uri="{FF2B5EF4-FFF2-40B4-BE49-F238E27FC236}">
+                <a16:creationId xmlns:a16="http://schemas.microsoft.com/office/drawing/2014/main" id="{2E8E7409-D877-494B-B9EF-F3519768E173}"/>
+              </a:ext>
+            </a:extLst>
+          </p:cNvPr>
+          <p:cNvPicPr>
+            <a:picLocks noChangeAspect="1"/>
+          </p:cNvPicPr>
+          <p:nvPr/>
+        </p:nvPicPr>
+        <p:blipFill>
+          <a:blip r:embed="rId5"/>
+          <a:stretch>
+            <a:fillRect/>
+          </a:stretch>
+        </p:blipFill>
+        <p:spPr>
+          <a:xfrm>
+            <a:off x="8301898" y="2061087"/>
+            <a:ext cx="2110923" cy="922100"/>
+          </a:xfrm>
+          <a:prstGeom prst="rect">
+            <a:avLst/>
+          </a:prstGeom>
+        </p:spPr>
+      </p:pic>
+    </p:spTree>
+    <p:extLst>
+      <p:ext uri="{BB962C8B-B14F-4D97-AF65-F5344CB8AC3E}">
+        <p14:creationId xmlns:p14="http://schemas.microsoft.com/office/powerpoint/2010/main" val="1719596938"/>
+      </p:ext>
+    </p:extLst>
+  </p:cSld>
+  <p:clrMapOvr>
+    <a:masterClrMapping/>
+  </p:clrMapOvr>
+</p:sld>
+</file>
+
+<file path=ppt/slides/slide17.xml><?xml version="1.0" encoding="utf-8"?>
+<p:sld xmlns:a="http://schemas.openxmlformats.org/drawingml/2006/main" xmlns:r="http://schemas.openxmlformats.org/officeDocument/2006/relationships" xmlns:p="http://schemas.openxmlformats.org/presentationml/2006/main">
+  <p:cSld>
+    <p:spTree>
+      <p:nvGrpSpPr>
+        <p:cNvPr id="1" name=""/>
+        <p:cNvGrpSpPr/>
+        <p:nvPr/>
+      </p:nvGrpSpPr>
+      <p:grpSpPr>
+        <a:xfrm>
+          <a:off x="0" y="0"/>
+          <a:ext cx="0" cy="0"/>
+          <a:chOff x="0" y="0"/>
+          <a:chExt cx="0" cy="0"/>
+        </a:xfrm>
+      </p:grpSpPr>
+      <p:sp>
+        <p:nvSpPr>
+          <p:cNvPr id="5" name="Titre 1">
+            <a:extLst>
+              <a:ext uri="{FF2B5EF4-FFF2-40B4-BE49-F238E27FC236}">
+                <a16:creationId xmlns:a16="http://schemas.microsoft.com/office/drawing/2014/main" id="{BA30865C-3393-4E44-A14D-E3EB2B954861}"/>
+              </a:ext>
+            </a:extLst>
+          </p:cNvPr>
+          <p:cNvSpPr>
+            <a:spLocks noGrp="1"/>
+          </p:cNvSpPr>
+          <p:nvPr>
+            <p:ph type="title"/>
+          </p:nvPr>
+        </p:nvSpPr>
+        <p:spPr>
+          <a:xfrm>
+            <a:off x="129540" y="0"/>
+            <a:ext cx="8221980" cy="1325563"/>
+          </a:xfrm>
+        </p:spPr>
+        <p:txBody>
+          <a:bodyPr/>
+          <a:lstStyle/>
+          <a:p>
+            <a:r>
+              <a:rPr lang="fr-FR" dirty="0"/>
+              <a:t>Spécifications Techniques</a:t>
+            </a:r>
+          </a:p>
+        </p:txBody>
+      </p:sp>
+      <p:sp>
+        <p:nvSpPr>
+          <p:cNvPr id="6" name="ZoneTexte 5">
+            <a:extLst>
+              <a:ext uri="{FF2B5EF4-FFF2-40B4-BE49-F238E27FC236}">
+                <a16:creationId xmlns:a16="http://schemas.microsoft.com/office/drawing/2014/main" id="{DF02C497-D03A-4948-8530-B9053CAC30E7}"/>
+              </a:ext>
+            </a:extLst>
+          </p:cNvPr>
+          <p:cNvSpPr txBox="1"/>
+          <p:nvPr/>
+        </p:nvSpPr>
+        <p:spPr>
+          <a:xfrm>
+            <a:off x="83820" y="956231"/>
+            <a:ext cx="3009900" cy="369332"/>
+          </a:xfrm>
+          <a:prstGeom prst="rect">
+            <a:avLst/>
+          </a:prstGeom>
+          <a:noFill/>
+        </p:spPr>
+        <p:txBody>
+          <a:bodyPr wrap="square" rtlCol="0">
+            <a:spAutoFit/>
+          </a:bodyPr>
+          <a:lstStyle/>
+          <a:p>
+            <a:r>
+              <a:rPr lang="fr-FR" i="1" dirty="0"/>
+              <a:t>Choix technologiques externes</a:t>
+            </a:r>
+          </a:p>
+        </p:txBody>
+      </p:sp>
+      <p:sp>
+        <p:nvSpPr>
+          <p:cNvPr id="4" name="Espace réservé du contenu 2">
+            <a:extLst>
+              <a:ext uri="{FF2B5EF4-FFF2-40B4-BE49-F238E27FC236}">
+                <a16:creationId xmlns:a16="http://schemas.microsoft.com/office/drawing/2014/main" id="{97D0BA48-3C49-4D07-A973-1B24C7C3A5DD}"/>
+              </a:ext>
+            </a:extLst>
+          </p:cNvPr>
+          <p:cNvSpPr>
+            <a:spLocks noGrp="1"/>
+          </p:cNvSpPr>
+          <p:nvPr>
+            <p:ph sz="half" idx="1"/>
+          </p:nvPr>
+        </p:nvSpPr>
+        <p:spPr>
+          <a:xfrm>
+            <a:off x="259080" y="2007838"/>
+            <a:ext cx="4450080" cy="2796423"/>
+          </a:xfrm>
+        </p:spPr>
+        <p:txBody>
+          <a:bodyPr/>
+          <a:lstStyle/>
+          <a:p>
+            <a:pPr marL="0" indent="0">
+              <a:buNone/>
+            </a:pPr>
+            <a:endParaRPr lang="fr-FR" dirty="0"/>
+          </a:p>
+          <a:p>
+            <a:r>
+              <a:rPr lang="fr-FR" dirty="0"/>
+              <a:t>Système d’authentification</a:t>
+            </a:r>
+          </a:p>
+          <a:p>
+            <a:endParaRPr lang="fr-FR" dirty="0"/>
+          </a:p>
+          <a:p>
+            <a:pPr marL="0" indent="0">
+              <a:buNone/>
+            </a:pPr>
+            <a:endParaRPr lang="fr-FR" dirty="0"/>
+          </a:p>
+          <a:p>
+            <a:pPr marL="0" indent="0">
+              <a:buNone/>
+            </a:pPr>
+            <a:endParaRPr lang="fr-FR" dirty="0"/>
+          </a:p>
+        </p:txBody>
+      </p:sp>
+      <p:pic>
+        <p:nvPicPr>
+          <p:cNvPr id="7" name="Image 6">
+            <a:extLst>
+              <a:ext uri="{FF2B5EF4-FFF2-40B4-BE49-F238E27FC236}">
+                <a16:creationId xmlns:a16="http://schemas.microsoft.com/office/drawing/2014/main" id="{8AF37B22-6286-46B0-A75B-2F78D21F9053}"/>
+              </a:ext>
+            </a:extLst>
+          </p:cNvPr>
+          <p:cNvPicPr>
+            <a:picLocks noChangeAspect="1"/>
+          </p:cNvPicPr>
+          <p:nvPr/>
+        </p:nvPicPr>
+        <p:blipFill>
+          <a:blip r:embed="rId2"/>
+          <a:stretch>
+            <a:fillRect/>
+          </a:stretch>
+        </p:blipFill>
+        <p:spPr>
+          <a:xfrm>
+            <a:off x="5162441" y="3006053"/>
+            <a:ext cx="2507197" cy="845893"/>
+          </a:xfrm>
+          <a:prstGeom prst="rect">
+            <a:avLst/>
+          </a:prstGeom>
+        </p:spPr>
+      </p:pic>
+      <p:pic>
+        <p:nvPicPr>
+          <p:cNvPr id="8" name="Image 7">
+            <a:extLst>
+              <a:ext uri="{FF2B5EF4-FFF2-40B4-BE49-F238E27FC236}">
+                <a16:creationId xmlns:a16="http://schemas.microsoft.com/office/drawing/2014/main" id="{B63984B4-803B-4868-BBD9-B42B07419EDE}"/>
+              </a:ext>
+            </a:extLst>
+          </p:cNvPr>
+          <p:cNvPicPr>
+            <a:picLocks noChangeAspect="1"/>
+          </p:cNvPicPr>
+          <p:nvPr/>
+        </p:nvPicPr>
+        <p:blipFill>
+          <a:blip r:embed="rId3"/>
+          <a:stretch>
+            <a:fillRect/>
+          </a:stretch>
+        </p:blipFill>
+        <p:spPr>
+          <a:xfrm>
+            <a:off x="5479213" y="4640915"/>
+            <a:ext cx="5762236" cy="989832"/>
+          </a:xfrm>
+          <a:prstGeom prst="rect">
+            <a:avLst/>
+          </a:prstGeom>
+        </p:spPr>
+      </p:pic>
+      <p:pic>
+        <p:nvPicPr>
+          <p:cNvPr id="9" name="Image 8">
+            <a:extLst>
+              <a:ext uri="{FF2B5EF4-FFF2-40B4-BE49-F238E27FC236}">
+                <a16:creationId xmlns:a16="http://schemas.microsoft.com/office/drawing/2014/main" id="{668B41E9-D587-4231-867E-A723FDFA7F07}"/>
+              </a:ext>
+            </a:extLst>
+          </p:cNvPr>
+          <p:cNvPicPr>
+            <a:picLocks noChangeAspect="1"/>
+          </p:cNvPicPr>
+          <p:nvPr/>
+        </p:nvPicPr>
+        <p:blipFill>
+          <a:blip r:embed="rId4"/>
+          <a:stretch>
+            <a:fillRect/>
+          </a:stretch>
+        </p:blipFill>
+        <p:spPr>
+          <a:xfrm>
+            <a:off x="5618456" y="1584891"/>
+            <a:ext cx="5762236" cy="986805"/>
+          </a:xfrm>
+          <a:prstGeom prst="rect">
+            <a:avLst/>
+          </a:prstGeom>
+        </p:spPr>
+      </p:pic>
+    </p:spTree>
+    <p:extLst>
+      <p:ext uri="{BB962C8B-B14F-4D97-AF65-F5344CB8AC3E}">
+        <p14:creationId xmlns:p14="http://schemas.microsoft.com/office/powerpoint/2010/main" val="2082382380"/>
+      </p:ext>
+    </p:extLst>
+  </p:cSld>
+  <p:clrMapOvr>
+    <a:masterClrMapping/>
+  </p:clrMapOvr>
+</p:sld>
+</file>
+
+<file path=ppt/slides/slide18.xml><?xml version="1.0" encoding="utf-8"?>
+<p:sld xmlns:a="http://schemas.openxmlformats.org/drawingml/2006/main" xmlns:r="http://schemas.openxmlformats.org/officeDocument/2006/relationships" xmlns:p="http://schemas.openxmlformats.org/presentationml/2006/main">
+  <p:cSld>
+    <p:spTree>
+      <p:nvGrpSpPr>
+        <p:cNvPr id="1" name=""/>
+        <p:cNvGrpSpPr/>
+        <p:nvPr/>
+      </p:nvGrpSpPr>
+      <p:grpSpPr>
+        <a:xfrm>
+          <a:off x="0" y="0"/>
+          <a:ext cx="0" cy="0"/>
+          <a:chOff x="0" y="0"/>
+          <a:chExt cx="0" cy="0"/>
+        </a:xfrm>
+      </p:grpSpPr>
+      <p:sp>
+        <p:nvSpPr>
+          <p:cNvPr id="3" name="Espace réservé du texte 2">
+            <a:extLst>
+              <a:ext uri="{FF2B5EF4-FFF2-40B4-BE49-F238E27FC236}">
+                <a16:creationId xmlns:a16="http://schemas.microsoft.com/office/drawing/2014/main" id="{3137C31F-54CF-48EF-AC4C-6412CBE3D334}"/>
+              </a:ext>
+            </a:extLst>
+          </p:cNvPr>
+          <p:cNvSpPr>
+            <a:spLocks noGrp="1"/>
+          </p:cNvSpPr>
+          <p:nvPr>
+            <p:ph type="body" idx="1"/>
+          </p:nvPr>
+        </p:nvSpPr>
+        <p:spPr/>
+        <p:txBody>
+          <a:bodyPr/>
+          <a:lstStyle/>
+          <a:p>
+            <a:r>
+              <a:rPr lang="fr-FR" dirty="0"/>
+              <a:t>Type de modèle 1</a:t>
+            </a:r>
+          </a:p>
+        </p:txBody>
+      </p:sp>
+      <p:sp>
+        <p:nvSpPr>
+          <p:cNvPr id="4" name="Espace réservé du contenu 3">
+            <a:extLst>
+              <a:ext uri="{FF2B5EF4-FFF2-40B4-BE49-F238E27FC236}">
+                <a16:creationId xmlns:a16="http://schemas.microsoft.com/office/drawing/2014/main" id="{4ED32485-6A35-463F-AB9B-C32DF79BB46D}"/>
+              </a:ext>
+            </a:extLst>
+          </p:cNvPr>
+          <p:cNvSpPr>
+            <a:spLocks noGrp="1"/>
+          </p:cNvSpPr>
+          <p:nvPr>
+            <p:ph sz="half" idx="2"/>
+          </p:nvPr>
+        </p:nvSpPr>
+        <p:spPr/>
+        <p:txBody>
+          <a:bodyPr/>
+          <a:lstStyle/>
+          <a:p>
+            <a:endParaRPr lang="fr-FR"/>
+          </a:p>
+        </p:txBody>
+      </p:sp>
+      <p:sp>
+        <p:nvSpPr>
+          <p:cNvPr id="5" name="Espace réservé du texte 4">
+            <a:extLst>
+              <a:ext uri="{FF2B5EF4-FFF2-40B4-BE49-F238E27FC236}">
+                <a16:creationId xmlns:a16="http://schemas.microsoft.com/office/drawing/2014/main" id="{C9F90798-9DFE-425A-AC37-AFF3E3A8DDB2}"/>
+              </a:ext>
+            </a:extLst>
+          </p:cNvPr>
+          <p:cNvSpPr>
+            <a:spLocks noGrp="1"/>
+          </p:cNvSpPr>
+          <p:nvPr>
+            <p:ph type="body" sz="quarter" idx="3"/>
+          </p:nvPr>
+        </p:nvSpPr>
+        <p:spPr/>
+        <p:txBody>
+          <a:bodyPr/>
+          <a:lstStyle/>
+          <a:p>
+            <a:r>
+              <a:rPr lang="fr-FR" dirty="0"/>
+              <a:t>Type de modèle 2</a:t>
+            </a:r>
+          </a:p>
+        </p:txBody>
+      </p:sp>
+      <p:sp>
+        <p:nvSpPr>
+          <p:cNvPr id="6" name="Espace réservé du contenu 5">
+            <a:extLst>
+              <a:ext uri="{FF2B5EF4-FFF2-40B4-BE49-F238E27FC236}">
+                <a16:creationId xmlns:a16="http://schemas.microsoft.com/office/drawing/2014/main" id="{AE71CBAD-8F6B-4261-A776-D55C2B7972CB}"/>
+              </a:ext>
+            </a:extLst>
+          </p:cNvPr>
+          <p:cNvSpPr>
+            <a:spLocks noGrp="1"/>
+          </p:cNvSpPr>
+          <p:nvPr>
+            <p:ph sz="quarter" idx="4"/>
+          </p:nvPr>
+        </p:nvSpPr>
+        <p:spPr/>
+        <p:txBody>
+          <a:bodyPr/>
+          <a:lstStyle/>
+          <a:p>
+            <a:endParaRPr lang="fr-FR"/>
+          </a:p>
+        </p:txBody>
+      </p:sp>
+      <p:sp>
+        <p:nvSpPr>
+          <p:cNvPr id="7" name="Titre 1">
+            <a:extLst>
+              <a:ext uri="{FF2B5EF4-FFF2-40B4-BE49-F238E27FC236}">
+                <a16:creationId xmlns:a16="http://schemas.microsoft.com/office/drawing/2014/main" id="{196A154E-0831-4E4B-BEDF-81ACB0491737}"/>
+              </a:ext>
+            </a:extLst>
+          </p:cNvPr>
+          <p:cNvSpPr>
+            <a:spLocks noGrp="1"/>
+          </p:cNvSpPr>
+          <p:nvPr>
+            <p:ph type="title"/>
+          </p:nvPr>
+        </p:nvSpPr>
+        <p:spPr>
+          <a:xfrm>
+            <a:off x="129540" y="0"/>
+            <a:ext cx="8221980" cy="1325563"/>
+          </a:xfrm>
+        </p:spPr>
+        <p:txBody>
+          <a:bodyPr/>
+          <a:lstStyle/>
+          <a:p>
+            <a:r>
+              <a:rPr lang="fr-FR" dirty="0"/>
+              <a:t>Conception Graphique</a:t>
+            </a:r>
+          </a:p>
+        </p:txBody>
+      </p:sp>
+      <p:sp>
+        <p:nvSpPr>
+          <p:cNvPr id="8" name="ZoneTexte 7">
+            <a:extLst>
+              <a:ext uri="{FF2B5EF4-FFF2-40B4-BE49-F238E27FC236}">
+                <a16:creationId xmlns:a16="http://schemas.microsoft.com/office/drawing/2014/main" id="{E2D09582-9B89-4665-A1E7-2A76DC054BE5}"/>
+              </a:ext>
+            </a:extLst>
+          </p:cNvPr>
+          <p:cNvSpPr txBox="1"/>
+          <p:nvPr/>
+        </p:nvSpPr>
+        <p:spPr>
+          <a:xfrm>
+            <a:off x="83820" y="956231"/>
+            <a:ext cx="3009900" cy="369332"/>
+          </a:xfrm>
+          <a:prstGeom prst="rect">
+            <a:avLst/>
+          </a:prstGeom>
+          <a:noFill/>
+        </p:spPr>
+        <p:txBody>
+          <a:bodyPr wrap="square" rtlCol="0">
+            <a:spAutoFit/>
+          </a:bodyPr>
+          <a:lstStyle/>
+          <a:p>
+            <a:r>
+              <a:rPr lang="fr-FR" i="1" dirty="0"/>
+              <a:t>Modèles</a:t>
+            </a:r>
+          </a:p>
+        </p:txBody>
+      </p:sp>
+    </p:spTree>
+    <p:extLst>
+      <p:ext uri="{BB962C8B-B14F-4D97-AF65-F5344CB8AC3E}">
+        <p14:creationId xmlns:p14="http://schemas.microsoft.com/office/powerpoint/2010/main" val="3108277908"/>
+      </p:ext>
+    </p:extLst>
+  </p:cSld>
+  <p:clrMapOvr>
+    <a:masterClrMapping/>
+  </p:clrMapOvr>
+</p:sld>
+</file>
+
+<file path=ppt/slides/slide19.xml><?xml version="1.0" encoding="utf-8"?>
+<p:sld xmlns:a="http://schemas.openxmlformats.org/drawingml/2006/main" xmlns:r="http://schemas.openxmlformats.org/officeDocument/2006/relationships" xmlns:p="http://schemas.openxmlformats.org/presentationml/2006/main">
+  <p:cSld>
+    <p:bg>
+      <p:bgPr>
+        <a:solidFill>
+          <a:schemeClr val="bg1"/>
+        </a:solidFill>
+        <a:effectLst/>
+      </p:bgPr>
+    </p:bg>
+    <p:spTree>
+      <p:nvGrpSpPr>
+        <p:cNvPr id="1" name=""/>
+        <p:cNvGrpSpPr/>
+        <p:nvPr/>
+      </p:nvGrpSpPr>
+      <p:grpSpPr>
+        <a:xfrm>
+          <a:off x="0" y="0"/>
+          <a:ext cx="0" cy="0"/>
+          <a:chOff x="0" y="0"/>
+          <a:chExt cx="0" cy="0"/>
+        </a:xfrm>
+      </p:grpSpPr>
+      <p:sp>
+        <p:nvSpPr>
+          <p:cNvPr id="9" name="Rectangle 8">
+            <a:extLst>
+              <a:ext uri="{FF2B5EF4-FFF2-40B4-BE49-F238E27FC236}">
+                <a16:creationId xmlns:a16="http://schemas.microsoft.com/office/drawing/2014/main" id="{936CFC0A-8C37-453C-9488-1B30FBC3B3B0}"/>
+              </a:ext>
+              <a:ext uri="{C183D7F6-B498-43B3-948B-1728B52AA6E4}">
+                <adec:decorative xmlns:adec="http://schemas.microsoft.com/office/drawing/2017/decorative" val="1"/>
+              </a:ext>
+            </a:extLst>
+          </p:cNvPr>
+          <p:cNvSpPr>
+            <a:spLocks noGrp="1" noRot="1" noChangeAspect="1" noMove="1" noResize="1" noEditPoints="1" noAdjustHandles="1" noChangeArrowheads="1" noChangeShapeType="1" noTextEdit="1"/>
+          </p:cNvSpPr>
+          <p:nvPr>
+            <p:extLst>
+              <p:ext uri="{386F3935-93C4-4BCD-93E2-E3B085C9AB24}">
+                <p16:designElem xmlns:p16="http://schemas.microsoft.com/office/powerpoint/2015/main" val="1"/>
+              </p:ext>
+            </p:extLst>
+          </p:nvPr>
+        </p:nvSpPr>
+        <p:spPr>
+          <a:xfrm>
+            <a:off x="0" y="0"/>
+            <a:ext cx="12192000" cy="6858000"/>
+          </a:xfrm>
+          <a:prstGeom prst="rect">
+            <a:avLst/>
+          </a:prstGeom>
+          <a:solidFill>
+            <a:srgbClr val="FFFFFF"/>
+          </a:solidFill>
+          <a:ln w="12700" cap="flat" cmpd="sng" algn="ctr">
+            <a:noFill/>
+            <a:prstDash val="solid"/>
+            <a:miter lim="800000"/>
+          </a:ln>
+          <a:effectLst/>
+        </p:spPr>
+        <p:style>
+          <a:lnRef idx="2">
+            <a:schemeClr val="accent1">
+              <a:shade val="50000"/>
+            </a:schemeClr>
+          </a:lnRef>
+          <a:fillRef idx="1">
+            <a:schemeClr val="accent1"/>
+          </a:fillRef>
+          <a:effectRef idx="0">
+            <a:schemeClr val="accent1"/>
+          </a:effectRef>
+          <a:fontRef idx="minor">
+            <a:schemeClr val="lt1"/>
+          </a:fontRef>
+        </p:style>
+        <p:txBody>
+          <a:bodyPr rtlCol="0" anchor="ctr"/>
+          <a:lstStyle/>
+          <a:p>
+            <a:pPr algn="ctr"/>
+            <a:endParaRPr lang="en-US"/>
+          </a:p>
+        </p:txBody>
+      </p:sp>
+      <p:sp>
+        <p:nvSpPr>
+          <p:cNvPr id="2" name="Titre 1">
+            <a:extLst>
+              <a:ext uri="{FF2B5EF4-FFF2-40B4-BE49-F238E27FC236}">
+                <a16:creationId xmlns:a16="http://schemas.microsoft.com/office/drawing/2014/main" id="{A5405446-F69A-43F5-9BFF-04EB805D95C2}"/>
+              </a:ext>
+            </a:extLst>
+          </p:cNvPr>
+          <p:cNvSpPr>
+            <a:spLocks noGrp="1"/>
+          </p:cNvSpPr>
+          <p:nvPr>
+            <p:ph type="ctrTitle"/>
+          </p:nvPr>
+        </p:nvSpPr>
+        <p:spPr>
+          <a:xfrm>
+            <a:off x="1382597" y="3424348"/>
+            <a:ext cx="9426806" cy="1424410"/>
+          </a:xfrm>
+        </p:spPr>
+        <p:txBody>
+          <a:bodyPr anchor="b">
+            <a:normAutofit/>
+          </a:bodyPr>
+          <a:lstStyle/>
+          <a:p>
+            <a:r>
+              <a:rPr lang="fr-FR" sz="5400">
+                <a:solidFill>
+                  <a:srgbClr val="1B1B1B"/>
+                </a:solidFill>
+              </a:rPr>
+              <a:t>Conclusion</a:t>
+            </a:r>
+          </a:p>
+        </p:txBody>
+      </p:sp>
+      <p:sp>
+        <p:nvSpPr>
+          <p:cNvPr id="11" name="Oval 10">
+            <a:extLst>
+              <a:ext uri="{FF2B5EF4-FFF2-40B4-BE49-F238E27FC236}">
+                <a16:creationId xmlns:a16="http://schemas.microsoft.com/office/drawing/2014/main" id="{FBC3EAFD-A275-4F9B-8F62-72B6678F35A8}"/>
+              </a:ext>
+              <a:ext uri="{C183D7F6-B498-43B3-948B-1728B52AA6E4}">
+                <adec:decorative xmlns:adec="http://schemas.microsoft.com/office/drawing/2017/decorative" val="1"/>
+              </a:ext>
+            </a:extLst>
+          </p:cNvPr>
+          <p:cNvSpPr>
+            <a:spLocks noGrp="1" noRot="1" noChangeAspect="1" noMove="1" noResize="1" noEditPoints="1" noAdjustHandles="1" noChangeArrowheads="1" noChangeShapeType="1" noTextEdit="1"/>
+          </p:cNvSpPr>
+          <p:nvPr>
+            <p:extLst>
+              <p:ext uri="{386F3935-93C4-4BCD-93E2-E3B085C9AB24}">
+                <p16:designElem xmlns:p16="http://schemas.microsoft.com/office/powerpoint/2015/main" val="1"/>
+              </p:ext>
+            </p:extLst>
+          </p:nvPr>
+        </p:nvSpPr>
+        <p:spPr>
+          <a:xfrm>
+            <a:off x="4908526" y="933319"/>
+            <a:ext cx="2463430" cy="2486070"/>
+          </a:xfrm>
+          <a:prstGeom prst="ellipse">
+            <a:avLst/>
+          </a:prstGeom>
+          <a:solidFill>
+            <a:schemeClr val="accent1"/>
+          </a:solidFill>
+          <a:ln>
+            <a:noFill/>
+          </a:ln>
+        </p:spPr>
+        <p:style>
+          <a:lnRef idx="2">
+            <a:schemeClr val="accent1">
+              <a:shade val="50000"/>
+            </a:schemeClr>
+          </a:lnRef>
+          <a:fillRef idx="1">
+            <a:schemeClr val="accent1"/>
+          </a:fillRef>
+          <a:effectRef idx="0">
+            <a:schemeClr val="accent1"/>
+          </a:effectRef>
+          <a:fontRef idx="minor">
+            <a:schemeClr val="lt1"/>
+          </a:fontRef>
+        </p:style>
+        <p:txBody>
+          <a:bodyPr rtlCol="0" anchor="ctr"/>
+          <a:lstStyle/>
+          <a:p>
+            <a:pPr algn="ctr"/>
+            <a:endParaRPr lang="en-US"/>
+          </a:p>
+        </p:txBody>
+      </p:sp>
+      <p:sp>
+        <p:nvSpPr>
+          <p:cNvPr id="13" name="Oval 12">
+            <a:extLst>
+              <a:ext uri="{FF2B5EF4-FFF2-40B4-BE49-F238E27FC236}">
+                <a16:creationId xmlns:a16="http://schemas.microsoft.com/office/drawing/2014/main" id="{06E64A6D-2B9F-4AAD-AB42-A61BAF01AC12}"/>
+              </a:ext>
+              <a:ext uri="{C183D7F6-B498-43B3-948B-1728B52AA6E4}">
+                <adec:decorative xmlns:adec="http://schemas.microsoft.com/office/drawing/2017/decorative" val="1"/>
+              </a:ext>
+            </a:extLst>
+          </p:cNvPr>
+          <p:cNvSpPr>
+            <a:spLocks noGrp="1" noRot="1" noChangeAspect="1" noMove="1" noResize="1" noEditPoints="1" noAdjustHandles="1" noChangeArrowheads="1" noChangeShapeType="1" noTextEdit="1"/>
+          </p:cNvSpPr>
+          <p:nvPr>
+            <p:extLst>
+              <p:ext uri="{386F3935-93C4-4BCD-93E2-E3B085C9AB24}">
+                <p16:designElem xmlns:p16="http://schemas.microsoft.com/office/powerpoint/2015/main" val="1"/>
+              </p:ext>
+            </p:extLst>
+          </p:nvPr>
+        </p:nvSpPr>
+        <p:spPr>
+          <a:xfrm>
+            <a:off x="5117592" y="1268361"/>
+            <a:ext cx="1956816" cy="1953058"/>
+          </a:xfrm>
+          <a:prstGeom prst="ellipse">
+            <a:avLst/>
+          </a:prstGeom>
+          <a:solidFill>
+            <a:srgbClr val="FFFFFF"/>
+          </a:solidFill>
+          <a:ln>
+            <a:solidFill>
+              <a:schemeClr val="accent1">
+                <a:lumMod val="60000"/>
+                <a:lumOff val="40000"/>
+              </a:schemeClr>
+            </a:solidFill>
+          </a:ln>
+        </p:spPr>
+        <p:style>
+          <a:lnRef idx="2">
+            <a:schemeClr val="accent1">
+              <a:shade val="50000"/>
+            </a:schemeClr>
+          </a:lnRef>
+          <a:fillRef idx="1">
+            <a:schemeClr val="accent1"/>
+          </a:fillRef>
+          <a:effectRef idx="0">
+            <a:schemeClr val="accent1"/>
+          </a:effectRef>
+          <a:fontRef idx="minor">
+            <a:schemeClr val="lt1"/>
+          </a:fontRef>
+        </p:style>
+        <p:txBody>
+          <a:bodyPr rtlCol="0" anchor="ctr"/>
+          <a:lstStyle/>
+          <a:p>
+            <a:pPr algn="ctr"/>
+            <a:endParaRPr lang="en-US"/>
+          </a:p>
+        </p:txBody>
+      </p:sp>
+      <p:pic>
+        <p:nvPicPr>
+          <p:cNvPr id="4" name="Image 3" descr="Une image contenant dessin, signe, ordinateur&#10;&#10;Description générée automatiquement">
+            <a:extLst>
+              <a:ext uri="{FF2B5EF4-FFF2-40B4-BE49-F238E27FC236}">
+                <a16:creationId xmlns:a16="http://schemas.microsoft.com/office/drawing/2014/main" id="{72374090-C3FC-46B3-8FD1-6272768F6DE9}"/>
+              </a:ext>
+            </a:extLst>
+          </p:cNvPr>
+          <p:cNvPicPr>
+            <a:picLocks noChangeAspect="1"/>
+          </p:cNvPicPr>
+          <p:nvPr/>
+        </p:nvPicPr>
+        <p:blipFill rotWithShape="1">
+          <a:blip r:embed="rId2">
+            <a:alphaModFix/>
+          </a:blip>
+          <a:srcRect l="9779" r="7776" b="6"/>
+          <a:stretch/>
+        </p:blipFill>
+        <p:spPr>
+          <a:xfrm>
+            <a:off x="5181600" y="1330490"/>
+            <a:ext cx="1828800" cy="1828800"/>
+          </a:xfrm>
+          <a:custGeom>
+            <a:avLst/>
+            <a:gdLst/>
+            <a:ahLst/>
+            <a:cxnLst/>
+            <a:rect l="l" t="t" r="r" b="b"/>
+            <a:pathLst>
+              <a:path w="6057610" h="6057610">
+                <a:moveTo>
+                  <a:pt x="3028805" y="0"/>
+                </a:moveTo>
+                <a:cubicBezTo>
+                  <a:pt x="4701568" y="0"/>
+                  <a:pt x="6057610" y="1356042"/>
+                  <a:pt x="6057610" y="3028805"/>
+                </a:cubicBezTo>
+                <a:cubicBezTo>
+                  <a:pt x="6057610" y="4701568"/>
+                  <a:pt x="4701568" y="6057610"/>
+                  <a:pt x="3028805" y="6057610"/>
+                </a:cubicBezTo>
+                <a:cubicBezTo>
+                  <a:pt x="1356042" y="6057610"/>
+                  <a:pt x="0" y="4701568"/>
+                  <a:pt x="0" y="3028805"/>
+                </a:cubicBezTo>
+                <a:cubicBezTo>
+                  <a:pt x="0" y="1356042"/>
+                  <a:pt x="1356042" y="0"/>
+                  <a:pt x="3028805" y="0"/>
+                </a:cubicBezTo>
+                <a:close/>
+              </a:path>
+            </a:pathLst>
+          </a:custGeom>
+          <a:effectLst>
+            <a:softEdge rad="0"/>
+          </a:effectLst>
+        </p:spPr>
+      </p:pic>
+      <p:pic>
+        <p:nvPicPr>
+          <p:cNvPr id="15" name="Picture 14">
+            <a:extLst>
+              <a:ext uri="{FF2B5EF4-FFF2-40B4-BE49-F238E27FC236}">
+                <a16:creationId xmlns:a16="http://schemas.microsoft.com/office/drawing/2014/main" id="{C51881DD-AD85-41BE-8A49-C2FB45800E10}"/>
+              </a:ext>
+              <a:ext uri="{C183D7F6-B498-43B3-948B-1728B52AA6E4}">
+                <adec:decorative xmlns:adec="http://schemas.microsoft.com/office/drawing/2017/decorative" val="1"/>
+              </a:ext>
+            </a:extLst>
+          </p:cNvPr>
+          <p:cNvPicPr>
+            <a:picLocks noGrp="1" noRot="1" noChangeAspect="1" noMove="1" noResize="1" noEditPoints="1" noAdjustHandles="1" noChangeArrowheads="1" noChangeShapeType="1" noCrop="1"/>
+          </p:cNvPicPr>
+          <p:nvPr>
+            <p:extLst>
+              <p:ext uri="{386F3935-93C4-4BCD-93E2-E3B085C9AB24}">
+                <p16:designElem xmlns:p16="http://schemas.microsoft.com/office/powerpoint/2015/main" val="1"/>
+              </p:ext>
+            </p:extLst>
+          </p:nvPr>
+        </p:nvPicPr>
+        <p:blipFill>
+          <a:blip r:embed="rId3" cstate="print">
+            <a:extLst>
+              <a:ext uri="{28A0092B-C50C-407E-A947-70E740481C1C}">
+                <a14:useLocalDpi xmlns:a14="http://schemas.microsoft.com/office/drawing/2010/main" val="0"/>
+              </a:ext>
+            </a:extLst>
+          </a:blip>
+          <a:srcRect l="33525" t="5243" r="33525" b="36180"/>
+          <a:stretch>
+            <a:fillRect/>
+          </a:stretch>
+        </p:blipFill>
+        <p:spPr>
+          <a:xfrm>
+            <a:off x="4860081" y="896194"/>
+            <a:ext cx="2560320" cy="2560320"/>
+          </a:xfrm>
+          <a:custGeom>
+            <a:avLst/>
+            <a:gdLst>
+              <a:gd name="connsiteX0" fmla="*/ 2008598 w 4017196"/>
+              <a:gd name="connsiteY0" fmla="*/ 0 h 4017196"/>
+              <a:gd name="connsiteX1" fmla="*/ 4017196 w 4017196"/>
+              <a:gd name="connsiteY1" fmla="*/ 2008598 h 4017196"/>
+              <a:gd name="connsiteX2" fmla="*/ 2008598 w 4017196"/>
+              <a:gd name="connsiteY2" fmla="*/ 4017196 h 4017196"/>
+              <a:gd name="connsiteX3" fmla="*/ 0 w 4017196"/>
+              <a:gd name="connsiteY3" fmla="*/ 2008598 h 4017196"/>
+              <a:gd name="connsiteX4" fmla="*/ 2008598 w 4017196"/>
+              <a:gd name="connsiteY4" fmla="*/ 0 h 4017196"/>
+            </a:gdLst>
+            <a:ahLst/>
+            <a:cxnLst>
+              <a:cxn ang="0">
+                <a:pos x="connsiteX0" y="connsiteY0"/>
+              </a:cxn>
+              <a:cxn ang="0">
+                <a:pos x="connsiteX1" y="connsiteY1"/>
+              </a:cxn>
+              <a:cxn ang="0">
+                <a:pos x="connsiteX2" y="connsiteY2"/>
+              </a:cxn>
+              <a:cxn ang="0">
+                <a:pos x="connsiteX3" y="connsiteY3"/>
+              </a:cxn>
+              <a:cxn ang="0">
+                <a:pos x="connsiteX4" y="connsiteY4"/>
+              </a:cxn>
+            </a:cxnLst>
+            <a:rect l="l" t="t" r="r" b="b"/>
+            <a:pathLst>
+              <a:path w="4017196" h="4017196">
+                <a:moveTo>
+                  <a:pt x="2008598" y="0"/>
+                </a:moveTo>
+                <a:cubicBezTo>
+                  <a:pt x="3117916" y="0"/>
+                  <a:pt x="4017196" y="899280"/>
+                  <a:pt x="4017196" y="2008598"/>
+                </a:cubicBezTo>
+                <a:cubicBezTo>
+                  <a:pt x="4017196" y="3117916"/>
+                  <a:pt x="3117916" y="4017196"/>
+                  <a:pt x="2008598" y="4017196"/>
+                </a:cubicBezTo>
+                <a:cubicBezTo>
+                  <a:pt x="899280" y="4017196"/>
+                  <a:pt x="0" y="3117916"/>
+                  <a:pt x="0" y="2008598"/>
+                </a:cubicBezTo>
+                <a:cubicBezTo>
+                  <a:pt x="0" y="899280"/>
+                  <a:pt x="899280" y="0"/>
+                  <a:pt x="2008598" y="0"/>
+                </a:cubicBezTo>
+                <a:close/>
+              </a:path>
+            </a:pathLst>
+          </a:custGeom>
+        </p:spPr>
+      </p:pic>
+      <p:cxnSp>
+        <p:nvCxnSpPr>
+          <p:cNvPr id="17" name="Straight Connector 16">
+            <a:extLst>
+              <a:ext uri="{FF2B5EF4-FFF2-40B4-BE49-F238E27FC236}">
+                <a16:creationId xmlns:a16="http://schemas.microsoft.com/office/drawing/2014/main" id="{9AD20FE8-ED02-4CDE-83B1-A1436305C3DC}"/>
+              </a:ext>
+              <a:ext uri="{C183D7F6-B498-43B3-948B-1728B52AA6E4}">
+                <adec:decorative xmlns:adec="http://schemas.microsoft.com/office/drawing/2017/decorative" val="1"/>
+              </a:ext>
+            </a:extLst>
+          </p:cNvPr>
+          <p:cNvCxnSpPr>
+            <a:cxnSpLocks noGrp="1" noRot="1" noChangeAspect="1" noMove="1" noResize="1" noEditPoints="1" noAdjustHandles="1" noChangeArrowheads="1" noChangeShapeType="1"/>
+          </p:cNvCxnSpPr>
+          <p:nvPr>
+            <p:extLst>
+              <p:ext uri="{386F3935-93C4-4BCD-93E2-E3B085C9AB24}">
+                <p16:designElem xmlns:p16="http://schemas.microsoft.com/office/powerpoint/2015/main" val="1"/>
+              </p:ext>
+            </p:extLst>
+          </p:nvPr>
+        </p:nvCxnSpPr>
+        <p:spPr>
+          <a:xfrm>
+            <a:off x="5775960" y="4971278"/>
+            <a:ext cx="640080" cy="0"/>
+          </a:xfrm>
+          <a:prstGeom prst="line">
+            <a:avLst/>
+          </a:prstGeom>
+          <a:ln w="28575">
+            <a:solidFill>
+              <a:srgbClr val="1BB0EB"/>
+            </a:solidFill>
+          </a:ln>
+        </p:spPr>
+        <p:style>
+          <a:lnRef idx="1">
+            <a:schemeClr val="accent1"/>
+          </a:lnRef>
+          <a:fillRef idx="0">
+            <a:schemeClr val="accent1"/>
+          </a:fillRef>
+          <a:effectRef idx="0">
+            <a:schemeClr val="accent1"/>
+          </a:effectRef>
+          <a:fontRef idx="minor">
+            <a:schemeClr val="tx1"/>
+          </a:fontRef>
+        </p:style>
+      </p:cxnSp>
+    </p:spTree>
+    <p:extLst>
+      <p:ext uri="{BB962C8B-B14F-4D97-AF65-F5344CB8AC3E}">
+        <p14:creationId xmlns:p14="http://schemas.microsoft.com/office/powerpoint/2010/main" val="2873187597"/>
+      </p:ext>
+    </p:extLst>
+  </p:cSld>
+  <p:clrMapOvr>
+    <a:masterClrMapping/>
+  </p:clrMapOvr>
+</p:sld>
+</file>
+
 <file path=ppt/slides/slide2.xml><?xml version="1.0" encoding="utf-8"?>
 <p:sld xmlns:a="http://schemas.openxmlformats.org/drawingml/2006/main" xmlns:r="http://schemas.openxmlformats.org/officeDocument/2006/relationships" xmlns:p="http://schemas.openxmlformats.org/presentationml/2006/main">
   <p:cSld>
@@ -3546,7 +6238,7 @@
         </p:nvSpPr>
         <p:spPr>
           <a:xfrm>
-            <a:off x="801098" y="1396289"/>
+            <a:off x="-1012" y="0"/>
             <a:ext cx="5277333" cy="1325563"/>
           </a:xfrm>
         </p:spPr>
@@ -3585,18 +6277,18 @@
         </p:nvSpPr>
         <p:spPr>
           <a:xfrm>
-            <a:off x="805543" y="2871982"/>
-            <a:ext cx="4558309" cy="3181684"/>
+            <a:off x="274321" y="1253852"/>
+            <a:ext cx="6424216" cy="5390788"/>
           </a:xfrm>
         </p:spPr>
         <p:txBody>
           <a:bodyPr vert="horz" lIns="91440" tIns="45720" rIns="91440" bIns="45720" rtlCol="0" anchor="t">
-            <a:normAutofit/>
+            <a:noAutofit/>
           </a:bodyPr>
           <a:lstStyle/>
           <a:p>
             <a:r>
-              <a:rPr lang="en-US" sz="1800" dirty="0">
+              <a:rPr lang="en-US" sz="2400" dirty="0">
                 <a:solidFill>
                   <a:schemeClr val="bg1"/>
                 </a:solidFill>
@@ -3605,7 +6297,7 @@
             </a:r>
           </a:p>
           <a:p>
-            <a:endParaRPr lang="en-US" sz="1800" dirty="0">
+            <a:endParaRPr lang="en-US" sz="2400" dirty="0">
               <a:solidFill>
                 <a:schemeClr val="bg1"/>
               </a:solidFill>
@@ -3613,16 +6305,16 @@
           </a:p>
           <a:p>
             <a:r>
-              <a:rPr lang="en-US" sz="1800" dirty="0">
+              <a:rPr lang="en-US" sz="2400" dirty="0">
                 <a:solidFill>
                   <a:schemeClr val="bg1"/>
                 </a:solidFill>
               </a:rPr>
-              <a:t>Description Générale de la solution</a:t>
-            </a:r>
-          </a:p>
-          <a:p>
-            <a:endParaRPr lang="en-US" sz="1800" dirty="0">
+              <a:t>Description Générale de la Solution</a:t>
+            </a:r>
+          </a:p>
+          <a:p>
+            <a:endParaRPr lang="en-US" sz="2400" dirty="0">
               <a:solidFill>
                 <a:schemeClr val="bg1"/>
               </a:solidFill>
@@ -3630,7 +6322,7 @@
           </a:p>
           <a:p>
             <a:r>
-              <a:rPr lang="en-US" sz="1800" dirty="0" err="1">
+              <a:rPr lang="en-US" sz="2400" dirty="0" err="1">
                 <a:solidFill>
                   <a:schemeClr val="bg1"/>
                 </a:solidFill>
@@ -3638,7 +6330,7 @@
               <a:t>Spécifications</a:t>
             </a:r>
             <a:r>
-              <a:rPr lang="en-US" sz="1800" dirty="0">
+              <a:rPr lang="en-US" sz="2400" dirty="0">
                 <a:solidFill>
                   <a:schemeClr val="bg1"/>
                 </a:solidFill>
@@ -3646,21 +6338,21 @@
               <a:t> </a:t>
             </a:r>
             <a:r>
-              <a:rPr lang="en-US" sz="1800" dirty="0" err="1">
+              <a:rPr lang="en-US" sz="2400" dirty="0" err="1">
                 <a:solidFill>
                   <a:schemeClr val="bg1"/>
                 </a:solidFill>
               </a:rPr>
-              <a:t>fonctionnelles</a:t>
-            </a:r>
-            <a:endParaRPr lang="en-US" sz="1800" dirty="0">
+              <a:t>Fonctionnelles</a:t>
+            </a:r>
+            <a:endParaRPr lang="en-US" sz="2400" dirty="0">
               <a:solidFill>
                 <a:schemeClr val="bg1"/>
               </a:solidFill>
             </a:endParaRPr>
           </a:p>
           <a:p>
-            <a:endParaRPr lang="en-US" sz="1800" dirty="0">
+            <a:endParaRPr lang="en-US" sz="2400" dirty="0">
               <a:solidFill>
                 <a:schemeClr val="bg1"/>
               </a:solidFill>
@@ -3668,7 +6360,7 @@
           </a:p>
           <a:p>
             <a:r>
-              <a:rPr lang="en-US" sz="1800" dirty="0" err="1">
+              <a:rPr lang="en-US" sz="2400" dirty="0" err="1">
                 <a:solidFill>
                   <a:schemeClr val="bg1"/>
                 </a:solidFill>
@@ -3676,12 +6368,59 @@
               <a:t>Spécifications</a:t>
             </a:r>
             <a:r>
-              <a:rPr lang="en-US" sz="1800" dirty="0">
+              <a:rPr lang="en-US" sz="2400" dirty="0">
                 <a:solidFill>
                   <a:schemeClr val="bg1"/>
                 </a:solidFill>
               </a:rPr>
-              <a:t> techniques</a:t>
+              <a:t> Techniques</a:t>
+            </a:r>
+          </a:p>
+          <a:p>
+            <a:endParaRPr lang="en-US" sz="2400" dirty="0">
+              <a:solidFill>
+                <a:schemeClr val="bg1"/>
+              </a:solidFill>
+            </a:endParaRPr>
+          </a:p>
+          <a:p>
+            <a:r>
+              <a:rPr lang="en-US" sz="2400" dirty="0">
+                <a:solidFill>
+                  <a:schemeClr val="bg1"/>
+                </a:solidFill>
+              </a:rPr>
+              <a:t>Conception </a:t>
+            </a:r>
+            <a:r>
+              <a:rPr lang="en-US" sz="2400" dirty="0" err="1">
+                <a:solidFill>
+                  <a:schemeClr val="bg1"/>
+                </a:solidFill>
+              </a:rPr>
+              <a:t>Graphique</a:t>
+            </a:r>
+            <a:endParaRPr lang="en-US" sz="2400" dirty="0">
+              <a:solidFill>
+                <a:schemeClr val="bg1"/>
+              </a:solidFill>
+            </a:endParaRPr>
+          </a:p>
+          <a:p>
+            <a:endParaRPr lang="en-US" sz="2400" dirty="0">
+              <a:solidFill>
+                <a:schemeClr val="bg1"/>
+              </a:solidFill>
+            </a:endParaRPr>
+          </a:p>
+          <a:p>
+            <a:r>
+              <a:rPr lang="en-US" sz="2400" dirty="0">
+                <a:solidFill>
+                  <a:schemeClr val="bg1"/>
+                </a:solidFill>
+              </a:rPr>
+              <a:t>Conclusion</a:t>
             </a:r>
           </a:p>
         </p:txBody>
@@ -4229,7 +6968,7 @@
         </p:blipFill>
         <p:spPr>
           <a:xfrm>
-            <a:off x="7742450" y="214716"/>
+            <a:off x="7931736" y="2179111"/>
             <a:ext cx="2353439" cy="2353443"/>
           </a:xfrm>
           <a:prstGeom prst="rect">
@@ -4258,7 +6997,7 @@
         </p:blipFill>
         <p:spPr>
           <a:xfrm>
-            <a:off x="8042246" y="2577241"/>
+            <a:off x="8117021" y="410030"/>
             <a:ext cx="1741359" cy="1476116"/>
           </a:xfrm>
           <a:prstGeom prst="rect">
@@ -4639,7 +7378,7 @@
         </p:blipFill>
         <p:spPr>
           <a:xfrm>
-            <a:off x="7856960" y="4026078"/>
+            <a:off x="7931736" y="4615032"/>
             <a:ext cx="2111930" cy="1825141"/>
           </a:xfrm>
           <a:prstGeom prst="rect">
@@ -4656,6 +7395,2612 @@
   </p:cSld>
   <p:clrMapOvr>
     <a:overrideClrMapping bg1="dk1" tx1="lt1" bg2="dk2" tx2="lt2" accent1="accent1" accent2="accent2" accent3="accent3" accent4="accent4" accent5="accent5" accent6="accent6" hlink="hlink" folHlink="folHlink"/>
+  </p:clrMapOvr>
+</p:sld>
+</file>
+
+<file path=ppt/slides/slide3.xml><?xml version="1.0" encoding="utf-8"?>
+<p:sld xmlns:a="http://schemas.openxmlformats.org/drawingml/2006/main" xmlns:r="http://schemas.openxmlformats.org/officeDocument/2006/relationships" xmlns:p="http://schemas.openxmlformats.org/presentationml/2006/main">
+  <p:cSld>
+    <p:bg>
+      <p:bgPr>
+        <a:solidFill>
+          <a:schemeClr val="bg1"/>
+        </a:solidFill>
+        <a:effectLst/>
+      </p:bgPr>
+    </p:bg>
+    <p:spTree>
+      <p:nvGrpSpPr>
+        <p:cNvPr id="1" name=""/>
+        <p:cNvGrpSpPr/>
+        <p:nvPr/>
+      </p:nvGrpSpPr>
+      <p:grpSpPr>
+        <a:xfrm>
+          <a:off x="0" y="0"/>
+          <a:ext cx="0" cy="0"/>
+          <a:chOff x="0" y="0"/>
+          <a:chExt cx="0" cy="0"/>
+        </a:xfrm>
+      </p:grpSpPr>
+      <p:sp>
+        <p:nvSpPr>
+          <p:cNvPr id="9" name="Rectangle 8">
+            <a:extLst>
+              <a:ext uri="{FF2B5EF4-FFF2-40B4-BE49-F238E27FC236}">
+                <a16:creationId xmlns:a16="http://schemas.microsoft.com/office/drawing/2014/main" id="{936CFC0A-8C37-453C-9488-1B30FBC3B3B0}"/>
+              </a:ext>
+              <a:ext uri="{C183D7F6-B498-43B3-948B-1728B52AA6E4}">
+                <adec:decorative xmlns:adec="http://schemas.microsoft.com/office/drawing/2017/decorative" val="1"/>
+              </a:ext>
+            </a:extLst>
+          </p:cNvPr>
+          <p:cNvSpPr>
+            <a:spLocks noGrp="1" noRot="1" noChangeAspect="1" noMove="1" noResize="1" noEditPoints="1" noAdjustHandles="1" noChangeArrowheads="1" noChangeShapeType="1" noTextEdit="1"/>
+          </p:cNvSpPr>
+          <p:nvPr>
+            <p:extLst>
+              <p:ext uri="{386F3935-93C4-4BCD-93E2-E3B085C9AB24}">
+                <p16:designElem xmlns:p16="http://schemas.microsoft.com/office/powerpoint/2015/main" val="1"/>
+              </p:ext>
+            </p:extLst>
+          </p:nvPr>
+        </p:nvSpPr>
+        <p:spPr>
+          <a:xfrm>
+            <a:off x="0" y="0"/>
+            <a:ext cx="12192000" cy="6858000"/>
+          </a:xfrm>
+          <a:prstGeom prst="rect">
+            <a:avLst/>
+          </a:prstGeom>
+          <a:solidFill>
+            <a:srgbClr val="FFFFFF"/>
+          </a:solidFill>
+          <a:ln w="12700" cap="flat" cmpd="sng" algn="ctr">
+            <a:noFill/>
+            <a:prstDash val="solid"/>
+            <a:miter lim="800000"/>
+          </a:ln>
+          <a:effectLst/>
+        </p:spPr>
+        <p:style>
+          <a:lnRef idx="2">
+            <a:schemeClr val="accent1">
+              <a:shade val="50000"/>
+            </a:schemeClr>
+          </a:lnRef>
+          <a:fillRef idx="1">
+            <a:schemeClr val="accent1"/>
+          </a:fillRef>
+          <a:effectRef idx="0">
+            <a:schemeClr val="accent1"/>
+          </a:effectRef>
+          <a:fontRef idx="minor">
+            <a:schemeClr val="lt1"/>
+          </a:fontRef>
+        </p:style>
+        <p:txBody>
+          <a:bodyPr rtlCol="0" anchor="ctr"/>
+          <a:lstStyle/>
+          <a:p>
+            <a:pPr algn="ctr"/>
+            <a:endParaRPr lang="en-US"/>
+          </a:p>
+        </p:txBody>
+      </p:sp>
+      <p:sp>
+        <p:nvSpPr>
+          <p:cNvPr id="2" name="Titre 1">
+            <a:extLst>
+              <a:ext uri="{FF2B5EF4-FFF2-40B4-BE49-F238E27FC236}">
+                <a16:creationId xmlns:a16="http://schemas.microsoft.com/office/drawing/2014/main" id="{87E07DAE-1EEC-4C19-980F-3FC090FC413F}"/>
+              </a:ext>
+            </a:extLst>
+          </p:cNvPr>
+          <p:cNvSpPr>
+            <a:spLocks noGrp="1"/>
+          </p:cNvSpPr>
+          <p:nvPr>
+            <p:ph type="ctrTitle"/>
+          </p:nvPr>
+        </p:nvSpPr>
+        <p:spPr>
+          <a:xfrm>
+            <a:off x="1382597" y="3424348"/>
+            <a:ext cx="9426806" cy="1424410"/>
+          </a:xfrm>
+        </p:spPr>
+        <p:txBody>
+          <a:bodyPr anchor="b">
+            <a:normAutofit/>
+          </a:bodyPr>
+          <a:lstStyle/>
+          <a:p>
+            <a:r>
+              <a:rPr lang="fr-FR" sz="5400">
+                <a:solidFill>
+                  <a:srgbClr val="1B1B1B"/>
+                </a:solidFill>
+              </a:rPr>
+              <a:t>Besoins du client </a:t>
+            </a:r>
+          </a:p>
+        </p:txBody>
+      </p:sp>
+      <p:sp>
+        <p:nvSpPr>
+          <p:cNvPr id="11" name="Oval 10">
+            <a:extLst>
+              <a:ext uri="{FF2B5EF4-FFF2-40B4-BE49-F238E27FC236}">
+                <a16:creationId xmlns:a16="http://schemas.microsoft.com/office/drawing/2014/main" id="{FBC3EAFD-A275-4F9B-8F62-72B6678F35A8}"/>
+              </a:ext>
+              <a:ext uri="{C183D7F6-B498-43B3-948B-1728B52AA6E4}">
+                <adec:decorative xmlns:adec="http://schemas.microsoft.com/office/drawing/2017/decorative" val="1"/>
+              </a:ext>
+            </a:extLst>
+          </p:cNvPr>
+          <p:cNvSpPr>
+            <a:spLocks noGrp="1" noRot="1" noChangeAspect="1" noMove="1" noResize="1" noEditPoints="1" noAdjustHandles="1" noChangeArrowheads="1" noChangeShapeType="1" noTextEdit="1"/>
+          </p:cNvSpPr>
+          <p:nvPr>
+            <p:extLst>
+              <p:ext uri="{386F3935-93C4-4BCD-93E2-E3B085C9AB24}">
+                <p16:designElem xmlns:p16="http://schemas.microsoft.com/office/powerpoint/2015/main" val="1"/>
+              </p:ext>
+            </p:extLst>
+          </p:nvPr>
+        </p:nvSpPr>
+        <p:spPr>
+          <a:xfrm>
+            <a:off x="4908526" y="933319"/>
+            <a:ext cx="2463430" cy="2486070"/>
+          </a:xfrm>
+          <a:prstGeom prst="ellipse">
+            <a:avLst/>
+          </a:prstGeom>
+          <a:solidFill>
+            <a:srgbClr val="52503A"/>
+          </a:solidFill>
+          <a:ln>
+            <a:noFill/>
+          </a:ln>
+        </p:spPr>
+        <p:style>
+          <a:lnRef idx="2">
+            <a:schemeClr val="accent1">
+              <a:shade val="50000"/>
+            </a:schemeClr>
+          </a:lnRef>
+          <a:fillRef idx="1">
+            <a:schemeClr val="accent1"/>
+          </a:fillRef>
+          <a:effectRef idx="0">
+            <a:schemeClr val="accent1"/>
+          </a:effectRef>
+          <a:fontRef idx="minor">
+            <a:schemeClr val="lt1"/>
+          </a:fontRef>
+        </p:style>
+        <p:txBody>
+          <a:bodyPr rtlCol="0" anchor="ctr"/>
+          <a:lstStyle/>
+          <a:p>
+            <a:pPr algn="ctr"/>
+            <a:endParaRPr lang="en-US"/>
+          </a:p>
+        </p:txBody>
+      </p:sp>
+      <p:sp>
+        <p:nvSpPr>
+          <p:cNvPr id="13" name="Oval 12">
+            <a:extLst>
+              <a:ext uri="{FF2B5EF4-FFF2-40B4-BE49-F238E27FC236}">
+                <a16:creationId xmlns:a16="http://schemas.microsoft.com/office/drawing/2014/main" id="{06E64A6D-2B9F-4AAD-AB42-A61BAF01AC12}"/>
+              </a:ext>
+              <a:ext uri="{C183D7F6-B498-43B3-948B-1728B52AA6E4}">
+                <adec:decorative xmlns:adec="http://schemas.microsoft.com/office/drawing/2017/decorative" val="1"/>
+              </a:ext>
+            </a:extLst>
+          </p:cNvPr>
+          <p:cNvSpPr>
+            <a:spLocks noGrp="1" noRot="1" noChangeAspect="1" noMove="1" noResize="1" noEditPoints="1" noAdjustHandles="1" noChangeArrowheads="1" noChangeShapeType="1" noTextEdit="1"/>
+          </p:cNvSpPr>
+          <p:nvPr>
+            <p:extLst>
+              <p:ext uri="{386F3935-93C4-4BCD-93E2-E3B085C9AB24}">
+                <p16:designElem xmlns:p16="http://schemas.microsoft.com/office/powerpoint/2015/main" val="1"/>
+              </p:ext>
+            </p:extLst>
+          </p:nvPr>
+        </p:nvSpPr>
+        <p:spPr>
+          <a:xfrm>
+            <a:off x="5117592" y="1268361"/>
+            <a:ext cx="1956816" cy="1953058"/>
+          </a:xfrm>
+          <a:prstGeom prst="ellipse">
+            <a:avLst/>
+          </a:prstGeom>
+          <a:solidFill>
+            <a:srgbClr val="FFFFFF"/>
+          </a:solidFill>
+          <a:ln>
+            <a:solidFill>
+              <a:srgbClr val="52503A"/>
+            </a:solidFill>
+          </a:ln>
+        </p:spPr>
+        <p:style>
+          <a:lnRef idx="2">
+            <a:schemeClr val="accent1">
+              <a:shade val="50000"/>
+            </a:schemeClr>
+          </a:lnRef>
+          <a:fillRef idx="1">
+            <a:schemeClr val="accent1"/>
+          </a:fillRef>
+          <a:effectRef idx="0">
+            <a:schemeClr val="accent1"/>
+          </a:effectRef>
+          <a:fontRef idx="minor">
+            <a:schemeClr val="lt1"/>
+          </a:fontRef>
+        </p:style>
+        <p:txBody>
+          <a:bodyPr rtlCol="0" anchor="ctr"/>
+          <a:lstStyle/>
+          <a:p>
+            <a:pPr algn="ctr"/>
+            <a:endParaRPr lang="en-US"/>
+          </a:p>
+        </p:txBody>
+      </p:sp>
+      <p:pic>
+        <p:nvPicPr>
+          <p:cNvPr id="4" name="Image 3" descr="Une image contenant couteau&#10;&#10;Description générée automatiquement">
+            <a:extLst>
+              <a:ext uri="{FF2B5EF4-FFF2-40B4-BE49-F238E27FC236}">
+                <a16:creationId xmlns:a16="http://schemas.microsoft.com/office/drawing/2014/main" id="{DF02789F-C5C3-44CB-ABBE-E3B2BC9D0D16}"/>
+              </a:ext>
+            </a:extLst>
+          </p:cNvPr>
+          <p:cNvPicPr>
+            <a:picLocks noChangeAspect="1"/>
+          </p:cNvPicPr>
+          <p:nvPr/>
+        </p:nvPicPr>
+        <p:blipFill rotWithShape="1">
+          <a:blip r:embed="rId2">
+            <a:alphaModFix/>
+          </a:blip>
+          <a:srcRect b="1914"/>
+          <a:stretch/>
+        </p:blipFill>
+        <p:spPr>
+          <a:xfrm>
+            <a:off x="5181600" y="1330490"/>
+            <a:ext cx="1828800" cy="1828800"/>
+          </a:xfrm>
+          <a:custGeom>
+            <a:avLst/>
+            <a:gdLst/>
+            <a:ahLst/>
+            <a:cxnLst/>
+            <a:rect l="l" t="t" r="r" b="b"/>
+            <a:pathLst>
+              <a:path w="6057610" h="6057610">
+                <a:moveTo>
+                  <a:pt x="3028805" y="0"/>
+                </a:moveTo>
+                <a:cubicBezTo>
+                  <a:pt x="4701568" y="0"/>
+                  <a:pt x="6057610" y="1356042"/>
+                  <a:pt x="6057610" y="3028805"/>
+                </a:cubicBezTo>
+                <a:cubicBezTo>
+                  <a:pt x="6057610" y="4701568"/>
+                  <a:pt x="4701568" y="6057610"/>
+                  <a:pt x="3028805" y="6057610"/>
+                </a:cubicBezTo>
+                <a:cubicBezTo>
+                  <a:pt x="1356042" y="6057610"/>
+                  <a:pt x="0" y="4701568"/>
+                  <a:pt x="0" y="3028805"/>
+                </a:cubicBezTo>
+                <a:cubicBezTo>
+                  <a:pt x="0" y="1356042"/>
+                  <a:pt x="1356042" y="0"/>
+                  <a:pt x="3028805" y="0"/>
+                </a:cubicBezTo>
+                <a:close/>
+              </a:path>
+            </a:pathLst>
+          </a:custGeom>
+          <a:effectLst>
+            <a:softEdge rad="0"/>
+          </a:effectLst>
+        </p:spPr>
+      </p:pic>
+      <p:pic>
+        <p:nvPicPr>
+          <p:cNvPr id="15" name="Picture 14">
+            <a:extLst>
+              <a:ext uri="{FF2B5EF4-FFF2-40B4-BE49-F238E27FC236}">
+                <a16:creationId xmlns:a16="http://schemas.microsoft.com/office/drawing/2014/main" id="{C51881DD-AD85-41BE-8A49-C2FB45800E10}"/>
+              </a:ext>
+              <a:ext uri="{C183D7F6-B498-43B3-948B-1728B52AA6E4}">
+                <adec:decorative xmlns:adec="http://schemas.microsoft.com/office/drawing/2017/decorative" val="1"/>
+              </a:ext>
+            </a:extLst>
+          </p:cNvPr>
+          <p:cNvPicPr>
+            <a:picLocks noGrp="1" noRot="1" noChangeAspect="1" noMove="1" noResize="1" noEditPoints="1" noAdjustHandles="1" noChangeArrowheads="1" noChangeShapeType="1" noCrop="1"/>
+          </p:cNvPicPr>
+          <p:nvPr>
+            <p:extLst>
+              <p:ext uri="{386F3935-93C4-4BCD-93E2-E3B085C9AB24}">
+                <p16:designElem xmlns:p16="http://schemas.microsoft.com/office/powerpoint/2015/main" val="1"/>
+              </p:ext>
+            </p:extLst>
+          </p:nvPr>
+        </p:nvPicPr>
+        <p:blipFill>
+          <a:blip r:embed="rId3" cstate="print">
+            <a:extLst>
+              <a:ext uri="{28A0092B-C50C-407E-A947-70E740481C1C}">
+                <a14:useLocalDpi xmlns:a14="http://schemas.microsoft.com/office/drawing/2010/main" val="0"/>
+              </a:ext>
+            </a:extLst>
+          </a:blip>
+          <a:srcRect l="33525" t="5243" r="33525" b="36180"/>
+          <a:stretch>
+            <a:fillRect/>
+          </a:stretch>
+        </p:blipFill>
+        <p:spPr>
+          <a:xfrm>
+            <a:off x="4860081" y="896194"/>
+            <a:ext cx="2560320" cy="2560320"/>
+          </a:xfrm>
+          <a:custGeom>
+            <a:avLst/>
+            <a:gdLst>
+              <a:gd name="connsiteX0" fmla="*/ 2008598 w 4017196"/>
+              <a:gd name="connsiteY0" fmla="*/ 0 h 4017196"/>
+              <a:gd name="connsiteX1" fmla="*/ 4017196 w 4017196"/>
+              <a:gd name="connsiteY1" fmla="*/ 2008598 h 4017196"/>
+              <a:gd name="connsiteX2" fmla="*/ 2008598 w 4017196"/>
+              <a:gd name="connsiteY2" fmla="*/ 4017196 h 4017196"/>
+              <a:gd name="connsiteX3" fmla="*/ 0 w 4017196"/>
+              <a:gd name="connsiteY3" fmla="*/ 2008598 h 4017196"/>
+              <a:gd name="connsiteX4" fmla="*/ 2008598 w 4017196"/>
+              <a:gd name="connsiteY4" fmla="*/ 0 h 4017196"/>
+            </a:gdLst>
+            <a:ahLst/>
+            <a:cxnLst>
+              <a:cxn ang="0">
+                <a:pos x="connsiteX0" y="connsiteY0"/>
+              </a:cxn>
+              <a:cxn ang="0">
+                <a:pos x="connsiteX1" y="connsiteY1"/>
+              </a:cxn>
+              <a:cxn ang="0">
+                <a:pos x="connsiteX2" y="connsiteY2"/>
+              </a:cxn>
+              <a:cxn ang="0">
+                <a:pos x="connsiteX3" y="connsiteY3"/>
+              </a:cxn>
+              <a:cxn ang="0">
+                <a:pos x="connsiteX4" y="connsiteY4"/>
+              </a:cxn>
+            </a:cxnLst>
+            <a:rect l="l" t="t" r="r" b="b"/>
+            <a:pathLst>
+              <a:path w="4017196" h="4017196">
+                <a:moveTo>
+                  <a:pt x="2008598" y="0"/>
+                </a:moveTo>
+                <a:cubicBezTo>
+                  <a:pt x="3117916" y="0"/>
+                  <a:pt x="4017196" y="899280"/>
+                  <a:pt x="4017196" y="2008598"/>
+                </a:cubicBezTo>
+                <a:cubicBezTo>
+                  <a:pt x="4017196" y="3117916"/>
+                  <a:pt x="3117916" y="4017196"/>
+                  <a:pt x="2008598" y="4017196"/>
+                </a:cubicBezTo>
+                <a:cubicBezTo>
+                  <a:pt x="899280" y="4017196"/>
+                  <a:pt x="0" y="3117916"/>
+                  <a:pt x="0" y="2008598"/>
+                </a:cubicBezTo>
+                <a:cubicBezTo>
+                  <a:pt x="0" y="899280"/>
+                  <a:pt x="899280" y="0"/>
+                  <a:pt x="2008598" y="0"/>
+                </a:cubicBezTo>
+                <a:close/>
+              </a:path>
+            </a:pathLst>
+          </a:custGeom>
+        </p:spPr>
+      </p:pic>
+      <p:cxnSp>
+        <p:nvCxnSpPr>
+          <p:cNvPr id="17" name="Straight Connector 16">
+            <a:extLst>
+              <a:ext uri="{FF2B5EF4-FFF2-40B4-BE49-F238E27FC236}">
+                <a16:creationId xmlns:a16="http://schemas.microsoft.com/office/drawing/2014/main" id="{9AD20FE8-ED02-4CDE-83B1-A1436305C3DC}"/>
+              </a:ext>
+              <a:ext uri="{C183D7F6-B498-43B3-948B-1728B52AA6E4}">
+                <adec:decorative xmlns:adec="http://schemas.microsoft.com/office/drawing/2017/decorative" val="1"/>
+              </a:ext>
+            </a:extLst>
+          </p:cNvPr>
+          <p:cNvCxnSpPr>
+            <a:cxnSpLocks noGrp="1" noRot="1" noChangeAspect="1" noMove="1" noResize="1" noEditPoints="1" noAdjustHandles="1" noChangeArrowheads="1" noChangeShapeType="1"/>
+          </p:cNvCxnSpPr>
+          <p:nvPr>
+            <p:extLst>
+              <p:ext uri="{386F3935-93C4-4BCD-93E2-E3B085C9AB24}">
+                <p16:designElem xmlns:p16="http://schemas.microsoft.com/office/powerpoint/2015/main" val="1"/>
+              </p:ext>
+            </p:extLst>
+          </p:nvPr>
+        </p:nvCxnSpPr>
+        <p:spPr>
+          <a:xfrm>
+            <a:off x="5775960" y="4971278"/>
+            <a:ext cx="640080" cy="0"/>
+          </a:xfrm>
+          <a:prstGeom prst="line">
+            <a:avLst/>
+          </a:prstGeom>
+          <a:ln w="28575">
+            <a:solidFill>
+              <a:srgbClr val="E4D928"/>
+            </a:solidFill>
+          </a:ln>
+        </p:spPr>
+        <p:style>
+          <a:lnRef idx="1">
+            <a:schemeClr val="accent1"/>
+          </a:lnRef>
+          <a:fillRef idx="0">
+            <a:schemeClr val="accent1"/>
+          </a:fillRef>
+          <a:effectRef idx="0">
+            <a:schemeClr val="accent1"/>
+          </a:effectRef>
+          <a:fontRef idx="minor">
+            <a:schemeClr val="tx1"/>
+          </a:fontRef>
+        </p:style>
+      </p:cxnSp>
+    </p:spTree>
+    <p:extLst>
+      <p:ext uri="{BB962C8B-B14F-4D97-AF65-F5344CB8AC3E}">
+        <p14:creationId xmlns:p14="http://schemas.microsoft.com/office/powerpoint/2010/main" val="2782450090"/>
+      </p:ext>
+    </p:extLst>
+  </p:cSld>
+  <p:clrMapOvr>
+    <a:masterClrMapping/>
+  </p:clrMapOvr>
+</p:sld>
+</file>
+
+<file path=ppt/slides/slide4.xml><?xml version="1.0" encoding="utf-8"?>
+<p:sld xmlns:a="http://schemas.openxmlformats.org/drawingml/2006/main" xmlns:r="http://schemas.openxmlformats.org/officeDocument/2006/relationships" xmlns:p="http://schemas.openxmlformats.org/presentationml/2006/main">
+  <p:cSld>
+    <p:spTree>
+      <p:nvGrpSpPr>
+        <p:cNvPr id="1" name=""/>
+        <p:cNvGrpSpPr/>
+        <p:nvPr/>
+      </p:nvGrpSpPr>
+      <p:grpSpPr>
+        <a:xfrm>
+          <a:off x="0" y="0"/>
+          <a:ext cx="0" cy="0"/>
+          <a:chOff x="0" y="0"/>
+          <a:chExt cx="0" cy="0"/>
+        </a:xfrm>
+      </p:grpSpPr>
+      <p:sp>
+        <p:nvSpPr>
+          <p:cNvPr id="2" name="Titre 1">
+            <a:extLst>
+              <a:ext uri="{FF2B5EF4-FFF2-40B4-BE49-F238E27FC236}">
+                <a16:creationId xmlns:a16="http://schemas.microsoft.com/office/drawing/2014/main" id="{CC790956-3C4F-4753-BEB8-58CEC3085DC5}"/>
+              </a:ext>
+            </a:extLst>
+          </p:cNvPr>
+          <p:cNvSpPr>
+            <a:spLocks noGrp="1"/>
+          </p:cNvSpPr>
+          <p:nvPr>
+            <p:ph type="title"/>
+          </p:nvPr>
+        </p:nvSpPr>
+        <p:spPr>
+          <a:xfrm>
+            <a:off x="129540" y="0"/>
+            <a:ext cx="4206240" cy="1325563"/>
+          </a:xfrm>
+        </p:spPr>
+        <p:txBody>
+          <a:bodyPr/>
+          <a:lstStyle/>
+          <a:p>
+            <a:r>
+              <a:rPr lang="fr-FR" dirty="0"/>
+              <a:t>Besoins du client</a:t>
+            </a:r>
+          </a:p>
+        </p:txBody>
+      </p:sp>
+      <p:grpSp>
+        <p:nvGrpSpPr>
+          <p:cNvPr id="30" name="Groupe 29">
+            <a:extLst>
+              <a:ext uri="{FF2B5EF4-FFF2-40B4-BE49-F238E27FC236}">
+                <a16:creationId xmlns:a16="http://schemas.microsoft.com/office/drawing/2014/main" id="{7F05BF67-ED92-49BE-B76D-2AD879E4F1F1}"/>
+              </a:ext>
+            </a:extLst>
+          </p:cNvPr>
+          <p:cNvGrpSpPr/>
+          <p:nvPr/>
+        </p:nvGrpSpPr>
+        <p:grpSpPr>
+          <a:xfrm>
+            <a:off x="6944100" y="1134586"/>
+            <a:ext cx="4707592" cy="3829140"/>
+            <a:chOff x="6867900" y="517321"/>
+            <a:chExt cx="4707592" cy="3829140"/>
+          </a:xfrm>
+        </p:grpSpPr>
+        <p:pic>
+          <p:nvPicPr>
+            <p:cNvPr id="5" name="Image 1">
+              <a:extLst>
+                <a:ext uri="{FF2B5EF4-FFF2-40B4-BE49-F238E27FC236}">
+                  <a16:creationId xmlns:a16="http://schemas.microsoft.com/office/drawing/2014/main" id="{BB6A6D43-F28E-40E2-9390-416339DAE99E}"/>
+                </a:ext>
+              </a:extLst>
+            </p:cNvPr>
+            <p:cNvPicPr>
+              <a:picLocks noChangeAspect="1" noChangeArrowheads="1"/>
+            </p:cNvPicPr>
+            <p:nvPr/>
+          </p:nvPicPr>
+          <p:blipFill>
+            <a:blip r:embed="rId2">
+              <a:extLst>
+                <a:ext uri="{28A0092B-C50C-407E-A947-70E740481C1C}">
+                  <a14:useLocalDpi xmlns:a14="http://schemas.microsoft.com/office/drawing/2010/main" val="0"/>
+                </a:ext>
+              </a:extLst>
+            </a:blip>
+            <a:srcRect/>
+            <a:stretch>
+              <a:fillRect/>
+            </a:stretch>
+          </p:blipFill>
+          <p:spPr bwMode="auto">
+            <a:xfrm>
+              <a:off x="8451954" y="2495932"/>
+              <a:ext cx="1502274" cy="429221"/>
+            </a:xfrm>
+            <a:prstGeom prst="rect">
+              <a:avLst/>
+            </a:prstGeom>
+            <a:noFill/>
+            <a:ln>
+              <a:noFill/>
+            </a:ln>
+            <a:extLst>
+              <a:ext uri="{909E8E84-426E-40DD-AFC4-6F175D3DCCD1}">
+                <a14:hiddenFill xmlns:a14="http://schemas.microsoft.com/office/drawing/2010/main">
+                  <a:solidFill>
+                    <a:srgbClr val="FFFFFF"/>
+                  </a:solidFill>
+                </a14:hiddenFill>
+              </a:ext>
+              <a:ext uri="{91240B29-F687-4F45-9708-019B960494DF}">
+                <a14:hiddenLine xmlns:a14="http://schemas.microsoft.com/office/drawing/2010/main" w="9525">
+                  <a:solidFill>
+                    <a:srgbClr val="000000"/>
+                  </a:solidFill>
+                  <a:miter lim="800000"/>
+                  <a:headEnd/>
+                  <a:tailEnd/>
+                </a14:hiddenLine>
+              </a:ext>
+            </a:extLst>
+          </p:spPr>
+        </p:pic>
+        <p:pic>
+          <p:nvPicPr>
+            <p:cNvPr id="6" name="Image 5">
+              <a:extLst>
+                <a:ext uri="{FF2B5EF4-FFF2-40B4-BE49-F238E27FC236}">
+                  <a16:creationId xmlns:a16="http://schemas.microsoft.com/office/drawing/2014/main" id="{772B31A3-E2B2-447E-B1CE-FE9DB3674167}"/>
+                </a:ext>
+              </a:extLst>
+            </p:cNvPr>
+            <p:cNvPicPr>
+              <a:picLocks noChangeAspect="1"/>
+            </p:cNvPicPr>
+            <p:nvPr/>
+          </p:nvPicPr>
+          <p:blipFill>
+            <a:blip r:embed="rId3"/>
+            <a:stretch>
+              <a:fillRect/>
+            </a:stretch>
+          </p:blipFill>
+          <p:spPr>
+            <a:xfrm>
+              <a:off x="7595396" y="3519236"/>
+              <a:ext cx="856558" cy="827224"/>
+            </a:xfrm>
+            <a:prstGeom prst="rect">
+              <a:avLst/>
+            </a:prstGeom>
+          </p:spPr>
+        </p:pic>
+        <p:pic>
+          <p:nvPicPr>
+            <p:cNvPr id="7" name="Image 6">
+              <a:extLst>
+                <a:ext uri="{FF2B5EF4-FFF2-40B4-BE49-F238E27FC236}">
+                  <a16:creationId xmlns:a16="http://schemas.microsoft.com/office/drawing/2014/main" id="{D34C72E6-C9AC-421D-804F-CD6DE68EBD6F}"/>
+                </a:ext>
+              </a:extLst>
+            </p:cNvPr>
+            <p:cNvPicPr>
+              <a:picLocks noChangeAspect="1"/>
+            </p:cNvPicPr>
+            <p:nvPr/>
+          </p:nvPicPr>
+          <p:blipFill>
+            <a:blip r:embed="rId3"/>
+            <a:stretch>
+              <a:fillRect/>
+            </a:stretch>
+          </p:blipFill>
+          <p:spPr>
+            <a:xfrm>
+              <a:off x="6867900" y="1485404"/>
+              <a:ext cx="856558" cy="827224"/>
+            </a:xfrm>
+            <a:prstGeom prst="rect">
+              <a:avLst/>
+            </a:prstGeom>
+          </p:spPr>
+        </p:pic>
+        <p:pic>
+          <p:nvPicPr>
+            <p:cNvPr id="8" name="Image 7">
+              <a:extLst>
+                <a:ext uri="{FF2B5EF4-FFF2-40B4-BE49-F238E27FC236}">
+                  <a16:creationId xmlns:a16="http://schemas.microsoft.com/office/drawing/2014/main" id="{E3DA5C7D-F490-4C0E-A882-2E20065AB5FF}"/>
+                </a:ext>
+              </a:extLst>
+            </p:cNvPr>
+            <p:cNvPicPr>
+              <a:picLocks noChangeAspect="1"/>
+            </p:cNvPicPr>
+            <p:nvPr/>
+          </p:nvPicPr>
+          <p:blipFill>
+            <a:blip r:embed="rId3"/>
+            <a:stretch>
+              <a:fillRect/>
+            </a:stretch>
+          </p:blipFill>
+          <p:spPr>
+            <a:xfrm>
+              <a:off x="10746521" y="1512046"/>
+              <a:ext cx="828971" cy="800582"/>
+            </a:xfrm>
+            <a:prstGeom prst="rect">
+              <a:avLst/>
+            </a:prstGeom>
+          </p:spPr>
+        </p:pic>
+        <p:pic>
+          <p:nvPicPr>
+            <p:cNvPr id="9" name="Image 8">
+              <a:extLst>
+                <a:ext uri="{FF2B5EF4-FFF2-40B4-BE49-F238E27FC236}">
+                  <a16:creationId xmlns:a16="http://schemas.microsoft.com/office/drawing/2014/main" id="{971E25DC-A6CB-499E-9220-B5E642C4DE5D}"/>
+                </a:ext>
+              </a:extLst>
+            </p:cNvPr>
+            <p:cNvPicPr>
+              <a:picLocks noChangeAspect="1"/>
+            </p:cNvPicPr>
+            <p:nvPr/>
+          </p:nvPicPr>
+          <p:blipFill>
+            <a:blip r:embed="rId3"/>
+            <a:stretch>
+              <a:fillRect/>
+            </a:stretch>
+          </p:blipFill>
+          <p:spPr>
+            <a:xfrm>
+              <a:off x="10304447" y="3519236"/>
+              <a:ext cx="856559" cy="827225"/>
+            </a:xfrm>
+            <a:prstGeom prst="rect">
+              <a:avLst/>
+            </a:prstGeom>
+          </p:spPr>
+        </p:pic>
+        <p:pic>
+          <p:nvPicPr>
+            <p:cNvPr id="10" name="Image 9">
+              <a:extLst>
+                <a:ext uri="{FF2B5EF4-FFF2-40B4-BE49-F238E27FC236}">
+                  <a16:creationId xmlns:a16="http://schemas.microsoft.com/office/drawing/2014/main" id="{5B82CB07-89F2-4C5A-861F-12DB63E938A5}"/>
+                </a:ext>
+              </a:extLst>
+            </p:cNvPr>
+            <p:cNvPicPr>
+              <a:picLocks noChangeAspect="1"/>
+            </p:cNvPicPr>
+            <p:nvPr/>
+          </p:nvPicPr>
+          <p:blipFill>
+            <a:blip r:embed="rId3"/>
+            <a:stretch>
+              <a:fillRect/>
+            </a:stretch>
+          </p:blipFill>
+          <p:spPr>
+            <a:xfrm>
+              <a:off x="8774812" y="517321"/>
+              <a:ext cx="856558" cy="827224"/>
+            </a:xfrm>
+            <a:prstGeom prst="rect">
+              <a:avLst/>
+            </a:prstGeom>
+          </p:spPr>
+        </p:pic>
+        <p:cxnSp>
+          <p:nvCxnSpPr>
+            <p:cNvPr id="12" name="Connecteur droit 11">
+              <a:extLst>
+                <a:ext uri="{FF2B5EF4-FFF2-40B4-BE49-F238E27FC236}">
+                  <a16:creationId xmlns:a16="http://schemas.microsoft.com/office/drawing/2014/main" id="{ACE36E94-E503-4482-888D-AAE3142EE41B}"/>
+                </a:ext>
+              </a:extLst>
+            </p:cNvPr>
+            <p:cNvCxnSpPr>
+              <a:cxnSpLocks/>
+              <a:stCxn id="7" idx="3"/>
+            </p:cNvCxnSpPr>
+            <p:nvPr/>
+          </p:nvCxnSpPr>
+          <p:spPr>
+            <a:xfrm>
+              <a:off x="7724458" y="1899016"/>
+              <a:ext cx="727496" cy="596916"/>
+            </a:xfrm>
+            <a:prstGeom prst="line">
+              <a:avLst/>
+            </a:prstGeom>
+          </p:spPr>
+          <p:style>
+            <a:lnRef idx="1">
+              <a:schemeClr val="accent1"/>
+            </a:lnRef>
+            <a:fillRef idx="0">
+              <a:schemeClr val="accent1"/>
+            </a:fillRef>
+            <a:effectRef idx="0">
+              <a:schemeClr val="accent1"/>
+            </a:effectRef>
+            <a:fontRef idx="minor">
+              <a:schemeClr val="tx1"/>
+            </a:fontRef>
+          </p:style>
+        </p:cxnSp>
+        <p:cxnSp>
+          <p:nvCxnSpPr>
+            <p:cNvPr id="15" name="Connecteur droit 14">
+              <a:extLst>
+                <a:ext uri="{FF2B5EF4-FFF2-40B4-BE49-F238E27FC236}">
+                  <a16:creationId xmlns:a16="http://schemas.microsoft.com/office/drawing/2014/main" id="{45A1D3F2-4D5C-4C23-ABD5-722A8D448E72}"/>
+                </a:ext>
+              </a:extLst>
+            </p:cNvPr>
+            <p:cNvCxnSpPr>
+              <a:cxnSpLocks/>
+              <a:stCxn id="10" idx="2"/>
+              <a:endCxn id="5" idx="0"/>
+            </p:cNvCxnSpPr>
+            <p:nvPr/>
+          </p:nvCxnSpPr>
+          <p:spPr>
+            <a:xfrm>
+              <a:off x="9203091" y="1344545"/>
+              <a:ext cx="0" cy="1151387"/>
+            </a:xfrm>
+            <a:prstGeom prst="line">
+              <a:avLst/>
+            </a:prstGeom>
+          </p:spPr>
+          <p:style>
+            <a:lnRef idx="1">
+              <a:schemeClr val="accent1"/>
+            </a:lnRef>
+            <a:fillRef idx="0">
+              <a:schemeClr val="accent1"/>
+            </a:fillRef>
+            <a:effectRef idx="0">
+              <a:schemeClr val="accent1"/>
+            </a:effectRef>
+            <a:fontRef idx="minor">
+              <a:schemeClr val="tx1"/>
+            </a:fontRef>
+          </p:style>
+        </p:cxnSp>
+        <p:cxnSp>
+          <p:nvCxnSpPr>
+            <p:cNvPr id="18" name="Connecteur droit 17">
+              <a:extLst>
+                <a:ext uri="{FF2B5EF4-FFF2-40B4-BE49-F238E27FC236}">
+                  <a16:creationId xmlns:a16="http://schemas.microsoft.com/office/drawing/2014/main" id="{C77F0CE5-40D8-4907-B998-9C412786CEDC}"/>
+                </a:ext>
+              </a:extLst>
+            </p:cNvPr>
+            <p:cNvCxnSpPr>
+              <a:cxnSpLocks/>
+              <a:stCxn id="8" idx="1"/>
+            </p:cNvCxnSpPr>
+            <p:nvPr/>
+          </p:nvCxnSpPr>
+          <p:spPr>
+            <a:xfrm flipH="1">
+              <a:off x="9954228" y="1912337"/>
+              <a:ext cx="792293" cy="583595"/>
+            </a:xfrm>
+            <a:prstGeom prst="line">
+              <a:avLst/>
+            </a:prstGeom>
+          </p:spPr>
+          <p:style>
+            <a:lnRef idx="1">
+              <a:schemeClr val="accent1"/>
+            </a:lnRef>
+            <a:fillRef idx="0">
+              <a:schemeClr val="accent1"/>
+            </a:fillRef>
+            <a:effectRef idx="0">
+              <a:schemeClr val="accent1"/>
+            </a:effectRef>
+            <a:fontRef idx="minor">
+              <a:schemeClr val="tx1"/>
+            </a:fontRef>
+          </p:style>
+        </p:cxnSp>
+        <p:cxnSp>
+          <p:nvCxnSpPr>
+            <p:cNvPr id="23" name="Connecteur droit 22">
+              <a:extLst>
+                <a:ext uri="{FF2B5EF4-FFF2-40B4-BE49-F238E27FC236}">
+                  <a16:creationId xmlns:a16="http://schemas.microsoft.com/office/drawing/2014/main" id="{F4D3E641-0B92-486D-AA5B-C566EB87E822}"/>
+                </a:ext>
+              </a:extLst>
+            </p:cNvPr>
+            <p:cNvCxnSpPr>
+              <a:cxnSpLocks/>
+              <a:endCxn id="6" idx="3"/>
+            </p:cNvCxnSpPr>
+            <p:nvPr/>
+          </p:nvCxnSpPr>
+          <p:spPr>
+            <a:xfrm flipH="1">
+              <a:off x="8451954" y="2925153"/>
+              <a:ext cx="322858" cy="1007695"/>
+            </a:xfrm>
+            <a:prstGeom prst="line">
+              <a:avLst/>
+            </a:prstGeom>
+          </p:spPr>
+          <p:style>
+            <a:lnRef idx="1">
+              <a:schemeClr val="accent1"/>
+            </a:lnRef>
+            <a:fillRef idx="0">
+              <a:schemeClr val="accent1"/>
+            </a:fillRef>
+            <a:effectRef idx="0">
+              <a:schemeClr val="accent1"/>
+            </a:effectRef>
+            <a:fontRef idx="minor">
+              <a:schemeClr val="tx1"/>
+            </a:fontRef>
+          </p:style>
+        </p:cxnSp>
+        <p:cxnSp>
+          <p:nvCxnSpPr>
+            <p:cNvPr id="26" name="Connecteur droit 25">
+              <a:extLst>
+                <a:ext uri="{FF2B5EF4-FFF2-40B4-BE49-F238E27FC236}">
+                  <a16:creationId xmlns:a16="http://schemas.microsoft.com/office/drawing/2014/main" id="{CADB4FE7-F608-4E84-9D47-DEB433757ABA}"/>
+                </a:ext>
+              </a:extLst>
+            </p:cNvPr>
+            <p:cNvCxnSpPr>
+              <a:cxnSpLocks/>
+              <a:endCxn id="9" idx="1"/>
+            </p:cNvCxnSpPr>
+            <p:nvPr/>
+          </p:nvCxnSpPr>
+          <p:spPr>
+            <a:xfrm>
+              <a:off x="9659620" y="2925153"/>
+              <a:ext cx="644827" cy="1007696"/>
+            </a:xfrm>
+            <a:prstGeom prst="line">
+              <a:avLst/>
+            </a:prstGeom>
+          </p:spPr>
+          <p:style>
+            <a:lnRef idx="1">
+              <a:schemeClr val="accent1"/>
+            </a:lnRef>
+            <a:fillRef idx="0">
+              <a:schemeClr val="accent1"/>
+            </a:fillRef>
+            <a:effectRef idx="0">
+              <a:schemeClr val="accent1"/>
+            </a:effectRef>
+            <a:fontRef idx="minor">
+              <a:schemeClr val="tx1"/>
+            </a:fontRef>
+          </p:style>
+        </p:cxnSp>
+      </p:grpSp>
+      <p:sp>
+        <p:nvSpPr>
+          <p:cNvPr id="33" name="ZoneTexte 32">
+            <a:extLst>
+              <a:ext uri="{FF2B5EF4-FFF2-40B4-BE49-F238E27FC236}">
+                <a16:creationId xmlns:a16="http://schemas.microsoft.com/office/drawing/2014/main" id="{BC27E891-A034-485B-9AA4-1FA6CAF39DEE}"/>
+              </a:ext>
+            </a:extLst>
+          </p:cNvPr>
+          <p:cNvSpPr txBox="1"/>
+          <p:nvPr/>
+        </p:nvSpPr>
+        <p:spPr>
+          <a:xfrm>
+            <a:off x="83820" y="956231"/>
+            <a:ext cx="2141220" cy="369332"/>
+          </a:xfrm>
+          <a:prstGeom prst="rect">
+            <a:avLst/>
+          </a:prstGeom>
+          <a:noFill/>
+        </p:spPr>
+        <p:txBody>
+          <a:bodyPr wrap="square" rtlCol="0">
+            <a:spAutoFit/>
+          </a:bodyPr>
+          <a:lstStyle/>
+          <a:p>
+            <a:r>
+              <a:rPr lang="fr-FR" i="1" dirty="0"/>
+              <a:t>Contexte</a:t>
+            </a:r>
+          </a:p>
+        </p:txBody>
+      </p:sp>
+      <p:sp>
+        <p:nvSpPr>
+          <p:cNvPr id="34" name="Espace réservé du contenu 2">
+            <a:extLst>
+              <a:ext uri="{FF2B5EF4-FFF2-40B4-BE49-F238E27FC236}">
+                <a16:creationId xmlns:a16="http://schemas.microsoft.com/office/drawing/2014/main" id="{2C336855-CA98-4592-A929-FFADEB2714B0}"/>
+              </a:ext>
+            </a:extLst>
+          </p:cNvPr>
+          <p:cNvSpPr>
+            <a:spLocks noGrp="1"/>
+          </p:cNvSpPr>
+          <p:nvPr>
+            <p:ph sz="half" idx="1"/>
+          </p:nvPr>
+        </p:nvSpPr>
+        <p:spPr>
+          <a:xfrm>
+            <a:off x="838200" y="1825625"/>
+            <a:ext cx="5181600" cy="3874135"/>
+          </a:xfrm>
+        </p:spPr>
+        <p:txBody>
+          <a:bodyPr>
+            <a:normAutofit/>
+          </a:bodyPr>
+          <a:lstStyle/>
+          <a:p>
+            <a:r>
+              <a:rPr lang="fr-FR" dirty="0"/>
+              <a:t>5 Points de vente</a:t>
+            </a:r>
+          </a:p>
+          <a:p>
+            <a:endParaRPr lang="fr-FR" dirty="0"/>
+          </a:p>
+          <a:p>
+            <a:r>
+              <a:rPr lang="fr-FR" dirty="0"/>
+              <a:t>Système informatique existant</a:t>
+            </a:r>
+          </a:p>
+          <a:p>
+            <a:endParaRPr lang="fr-FR" dirty="0"/>
+          </a:p>
+          <a:p>
+            <a:r>
+              <a:rPr lang="fr-FR" dirty="0"/>
+              <a:t>Livraison / à emporter</a:t>
+            </a:r>
+          </a:p>
+          <a:p>
+            <a:endParaRPr lang="fr-FR" dirty="0"/>
+          </a:p>
+          <a:p>
+            <a:r>
+              <a:rPr lang="fr-FR" dirty="0"/>
+              <a:t>3 Points de vente futur</a:t>
+            </a:r>
+          </a:p>
+        </p:txBody>
+      </p:sp>
+    </p:spTree>
+    <p:extLst>
+      <p:ext uri="{BB962C8B-B14F-4D97-AF65-F5344CB8AC3E}">
+        <p14:creationId xmlns:p14="http://schemas.microsoft.com/office/powerpoint/2010/main" val="2970773240"/>
+      </p:ext>
+    </p:extLst>
+  </p:cSld>
+  <p:clrMapOvr>
+    <a:masterClrMapping/>
+  </p:clrMapOvr>
+</p:sld>
+</file>
+
+<file path=ppt/slides/slide5.xml><?xml version="1.0" encoding="utf-8"?>
+<p:sld xmlns:a="http://schemas.openxmlformats.org/drawingml/2006/main" xmlns:r="http://schemas.openxmlformats.org/officeDocument/2006/relationships" xmlns:p="http://schemas.openxmlformats.org/presentationml/2006/main">
+  <p:cSld>
+    <p:spTree>
+      <p:nvGrpSpPr>
+        <p:cNvPr id="1" name=""/>
+        <p:cNvGrpSpPr/>
+        <p:nvPr/>
+      </p:nvGrpSpPr>
+      <p:grpSpPr>
+        <a:xfrm>
+          <a:off x="0" y="0"/>
+          <a:ext cx="0" cy="0"/>
+          <a:chOff x="0" y="0"/>
+          <a:chExt cx="0" cy="0"/>
+        </a:xfrm>
+      </p:grpSpPr>
+      <p:sp>
+        <p:nvSpPr>
+          <p:cNvPr id="3" name="Espace réservé du contenu 2">
+            <a:extLst>
+              <a:ext uri="{FF2B5EF4-FFF2-40B4-BE49-F238E27FC236}">
+                <a16:creationId xmlns:a16="http://schemas.microsoft.com/office/drawing/2014/main" id="{E8991814-8CBA-4EFB-AC5D-F03D9F66EFC6}"/>
+              </a:ext>
+            </a:extLst>
+          </p:cNvPr>
+          <p:cNvSpPr>
+            <a:spLocks noGrp="1"/>
+          </p:cNvSpPr>
+          <p:nvPr>
+            <p:ph sz="half" idx="1"/>
+          </p:nvPr>
+        </p:nvSpPr>
+        <p:spPr>
+          <a:xfrm>
+            <a:off x="259080" y="2007838"/>
+            <a:ext cx="4450080" cy="2796423"/>
+          </a:xfrm>
+        </p:spPr>
+        <p:txBody>
+          <a:bodyPr/>
+          <a:lstStyle/>
+          <a:p>
+            <a:pPr marL="0" indent="0">
+              <a:buNone/>
+            </a:pPr>
+            <a:endParaRPr lang="fr-FR" dirty="0"/>
+          </a:p>
+          <a:p>
+            <a:r>
+              <a:rPr lang="fr-FR" dirty="0"/>
+              <a:t>Boutique en ligne</a:t>
+            </a:r>
+          </a:p>
+          <a:p>
+            <a:endParaRPr lang="fr-FR" dirty="0"/>
+          </a:p>
+          <a:p>
+            <a:r>
+              <a:rPr lang="fr-FR" dirty="0"/>
+              <a:t>Gestionnaire centralisée</a:t>
+            </a:r>
+          </a:p>
+          <a:p>
+            <a:endParaRPr lang="fr-FR" dirty="0"/>
+          </a:p>
+          <a:p>
+            <a:pPr marL="0" indent="0">
+              <a:buNone/>
+            </a:pPr>
+            <a:endParaRPr lang="fr-FR" dirty="0"/>
+          </a:p>
+        </p:txBody>
+      </p:sp>
+      <p:pic>
+        <p:nvPicPr>
+          <p:cNvPr id="5" name="Image 4">
+            <a:extLst>
+              <a:ext uri="{FF2B5EF4-FFF2-40B4-BE49-F238E27FC236}">
+                <a16:creationId xmlns:a16="http://schemas.microsoft.com/office/drawing/2014/main" id="{47D1A03E-557B-415A-B50D-1C53B7F74292}"/>
+              </a:ext>
+            </a:extLst>
+          </p:cNvPr>
+          <p:cNvPicPr>
+            <a:picLocks noChangeAspect="1"/>
+          </p:cNvPicPr>
+          <p:nvPr/>
+        </p:nvPicPr>
+        <p:blipFill>
+          <a:blip r:embed="rId2"/>
+          <a:stretch>
+            <a:fillRect/>
+          </a:stretch>
+        </p:blipFill>
+        <p:spPr>
+          <a:xfrm>
+            <a:off x="7335977" y="365759"/>
+            <a:ext cx="3801947" cy="6265609"/>
+          </a:xfrm>
+          <a:prstGeom prst="rect">
+            <a:avLst/>
+          </a:prstGeom>
+        </p:spPr>
+      </p:pic>
+      <p:pic>
+        <p:nvPicPr>
+          <p:cNvPr id="6" name="Image 5">
+            <a:extLst>
+              <a:ext uri="{FF2B5EF4-FFF2-40B4-BE49-F238E27FC236}">
+                <a16:creationId xmlns:a16="http://schemas.microsoft.com/office/drawing/2014/main" id="{3CD7D917-9280-4617-A26C-CDB69F16BBA5}"/>
+              </a:ext>
+            </a:extLst>
+          </p:cNvPr>
+          <p:cNvPicPr>
+            <a:picLocks noChangeAspect="1"/>
+          </p:cNvPicPr>
+          <p:nvPr/>
+        </p:nvPicPr>
+        <p:blipFill>
+          <a:blip r:embed="rId3"/>
+          <a:stretch>
+            <a:fillRect/>
+          </a:stretch>
+        </p:blipFill>
+        <p:spPr>
+          <a:xfrm>
+            <a:off x="4837322" y="1910699"/>
+            <a:ext cx="1761598" cy="2893562"/>
+          </a:xfrm>
+          <a:prstGeom prst="rect">
+            <a:avLst/>
+          </a:prstGeom>
+        </p:spPr>
+      </p:pic>
+      <p:sp>
+        <p:nvSpPr>
+          <p:cNvPr id="9" name="Titre 1">
+            <a:extLst>
+              <a:ext uri="{FF2B5EF4-FFF2-40B4-BE49-F238E27FC236}">
+                <a16:creationId xmlns:a16="http://schemas.microsoft.com/office/drawing/2014/main" id="{8909F311-F036-4981-B36F-F617AE3FC5C5}"/>
+              </a:ext>
+            </a:extLst>
+          </p:cNvPr>
+          <p:cNvSpPr>
+            <a:spLocks noGrp="1"/>
+          </p:cNvSpPr>
+          <p:nvPr>
+            <p:ph type="title"/>
+          </p:nvPr>
+        </p:nvSpPr>
+        <p:spPr>
+          <a:xfrm>
+            <a:off x="129540" y="0"/>
+            <a:ext cx="4206240" cy="1325563"/>
+          </a:xfrm>
+        </p:spPr>
+        <p:txBody>
+          <a:bodyPr/>
+          <a:lstStyle/>
+          <a:p>
+            <a:r>
+              <a:rPr lang="fr-FR" dirty="0"/>
+              <a:t>Besoins du client</a:t>
+            </a:r>
+          </a:p>
+        </p:txBody>
+      </p:sp>
+      <p:sp>
+        <p:nvSpPr>
+          <p:cNvPr id="10" name="ZoneTexte 9">
+            <a:extLst>
+              <a:ext uri="{FF2B5EF4-FFF2-40B4-BE49-F238E27FC236}">
+                <a16:creationId xmlns:a16="http://schemas.microsoft.com/office/drawing/2014/main" id="{91E0E19B-9C55-4D7F-AEC2-B7CC2034D4EC}"/>
+              </a:ext>
+            </a:extLst>
+          </p:cNvPr>
+          <p:cNvSpPr txBox="1"/>
+          <p:nvPr/>
+        </p:nvSpPr>
+        <p:spPr>
+          <a:xfrm>
+            <a:off x="83820" y="956231"/>
+            <a:ext cx="2141220" cy="369332"/>
+          </a:xfrm>
+          <a:prstGeom prst="rect">
+            <a:avLst/>
+          </a:prstGeom>
+          <a:noFill/>
+        </p:spPr>
+        <p:txBody>
+          <a:bodyPr wrap="square" rtlCol="0">
+            <a:spAutoFit/>
+          </a:bodyPr>
+          <a:lstStyle/>
+          <a:p>
+            <a:r>
+              <a:rPr lang="fr-FR" i="1" dirty="0"/>
+              <a:t>Objectif</a:t>
+            </a:r>
+          </a:p>
+        </p:txBody>
+      </p:sp>
+    </p:spTree>
+    <p:extLst>
+      <p:ext uri="{BB962C8B-B14F-4D97-AF65-F5344CB8AC3E}">
+        <p14:creationId xmlns:p14="http://schemas.microsoft.com/office/powerpoint/2010/main" val="605977561"/>
+      </p:ext>
+    </p:extLst>
+  </p:cSld>
+  <p:clrMapOvr>
+    <a:masterClrMapping/>
+  </p:clrMapOvr>
+</p:sld>
+</file>
+
+<file path=ppt/slides/slide6.xml><?xml version="1.0" encoding="utf-8"?>
+<p:sld xmlns:a="http://schemas.openxmlformats.org/drawingml/2006/main" xmlns:r="http://schemas.openxmlformats.org/officeDocument/2006/relationships" xmlns:p="http://schemas.openxmlformats.org/presentationml/2006/main">
+  <p:cSld>
+    <p:bg>
+      <p:bgPr>
+        <a:solidFill>
+          <a:schemeClr val="bg1"/>
+        </a:solidFill>
+        <a:effectLst/>
+      </p:bgPr>
+    </p:bg>
+    <p:spTree>
+      <p:nvGrpSpPr>
+        <p:cNvPr id="1" name=""/>
+        <p:cNvGrpSpPr/>
+        <p:nvPr/>
+      </p:nvGrpSpPr>
+      <p:grpSpPr>
+        <a:xfrm>
+          <a:off x="0" y="0"/>
+          <a:ext cx="0" cy="0"/>
+          <a:chOff x="0" y="0"/>
+          <a:chExt cx="0" cy="0"/>
+        </a:xfrm>
+      </p:grpSpPr>
+      <p:sp>
+        <p:nvSpPr>
+          <p:cNvPr id="9" name="Rectangle 8">
+            <a:extLst>
+              <a:ext uri="{FF2B5EF4-FFF2-40B4-BE49-F238E27FC236}">
+                <a16:creationId xmlns:a16="http://schemas.microsoft.com/office/drawing/2014/main" id="{936CFC0A-8C37-453C-9488-1B30FBC3B3B0}"/>
+              </a:ext>
+              <a:ext uri="{C183D7F6-B498-43B3-948B-1728B52AA6E4}">
+                <adec:decorative xmlns:adec="http://schemas.microsoft.com/office/drawing/2017/decorative" val="1"/>
+              </a:ext>
+            </a:extLst>
+          </p:cNvPr>
+          <p:cNvSpPr>
+            <a:spLocks noGrp="1" noRot="1" noChangeAspect="1" noMove="1" noResize="1" noEditPoints="1" noAdjustHandles="1" noChangeArrowheads="1" noChangeShapeType="1" noTextEdit="1"/>
+          </p:cNvSpPr>
+          <p:nvPr>
+            <p:extLst>
+              <p:ext uri="{386F3935-93C4-4BCD-93E2-E3B085C9AB24}">
+                <p16:designElem xmlns:p16="http://schemas.microsoft.com/office/powerpoint/2015/main" val="1"/>
+              </p:ext>
+            </p:extLst>
+          </p:nvPr>
+        </p:nvSpPr>
+        <p:spPr>
+          <a:xfrm>
+            <a:off x="0" y="0"/>
+            <a:ext cx="12192000" cy="6858000"/>
+          </a:xfrm>
+          <a:prstGeom prst="rect">
+            <a:avLst/>
+          </a:prstGeom>
+          <a:solidFill>
+            <a:srgbClr val="FFFFFF"/>
+          </a:solidFill>
+          <a:ln w="12700" cap="flat" cmpd="sng" algn="ctr">
+            <a:noFill/>
+            <a:prstDash val="solid"/>
+            <a:miter lim="800000"/>
+          </a:ln>
+          <a:effectLst/>
+        </p:spPr>
+        <p:style>
+          <a:lnRef idx="2">
+            <a:schemeClr val="accent1">
+              <a:shade val="50000"/>
+            </a:schemeClr>
+          </a:lnRef>
+          <a:fillRef idx="1">
+            <a:schemeClr val="accent1"/>
+          </a:fillRef>
+          <a:effectRef idx="0">
+            <a:schemeClr val="accent1"/>
+          </a:effectRef>
+          <a:fontRef idx="minor">
+            <a:schemeClr val="lt1"/>
+          </a:fontRef>
+        </p:style>
+        <p:txBody>
+          <a:bodyPr rtlCol="0" anchor="ctr"/>
+          <a:lstStyle/>
+          <a:p>
+            <a:pPr algn="ctr"/>
+            <a:endParaRPr lang="en-US"/>
+          </a:p>
+        </p:txBody>
+      </p:sp>
+      <p:sp>
+        <p:nvSpPr>
+          <p:cNvPr id="2" name="Titre 1">
+            <a:extLst>
+              <a:ext uri="{FF2B5EF4-FFF2-40B4-BE49-F238E27FC236}">
+                <a16:creationId xmlns:a16="http://schemas.microsoft.com/office/drawing/2014/main" id="{78EB769C-1C1D-4D9B-B3CA-4C8EAC5E8198}"/>
+              </a:ext>
+            </a:extLst>
+          </p:cNvPr>
+          <p:cNvSpPr>
+            <a:spLocks noGrp="1"/>
+          </p:cNvSpPr>
+          <p:nvPr>
+            <p:ph type="ctrTitle"/>
+          </p:nvPr>
+        </p:nvSpPr>
+        <p:spPr>
+          <a:xfrm>
+            <a:off x="1382597" y="3424348"/>
+            <a:ext cx="9426806" cy="1424410"/>
+          </a:xfrm>
+        </p:spPr>
+        <p:txBody>
+          <a:bodyPr anchor="b">
+            <a:normAutofit/>
+          </a:bodyPr>
+          <a:lstStyle/>
+          <a:p>
+            <a:r>
+              <a:rPr lang="fr-FR" sz="5000">
+                <a:solidFill>
+                  <a:srgbClr val="1B1B1B"/>
+                </a:solidFill>
+              </a:rPr>
+              <a:t>Description Générale de la Solution</a:t>
+            </a:r>
+          </a:p>
+        </p:txBody>
+      </p:sp>
+      <p:sp>
+        <p:nvSpPr>
+          <p:cNvPr id="11" name="Oval 10">
+            <a:extLst>
+              <a:ext uri="{FF2B5EF4-FFF2-40B4-BE49-F238E27FC236}">
+                <a16:creationId xmlns:a16="http://schemas.microsoft.com/office/drawing/2014/main" id="{FBC3EAFD-A275-4F9B-8F62-72B6678F35A8}"/>
+              </a:ext>
+              <a:ext uri="{C183D7F6-B498-43B3-948B-1728B52AA6E4}">
+                <adec:decorative xmlns:adec="http://schemas.microsoft.com/office/drawing/2017/decorative" val="1"/>
+              </a:ext>
+            </a:extLst>
+          </p:cNvPr>
+          <p:cNvSpPr>
+            <a:spLocks noGrp="1" noRot="1" noChangeAspect="1" noMove="1" noResize="1" noEditPoints="1" noAdjustHandles="1" noChangeArrowheads="1" noChangeShapeType="1" noTextEdit="1"/>
+          </p:cNvSpPr>
+          <p:nvPr>
+            <p:extLst>
+              <p:ext uri="{386F3935-93C4-4BCD-93E2-E3B085C9AB24}">
+                <p16:designElem xmlns:p16="http://schemas.microsoft.com/office/powerpoint/2015/main" val="1"/>
+              </p:ext>
+            </p:extLst>
+          </p:nvPr>
+        </p:nvSpPr>
+        <p:spPr>
+          <a:xfrm>
+            <a:off x="4908526" y="933319"/>
+            <a:ext cx="2463430" cy="2486070"/>
+          </a:xfrm>
+          <a:prstGeom prst="ellipse">
+            <a:avLst/>
+          </a:prstGeom>
+          <a:solidFill>
+            <a:schemeClr val="accent1"/>
+          </a:solidFill>
+          <a:ln>
+            <a:noFill/>
+          </a:ln>
+        </p:spPr>
+        <p:style>
+          <a:lnRef idx="2">
+            <a:schemeClr val="accent1">
+              <a:shade val="50000"/>
+            </a:schemeClr>
+          </a:lnRef>
+          <a:fillRef idx="1">
+            <a:schemeClr val="accent1"/>
+          </a:fillRef>
+          <a:effectRef idx="0">
+            <a:schemeClr val="accent1"/>
+          </a:effectRef>
+          <a:fontRef idx="minor">
+            <a:schemeClr val="lt1"/>
+          </a:fontRef>
+        </p:style>
+        <p:txBody>
+          <a:bodyPr rtlCol="0" anchor="ctr"/>
+          <a:lstStyle/>
+          <a:p>
+            <a:pPr algn="ctr"/>
+            <a:endParaRPr lang="en-US"/>
+          </a:p>
+        </p:txBody>
+      </p:sp>
+      <p:sp>
+        <p:nvSpPr>
+          <p:cNvPr id="13" name="Oval 12">
+            <a:extLst>
+              <a:ext uri="{FF2B5EF4-FFF2-40B4-BE49-F238E27FC236}">
+                <a16:creationId xmlns:a16="http://schemas.microsoft.com/office/drawing/2014/main" id="{06E64A6D-2B9F-4AAD-AB42-A61BAF01AC12}"/>
+              </a:ext>
+              <a:ext uri="{C183D7F6-B498-43B3-948B-1728B52AA6E4}">
+                <adec:decorative xmlns:adec="http://schemas.microsoft.com/office/drawing/2017/decorative" val="1"/>
+              </a:ext>
+            </a:extLst>
+          </p:cNvPr>
+          <p:cNvSpPr>
+            <a:spLocks noGrp="1" noRot="1" noChangeAspect="1" noMove="1" noResize="1" noEditPoints="1" noAdjustHandles="1" noChangeArrowheads="1" noChangeShapeType="1" noTextEdit="1"/>
+          </p:cNvSpPr>
+          <p:nvPr>
+            <p:extLst>
+              <p:ext uri="{386F3935-93C4-4BCD-93E2-E3B085C9AB24}">
+                <p16:designElem xmlns:p16="http://schemas.microsoft.com/office/powerpoint/2015/main" val="1"/>
+              </p:ext>
+            </p:extLst>
+          </p:nvPr>
+        </p:nvSpPr>
+        <p:spPr>
+          <a:xfrm>
+            <a:off x="5117592" y="1268361"/>
+            <a:ext cx="1956816" cy="1953058"/>
+          </a:xfrm>
+          <a:prstGeom prst="ellipse">
+            <a:avLst/>
+          </a:prstGeom>
+          <a:solidFill>
+            <a:srgbClr val="FFFFFF"/>
+          </a:solidFill>
+          <a:ln>
+            <a:solidFill>
+              <a:schemeClr val="accent1">
+                <a:lumMod val="60000"/>
+                <a:lumOff val="40000"/>
+              </a:schemeClr>
+            </a:solidFill>
+          </a:ln>
+        </p:spPr>
+        <p:style>
+          <a:lnRef idx="2">
+            <a:schemeClr val="accent1">
+              <a:shade val="50000"/>
+            </a:schemeClr>
+          </a:lnRef>
+          <a:fillRef idx="1">
+            <a:schemeClr val="accent1"/>
+          </a:fillRef>
+          <a:effectRef idx="0">
+            <a:schemeClr val="accent1"/>
+          </a:effectRef>
+          <a:fontRef idx="minor">
+            <a:schemeClr val="lt1"/>
+          </a:fontRef>
+        </p:style>
+        <p:txBody>
+          <a:bodyPr rtlCol="0" anchor="ctr"/>
+          <a:lstStyle/>
+          <a:p>
+            <a:pPr algn="ctr"/>
+            <a:endParaRPr lang="en-US"/>
+          </a:p>
+        </p:txBody>
+      </p:sp>
+      <p:pic>
+        <p:nvPicPr>
+          <p:cNvPr id="4" name="Image 3" descr="Une image contenant dessin&#10;&#10;Description générée automatiquement">
+            <a:extLst>
+              <a:ext uri="{FF2B5EF4-FFF2-40B4-BE49-F238E27FC236}">
+                <a16:creationId xmlns:a16="http://schemas.microsoft.com/office/drawing/2014/main" id="{1D6BC720-C59E-4038-A048-AEDFC5783038}"/>
+              </a:ext>
+            </a:extLst>
+          </p:cNvPr>
+          <p:cNvPicPr>
+            <a:picLocks noChangeAspect="1"/>
+          </p:cNvPicPr>
+          <p:nvPr/>
+        </p:nvPicPr>
+        <p:blipFill rotWithShape="1">
+          <a:blip r:embed="rId2">
+            <a:alphaModFix/>
+          </a:blip>
+          <a:srcRect l="6322" r="3" b="3"/>
+          <a:stretch/>
+        </p:blipFill>
+        <p:spPr>
+          <a:xfrm>
+            <a:off x="5181600" y="1330490"/>
+            <a:ext cx="1828800" cy="1828800"/>
+          </a:xfrm>
+          <a:custGeom>
+            <a:avLst/>
+            <a:gdLst/>
+            <a:ahLst/>
+            <a:cxnLst/>
+            <a:rect l="l" t="t" r="r" b="b"/>
+            <a:pathLst>
+              <a:path w="6057610" h="6057610">
+                <a:moveTo>
+                  <a:pt x="3028805" y="0"/>
+                </a:moveTo>
+                <a:cubicBezTo>
+                  <a:pt x="4701568" y="0"/>
+                  <a:pt x="6057610" y="1356042"/>
+                  <a:pt x="6057610" y="3028805"/>
+                </a:cubicBezTo>
+                <a:cubicBezTo>
+                  <a:pt x="6057610" y="4701568"/>
+                  <a:pt x="4701568" y="6057610"/>
+                  <a:pt x="3028805" y="6057610"/>
+                </a:cubicBezTo>
+                <a:cubicBezTo>
+                  <a:pt x="1356042" y="6057610"/>
+                  <a:pt x="0" y="4701568"/>
+                  <a:pt x="0" y="3028805"/>
+                </a:cubicBezTo>
+                <a:cubicBezTo>
+                  <a:pt x="0" y="1356042"/>
+                  <a:pt x="1356042" y="0"/>
+                  <a:pt x="3028805" y="0"/>
+                </a:cubicBezTo>
+                <a:close/>
+              </a:path>
+            </a:pathLst>
+          </a:custGeom>
+          <a:effectLst>
+            <a:softEdge rad="0"/>
+          </a:effectLst>
+        </p:spPr>
+      </p:pic>
+      <p:pic>
+        <p:nvPicPr>
+          <p:cNvPr id="15" name="Picture 14">
+            <a:extLst>
+              <a:ext uri="{FF2B5EF4-FFF2-40B4-BE49-F238E27FC236}">
+                <a16:creationId xmlns:a16="http://schemas.microsoft.com/office/drawing/2014/main" id="{C51881DD-AD85-41BE-8A49-C2FB45800E10}"/>
+              </a:ext>
+              <a:ext uri="{C183D7F6-B498-43B3-948B-1728B52AA6E4}">
+                <adec:decorative xmlns:adec="http://schemas.microsoft.com/office/drawing/2017/decorative" val="1"/>
+              </a:ext>
+            </a:extLst>
+          </p:cNvPr>
+          <p:cNvPicPr>
+            <a:picLocks noGrp="1" noRot="1" noChangeAspect="1" noMove="1" noResize="1" noEditPoints="1" noAdjustHandles="1" noChangeArrowheads="1" noChangeShapeType="1" noCrop="1"/>
+          </p:cNvPicPr>
+          <p:nvPr>
+            <p:extLst>
+              <p:ext uri="{386F3935-93C4-4BCD-93E2-E3B085C9AB24}">
+                <p16:designElem xmlns:p16="http://schemas.microsoft.com/office/powerpoint/2015/main" val="1"/>
+              </p:ext>
+            </p:extLst>
+          </p:nvPr>
+        </p:nvPicPr>
+        <p:blipFill>
+          <a:blip r:embed="rId3" cstate="print">
+            <a:extLst>
+              <a:ext uri="{28A0092B-C50C-407E-A947-70E740481C1C}">
+                <a14:useLocalDpi xmlns:a14="http://schemas.microsoft.com/office/drawing/2010/main" val="0"/>
+              </a:ext>
+            </a:extLst>
+          </a:blip>
+          <a:srcRect l="33525" t="5243" r="33525" b="36180"/>
+          <a:stretch>
+            <a:fillRect/>
+          </a:stretch>
+        </p:blipFill>
+        <p:spPr>
+          <a:xfrm>
+            <a:off x="4860081" y="896194"/>
+            <a:ext cx="2560320" cy="2560320"/>
+          </a:xfrm>
+          <a:custGeom>
+            <a:avLst/>
+            <a:gdLst>
+              <a:gd name="connsiteX0" fmla="*/ 2008598 w 4017196"/>
+              <a:gd name="connsiteY0" fmla="*/ 0 h 4017196"/>
+              <a:gd name="connsiteX1" fmla="*/ 4017196 w 4017196"/>
+              <a:gd name="connsiteY1" fmla="*/ 2008598 h 4017196"/>
+              <a:gd name="connsiteX2" fmla="*/ 2008598 w 4017196"/>
+              <a:gd name="connsiteY2" fmla="*/ 4017196 h 4017196"/>
+              <a:gd name="connsiteX3" fmla="*/ 0 w 4017196"/>
+              <a:gd name="connsiteY3" fmla="*/ 2008598 h 4017196"/>
+              <a:gd name="connsiteX4" fmla="*/ 2008598 w 4017196"/>
+              <a:gd name="connsiteY4" fmla="*/ 0 h 4017196"/>
+            </a:gdLst>
+            <a:ahLst/>
+            <a:cxnLst>
+              <a:cxn ang="0">
+                <a:pos x="connsiteX0" y="connsiteY0"/>
+              </a:cxn>
+              <a:cxn ang="0">
+                <a:pos x="connsiteX1" y="connsiteY1"/>
+              </a:cxn>
+              <a:cxn ang="0">
+                <a:pos x="connsiteX2" y="connsiteY2"/>
+              </a:cxn>
+              <a:cxn ang="0">
+                <a:pos x="connsiteX3" y="connsiteY3"/>
+              </a:cxn>
+              <a:cxn ang="0">
+                <a:pos x="connsiteX4" y="connsiteY4"/>
+              </a:cxn>
+            </a:cxnLst>
+            <a:rect l="l" t="t" r="r" b="b"/>
+            <a:pathLst>
+              <a:path w="4017196" h="4017196">
+                <a:moveTo>
+                  <a:pt x="2008598" y="0"/>
+                </a:moveTo>
+                <a:cubicBezTo>
+                  <a:pt x="3117916" y="0"/>
+                  <a:pt x="4017196" y="899280"/>
+                  <a:pt x="4017196" y="2008598"/>
+                </a:cubicBezTo>
+                <a:cubicBezTo>
+                  <a:pt x="4017196" y="3117916"/>
+                  <a:pt x="3117916" y="4017196"/>
+                  <a:pt x="2008598" y="4017196"/>
+                </a:cubicBezTo>
+                <a:cubicBezTo>
+                  <a:pt x="899280" y="4017196"/>
+                  <a:pt x="0" y="3117916"/>
+                  <a:pt x="0" y="2008598"/>
+                </a:cubicBezTo>
+                <a:cubicBezTo>
+                  <a:pt x="0" y="899280"/>
+                  <a:pt x="899280" y="0"/>
+                  <a:pt x="2008598" y="0"/>
+                </a:cubicBezTo>
+                <a:close/>
+              </a:path>
+            </a:pathLst>
+          </a:custGeom>
+        </p:spPr>
+      </p:pic>
+      <p:cxnSp>
+        <p:nvCxnSpPr>
+          <p:cNvPr id="17" name="Straight Connector 16">
+            <a:extLst>
+              <a:ext uri="{FF2B5EF4-FFF2-40B4-BE49-F238E27FC236}">
+                <a16:creationId xmlns:a16="http://schemas.microsoft.com/office/drawing/2014/main" id="{9AD20FE8-ED02-4CDE-83B1-A1436305C3DC}"/>
+              </a:ext>
+              <a:ext uri="{C183D7F6-B498-43B3-948B-1728B52AA6E4}">
+                <adec:decorative xmlns:adec="http://schemas.microsoft.com/office/drawing/2017/decorative" val="1"/>
+              </a:ext>
+            </a:extLst>
+          </p:cNvPr>
+          <p:cNvCxnSpPr>
+            <a:cxnSpLocks noGrp="1" noRot="1" noChangeAspect="1" noMove="1" noResize="1" noEditPoints="1" noAdjustHandles="1" noChangeArrowheads="1" noChangeShapeType="1"/>
+          </p:cNvCxnSpPr>
+          <p:nvPr>
+            <p:extLst>
+              <p:ext uri="{386F3935-93C4-4BCD-93E2-E3B085C9AB24}">
+                <p16:designElem xmlns:p16="http://schemas.microsoft.com/office/powerpoint/2015/main" val="1"/>
+              </p:ext>
+            </p:extLst>
+          </p:nvPr>
+        </p:nvCxnSpPr>
+        <p:spPr>
+          <a:xfrm>
+            <a:off x="5775960" y="4971278"/>
+            <a:ext cx="640080" cy="0"/>
+          </a:xfrm>
+          <a:prstGeom prst="line">
+            <a:avLst/>
+          </a:prstGeom>
+          <a:ln w="28575">
+            <a:solidFill>
+              <a:srgbClr val="404040"/>
+            </a:solidFill>
+          </a:ln>
+        </p:spPr>
+        <p:style>
+          <a:lnRef idx="1">
+            <a:schemeClr val="accent1"/>
+          </a:lnRef>
+          <a:fillRef idx="0">
+            <a:schemeClr val="accent1"/>
+          </a:fillRef>
+          <a:effectRef idx="0">
+            <a:schemeClr val="accent1"/>
+          </a:effectRef>
+          <a:fontRef idx="minor">
+            <a:schemeClr val="tx1"/>
+          </a:fontRef>
+        </p:style>
+      </p:cxnSp>
+    </p:spTree>
+    <p:extLst>
+      <p:ext uri="{BB962C8B-B14F-4D97-AF65-F5344CB8AC3E}">
+        <p14:creationId xmlns:p14="http://schemas.microsoft.com/office/powerpoint/2010/main" val="401882958"/>
+      </p:ext>
+    </p:extLst>
+  </p:cSld>
+  <p:clrMapOvr>
+    <a:masterClrMapping/>
+  </p:clrMapOvr>
+</p:sld>
+</file>
+
+<file path=ppt/slides/slide7.xml><?xml version="1.0" encoding="utf-8"?>
+<p:sld xmlns:a="http://schemas.openxmlformats.org/drawingml/2006/main" xmlns:r="http://schemas.openxmlformats.org/officeDocument/2006/relationships" xmlns:p="http://schemas.openxmlformats.org/presentationml/2006/main">
+  <p:cSld>
+    <p:bg>
+      <p:bgPr>
+        <a:solidFill>
+          <a:schemeClr val="bg1"/>
+        </a:solidFill>
+        <a:effectLst/>
+      </p:bgPr>
+    </p:bg>
+    <p:spTree>
+      <p:nvGrpSpPr>
+        <p:cNvPr id="1" name=""/>
+        <p:cNvGrpSpPr/>
+        <p:nvPr/>
+      </p:nvGrpSpPr>
+      <p:grpSpPr>
+        <a:xfrm>
+          <a:off x="0" y="0"/>
+          <a:ext cx="0" cy="0"/>
+          <a:chOff x="0" y="0"/>
+          <a:chExt cx="0" cy="0"/>
+        </a:xfrm>
+      </p:grpSpPr>
+      <p:sp>
+        <p:nvSpPr>
+          <p:cNvPr id="9" name="Rectangle 8">
+            <a:extLst>
+              <a:ext uri="{FF2B5EF4-FFF2-40B4-BE49-F238E27FC236}">
+                <a16:creationId xmlns:a16="http://schemas.microsoft.com/office/drawing/2014/main" id="{936CFC0A-8C37-453C-9488-1B30FBC3B3B0}"/>
+              </a:ext>
+              <a:ext uri="{C183D7F6-B498-43B3-948B-1728B52AA6E4}">
+                <adec:decorative xmlns:adec="http://schemas.microsoft.com/office/drawing/2017/decorative" val="1"/>
+              </a:ext>
+            </a:extLst>
+          </p:cNvPr>
+          <p:cNvSpPr>
+            <a:spLocks noGrp="1" noRot="1" noChangeAspect="1" noMove="1" noResize="1" noEditPoints="1" noAdjustHandles="1" noChangeArrowheads="1" noChangeShapeType="1" noTextEdit="1"/>
+          </p:cNvSpPr>
+          <p:nvPr>
+            <p:extLst>
+              <p:ext uri="{386F3935-93C4-4BCD-93E2-E3B085C9AB24}">
+                <p16:designElem xmlns:p16="http://schemas.microsoft.com/office/powerpoint/2015/main" val="1"/>
+              </p:ext>
+            </p:extLst>
+          </p:nvPr>
+        </p:nvSpPr>
+        <p:spPr>
+          <a:xfrm>
+            <a:off x="0" y="0"/>
+            <a:ext cx="12192000" cy="6858000"/>
+          </a:xfrm>
+          <a:prstGeom prst="rect">
+            <a:avLst/>
+          </a:prstGeom>
+          <a:solidFill>
+            <a:srgbClr val="FFFFFF"/>
+          </a:solidFill>
+          <a:ln w="12700" cap="flat" cmpd="sng" algn="ctr">
+            <a:noFill/>
+            <a:prstDash val="solid"/>
+            <a:miter lim="800000"/>
+          </a:ln>
+          <a:effectLst/>
+        </p:spPr>
+        <p:style>
+          <a:lnRef idx="2">
+            <a:schemeClr val="accent1">
+              <a:shade val="50000"/>
+            </a:schemeClr>
+          </a:lnRef>
+          <a:fillRef idx="1">
+            <a:schemeClr val="accent1"/>
+          </a:fillRef>
+          <a:effectRef idx="0">
+            <a:schemeClr val="accent1"/>
+          </a:effectRef>
+          <a:fontRef idx="minor">
+            <a:schemeClr val="lt1"/>
+          </a:fontRef>
+        </p:style>
+        <p:txBody>
+          <a:bodyPr rtlCol="0" anchor="ctr"/>
+          <a:lstStyle/>
+          <a:p>
+            <a:pPr algn="ctr"/>
+            <a:endParaRPr lang="en-US"/>
+          </a:p>
+        </p:txBody>
+      </p:sp>
+      <p:sp>
+        <p:nvSpPr>
+          <p:cNvPr id="2" name="Titre 1">
+            <a:extLst>
+              <a:ext uri="{FF2B5EF4-FFF2-40B4-BE49-F238E27FC236}">
+                <a16:creationId xmlns:a16="http://schemas.microsoft.com/office/drawing/2014/main" id="{745F29E1-4E7B-47B0-92AB-78C095D7D04A}"/>
+              </a:ext>
+            </a:extLst>
+          </p:cNvPr>
+          <p:cNvSpPr>
+            <a:spLocks noGrp="1"/>
+          </p:cNvSpPr>
+          <p:nvPr>
+            <p:ph type="ctrTitle"/>
+          </p:nvPr>
+        </p:nvSpPr>
+        <p:spPr>
+          <a:xfrm>
+            <a:off x="1382597" y="3424348"/>
+            <a:ext cx="9426806" cy="1424410"/>
+          </a:xfrm>
+        </p:spPr>
+        <p:txBody>
+          <a:bodyPr anchor="b">
+            <a:normAutofit/>
+          </a:bodyPr>
+          <a:lstStyle/>
+          <a:p>
+            <a:r>
+              <a:rPr lang="fr-FR" sz="5400">
+                <a:solidFill>
+                  <a:srgbClr val="1B1B1B"/>
+                </a:solidFill>
+              </a:rPr>
+              <a:t>Spécifications Fonctionnelles</a:t>
+            </a:r>
+          </a:p>
+        </p:txBody>
+      </p:sp>
+      <p:sp>
+        <p:nvSpPr>
+          <p:cNvPr id="11" name="Oval 10">
+            <a:extLst>
+              <a:ext uri="{FF2B5EF4-FFF2-40B4-BE49-F238E27FC236}">
+                <a16:creationId xmlns:a16="http://schemas.microsoft.com/office/drawing/2014/main" id="{FBC3EAFD-A275-4F9B-8F62-72B6678F35A8}"/>
+              </a:ext>
+              <a:ext uri="{C183D7F6-B498-43B3-948B-1728B52AA6E4}">
+                <adec:decorative xmlns:adec="http://schemas.microsoft.com/office/drawing/2017/decorative" val="1"/>
+              </a:ext>
+            </a:extLst>
+          </p:cNvPr>
+          <p:cNvSpPr>
+            <a:spLocks noGrp="1" noRot="1" noChangeAspect="1" noMove="1" noResize="1" noEditPoints="1" noAdjustHandles="1" noChangeArrowheads="1" noChangeShapeType="1" noTextEdit="1"/>
+          </p:cNvSpPr>
+          <p:nvPr>
+            <p:extLst>
+              <p:ext uri="{386F3935-93C4-4BCD-93E2-E3B085C9AB24}">
+                <p16:designElem xmlns:p16="http://schemas.microsoft.com/office/powerpoint/2015/main" val="1"/>
+              </p:ext>
+            </p:extLst>
+          </p:nvPr>
+        </p:nvSpPr>
+        <p:spPr>
+          <a:xfrm>
+            <a:off x="4908526" y="933319"/>
+            <a:ext cx="2463430" cy="2486070"/>
+          </a:xfrm>
+          <a:prstGeom prst="ellipse">
+            <a:avLst/>
+          </a:prstGeom>
+          <a:solidFill>
+            <a:schemeClr val="accent1"/>
+          </a:solidFill>
+          <a:ln>
+            <a:noFill/>
+          </a:ln>
+        </p:spPr>
+        <p:style>
+          <a:lnRef idx="2">
+            <a:schemeClr val="accent1">
+              <a:shade val="50000"/>
+            </a:schemeClr>
+          </a:lnRef>
+          <a:fillRef idx="1">
+            <a:schemeClr val="accent1"/>
+          </a:fillRef>
+          <a:effectRef idx="0">
+            <a:schemeClr val="accent1"/>
+          </a:effectRef>
+          <a:fontRef idx="minor">
+            <a:schemeClr val="lt1"/>
+          </a:fontRef>
+        </p:style>
+        <p:txBody>
+          <a:bodyPr rtlCol="0" anchor="ctr"/>
+          <a:lstStyle/>
+          <a:p>
+            <a:pPr algn="ctr"/>
+            <a:endParaRPr lang="en-US"/>
+          </a:p>
+        </p:txBody>
+      </p:sp>
+      <p:sp>
+        <p:nvSpPr>
+          <p:cNvPr id="13" name="Oval 12">
+            <a:extLst>
+              <a:ext uri="{FF2B5EF4-FFF2-40B4-BE49-F238E27FC236}">
+                <a16:creationId xmlns:a16="http://schemas.microsoft.com/office/drawing/2014/main" id="{06E64A6D-2B9F-4AAD-AB42-A61BAF01AC12}"/>
+              </a:ext>
+              <a:ext uri="{C183D7F6-B498-43B3-948B-1728B52AA6E4}">
+                <adec:decorative xmlns:adec="http://schemas.microsoft.com/office/drawing/2017/decorative" val="1"/>
+              </a:ext>
+            </a:extLst>
+          </p:cNvPr>
+          <p:cNvSpPr>
+            <a:spLocks noGrp="1" noRot="1" noChangeAspect="1" noMove="1" noResize="1" noEditPoints="1" noAdjustHandles="1" noChangeArrowheads="1" noChangeShapeType="1" noTextEdit="1"/>
+          </p:cNvSpPr>
+          <p:nvPr>
+            <p:extLst>
+              <p:ext uri="{386F3935-93C4-4BCD-93E2-E3B085C9AB24}">
+                <p16:designElem xmlns:p16="http://schemas.microsoft.com/office/powerpoint/2015/main" val="1"/>
+              </p:ext>
+            </p:extLst>
+          </p:nvPr>
+        </p:nvSpPr>
+        <p:spPr>
+          <a:xfrm>
+            <a:off x="5117592" y="1268361"/>
+            <a:ext cx="1956816" cy="1953058"/>
+          </a:xfrm>
+          <a:prstGeom prst="ellipse">
+            <a:avLst/>
+          </a:prstGeom>
+          <a:solidFill>
+            <a:srgbClr val="FFFFFF"/>
+          </a:solidFill>
+          <a:ln>
+            <a:solidFill>
+              <a:schemeClr val="accent1">
+                <a:lumMod val="60000"/>
+                <a:lumOff val="40000"/>
+              </a:schemeClr>
+            </a:solidFill>
+          </a:ln>
+        </p:spPr>
+        <p:style>
+          <a:lnRef idx="2">
+            <a:schemeClr val="accent1">
+              <a:shade val="50000"/>
+            </a:schemeClr>
+          </a:lnRef>
+          <a:fillRef idx="1">
+            <a:schemeClr val="accent1"/>
+          </a:fillRef>
+          <a:effectRef idx="0">
+            <a:schemeClr val="accent1"/>
+          </a:effectRef>
+          <a:fontRef idx="minor">
+            <a:schemeClr val="lt1"/>
+          </a:fontRef>
+        </p:style>
+        <p:txBody>
+          <a:bodyPr rtlCol="0" anchor="ctr"/>
+          <a:lstStyle/>
+          <a:p>
+            <a:pPr algn="ctr"/>
+            <a:endParaRPr lang="en-US"/>
+          </a:p>
+        </p:txBody>
+      </p:sp>
+      <p:pic>
+        <p:nvPicPr>
+          <p:cNvPr id="4" name="Image 3" descr="Une image contenant dessin&#10;&#10;Description générée automatiquement">
+            <a:extLst>
+              <a:ext uri="{FF2B5EF4-FFF2-40B4-BE49-F238E27FC236}">
+                <a16:creationId xmlns:a16="http://schemas.microsoft.com/office/drawing/2014/main" id="{529E7EE1-CFF9-42E9-A1D6-B5AC6B4ED8C6}"/>
+              </a:ext>
+            </a:extLst>
+          </p:cNvPr>
+          <p:cNvPicPr>
+            <a:picLocks noChangeAspect="1"/>
+          </p:cNvPicPr>
+          <p:nvPr/>
+        </p:nvPicPr>
+        <p:blipFill rotWithShape="1">
+          <a:blip r:embed="rId2">
+            <a:alphaModFix/>
+          </a:blip>
+          <a:srcRect l="6322" r="3" b="3"/>
+          <a:stretch/>
+        </p:blipFill>
+        <p:spPr>
+          <a:xfrm>
+            <a:off x="5181600" y="1330490"/>
+            <a:ext cx="1828800" cy="1828800"/>
+          </a:xfrm>
+          <a:custGeom>
+            <a:avLst/>
+            <a:gdLst/>
+            <a:ahLst/>
+            <a:cxnLst/>
+            <a:rect l="l" t="t" r="r" b="b"/>
+            <a:pathLst>
+              <a:path w="6057610" h="6057610">
+                <a:moveTo>
+                  <a:pt x="3028805" y="0"/>
+                </a:moveTo>
+                <a:cubicBezTo>
+                  <a:pt x="4701568" y="0"/>
+                  <a:pt x="6057610" y="1356042"/>
+                  <a:pt x="6057610" y="3028805"/>
+                </a:cubicBezTo>
+                <a:cubicBezTo>
+                  <a:pt x="6057610" y="4701568"/>
+                  <a:pt x="4701568" y="6057610"/>
+                  <a:pt x="3028805" y="6057610"/>
+                </a:cubicBezTo>
+                <a:cubicBezTo>
+                  <a:pt x="1356042" y="6057610"/>
+                  <a:pt x="0" y="4701568"/>
+                  <a:pt x="0" y="3028805"/>
+                </a:cubicBezTo>
+                <a:cubicBezTo>
+                  <a:pt x="0" y="1356042"/>
+                  <a:pt x="1356042" y="0"/>
+                  <a:pt x="3028805" y="0"/>
+                </a:cubicBezTo>
+                <a:close/>
+              </a:path>
+            </a:pathLst>
+          </a:custGeom>
+          <a:effectLst>
+            <a:softEdge rad="0"/>
+          </a:effectLst>
+        </p:spPr>
+      </p:pic>
+      <p:pic>
+        <p:nvPicPr>
+          <p:cNvPr id="15" name="Picture 14">
+            <a:extLst>
+              <a:ext uri="{FF2B5EF4-FFF2-40B4-BE49-F238E27FC236}">
+                <a16:creationId xmlns:a16="http://schemas.microsoft.com/office/drawing/2014/main" id="{C51881DD-AD85-41BE-8A49-C2FB45800E10}"/>
+              </a:ext>
+              <a:ext uri="{C183D7F6-B498-43B3-948B-1728B52AA6E4}">
+                <adec:decorative xmlns:adec="http://schemas.microsoft.com/office/drawing/2017/decorative" val="1"/>
+              </a:ext>
+            </a:extLst>
+          </p:cNvPr>
+          <p:cNvPicPr>
+            <a:picLocks noGrp="1" noRot="1" noChangeAspect="1" noMove="1" noResize="1" noEditPoints="1" noAdjustHandles="1" noChangeArrowheads="1" noChangeShapeType="1" noCrop="1"/>
+          </p:cNvPicPr>
+          <p:nvPr>
+            <p:extLst>
+              <p:ext uri="{386F3935-93C4-4BCD-93E2-E3B085C9AB24}">
+                <p16:designElem xmlns:p16="http://schemas.microsoft.com/office/powerpoint/2015/main" val="1"/>
+              </p:ext>
+            </p:extLst>
+          </p:nvPr>
+        </p:nvPicPr>
+        <p:blipFill>
+          <a:blip r:embed="rId3" cstate="print">
+            <a:extLst>
+              <a:ext uri="{28A0092B-C50C-407E-A947-70E740481C1C}">
+                <a14:useLocalDpi xmlns:a14="http://schemas.microsoft.com/office/drawing/2010/main" val="0"/>
+              </a:ext>
+            </a:extLst>
+          </a:blip>
+          <a:srcRect l="33525" t="5243" r="33525" b="36180"/>
+          <a:stretch>
+            <a:fillRect/>
+          </a:stretch>
+        </p:blipFill>
+        <p:spPr>
+          <a:xfrm>
+            <a:off x="4860081" y="896194"/>
+            <a:ext cx="2560320" cy="2560320"/>
+          </a:xfrm>
+          <a:custGeom>
+            <a:avLst/>
+            <a:gdLst>
+              <a:gd name="connsiteX0" fmla="*/ 2008598 w 4017196"/>
+              <a:gd name="connsiteY0" fmla="*/ 0 h 4017196"/>
+              <a:gd name="connsiteX1" fmla="*/ 4017196 w 4017196"/>
+              <a:gd name="connsiteY1" fmla="*/ 2008598 h 4017196"/>
+              <a:gd name="connsiteX2" fmla="*/ 2008598 w 4017196"/>
+              <a:gd name="connsiteY2" fmla="*/ 4017196 h 4017196"/>
+              <a:gd name="connsiteX3" fmla="*/ 0 w 4017196"/>
+              <a:gd name="connsiteY3" fmla="*/ 2008598 h 4017196"/>
+              <a:gd name="connsiteX4" fmla="*/ 2008598 w 4017196"/>
+              <a:gd name="connsiteY4" fmla="*/ 0 h 4017196"/>
+            </a:gdLst>
+            <a:ahLst/>
+            <a:cxnLst>
+              <a:cxn ang="0">
+                <a:pos x="connsiteX0" y="connsiteY0"/>
+              </a:cxn>
+              <a:cxn ang="0">
+                <a:pos x="connsiteX1" y="connsiteY1"/>
+              </a:cxn>
+              <a:cxn ang="0">
+                <a:pos x="connsiteX2" y="connsiteY2"/>
+              </a:cxn>
+              <a:cxn ang="0">
+                <a:pos x="connsiteX3" y="connsiteY3"/>
+              </a:cxn>
+              <a:cxn ang="0">
+                <a:pos x="connsiteX4" y="connsiteY4"/>
+              </a:cxn>
+            </a:cxnLst>
+            <a:rect l="l" t="t" r="r" b="b"/>
+            <a:pathLst>
+              <a:path w="4017196" h="4017196">
+                <a:moveTo>
+                  <a:pt x="2008598" y="0"/>
+                </a:moveTo>
+                <a:cubicBezTo>
+                  <a:pt x="3117916" y="0"/>
+                  <a:pt x="4017196" y="899280"/>
+                  <a:pt x="4017196" y="2008598"/>
+                </a:cubicBezTo>
+                <a:cubicBezTo>
+                  <a:pt x="4017196" y="3117916"/>
+                  <a:pt x="3117916" y="4017196"/>
+                  <a:pt x="2008598" y="4017196"/>
+                </a:cubicBezTo>
+                <a:cubicBezTo>
+                  <a:pt x="899280" y="4017196"/>
+                  <a:pt x="0" y="3117916"/>
+                  <a:pt x="0" y="2008598"/>
+                </a:cubicBezTo>
+                <a:cubicBezTo>
+                  <a:pt x="0" y="899280"/>
+                  <a:pt x="899280" y="0"/>
+                  <a:pt x="2008598" y="0"/>
+                </a:cubicBezTo>
+                <a:close/>
+              </a:path>
+            </a:pathLst>
+          </a:custGeom>
+        </p:spPr>
+      </p:pic>
+      <p:cxnSp>
+        <p:nvCxnSpPr>
+          <p:cNvPr id="17" name="Straight Connector 16">
+            <a:extLst>
+              <a:ext uri="{FF2B5EF4-FFF2-40B4-BE49-F238E27FC236}">
+                <a16:creationId xmlns:a16="http://schemas.microsoft.com/office/drawing/2014/main" id="{9AD20FE8-ED02-4CDE-83B1-A1436305C3DC}"/>
+              </a:ext>
+              <a:ext uri="{C183D7F6-B498-43B3-948B-1728B52AA6E4}">
+                <adec:decorative xmlns:adec="http://schemas.microsoft.com/office/drawing/2017/decorative" val="1"/>
+              </a:ext>
+            </a:extLst>
+          </p:cNvPr>
+          <p:cNvCxnSpPr>
+            <a:cxnSpLocks noGrp="1" noRot="1" noChangeAspect="1" noMove="1" noResize="1" noEditPoints="1" noAdjustHandles="1" noChangeArrowheads="1" noChangeShapeType="1"/>
+          </p:cNvCxnSpPr>
+          <p:nvPr>
+            <p:extLst>
+              <p:ext uri="{386F3935-93C4-4BCD-93E2-E3B085C9AB24}">
+                <p16:designElem xmlns:p16="http://schemas.microsoft.com/office/powerpoint/2015/main" val="1"/>
+              </p:ext>
+            </p:extLst>
+          </p:nvPr>
+        </p:nvCxnSpPr>
+        <p:spPr>
+          <a:xfrm>
+            <a:off x="5775960" y="4971278"/>
+            <a:ext cx="640080" cy="0"/>
+          </a:xfrm>
+          <a:prstGeom prst="line">
+            <a:avLst/>
+          </a:prstGeom>
+          <a:ln w="28575">
+            <a:solidFill>
+              <a:srgbClr val="404040"/>
+            </a:solidFill>
+          </a:ln>
+        </p:spPr>
+        <p:style>
+          <a:lnRef idx="1">
+            <a:schemeClr val="accent1"/>
+          </a:lnRef>
+          <a:fillRef idx="0">
+            <a:schemeClr val="accent1"/>
+          </a:fillRef>
+          <a:effectRef idx="0">
+            <a:schemeClr val="accent1"/>
+          </a:effectRef>
+          <a:fontRef idx="minor">
+            <a:schemeClr val="tx1"/>
+          </a:fontRef>
+        </p:style>
+      </p:cxnSp>
+    </p:spTree>
+    <p:extLst>
+      <p:ext uri="{BB962C8B-B14F-4D97-AF65-F5344CB8AC3E}">
+        <p14:creationId xmlns:p14="http://schemas.microsoft.com/office/powerpoint/2010/main" val="67447573"/>
+      </p:ext>
+    </p:extLst>
+  </p:cSld>
+  <p:clrMapOvr>
+    <a:masterClrMapping/>
+  </p:clrMapOvr>
+</p:sld>
+</file>
+
+<file path=ppt/slides/slide8.xml><?xml version="1.0" encoding="utf-8"?>
+<p:sld xmlns:a="http://schemas.openxmlformats.org/drawingml/2006/main" xmlns:r="http://schemas.openxmlformats.org/officeDocument/2006/relationships" xmlns:p="http://schemas.openxmlformats.org/presentationml/2006/main">
+  <p:cSld>
+    <p:spTree>
+      <p:nvGrpSpPr>
+        <p:cNvPr id="1" name=""/>
+        <p:cNvGrpSpPr/>
+        <p:nvPr/>
+      </p:nvGrpSpPr>
+      <p:grpSpPr>
+        <a:xfrm>
+          <a:off x="0" y="0"/>
+          <a:ext cx="0" cy="0"/>
+          <a:chOff x="0" y="0"/>
+          <a:chExt cx="0" cy="0"/>
+        </a:xfrm>
+      </p:grpSpPr>
+      <p:sp>
+        <p:nvSpPr>
+          <p:cNvPr id="5" name="Titre 1">
+            <a:extLst>
+              <a:ext uri="{FF2B5EF4-FFF2-40B4-BE49-F238E27FC236}">
+                <a16:creationId xmlns:a16="http://schemas.microsoft.com/office/drawing/2014/main" id="{BA30865C-3393-4E44-A14D-E3EB2B954861}"/>
+              </a:ext>
+            </a:extLst>
+          </p:cNvPr>
+          <p:cNvSpPr>
+            <a:spLocks noGrp="1"/>
+          </p:cNvSpPr>
+          <p:nvPr>
+            <p:ph type="title"/>
+          </p:nvPr>
+        </p:nvSpPr>
+        <p:spPr>
+          <a:xfrm>
+            <a:off x="129540" y="0"/>
+            <a:ext cx="8221980" cy="1325563"/>
+          </a:xfrm>
+        </p:spPr>
+        <p:txBody>
+          <a:bodyPr/>
+          <a:lstStyle/>
+          <a:p>
+            <a:r>
+              <a:rPr lang="fr-FR" dirty="0"/>
+              <a:t>Spécifications Fonctionnelles</a:t>
+            </a:r>
+          </a:p>
+        </p:txBody>
+      </p:sp>
+      <p:sp>
+        <p:nvSpPr>
+          <p:cNvPr id="6" name="ZoneTexte 5">
+            <a:extLst>
+              <a:ext uri="{FF2B5EF4-FFF2-40B4-BE49-F238E27FC236}">
+                <a16:creationId xmlns:a16="http://schemas.microsoft.com/office/drawing/2014/main" id="{DF02C497-D03A-4948-8530-B9053CAC30E7}"/>
+              </a:ext>
+            </a:extLst>
+          </p:cNvPr>
+          <p:cNvSpPr txBox="1"/>
+          <p:nvPr/>
+        </p:nvSpPr>
+        <p:spPr>
+          <a:xfrm>
+            <a:off x="83820" y="956231"/>
+            <a:ext cx="2141220" cy="369332"/>
+          </a:xfrm>
+          <a:prstGeom prst="rect">
+            <a:avLst/>
+          </a:prstGeom>
+          <a:noFill/>
+        </p:spPr>
+        <p:txBody>
+          <a:bodyPr wrap="square" rtlCol="0">
+            <a:spAutoFit/>
+          </a:bodyPr>
+          <a:lstStyle/>
+          <a:p>
+            <a:r>
+              <a:rPr lang="fr-FR" i="1" dirty="0"/>
+              <a:t>Les acteurs</a:t>
+            </a:r>
+          </a:p>
+        </p:txBody>
+      </p:sp>
+      <p:pic>
+        <p:nvPicPr>
+          <p:cNvPr id="7" name="Image 6">
+            <a:extLst>
+              <a:ext uri="{FF2B5EF4-FFF2-40B4-BE49-F238E27FC236}">
+                <a16:creationId xmlns:a16="http://schemas.microsoft.com/office/drawing/2014/main" id="{66ED12E5-3969-4477-BB36-EAC8B8FD5CB5}"/>
+              </a:ext>
+            </a:extLst>
+          </p:cNvPr>
+          <p:cNvPicPr>
+            <a:picLocks noChangeAspect="1"/>
+          </p:cNvPicPr>
+          <p:nvPr/>
+        </p:nvPicPr>
+        <p:blipFill>
+          <a:blip r:embed="rId2"/>
+          <a:stretch>
+            <a:fillRect/>
+          </a:stretch>
+        </p:blipFill>
+        <p:spPr>
+          <a:xfrm>
+            <a:off x="415033" y="2679163"/>
+            <a:ext cx="3977897" cy="3687204"/>
+          </a:xfrm>
+          <a:prstGeom prst="rect">
+            <a:avLst/>
+          </a:prstGeom>
+        </p:spPr>
+      </p:pic>
+      <p:pic>
+        <p:nvPicPr>
+          <p:cNvPr id="8" name="Image 7">
+            <a:extLst>
+              <a:ext uri="{FF2B5EF4-FFF2-40B4-BE49-F238E27FC236}">
+                <a16:creationId xmlns:a16="http://schemas.microsoft.com/office/drawing/2014/main" id="{2532B19D-A215-4F7A-A5B4-209CB72D91DE}"/>
+              </a:ext>
+            </a:extLst>
+          </p:cNvPr>
+          <p:cNvPicPr>
+            <a:picLocks noChangeAspect="1"/>
+          </p:cNvPicPr>
+          <p:nvPr/>
+        </p:nvPicPr>
+        <p:blipFill>
+          <a:blip r:embed="rId3"/>
+          <a:stretch>
+            <a:fillRect/>
+          </a:stretch>
+        </p:blipFill>
+        <p:spPr>
+          <a:xfrm>
+            <a:off x="5255739" y="2681593"/>
+            <a:ext cx="2392887" cy="3711739"/>
+          </a:xfrm>
+          <a:prstGeom prst="rect">
+            <a:avLst/>
+          </a:prstGeom>
+        </p:spPr>
+      </p:pic>
+      <p:pic>
+        <p:nvPicPr>
+          <p:cNvPr id="9" name="Image 8">
+            <a:extLst>
+              <a:ext uri="{FF2B5EF4-FFF2-40B4-BE49-F238E27FC236}">
+                <a16:creationId xmlns:a16="http://schemas.microsoft.com/office/drawing/2014/main" id="{501A1417-28AB-4EF4-9769-0D6334A254D7}"/>
+              </a:ext>
+            </a:extLst>
+          </p:cNvPr>
+          <p:cNvPicPr>
+            <a:picLocks noChangeAspect="1"/>
+          </p:cNvPicPr>
+          <p:nvPr/>
+        </p:nvPicPr>
+        <p:blipFill>
+          <a:blip r:embed="rId4"/>
+          <a:stretch>
+            <a:fillRect/>
+          </a:stretch>
+        </p:blipFill>
+        <p:spPr>
+          <a:xfrm>
+            <a:off x="8511435" y="2679163"/>
+            <a:ext cx="2088685" cy="3711739"/>
+          </a:xfrm>
+          <a:prstGeom prst="rect">
+            <a:avLst/>
+          </a:prstGeom>
+        </p:spPr>
+      </p:pic>
+    </p:spTree>
+    <p:extLst>
+      <p:ext uri="{BB962C8B-B14F-4D97-AF65-F5344CB8AC3E}">
+        <p14:creationId xmlns:p14="http://schemas.microsoft.com/office/powerpoint/2010/main" val="3417301220"/>
+      </p:ext>
+    </p:extLst>
+  </p:cSld>
+  <p:clrMapOvr>
+    <a:masterClrMapping/>
+  </p:clrMapOvr>
+</p:sld>
+</file>
+
+<file path=ppt/slides/slide9.xml><?xml version="1.0" encoding="utf-8"?>
+<p:sld xmlns:a="http://schemas.openxmlformats.org/drawingml/2006/main" xmlns:r="http://schemas.openxmlformats.org/officeDocument/2006/relationships" xmlns:p="http://schemas.openxmlformats.org/presentationml/2006/main">
+  <p:cSld>
+    <p:spTree>
+      <p:nvGrpSpPr>
+        <p:cNvPr id="1" name=""/>
+        <p:cNvGrpSpPr/>
+        <p:nvPr/>
+      </p:nvGrpSpPr>
+      <p:grpSpPr>
+        <a:xfrm>
+          <a:off x="0" y="0"/>
+          <a:ext cx="0" cy="0"/>
+          <a:chOff x="0" y="0"/>
+          <a:chExt cx="0" cy="0"/>
+        </a:xfrm>
+      </p:grpSpPr>
+      <p:sp>
+        <p:nvSpPr>
+          <p:cNvPr id="5" name="Titre 1">
+            <a:extLst>
+              <a:ext uri="{FF2B5EF4-FFF2-40B4-BE49-F238E27FC236}">
+                <a16:creationId xmlns:a16="http://schemas.microsoft.com/office/drawing/2014/main" id="{BA30865C-3393-4E44-A14D-E3EB2B954861}"/>
+              </a:ext>
+            </a:extLst>
+          </p:cNvPr>
+          <p:cNvSpPr>
+            <a:spLocks noGrp="1"/>
+          </p:cNvSpPr>
+          <p:nvPr>
+            <p:ph type="title"/>
+          </p:nvPr>
+        </p:nvSpPr>
+        <p:spPr>
+          <a:xfrm>
+            <a:off x="129540" y="0"/>
+            <a:ext cx="8221980" cy="1325563"/>
+          </a:xfrm>
+        </p:spPr>
+        <p:txBody>
+          <a:bodyPr/>
+          <a:lstStyle/>
+          <a:p>
+            <a:r>
+              <a:rPr lang="fr-FR" dirty="0"/>
+              <a:t>Spécifications Fonctionnelles</a:t>
+            </a:r>
+          </a:p>
+        </p:txBody>
+      </p:sp>
+      <p:sp>
+        <p:nvSpPr>
+          <p:cNvPr id="6" name="ZoneTexte 5">
+            <a:extLst>
+              <a:ext uri="{FF2B5EF4-FFF2-40B4-BE49-F238E27FC236}">
+                <a16:creationId xmlns:a16="http://schemas.microsoft.com/office/drawing/2014/main" id="{DF02C497-D03A-4948-8530-B9053CAC30E7}"/>
+              </a:ext>
+            </a:extLst>
+          </p:cNvPr>
+          <p:cNvSpPr txBox="1"/>
+          <p:nvPr/>
+        </p:nvSpPr>
+        <p:spPr>
+          <a:xfrm>
+            <a:off x="83820" y="956231"/>
+            <a:ext cx="2781300" cy="369332"/>
+          </a:xfrm>
+          <a:prstGeom prst="rect">
+            <a:avLst/>
+          </a:prstGeom>
+          <a:noFill/>
+        </p:spPr>
+        <p:txBody>
+          <a:bodyPr wrap="square" rtlCol="0">
+            <a:spAutoFit/>
+          </a:bodyPr>
+          <a:lstStyle/>
+          <a:p>
+            <a:r>
+              <a:rPr lang="fr-FR" i="1" dirty="0"/>
+              <a:t>Les domaines fonctionnelles</a:t>
+            </a:r>
+          </a:p>
+        </p:txBody>
+      </p:sp>
+      <p:pic>
+        <p:nvPicPr>
+          <p:cNvPr id="2" name="Image 1">
+            <a:extLst>
+              <a:ext uri="{FF2B5EF4-FFF2-40B4-BE49-F238E27FC236}">
+                <a16:creationId xmlns:a16="http://schemas.microsoft.com/office/drawing/2014/main" id="{D5CDD9ED-EBEA-4550-917A-87B39489A0DA}"/>
+              </a:ext>
+            </a:extLst>
+          </p:cNvPr>
+          <p:cNvPicPr>
+            <a:picLocks noChangeAspect="1"/>
+          </p:cNvPicPr>
+          <p:nvPr/>
+        </p:nvPicPr>
+        <p:blipFill>
+          <a:blip r:embed="rId2"/>
+          <a:stretch>
+            <a:fillRect/>
+          </a:stretch>
+        </p:blipFill>
+        <p:spPr>
+          <a:xfrm>
+            <a:off x="3360079" y="1325563"/>
+            <a:ext cx="7399362" cy="5266857"/>
+          </a:xfrm>
+          <a:prstGeom prst="rect">
+            <a:avLst/>
+          </a:prstGeom>
+        </p:spPr>
+      </p:pic>
+    </p:spTree>
+    <p:extLst>
+      <p:ext uri="{BB962C8B-B14F-4D97-AF65-F5344CB8AC3E}">
+        <p14:creationId xmlns:p14="http://schemas.microsoft.com/office/powerpoint/2010/main" val="3772145522"/>
+      </p:ext>
+    </p:extLst>
+  </p:cSld>
+  <p:clrMapOvr>
+    <a:masterClrMapping/>
   </p:clrMapOvr>
 </p:sld>
 </file>

--- a/Projet_4_Solution_fonctionnelle_et_technique.pptx
+++ b/Projet_4_Solution_fonctionnelle_et_technique.pptx
@@ -10,20 +10,19 @@
     <p:sldId id="273" r:id="rId4"/>
     <p:sldId id="259" r:id="rId5"/>
     <p:sldId id="258" r:id="rId6"/>
-    <p:sldId id="274" r:id="rId7"/>
-    <p:sldId id="275" r:id="rId8"/>
-    <p:sldId id="260" r:id="rId9"/>
-    <p:sldId id="262" r:id="rId10"/>
-    <p:sldId id="263" r:id="rId11"/>
-    <p:sldId id="271" r:id="rId12"/>
-    <p:sldId id="264" r:id="rId13"/>
-    <p:sldId id="276" r:id="rId14"/>
-    <p:sldId id="265" r:id="rId15"/>
-    <p:sldId id="266" r:id="rId16"/>
-    <p:sldId id="267" r:id="rId17"/>
-    <p:sldId id="268" r:id="rId18"/>
-    <p:sldId id="272" r:id="rId19"/>
-    <p:sldId id="277" r:id="rId20"/>
+    <p:sldId id="276" r:id="rId7"/>
+    <p:sldId id="285" r:id="rId8"/>
+    <p:sldId id="281" r:id="rId9"/>
+    <p:sldId id="280" r:id="rId10"/>
+    <p:sldId id="266" r:id="rId11"/>
+    <p:sldId id="279" r:id="rId12"/>
+    <p:sldId id="268" r:id="rId13"/>
+    <p:sldId id="282" r:id="rId14"/>
+    <p:sldId id="267" r:id="rId15"/>
+    <p:sldId id="265" r:id="rId16"/>
+    <p:sldId id="277" r:id="rId17"/>
+    <p:sldId id="283" r:id="rId18"/>
+    <p:sldId id="286" r:id="rId19"/>
   </p:sldIdLst>
   <p:sldSz cx="12192000" cy="6858000"/>
   <p:notesSz cx="6858000" cy="9144000"/>
@@ -277,7 +276,7 @@
           <a:p>
             <a:fld id="{5BE96FD4-4427-443E-B153-7B15BC878EB4}" type="datetimeFigureOut">
               <a:rPr lang="fr-FR" smtClean="0"/>
-              <a:t>17/04/2020</a:t>
+              <a:t>22/04/2020</a:t>
             </a:fld>
             <a:endParaRPr lang="fr-FR"/>
           </a:p>
@@ -475,7 +474,7 @@
           <a:p>
             <a:fld id="{5BE96FD4-4427-443E-B153-7B15BC878EB4}" type="datetimeFigureOut">
               <a:rPr lang="fr-FR" smtClean="0"/>
-              <a:t>17/04/2020</a:t>
+              <a:t>22/04/2020</a:t>
             </a:fld>
             <a:endParaRPr lang="fr-FR"/>
           </a:p>
@@ -683,7 +682,7 @@
           <a:p>
             <a:fld id="{5BE96FD4-4427-443E-B153-7B15BC878EB4}" type="datetimeFigureOut">
               <a:rPr lang="fr-FR" smtClean="0"/>
-              <a:t>17/04/2020</a:t>
+              <a:t>22/04/2020</a:t>
             </a:fld>
             <a:endParaRPr lang="fr-FR"/>
           </a:p>
@@ -881,7 +880,7 @@
           <a:p>
             <a:fld id="{5BE96FD4-4427-443E-B153-7B15BC878EB4}" type="datetimeFigureOut">
               <a:rPr lang="fr-FR" smtClean="0"/>
-              <a:t>17/04/2020</a:t>
+              <a:t>22/04/2020</a:t>
             </a:fld>
             <a:endParaRPr lang="fr-FR"/>
           </a:p>
@@ -1156,7 +1155,7 @@
           <a:p>
             <a:fld id="{5BE96FD4-4427-443E-B153-7B15BC878EB4}" type="datetimeFigureOut">
               <a:rPr lang="fr-FR" smtClean="0"/>
-              <a:t>17/04/2020</a:t>
+              <a:t>22/04/2020</a:t>
             </a:fld>
             <a:endParaRPr lang="fr-FR"/>
           </a:p>
@@ -1421,7 +1420,7 @@
           <a:p>
             <a:fld id="{5BE96FD4-4427-443E-B153-7B15BC878EB4}" type="datetimeFigureOut">
               <a:rPr lang="fr-FR" smtClean="0"/>
-              <a:t>17/04/2020</a:t>
+              <a:t>22/04/2020</a:t>
             </a:fld>
             <a:endParaRPr lang="fr-FR"/>
           </a:p>
@@ -1833,7 +1832,7 @@
           <a:p>
             <a:fld id="{5BE96FD4-4427-443E-B153-7B15BC878EB4}" type="datetimeFigureOut">
               <a:rPr lang="fr-FR" smtClean="0"/>
-              <a:t>17/04/2020</a:t>
+              <a:t>22/04/2020</a:t>
             </a:fld>
             <a:endParaRPr lang="fr-FR"/>
           </a:p>
@@ -1974,7 +1973,7 @@
           <a:p>
             <a:fld id="{5BE96FD4-4427-443E-B153-7B15BC878EB4}" type="datetimeFigureOut">
               <a:rPr lang="fr-FR" smtClean="0"/>
-              <a:t>17/04/2020</a:t>
+              <a:t>22/04/2020</a:t>
             </a:fld>
             <a:endParaRPr lang="fr-FR"/>
           </a:p>
@@ -2087,7 +2086,7 @@
           <a:p>
             <a:fld id="{5BE96FD4-4427-443E-B153-7B15BC878EB4}" type="datetimeFigureOut">
               <a:rPr lang="fr-FR" smtClean="0"/>
-              <a:t>17/04/2020</a:t>
+              <a:t>22/04/2020</a:t>
             </a:fld>
             <a:endParaRPr lang="fr-FR"/>
           </a:p>
@@ -2398,7 +2397,7 @@
           <a:p>
             <a:fld id="{5BE96FD4-4427-443E-B153-7B15BC878EB4}" type="datetimeFigureOut">
               <a:rPr lang="fr-FR" smtClean="0"/>
-              <a:t>17/04/2020</a:t>
+              <a:t>22/04/2020</a:t>
             </a:fld>
             <a:endParaRPr lang="fr-FR"/>
           </a:p>
@@ -2686,7 +2685,7 @@
           <a:p>
             <a:fld id="{5BE96FD4-4427-443E-B153-7B15BC878EB4}" type="datetimeFigureOut">
               <a:rPr lang="fr-FR" smtClean="0"/>
-              <a:t>17/04/2020</a:t>
+              <a:t>22/04/2020</a:t>
             </a:fld>
             <a:endParaRPr lang="fr-FR"/>
           </a:p>
@@ -2927,7 +2926,7 @@
           <a:p>
             <a:fld id="{5BE96FD4-4427-443E-B153-7B15BC878EB4}" type="datetimeFigureOut">
               <a:rPr lang="fr-FR" smtClean="0"/>
-              <a:t>17/04/2020</a:t>
+              <a:t>22/04/2020</a:t>
             </a:fld>
             <a:endParaRPr lang="fr-FR"/>
           </a:p>
@@ -3381,13 +3380,13 @@
           <a:p>
             <a:r>
               <a:rPr lang="fr-FR" b="1" dirty="0"/>
-              <a:t>Site de gestion centralisée</a:t>
+              <a:t>Gestion centralisée</a:t>
             </a:r>
           </a:p>
           <a:p>
             <a:r>
               <a:rPr lang="fr-FR" sz="2000" i="1" dirty="0"/>
-              <a:t>Solution fonctionnelle et technique</a:t>
+              <a:t>Solution technique</a:t>
             </a:r>
           </a:p>
         </p:txBody>
@@ -3570,7 +3569,7 @@
           <a:p>
             <a:r>
               <a:rPr lang="fr-FR" dirty="0"/>
-              <a:t>Spécifications Fonctionnelles</a:t>
+              <a:t>Spécifications Techniques</a:t>
             </a:r>
           </a:p>
         </p:txBody>
@@ -3590,7 +3589,7 @@
         <p:spPr>
           <a:xfrm>
             <a:off x="83820" y="956231"/>
-            <a:ext cx="3131820" cy="369332"/>
+            <a:ext cx="3009900" cy="369332"/>
           </a:xfrm>
           <a:prstGeom prst="rect">
             <a:avLst/>
@@ -3605,8 +3604,110 @@
           <a:p>
             <a:r>
               <a:rPr lang="fr-FR" i="1" dirty="0"/>
-              <a:t>Les fonctionnalités générales</a:t>
-            </a:r>
+              <a:t>Choix technologiques internes</a:t>
+            </a:r>
+          </a:p>
+        </p:txBody>
+      </p:sp>
+      <p:sp>
+        <p:nvSpPr>
+          <p:cNvPr id="4" name="Espace réservé du contenu 2">
+            <a:extLst>
+              <a:ext uri="{FF2B5EF4-FFF2-40B4-BE49-F238E27FC236}">
+                <a16:creationId xmlns:a16="http://schemas.microsoft.com/office/drawing/2014/main" id="{97D0BA48-3C49-4D07-A973-1B24C7C3A5DD}"/>
+              </a:ext>
+            </a:extLst>
+          </p:cNvPr>
+          <p:cNvSpPr>
+            <a:spLocks noGrp="1"/>
+          </p:cNvSpPr>
+          <p:nvPr>
+            <p:ph sz="half" idx="1"/>
+          </p:nvPr>
+        </p:nvSpPr>
+        <p:spPr>
+          <a:xfrm>
+            <a:off x="1142961" y="1603064"/>
+            <a:ext cx="4296305" cy="2796423"/>
+          </a:xfrm>
+        </p:spPr>
+        <p:txBody>
+          <a:bodyPr>
+            <a:normAutofit lnSpcReduction="10000"/>
+          </a:bodyPr>
+          <a:lstStyle/>
+          <a:p>
+            <a:pPr marL="0" indent="0">
+              <a:buNone/>
+            </a:pPr>
+            <a:endParaRPr lang="fr-FR" dirty="0"/>
+          </a:p>
+          <a:p>
+            <a:pPr marL="0" indent="0">
+              <a:buNone/>
+            </a:pPr>
+            <a:r>
+              <a:rPr lang="fr-FR" sz="2000" i="1" u="sng" dirty="0"/>
+              <a:t>Gestion des données et du temps réel</a:t>
+            </a:r>
+          </a:p>
+          <a:p>
+            <a:pPr marL="0" indent="0">
+              <a:buNone/>
+            </a:pPr>
+            <a:endParaRPr lang="fr-FR" sz="2000" dirty="0"/>
+          </a:p>
+          <a:p>
+            <a:r>
+              <a:rPr lang="fr-FR" sz="2000" i="1" dirty="0"/>
+              <a:t>Base de données </a:t>
+            </a:r>
+          </a:p>
+          <a:p>
+            <a:endParaRPr lang="fr-FR" sz="2000" i="1" dirty="0"/>
+          </a:p>
+          <a:p>
+            <a:r>
+              <a:rPr lang="fr-FR" sz="2000" i="1" dirty="0"/>
+              <a:t>Développement sur mesure</a:t>
+            </a:r>
+          </a:p>
+          <a:p>
+            <a:pPr marL="0" indent="0">
+              <a:buNone/>
+            </a:pPr>
+            <a:r>
+              <a:rPr lang="fr-FR" sz="2000" i="1" dirty="0"/>
+              <a:t>	- « FROM SCRATCH»</a:t>
+            </a:r>
+            <a:endParaRPr lang="fr-FR" sz="2000" dirty="0"/>
+          </a:p>
+          <a:p>
+            <a:pPr marL="0" indent="0">
+              <a:buNone/>
+            </a:pPr>
+            <a:endParaRPr lang="fr-FR" sz="2000" i="1" dirty="0"/>
+          </a:p>
+          <a:p>
+            <a:endParaRPr lang="fr-FR" sz="2000" dirty="0"/>
+          </a:p>
+          <a:p>
+            <a:pPr marL="0" indent="0">
+              <a:buNone/>
+            </a:pPr>
+            <a:endParaRPr lang="fr-FR" dirty="0"/>
+          </a:p>
+          <a:p>
+            <a:pPr marL="0" indent="0">
+              <a:buNone/>
+            </a:pPr>
+            <a:endParaRPr lang="fr-FR" dirty="0"/>
+          </a:p>
+          <a:p>
+            <a:pPr marL="0" indent="0">
+              <a:buNone/>
+            </a:pPr>
+            <a:endParaRPr lang="fr-FR" dirty="0"/>
           </a:p>
         </p:txBody>
       </p:sp>
@@ -3615,7 +3716,7 @@
           <p:cNvPr id="2" name="Image 1">
             <a:extLst>
               <a:ext uri="{FF2B5EF4-FFF2-40B4-BE49-F238E27FC236}">
-                <a16:creationId xmlns:a16="http://schemas.microsoft.com/office/drawing/2014/main" id="{BDFDAB28-1FE0-4827-BB53-051A236C851C}"/>
+                <a16:creationId xmlns:a16="http://schemas.microsoft.com/office/drawing/2014/main" id="{5685C6E0-9CF0-4A82-B22B-FF281538D001}"/>
               </a:ext>
             </a:extLst>
           </p:cNvPr>
@@ -3632,12 +3733,17 @@
         </p:blipFill>
         <p:spPr>
           <a:xfrm>
-            <a:off x="6903721" y="956231"/>
-            <a:ext cx="4511238" cy="5414979"/>
+            <a:off x="7848548" y="1608707"/>
+            <a:ext cx="3439305" cy="1820293"/>
           </a:xfrm>
           <a:prstGeom prst="rect">
             <a:avLst/>
           </a:prstGeom>
+          <a:ln>
+            <a:solidFill>
+              <a:schemeClr val="tx1"/>
+            </a:solidFill>
+          </a:ln>
         </p:spPr>
       </p:pic>
       <p:pic>
@@ -3645,7 +3751,7 @@
           <p:cNvPr id="3" name="Image 2">
             <a:extLst>
               <a:ext uri="{FF2B5EF4-FFF2-40B4-BE49-F238E27FC236}">
-                <a16:creationId xmlns:a16="http://schemas.microsoft.com/office/drawing/2014/main" id="{D7C37F0D-9BDD-493F-9B43-9FC4082913C1}"/>
+                <a16:creationId xmlns:a16="http://schemas.microsoft.com/office/drawing/2014/main" id="{8A0CAA59-AFF9-4CB8-AFA6-575822FC4341}"/>
               </a:ext>
             </a:extLst>
           </p:cNvPr>
@@ -3662,18 +3768,127 @@
         </p:blipFill>
         <p:spPr>
           <a:xfrm>
-            <a:off x="129540" y="2689802"/>
-            <a:ext cx="6096000" cy="1478394"/>
+            <a:off x="8858809" y="4007685"/>
+            <a:ext cx="1607959" cy="1790855"/>
           </a:xfrm>
           <a:prstGeom prst="rect">
             <a:avLst/>
           </a:prstGeom>
+          <a:ln>
+            <a:solidFill>
+              <a:schemeClr val="tx1"/>
+            </a:solidFill>
+          </a:ln>
+        </p:spPr>
+      </p:pic>
+      <p:pic>
+        <p:nvPicPr>
+          <p:cNvPr id="8" name="Image 7" descr="Une image contenant dessin&#10;&#10;Description générée automatiquement">
+            <a:extLst>
+              <a:ext uri="{FF2B5EF4-FFF2-40B4-BE49-F238E27FC236}">
+                <a16:creationId xmlns:a16="http://schemas.microsoft.com/office/drawing/2014/main" id="{E06A5F26-6DD7-422C-9B69-048E931524E1}"/>
+              </a:ext>
+            </a:extLst>
+          </p:cNvPr>
+          <p:cNvPicPr>
+            <a:picLocks noChangeAspect="1"/>
+          </p:cNvPicPr>
+          <p:nvPr/>
+        </p:nvPicPr>
+        <p:blipFill rotWithShape="1">
+          <a:blip r:embed="rId4"/>
+          <a:srcRect l="6322"/>
+          <a:stretch/>
+        </p:blipFill>
+        <p:spPr>
+          <a:xfrm>
+            <a:off x="6035683" y="437107"/>
+            <a:ext cx="462694" cy="462695"/>
+          </a:xfrm>
+          <a:prstGeom prst="rect">
+            <a:avLst/>
+          </a:prstGeom>
+          <a:ln>
+            <a:solidFill>
+              <a:schemeClr val="bg1"/>
+            </a:solidFill>
+          </a:ln>
+        </p:spPr>
+      </p:pic>
+      <p:pic>
+        <p:nvPicPr>
+          <p:cNvPr id="9" name="Image 8">
+            <a:extLst>
+              <a:ext uri="{FF2B5EF4-FFF2-40B4-BE49-F238E27FC236}">
+                <a16:creationId xmlns:a16="http://schemas.microsoft.com/office/drawing/2014/main" id="{11937A61-FB42-4BF2-B8AE-96FA4EE0B771}"/>
+              </a:ext>
+            </a:extLst>
+          </p:cNvPr>
+          <p:cNvPicPr>
+            <a:picLocks noChangeAspect="1"/>
+          </p:cNvPicPr>
+          <p:nvPr/>
+        </p:nvPicPr>
+        <p:blipFill>
+          <a:blip r:embed="rId5"/>
+          <a:stretch>
+            <a:fillRect/>
+          </a:stretch>
+        </p:blipFill>
+        <p:spPr>
+          <a:xfrm>
+            <a:off x="1858603" y="4676988"/>
+            <a:ext cx="2152469" cy="1790854"/>
+          </a:xfrm>
+          <a:prstGeom prst="rect">
+            <a:avLst/>
+          </a:prstGeom>
+          <a:ln>
+            <a:solidFill>
+              <a:schemeClr val="tx1"/>
+            </a:solidFill>
+          </a:ln>
+        </p:spPr>
+      </p:pic>
+      <p:pic>
+        <p:nvPicPr>
+          <p:cNvPr id="10" name="Image 9">
+            <a:extLst>
+              <a:ext uri="{FF2B5EF4-FFF2-40B4-BE49-F238E27FC236}">
+                <a16:creationId xmlns:a16="http://schemas.microsoft.com/office/drawing/2014/main" id="{867D420B-3EBF-4A73-ACA9-E39D4A7C8370}"/>
+              </a:ext>
+            </a:extLst>
+          </p:cNvPr>
+          <p:cNvPicPr>
+            <a:picLocks noChangeAspect="1"/>
+          </p:cNvPicPr>
+          <p:nvPr/>
+        </p:nvPicPr>
+        <p:blipFill>
+          <a:blip r:embed="rId6"/>
+          <a:stretch>
+            <a:fillRect/>
+          </a:stretch>
+        </p:blipFill>
+        <p:spPr>
+          <a:xfrm>
+            <a:off x="5804063" y="2829808"/>
+            <a:ext cx="1679687" cy="1688670"/>
+          </a:xfrm>
+          <a:prstGeom prst="rect">
+            <a:avLst/>
+          </a:prstGeom>
+          <a:ln>
+            <a:solidFill>
+              <a:schemeClr val="tx1"/>
+            </a:solidFill>
+          </a:ln>
         </p:spPr>
       </p:pic>
     </p:spTree>
     <p:extLst>
       <p:ext uri="{BB962C8B-B14F-4D97-AF65-F5344CB8AC3E}">
-        <p14:creationId xmlns:p14="http://schemas.microsoft.com/office/powerpoint/2010/main" val="1117117435"/>
+        <p14:creationId xmlns:p14="http://schemas.microsoft.com/office/powerpoint/2010/main" val="25514128"/>
       </p:ext>
     </p:extLst>
   </p:cSld>
@@ -3728,7 +3943,7 @@
           <a:p>
             <a:r>
               <a:rPr lang="fr-FR" dirty="0"/>
-              <a:t>Spécifications Fonctionnelles</a:t>
+              <a:t>Spécifications Techniques</a:t>
             </a:r>
           </a:p>
         </p:txBody>
@@ -3748,7 +3963,7 @@
         <p:spPr>
           <a:xfrm>
             <a:off x="83820" y="956231"/>
-            <a:ext cx="3055620" cy="369332"/>
+            <a:ext cx="3009900" cy="369332"/>
           </a:xfrm>
           <a:prstGeom prst="rect">
             <a:avLst/>
@@ -3763,135 +3978,274 @@
           <a:p>
             <a:r>
               <a:rPr lang="fr-FR" i="1" dirty="0"/>
-              <a:t>Les fonctionnalités détaillées</a:t>
-            </a:r>
+              <a:t>Choix technologiques internes</a:t>
+            </a:r>
+          </a:p>
+        </p:txBody>
+      </p:sp>
+      <p:sp>
+        <p:nvSpPr>
+          <p:cNvPr id="4" name="Espace réservé du contenu 2">
+            <a:extLst>
+              <a:ext uri="{FF2B5EF4-FFF2-40B4-BE49-F238E27FC236}">
+                <a16:creationId xmlns:a16="http://schemas.microsoft.com/office/drawing/2014/main" id="{97D0BA48-3C49-4D07-A973-1B24C7C3A5DD}"/>
+              </a:ext>
+            </a:extLst>
+          </p:cNvPr>
+          <p:cNvSpPr>
+            <a:spLocks noGrp="1"/>
+          </p:cNvSpPr>
+          <p:nvPr>
+            <p:ph sz="half" idx="1"/>
+          </p:nvPr>
+        </p:nvSpPr>
+        <p:spPr>
+          <a:xfrm>
+            <a:off x="1750382" y="1626805"/>
+            <a:ext cx="4450080" cy="2796423"/>
+          </a:xfrm>
+        </p:spPr>
+        <p:txBody>
+          <a:bodyPr/>
+          <a:lstStyle/>
+          <a:p>
+            <a:pPr marL="0" indent="0">
+              <a:buNone/>
+            </a:pPr>
+            <a:endParaRPr lang="fr-FR" dirty="0"/>
+          </a:p>
+          <a:p>
+            <a:pPr marL="0" indent="0">
+              <a:buNone/>
+            </a:pPr>
+            <a:r>
+              <a:rPr lang="fr-FR" sz="2000" i="1" u="sng" dirty="0"/>
+              <a:t>Gestion des utilisateurs</a:t>
+            </a:r>
+          </a:p>
+          <a:p>
+            <a:endParaRPr lang="fr-FR" sz="2000" i="1" dirty="0"/>
+          </a:p>
+          <a:p>
+            <a:r>
+              <a:rPr lang="fr-FR" sz="2000" i="1" dirty="0"/>
+              <a:t>Développement sur mesure</a:t>
+            </a:r>
+          </a:p>
+          <a:p>
+            <a:pPr marL="0" indent="0">
+              <a:buNone/>
+            </a:pPr>
+            <a:r>
+              <a:rPr lang="fr-FR" sz="2000" i="1" dirty="0"/>
+              <a:t>	- « FROM SCRATCH»</a:t>
+            </a:r>
+            <a:endParaRPr lang="fr-FR" sz="2000" dirty="0"/>
+          </a:p>
+          <a:p>
+            <a:pPr marL="0" indent="0">
+              <a:buNone/>
+            </a:pPr>
+            <a:endParaRPr lang="fr-FR" sz="2000" i="1" dirty="0"/>
+          </a:p>
+          <a:p>
+            <a:pPr marL="0" indent="0">
+              <a:buNone/>
+            </a:pPr>
+            <a:endParaRPr lang="fr-FR" dirty="0"/>
+          </a:p>
+          <a:p>
+            <a:pPr marL="0" indent="0">
+              <a:buNone/>
+            </a:pPr>
+            <a:endParaRPr lang="fr-FR" dirty="0"/>
+          </a:p>
+          <a:p>
+            <a:pPr marL="0" indent="0">
+              <a:buNone/>
+            </a:pPr>
+            <a:endParaRPr lang="fr-FR" dirty="0"/>
           </a:p>
         </p:txBody>
       </p:sp>
       <p:pic>
         <p:nvPicPr>
-          <p:cNvPr id="1028" name="Image 1">
-            <a:extLst>
-              <a:ext uri="{FF2B5EF4-FFF2-40B4-BE49-F238E27FC236}">
-                <a16:creationId xmlns:a16="http://schemas.microsoft.com/office/drawing/2014/main" id="{486DA824-CD56-459D-9424-B8BDB42A1BC0}"/>
+          <p:cNvPr id="2" name="Image 1">
+            <a:extLst>
+              <a:ext uri="{FF2B5EF4-FFF2-40B4-BE49-F238E27FC236}">
+                <a16:creationId xmlns:a16="http://schemas.microsoft.com/office/drawing/2014/main" id="{8F395B76-5562-4A88-835A-75EA20CF2B78}"/>
               </a:ext>
             </a:extLst>
           </p:cNvPr>
           <p:cNvPicPr>
-            <a:picLocks noChangeAspect="1" noChangeArrowheads="1"/>
+            <a:picLocks noChangeAspect="1"/>
           </p:cNvPicPr>
           <p:nvPr/>
         </p:nvPicPr>
         <p:blipFill>
-          <a:blip r:embed="rId2">
-            <a:extLst>
-              <a:ext uri="{28A0092B-C50C-407E-A947-70E740481C1C}">
-                <a14:useLocalDpi xmlns:a14="http://schemas.microsoft.com/office/drawing/2010/main" val="0"/>
-              </a:ext>
-            </a:extLst>
-          </a:blip>
-          <a:srcRect/>
+          <a:blip r:embed="rId2"/>
           <a:stretch>
             <a:fillRect/>
           </a:stretch>
         </p:blipFill>
-        <p:spPr bwMode="auto">
-          <a:xfrm>
-            <a:off x="262255" y="2281794"/>
-            <a:ext cx="6126163" cy="2971800"/>
+        <p:spPr>
+          <a:xfrm>
+            <a:off x="2056249" y="3888478"/>
+            <a:ext cx="2685434" cy="2685434"/>
           </a:xfrm>
           <a:prstGeom prst="rect">
             <a:avLst/>
           </a:prstGeom>
-          <a:noFill/>
           <a:ln>
-            <a:noFill/>
+            <a:solidFill>
+              <a:schemeClr val="tx1"/>
+            </a:solidFill>
           </a:ln>
-          <a:extLst>
-            <a:ext uri="{909E8E84-426E-40DD-AFC4-6F175D3DCCD1}">
-              <a14:hiddenFill xmlns:a14="http://schemas.microsoft.com/office/drawing/2010/main">
-                <a:solidFill>
-                  <a:srgbClr val="FFFFFF"/>
-                </a:solidFill>
-              </a14:hiddenFill>
-            </a:ext>
-            <a:ext uri="{91240B29-F687-4F45-9708-019B960494DF}">
-              <a14:hiddenLine xmlns:a14="http://schemas.microsoft.com/office/drawing/2010/main" w="9525">
-                <a:solidFill>
-                  <a:srgbClr val="000000"/>
-                </a:solidFill>
-                <a:miter lim="800000"/>
-                <a:headEnd/>
-                <a:tailEnd/>
-              </a14:hiddenLine>
-            </a:ext>
-          </a:extLst>
         </p:spPr>
       </p:pic>
       <p:pic>
         <p:nvPicPr>
-          <p:cNvPr id="1029" name="Picture 5">
-            <a:extLst>
-              <a:ext uri="{FF2B5EF4-FFF2-40B4-BE49-F238E27FC236}">
-                <a16:creationId xmlns:a16="http://schemas.microsoft.com/office/drawing/2014/main" id="{91C19D1D-A0A0-46B7-80D8-8EF0E54CE433}"/>
+          <p:cNvPr id="15" name="Image 14">
+            <a:extLst>
+              <a:ext uri="{FF2B5EF4-FFF2-40B4-BE49-F238E27FC236}">
+                <a16:creationId xmlns:a16="http://schemas.microsoft.com/office/drawing/2014/main" id="{FF98F6CD-29B8-4572-8D3C-74C6F24246C9}"/>
               </a:ext>
             </a:extLst>
           </p:cNvPr>
           <p:cNvPicPr>
-            <a:picLocks noChangeAspect="1" noChangeArrowheads="1"/>
+            <a:picLocks noChangeAspect="1"/>
           </p:cNvPicPr>
           <p:nvPr/>
         </p:nvPicPr>
         <p:blipFill>
-          <a:blip r:embed="rId3">
-            <a:extLst>
-              <a:ext uri="{28A0092B-C50C-407E-A947-70E740481C1C}">
-                <a14:useLocalDpi xmlns:a14="http://schemas.microsoft.com/office/drawing/2010/main" val="0"/>
-              </a:ext>
-            </a:extLst>
-          </a:blip>
-          <a:srcRect/>
+          <a:blip r:embed="rId3"/>
           <a:stretch>
             <a:fillRect/>
           </a:stretch>
         </p:blipFill>
-        <p:spPr bwMode="auto">
-          <a:xfrm>
-            <a:off x="7242175" y="129381"/>
-            <a:ext cx="4068763" cy="6599237"/>
+        <p:spPr>
+          <a:xfrm>
+            <a:off x="7926471" y="5019541"/>
+            <a:ext cx="2576446" cy="1325563"/>
           </a:xfrm>
           <a:prstGeom prst="rect">
             <a:avLst/>
           </a:prstGeom>
-          <a:noFill/>
           <a:ln>
-            <a:noFill/>
+            <a:solidFill>
+              <a:schemeClr val="tx1"/>
+            </a:solidFill>
           </a:ln>
-          <a:extLst>
-            <a:ext uri="{909E8E84-426E-40DD-AFC4-6F175D3DCCD1}">
-              <a14:hiddenFill xmlns:a14="http://schemas.microsoft.com/office/drawing/2010/main">
-                <a:solidFill>
-                  <a:srgbClr val="FFFFFF"/>
-                </a:solidFill>
-              </a14:hiddenFill>
-            </a:ext>
-            <a:ext uri="{91240B29-F687-4F45-9708-019B960494DF}">
-              <a14:hiddenLine xmlns:a14="http://schemas.microsoft.com/office/drawing/2010/main" w="9525">
-                <a:solidFill>
-                  <a:srgbClr val="000000"/>
-                </a:solidFill>
-                <a:miter lim="800000"/>
-                <a:headEnd/>
-                <a:tailEnd/>
-              </a14:hiddenLine>
-            </a:ext>
-          </a:extLst>
+        </p:spPr>
+      </p:pic>
+      <p:pic>
+        <p:nvPicPr>
+          <p:cNvPr id="16" name="Image 15">
+            <a:extLst>
+              <a:ext uri="{FF2B5EF4-FFF2-40B4-BE49-F238E27FC236}">
+                <a16:creationId xmlns:a16="http://schemas.microsoft.com/office/drawing/2014/main" id="{82A861E6-6212-4349-8926-B3CBD8E482BA}"/>
+              </a:ext>
+            </a:extLst>
+          </p:cNvPr>
+          <p:cNvPicPr>
+            <a:picLocks noChangeAspect="1"/>
+          </p:cNvPicPr>
+          <p:nvPr/>
+        </p:nvPicPr>
+        <p:blipFill>
+          <a:blip r:embed="rId4"/>
+          <a:stretch>
+            <a:fillRect/>
+          </a:stretch>
+        </p:blipFill>
+        <p:spPr>
+          <a:xfrm>
+            <a:off x="8301403" y="897313"/>
+            <a:ext cx="1679687" cy="1688670"/>
+          </a:xfrm>
+          <a:prstGeom prst="rect">
+            <a:avLst/>
+          </a:prstGeom>
+          <a:ln>
+            <a:solidFill>
+              <a:schemeClr val="tx1"/>
+            </a:solidFill>
+          </a:ln>
+        </p:spPr>
+      </p:pic>
+      <p:pic>
+        <p:nvPicPr>
+          <p:cNvPr id="17" name="Image 16">
+            <a:extLst>
+              <a:ext uri="{FF2B5EF4-FFF2-40B4-BE49-F238E27FC236}">
+                <a16:creationId xmlns:a16="http://schemas.microsoft.com/office/drawing/2014/main" id="{12DC7647-FA99-42FF-BA2E-BE059FEBA19A}"/>
+              </a:ext>
+            </a:extLst>
+          </p:cNvPr>
+          <p:cNvPicPr>
+            <a:picLocks noChangeAspect="1"/>
+          </p:cNvPicPr>
+          <p:nvPr/>
+        </p:nvPicPr>
+        <p:blipFill>
+          <a:blip r:embed="rId5"/>
+          <a:stretch>
+            <a:fillRect/>
+          </a:stretch>
+        </p:blipFill>
+        <p:spPr>
+          <a:xfrm>
+            <a:off x="8301403" y="2847917"/>
+            <a:ext cx="1593758" cy="1867844"/>
+          </a:xfrm>
+          <a:prstGeom prst="rect">
+            <a:avLst/>
+          </a:prstGeom>
+          <a:ln>
+            <a:solidFill>
+              <a:schemeClr val="tx1"/>
+            </a:solidFill>
+          </a:ln>
+        </p:spPr>
+      </p:pic>
+      <p:pic>
+        <p:nvPicPr>
+          <p:cNvPr id="18" name="Image 17" descr="Une image contenant dessin&#10;&#10;Description générée automatiquement">
+            <a:extLst>
+              <a:ext uri="{FF2B5EF4-FFF2-40B4-BE49-F238E27FC236}">
+                <a16:creationId xmlns:a16="http://schemas.microsoft.com/office/drawing/2014/main" id="{C51927C6-9363-4B46-80B7-F2E2505B7A1A}"/>
+              </a:ext>
+            </a:extLst>
+          </p:cNvPr>
+          <p:cNvPicPr>
+            <a:picLocks noChangeAspect="1"/>
+          </p:cNvPicPr>
+          <p:nvPr/>
+        </p:nvPicPr>
+        <p:blipFill rotWithShape="1">
+          <a:blip r:embed="rId6"/>
+          <a:srcRect l="6322"/>
+          <a:stretch/>
+        </p:blipFill>
+        <p:spPr>
+          <a:xfrm>
+            <a:off x="6035683" y="437107"/>
+            <a:ext cx="462694" cy="462695"/>
+          </a:xfrm>
+          <a:prstGeom prst="rect">
+            <a:avLst/>
+          </a:prstGeom>
+          <a:ln>
+            <a:solidFill>
+              <a:schemeClr val="bg1"/>
+            </a:solidFill>
+          </a:ln>
         </p:spPr>
       </p:pic>
     </p:spTree>
     <p:extLst>
       <p:ext uri="{BB962C8B-B14F-4D97-AF65-F5344CB8AC3E}">
-        <p14:creationId xmlns:p14="http://schemas.microsoft.com/office/powerpoint/2010/main" val="70180672"/>
+        <p14:creationId xmlns:p14="http://schemas.microsoft.com/office/powerpoint/2010/main" val="1732306265"/>
       </p:ext>
     </p:extLst>
   </p:cSld>
@@ -3946,7 +4300,7 @@
           <a:p>
             <a:r>
               <a:rPr lang="fr-FR" dirty="0"/>
-              <a:t>Spécifications Fonctionnelles</a:t>
+              <a:t>Spécifications Techniques</a:t>
             </a:r>
           </a:p>
         </p:txBody>
@@ -3966,7 +4320,7 @@
         <p:spPr>
           <a:xfrm>
             <a:off x="83820" y="956231"/>
-            <a:ext cx="3208020" cy="369332"/>
+            <a:ext cx="3009900" cy="369332"/>
           </a:xfrm>
           <a:prstGeom prst="rect">
             <a:avLst/>
@@ -3981,8 +4335,90 @@
           <a:p>
             <a:r>
               <a:rPr lang="fr-FR" i="1" dirty="0"/>
-              <a:t>Le cycle de vie d’une commande</a:t>
-            </a:r>
+              <a:t>Choix technologiques internes</a:t>
+            </a:r>
+          </a:p>
+        </p:txBody>
+      </p:sp>
+      <p:sp>
+        <p:nvSpPr>
+          <p:cNvPr id="4" name="Espace réservé du contenu 2">
+            <a:extLst>
+              <a:ext uri="{FF2B5EF4-FFF2-40B4-BE49-F238E27FC236}">
+                <a16:creationId xmlns:a16="http://schemas.microsoft.com/office/drawing/2014/main" id="{97D0BA48-3C49-4D07-A973-1B24C7C3A5DD}"/>
+              </a:ext>
+            </a:extLst>
+          </p:cNvPr>
+          <p:cNvSpPr>
+            <a:spLocks noGrp="1"/>
+          </p:cNvSpPr>
+          <p:nvPr>
+            <p:ph sz="half" idx="1"/>
+          </p:nvPr>
+        </p:nvSpPr>
+        <p:spPr>
+          <a:xfrm>
+            <a:off x="1763576" y="1655501"/>
+            <a:ext cx="4450080" cy="2796423"/>
+          </a:xfrm>
+        </p:spPr>
+        <p:txBody>
+          <a:bodyPr/>
+          <a:lstStyle/>
+          <a:p>
+            <a:pPr marL="0" indent="0">
+              <a:buNone/>
+            </a:pPr>
+            <a:endParaRPr lang="fr-FR" dirty="0"/>
+          </a:p>
+          <a:p>
+            <a:pPr marL="0" indent="0">
+              <a:buNone/>
+            </a:pPr>
+            <a:r>
+              <a:rPr lang="fr-FR" sz="2000" i="1" u="sng" dirty="0"/>
+              <a:t>Gestion de l’authentification</a:t>
+            </a:r>
+          </a:p>
+          <a:p>
+            <a:pPr marL="0" indent="0">
+              <a:buNone/>
+            </a:pPr>
+            <a:endParaRPr lang="fr-FR" sz="2000" dirty="0"/>
+          </a:p>
+          <a:p>
+            <a:r>
+              <a:rPr lang="fr-FR" sz="2000" i="1" dirty="0"/>
+              <a:t>Développement sur mesure</a:t>
+            </a:r>
+          </a:p>
+          <a:p>
+            <a:pPr marL="0" indent="0">
+              <a:buNone/>
+            </a:pPr>
+            <a:r>
+              <a:rPr lang="fr-FR" sz="2000" i="1" dirty="0"/>
+              <a:t>	- « FROM SCRATCH»</a:t>
+            </a:r>
+            <a:endParaRPr lang="fr-FR" sz="2000" dirty="0"/>
+          </a:p>
+          <a:p>
+            <a:pPr marL="0" indent="0">
+              <a:buNone/>
+            </a:pPr>
+            <a:endParaRPr lang="fr-FR" dirty="0"/>
+          </a:p>
+          <a:p>
+            <a:pPr marL="0" indent="0">
+              <a:buNone/>
+            </a:pPr>
+            <a:endParaRPr lang="fr-FR" dirty="0"/>
+          </a:p>
+          <a:p>
+            <a:pPr marL="0" indent="0">
+              <a:buNone/>
+            </a:pPr>
+            <a:endParaRPr lang="fr-FR" dirty="0"/>
           </a:p>
         </p:txBody>
       </p:sp>
@@ -3991,7 +4427,7 @@
           <p:cNvPr id="2" name="Image 1">
             <a:extLst>
               <a:ext uri="{FF2B5EF4-FFF2-40B4-BE49-F238E27FC236}">
-                <a16:creationId xmlns:a16="http://schemas.microsoft.com/office/drawing/2014/main" id="{74B20998-1C0A-4821-8F04-829388628A83}"/>
+                <a16:creationId xmlns:a16="http://schemas.microsoft.com/office/drawing/2014/main" id="{D1A86450-66E5-41DE-BBDE-5867CE5C344A}"/>
               </a:ext>
             </a:extLst>
           </p:cNvPr>
@@ -4008,18 +4444,162 @@
         </p:blipFill>
         <p:spPr>
           <a:xfrm>
-            <a:off x="1081695" y="2083953"/>
-            <a:ext cx="9657109" cy="3265287"/>
+            <a:off x="8265591" y="939159"/>
+            <a:ext cx="1679687" cy="1688670"/>
           </a:xfrm>
           <a:prstGeom prst="rect">
             <a:avLst/>
           </a:prstGeom>
+          <a:ln>
+            <a:solidFill>
+              <a:schemeClr val="tx1"/>
+            </a:solidFill>
+          </a:ln>
+        </p:spPr>
+      </p:pic>
+      <p:pic>
+        <p:nvPicPr>
+          <p:cNvPr id="3" name="Image 2">
+            <a:extLst>
+              <a:ext uri="{FF2B5EF4-FFF2-40B4-BE49-F238E27FC236}">
+                <a16:creationId xmlns:a16="http://schemas.microsoft.com/office/drawing/2014/main" id="{F62B1F88-8D84-436F-98A4-802FB161009C}"/>
+              </a:ext>
+            </a:extLst>
+          </p:cNvPr>
+          <p:cNvPicPr>
+            <a:picLocks noChangeAspect="1"/>
+          </p:cNvPicPr>
+          <p:nvPr/>
+        </p:nvPicPr>
+        <p:blipFill>
+          <a:blip r:embed="rId3"/>
+          <a:stretch>
+            <a:fillRect/>
+          </a:stretch>
+        </p:blipFill>
+        <p:spPr>
+          <a:xfrm>
+            <a:off x="7817211" y="5019541"/>
+            <a:ext cx="2576446" cy="1325563"/>
+          </a:xfrm>
+          <a:prstGeom prst="rect">
+            <a:avLst/>
+          </a:prstGeom>
+          <a:ln>
+            <a:solidFill>
+              <a:schemeClr val="tx1"/>
+            </a:solidFill>
+          </a:ln>
+        </p:spPr>
+      </p:pic>
+      <p:pic>
+        <p:nvPicPr>
+          <p:cNvPr id="10" name="Image 9">
+            <a:extLst>
+              <a:ext uri="{FF2B5EF4-FFF2-40B4-BE49-F238E27FC236}">
+                <a16:creationId xmlns:a16="http://schemas.microsoft.com/office/drawing/2014/main" id="{9BCA9FEB-2D39-4760-939F-0D2E2D66EC26}"/>
+              </a:ext>
+            </a:extLst>
+          </p:cNvPr>
+          <p:cNvPicPr>
+            <a:picLocks noChangeAspect="1"/>
+          </p:cNvPicPr>
+          <p:nvPr/>
+        </p:nvPicPr>
+        <p:blipFill>
+          <a:blip r:embed="rId4"/>
+          <a:stretch>
+            <a:fillRect/>
+          </a:stretch>
+        </p:blipFill>
+        <p:spPr>
+          <a:xfrm>
+            <a:off x="8265591" y="2889763"/>
+            <a:ext cx="1593758" cy="1867844"/>
+          </a:xfrm>
+          <a:prstGeom prst="rect">
+            <a:avLst/>
+          </a:prstGeom>
+          <a:ln>
+            <a:solidFill>
+              <a:schemeClr val="tx1"/>
+            </a:solidFill>
+          </a:ln>
+        </p:spPr>
+      </p:pic>
+      <p:pic>
+        <p:nvPicPr>
+          <p:cNvPr id="11" name="Image 10">
+            <a:extLst>
+              <a:ext uri="{FF2B5EF4-FFF2-40B4-BE49-F238E27FC236}">
+                <a16:creationId xmlns:a16="http://schemas.microsoft.com/office/drawing/2014/main" id="{EB9A93A4-3561-451B-9B8C-732E3A39608C}"/>
+              </a:ext>
+            </a:extLst>
+          </p:cNvPr>
+          <p:cNvPicPr>
+            <a:picLocks noChangeAspect="1"/>
+          </p:cNvPicPr>
+          <p:nvPr/>
+        </p:nvPicPr>
+        <p:blipFill>
+          <a:blip r:embed="rId5"/>
+          <a:stretch>
+            <a:fillRect/>
+          </a:stretch>
+        </p:blipFill>
+        <p:spPr>
+          <a:xfrm>
+            <a:off x="2441543" y="3860116"/>
+            <a:ext cx="2026762" cy="2484988"/>
+          </a:xfrm>
+          <a:prstGeom prst="rect">
+            <a:avLst/>
+          </a:prstGeom>
+          <a:ln>
+            <a:solidFill>
+              <a:schemeClr val="tx1"/>
+            </a:solidFill>
+          </a:ln>
+        </p:spPr>
+      </p:pic>
+      <p:pic>
+        <p:nvPicPr>
+          <p:cNvPr id="13" name="Image 12" descr="Une image contenant dessin&#10;&#10;Description générée automatiquement">
+            <a:extLst>
+              <a:ext uri="{FF2B5EF4-FFF2-40B4-BE49-F238E27FC236}">
+                <a16:creationId xmlns:a16="http://schemas.microsoft.com/office/drawing/2014/main" id="{7F15D8D9-538A-4677-9494-811340C79396}"/>
+              </a:ext>
+            </a:extLst>
+          </p:cNvPr>
+          <p:cNvPicPr>
+            <a:picLocks noChangeAspect="1"/>
+          </p:cNvPicPr>
+          <p:nvPr/>
+        </p:nvPicPr>
+        <p:blipFill rotWithShape="1">
+          <a:blip r:embed="rId6"/>
+          <a:srcRect l="6322"/>
+          <a:stretch/>
+        </p:blipFill>
+        <p:spPr>
+          <a:xfrm>
+            <a:off x="6035683" y="437107"/>
+            <a:ext cx="462694" cy="462695"/>
+          </a:xfrm>
+          <a:prstGeom prst="rect">
+            <a:avLst/>
+          </a:prstGeom>
+          <a:ln>
+            <a:solidFill>
+              <a:schemeClr val="bg1"/>
+            </a:solidFill>
+          </a:ln>
         </p:spPr>
       </p:pic>
     </p:spTree>
     <p:extLst>
       <p:ext uri="{BB962C8B-B14F-4D97-AF65-F5344CB8AC3E}">
-        <p14:creationId xmlns:p14="http://schemas.microsoft.com/office/powerpoint/2010/main" val="2771353780"/>
+        <p14:creationId xmlns:p14="http://schemas.microsoft.com/office/powerpoint/2010/main" val="2082382380"/>
       </p:ext>
     </p:extLst>
   </p:cSld>
@@ -4030,6 +4610,1188 @@
 </file>
 
 <file path=ppt/slides/slide13.xml><?xml version="1.0" encoding="utf-8"?>
+<p:sld xmlns:a="http://schemas.openxmlformats.org/drawingml/2006/main" xmlns:r="http://schemas.openxmlformats.org/officeDocument/2006/relationships" xmlns:p="http://schemas.openxmlformats.org/presentationml/2006/main">
+  <p:cSld>
+    <p:spTree>
+      <p:nvGrpSpPr>
+        <p:cNvPr id="1" name=""/>
+        <p:cNvGrpSpPr/>
+        <p:nvPr/>
+      </p:nvGrpSpPr>
+      <p:grpSpPr>
+        <a:xfrm>
+          <a:off x="0" y="0"/>
+          <a:ext cx="0" cy="0"/>
+          <a:chOff x="0" y="0"/>
+          <a:chExt cx="0" cy="0"/>
+        </a:xfrm>
+      </p:grpSpPr>
+      <p:sp>
+        <p:nvSpPr>
+          <p:cNvPr id="5" name="Titre 1">
+            <a:extLst>
+              <a:ext uri="{FF2B5EF4-FFF2-40B4-BE49-F238E27FC236}">
+                <a16:creationId xmlns:a16="http://schemas.microsoft.com/office/drawing/2014/main" id="{BA30865C-3393-4E44-A14D-E3EB2B954861}"/>
+              </a:ext>
+            </a:extLst>
+          </p:cNvPr>
+          <p:cNvSpPr>
+            <a:spLocks noGrp="1"/>
+          </p:cNvSpPr>
+          <p:nvPr>
+            <p:ph type="title"/>
+          </p:nvPr>
+        </p:nvSpPr>
+        <p:spPr>
+          <a:xfrm>
+            <a:off x="129540" y="0"/>
+            <a:ext cx="8221980" cy="1325563"/>
+          </a:xfrm>
+        </p:spPr>
+        <p:txBody>
+          <a:bodyPr/>
+          <a:lstStyle/>
+          <a:p>
+            <a:r>
+              <a:rPr lang="fr-FR" dirty="0"/>
+              <a:t>Spécifications Techniques</a:t>
+            </a:r>
+          </a:p>
+        </p:txBody>
+      </p:sp>
+      <p:sp>
+        <p:nvSpPr>
+          <p:cNvPr id="6" name="ZoneTexte 5">
+            <a:extLst>
+              <a:ext uri="{FF2B5EF4-FFF2-40B4-BE49-F238E27FC236}">
+                <a16:creationId xmlns:a16="http://schemas.microsoft.com/office/drawing/2014/main" id="{DF02C497-D03A-4948-8530-B9053CAC30E7}"/>
+              </a:ext>
+            </a:extLst>
+          </p:cNvPr>
+          <p:cNvSpPr txBox="1"/>
+          <p:nvPr/>
+        </p:nvSpPr>
+        <p:spPr>
+          <a:xfrm>
+            <a:off x="83820" y="956231"/>
+            <a:ext cx="3009900" cy="369332"/>
+          </a:xfrm>
+          <a:prstGeom prst="rect">
+            <a:avLst/>
+          </a:prstGeom>
+          <a:noFill/>
+        </p:spPr>
+        <p:txBody>
+          <a:bodyPr wrap="square" rtlCol="0">
+            <a:spAutoFit/>
+          </a:bodyPr>
+          <a:lstStyle/>
+          <a:p>
+            <a:r>
+              <a:rPr lang="fr-FR" i="1" dirty="0"/>
+              <a:t>Choix technologiques externes</a:t>
+            </a:r>
+          </a:p>
+        </p:txBody>
+      </p:sp>
+      <p:sp>
+        <p:nvSpPr>
+          <p:cNvPr id="4" name="Espace réservé du contenu 2">
+            <a:extLst>
+              <a:ext uri="{FF2B5EF4-FFF2-40B4-BE49-F238E27FC236}">
+                <a16:creationId xmlns:a16="http://schemas.microsoft.com/office/drawing/2014/main" id="{97D0BA48-3C49-4D07-A973-1B24C7C3A5DD}"/>
+              </a:ext>
+            </a:extLst>
+          </p:cNvPr>
+          <p:cNvSpPr>
+            <a:spLocks noGrp="1"/>
+          </p:cNvSpPr>
+          <p:nvPr>
+            <p:ph sz="half" idx="1"/>
+          </p:nvPr>
+        </p:nvSpPr>
+        <p:spPr>
+          <a:xfrm>
+            <a:off x="944292" y="1607841"/>
+            <a:ext cx="4450080" cy="2796423"/>
+          </a:xfrm>
+        </p:spPr>
+        <p:txBody>
+          <a:bodyPr/>
+          <a:lstStyle/>
+          <a:p>
+            <a:pPr marL="0" indent="0">
+              <a:buNone/>
+            </a:pPr>
+            <a:endParaRPr lang="fr-FR" dirty="0"/>
+          </a:p>
+          <a:p>
+            <a:pPr marL="0" indent="0">
+              <a:buNone/>
+            </a:pPr>
+            <a:r>
+              <a:rPr lang="fr-FR" sz="2000" i="1" u="sng" dirty="0"/>
+              <a:t>Gestion de l’authentification</a:t>
+            </a:r>
+          </a:p>
+          <a:p>
+            <a:pPr marL="0" indent="0">
+              <a:buNone/>
+            </a:pPr>
+            <a:endParaRPr lang="fr-FR" sz="2000" dirty="0"/>
+          </a:p>
+          <a:p>
+            <a:r>
+              <a:rPr lang="fr-FR" sz="2000" i="1" dirty="0"/>
+              <a:t>Mise en place des APIs</a:t>
+            </a:r>
+          </a:p>
+          <a:p>
+            <a:pPr marL="0" indent="0">
+              <a:buNone/>
+            </a:pPr>
+            <a:r>
+              <a:rPr lang="fr-FR" sz="2000" i="1" dirty="0"/>
+              <a:t>	- Google </a:t>
+            </a:r>
+            <a:r>
+              <a:rPr lang="fr-FR" sz="2000" i="1" dirty="0" err="1"/>
+              <a:t>Sign</a:t>
+            </a:r>
+            <a:r>
+              <a:rPr lang="fr-FR" sz="2000" i="1" dirty="0"/>
+              <a:t>-In</a:t>
+            </a:r>
+          </a:p>
+          <a:p>
+            <a:pPr marL="0" indent="0">
+              <a:buNone/>
+            </a:pPr>
+            <a:r>
+              <a:rPr lang="fr-FR" i="1" dirty="0"/>
+              <a:t>	</a:t>
+            </a:r>
+            <a:r>
+              <a:rPr lang="fr-FR" sz="2000" i="1" dirty="0"/>
+              <a:t>- Facebook Login </a:t>
+            </a:r>
+          </a:p>
+          <a:p>
+            <a:pPr marL="0" indent="0">
+              <a:buNone/>
+            </a:pPr>
+            <a:endParaRPr lang="fr-FR" dirty="0"/>
+          </a:p>
+          <a:p>
+            <a:pPr marL="0" indent="0">
+              <a:buNone/>
+            </a:pPr>
+            <a:endParaRPr lang="fr-FR" dirty="0"/>
+          </a:p>
+          <a:p>
+            <a:pPr marL="0" indent="0">
+              <a:buNone/>
+            </a:pPr>
+            <a:endParaRPr lang="fr-FR" dirty="0"/>
+          </a:p>
+        </p:txBody>
+      </p:sp>
+      <p:pic>
+        <p:nvPicPr>
+          <p:cNvPr id="11" name="Image 10">
+            <a:extLst>
+              <a:ext uri="{FF2B5EF4-FFF2-40B4-BE49-F238E27FC236}">
+                <a16:creationId xmlns:a16="http://schemas.microsoft.com/office/drawing/2014/main" id="{2FA1B6C2-B9DE-458E-B45F-2002FFABB992}"/>
+              </a:ext>
+            </a:extLst>
+          </p:cNvPr>
+          <p:cNvPicPr>
+            <a:picLocks noChangeAspect="1"/>
+          </p:cNvPicPr>
+          <p:nvPr/>
+        </p:nvPicPr>
+        <p:blipFill>
+          <a:blip r:embed="rId2"/>
+          <a:stretch>
+            <a:fillRect/>
+          </a:stretch>
+        </p:blipFill>
+        <p:spPr>
+          <a:xfrm>
+            <a:off x="1633324" y="4246666"/>
+            <a:ext cx="1854262" cy="2273488"/>
+          </a:xfrm>
+          <a:prstGeom prst="rect">
+            <a:avLst/>
+          </a:prstGeom>
+          <a:ln>
+            <a:solidFill>
+              <a:schemeClr val="tx1"/>
+            </a:solidFill>
+          </a:ln>
+        </p:spPr>
+      </p:pic>
+      <p:pic>
+        <p:nvPicPr>
+          <p:cNvPr id="12" name="Image 11" descr="Une image contenant dessin&#10;&#10;Description générée automatiquement">
+            <a:extLst>
+              <a:ext uri="{FF2B5EF4-FFF2-40B4-BE49-F238E27FC236}">
+                <a16:creationId xmlns:a16="http://schemas.microsoft.com/office/drawing/2014/main" id="{6B08C6BE-6BA3-48F1-AB5A-29B7A5FEAF2D}"/>
+              </a:ext>
+            </a:extLst>
+          </p:cNvPr>
+          <p:cNvPicPr>
+            <a:picLocks noChangeAspect="1"/>
+          </p:cNvPicPr>
+          <p:nvPr/>
+        </p:nvPicPr>
+        <p:blipFill rotWithShape="1">
+          <a:blip r:embed="rId3"/>
+          <a:srcRect l="6322"/>
+          <a:stretch/>
+        </p:blipFill>
+        <p:spPr>
+          <a:xfrm>
+            <a:off x="6035683" y="437107"/>
+            <a:ext cx="462694" cy="462695"/>
+          </a:xfrm>
+          <a:prstGeom prst="rect">
+            <a:avLst/>
+          </a:prstGeom>
+          <a:ln>
+            <a:solidFill>
+              <a:schemeClr val="bg1"/>
+            </a:solidFill>
+          </a:ln>
+        </p:spPr>
+      </p:pic>
+      <p:pic>
+        <p:nvPicPr>
+          <p:cNvPr id="13" name="Image 12">
+            <a:extLst>
+              <a:ext uri="{FF2B5EF4-FFF2-40B4-BE49-F238E27FC236}">
+                <a16:creationId xmlns:a16="http://schemas.microsoft.com/office/drawing/2014/main" id="{FE737298-FBEE-4372-8D0B-4C5934988106}"/>
+              </a:ext>
+            </a:extLst>
+          </p:cNvPr>
+          <p:cNvPicPr>
+            <a:picLocks noChangeAspect="1"/>
+          </p:cNvPicPr>
+          <p:nvPr/>
+        </p:nvPicPr>
+        <p:blipFill>
+          <a:blip r:embed="rId4"/>
+          <a:stretch>
+            <a:fillRect/>
+          </a:stretch>
+        </p:blipFill>
+        <p:spPr>
+          <a:xfrm>
+            <a:off x="4851099" y="3101679"/>
+            <a:ext cx="2993333" cy="1141238"/>
+          </a:xfrm>
+          <a:prstGeom prst="rect">
+            <a:avLst/>
+          </a:prstGeom>
+          <a:ln>
+            <a:solidFill>
+              <a:schemeClr val="tx1"/>
+            </a:solidFill>
+          </a:ln>
+        </p:spPr>
+      </p:pic>
+      <p:pic>
+        <p:nvPicPr>
+          <p:cNvPr id="14" name="Image 13">
+            <a:extLst>
+              <a:ext uri="{FF2B5EF4-FFF2-40B4-BE49-F238E27FC236}">
+                <a16:creationId xmlns:a16="http://schemas.microsoft.com/office/drawing/2014/main" id="{C3D14863-B8C2-4E73-80B4-11EE4F542C91}"/>
+              </a:ext>
+            </a:extLst>
+          </p:cNvPr>
+          <p:cNvPicPr>
+            <a:picLocks noChangeAspect="1"/>
+          </p:cNvPicPr>
+          <p:nvPr/>
+        </p:nvPicPr>
+        <p:blipFill>
+          <a:blip r:embed="rId5"/>
+          <a:stretch>
+            <a:fillRect/>
+          </a:stretch>
+        </p:blipFill>
+        <p:spPr>
+          <a:xfrm>
+            <a:off x="6307450" y="4613584"/>
+            <a:ext cx="5523476" cy="980552"/>
+          </a:xfrm>
+          <a:prstGeom prst="rect">
+            <a:avLst/>
+          </a:prstGeom>
+          <a:ln>
+            <a:solidFill>
+              <a:schemeClr val="tx1"/>
+            </a:solidFill>
+          </a:ln>
+        </p:spPr>
+      </p:pic>
+      <p:pic>
+        <p:nvPicPr>
+          <p:cNvPr id="15" name="Image 14">
+            <a:extLst>
+              <a:ext uri="{FF2B5EF4-FFF2-40B4-BE49-F238E27FC236}">
+                <a16:creationId xmlns:a16="http://schemas.microsoft.com/office/drawing/2014/main" id="{1D74336F-34F8-4C27-BF21-1664EA3B51F6}"/>
+              </a:ext>
+            </a:extLst>
+          </p:cNvPr>
+          <p:cNvPicPr>
+            <a:picLocks noChangeAspect="1"/>
+          </p:cNvPicPr>
+          <p:nvPr/>
+        </p:nvPicPr>
+        <p:blipFill>
+          <a:blip r:embed="rId6"/>
+          <a:stretch>
+            <a:fillRect/>
+          </a:stretch>
+        </p:blipFill>
+        <p:spPr>
+          <a:xfrm>
+            <a:off x="6283542" y="1856916"/>
+            <a:ext cx="5547384" cy="980552"/>
+          </a:xfrm>
+          <a:prstGeom prst="rect">
+            <a:avLst/>
+          </a:prstGeom>
+          <a:ln>
+            <a:solidFill>
+              <a:schemeClr val="tx1"/>
+            </a:solidFill>
+          </a:ln>
+        </p:spPr>
+      </p:pic>
+    </p:spTree>
+    <p:extLst>
+      <p:ext uri="{BB962C8B-B14F-4D97-AF65-F5344CB8AC3E}">
+        <p14:creationId xmlns:p14="http://schemas.microsoft.com/office/powerpoint/2010/main" val="2438556536"/>
+      </p:ext>
+    </p:extLst>
+  </p:cSld>
+  <p:clrMapOvr>
+    <a:masterClrMapping/>
+  </p:clrMapOvr>
+</p:sld>
+</file>
+
+<file path=ppt/slides/slide14.xml><?xml version="1.0" encoding="utf-8"?>
+<p:sld xmlns:a="http://schemas.openxmlformats.org/drawingml/2006/main" xmlns:r="http://schemas.openxmlformats.org/officeDocument/2006/relationships" xmlns:p="http://schemas.openxmlformats.org/presentationml/2006/main">
+  <p:cSld>
+    <p:spTree>
+      <p:nvGrpSpPr>
+        <p:cNvPr id="1" name=""/>
+        <p:cNvGrpSpPr/>
+        <p:nvPr/>
+      </p:nvGrpSpPr>
+      <p:grpSpPr>
+        <a:xfrm>
+          <a:off x="0" y="0"/>
+          <a:ext cx="0" cy="0"/>
+          <a:chOff x="0" y="0"/>
+          <a:chExt cx="0" cy="0"/>
+        </a:xfrm>
+      </p:grpSpPr>
+      <p:sp>
+        <p:nvSpPr>
+          <p:cNvPr id="5" name="Titre 1">
+            <a:extLst>
+              <a:ext uri="{FF2B5EF4-FFF2-40B4-BE49-F238E27FC236}">
+                <a16:creationId xmlns:a16="http://schemas.microsoft.com/office/drawing/2014/main" id="{BA30865C-3393-4E44-A14D-E3EB2B954861}"/>
+              </a:ext>
+            </a:extLst>
+          </p:cNvPr>
+          <p:cNvSpPr>
+            <a:spLocks noGrp="1"/>
+          </p:cNvSpPr>
+          <p:nvPr>
+            <p:ph type="title"/>
+          </p:nvPr>
+        </p:nvSpPr>
+        <p:spPr>
+          <a:xfrm>
+            <a:off x="129540" y="0"/>
+            <a:ext cx="8221980" cy="1325563"/>
+          </a:xfrm>
+        </p:spPr>
+        <p:txBody>
+          <a:bodyPr/>
+          <a:lstStyle/>
+          <a:p>
+            <a:r>
+              <a:rPr lang="fr-FR" dirty="0"/>
+              <a:t>Spécifications Techniques</a:t>
+            </a:r>
+          </a:p>
+        </p:txBody>
+      </p:sp>
+      <p:sp>
+        <p:nvSpPr>
+          <p:cNvPr id="6" name="ZoneTexte 5">
+            <a:extLst>
+              <a:ext uri="{FF2B5EF4-FFF2-40B4-BE49-F238E27FC236}">
+                <a16:creationId xmlns:a16="http://schemas.microsoft.com/office/drawing/2014/main" id="{DF02C497-D03A-4948-8530-B9053CAC30E7}"/>
+              </a:ext>
+            </a:extLst>
+          </p:cNvPr>
+          <p:cNvSpPr txBox="1"/>
+          <p:nvPr/>
+        </p:nvSpPr>
+        <p:spPr>
+          <a:xfrm>
+            <a:off x="83820" y="956231"/>
+            <a:ext cx="3009900" cy="369332"/>
+          </a:xfrm>
+          <a:prstGeom prst="rect">
+            <a:avLst/>
+          </a:prstGeom>
+          <a:noFill/>
+        </p:spPr>
+        <p:txBody>
+          <a:bodyPr wrap="square" rtlCol="0">
+            <a:spAutoFit/>
+          </a:bodyPr>
+          <a:lstStyle/>
+          <a:p>
+            <a:r>
+              <a:rPr lang="fr-FR" i="1" dirty="0"/>
+              <a:t>Choix technologiques externes</a:t>
+            </a:r>
+          </a:p>
+        </p:txBody>
+      </p:sp>
+      <p:sp>
+        <p:nvSpPr>
+          <p:cNvPr id="4" name="Espace réservé du contenu 2">
+            <a:extLst>
+              <a:ext uri="{FF2B5EF4-FFF2-40B4-BE49-F238E27FC236}">
+                <a16:creationId xmlns:a16="http://schemas.microsoft.com/office/drawing/2014/main" id="{97D0BA48-3C49-4D07-A973-1B24C7C3A5DD}"/>
+              </a:ext>
+            </a:extLst>
+          </p:cNvPr>
+          <p:cNvSpPr>
+            <a:spLocks noGrp="1"/>
+          </p:cNvSpPr>
+          <p:nvPr>
+            <p:ph sz="half" idx="1"/>
+          </p:nvPr>
+        </p:nvSpPr>
+        <p:spPr>
+          <a:xfrm>
+            <a:off x="1255398" y="1958969"/>
+            <a:ext cx="4982224" cy="2796423"/>
+          </a:xfrm>
+        </p:spPr>
+        <p:txBody>
+          <a:bodyPr/>
+          <a:lstStyle/>
+          <a:p>
+            <a:pPr marL="0" indent="0">
+              <a:buNone/>
+            </a:pPr>
+            <a:r>
+              <a:rPr lang="fr-FR" sz="2000" i="1" u="sng" dirty="0"/>
+              <a:t>Gestion des transactions bancaires en ligne</a:t>
+            </a:r>
+          </a:p>
+          <a:p>
+            <a:pPr marL="0" indent="0">
+              <a:buNone/>
+            </a:pPr>
+            <a:endParaRPr lang="fr-FR" sz="2000" dirty="0"/>
+          </a:p>
+          <a:p>
+            <a:r>
+              <a:rPr lang="fr-FR" sz="2000" i="1" dirty="0"/>
+              <a:t>Mise en place des APIs</a:t>
+            </a:r>
+          </a:p>
+          <a:p>
+            <a:pPr marL="0" indent="0">
+              <a:buNone/>
+            </a:pPr>
+            <a:r>
+              <a:rPr lang="fr-FR" sz="2000" i="1" dirty="0"/>
+              <a:t>	- STRIPE</a:t>
+            </a:r>
+          </a:p>
+          <a:p>
+            <a:endParaRPr lang="fr-FR" dirty="0"/>
+          </a:p>
+          <a:p>
+            <a:pPr marL="0" indent="0">
+              <a:buNone/>
+            </a:pPr>
+            <a:endParaRPr lang="fr-FR" dirty="0"/>
+          </a:p>
+          <a:p>
+            <a:pPr marL="0" indent="0">
+              <a:buNone/>
+            </a:pPr>
+            <a:endParaRPr lang="fr-FR" dirty="0"/>
+          </a:p>
+        </p:txBody>
+      </p:sp>
+      <p:pic>
+        <p:nvPicPr>
+          <p:cNvPr id="2" name="Image 1">
+            <a:extLst>
+              <a:ext uri="{FF2B5EF4-FFF2-40B4-BE49-F238E27FC236}">
+                <a16:creationId xmlns:a16="http://schemas.microsoft.com/office/drawing/2014/main" id="{F8C05210-7CAB-48E6-BFE7-ABDC350EB61C}"/>
+              </a:ext>
+            </a:extLst>
+          </p:cNvPr>
+          <p:cNvPicPr>
+            <a:picLocks noChangeAspect="1"/>
+          </p:cNvPicPr>
+          <p:nvPr/>
+        </p:nvPicPr>
+        <p:blipFill>
+          <a:blip r:embed="rId2"/>
+          <a:stretch>
+            <a:fillRect/>
+          </a:stretch>
+        </p:blipFill>
+        <p:spPr>
+          <a:xfrm>
+            <a:off x="7764223" y="693875"/>
+            <a:ext cx="3194738" cy="1690832"/>
+          </a:xfrm>
+          <a:prstGeom prst="rect">
+            <a:avLst/>
+          </a:prstGeom>
+          <a:ln>
+            <a:solidFill>
+              <a:schemeClr val="tx1"/>
+            </a:solidFill>
+          </a:ln>
+        </p:spPr>
+      </p:pic>
+      <p:pic>
+        <p:nvPicPr>
+          <p:cNvPr id="3" name="Image 2">
+            <a:extLst>
+              <a:ext uri="{FF2B5EF4-FFF2-40B4-BE49-F238E27FC236}">
+                <a16:creationId xmlns:a16="http://schemas.microsoft.com/office/drawing/2014/main" id="{B1AA2C8C-2FC3-4E45-8318-9D9133E8CB26}"/>
+              </a:ext>
+            </a:extLst>
+          </p:cNvPr>
+          <p:cNvPicPr>
+            <a:picLocks noChangeAspect="1"/>
+          </p:cNvPicPr>
+          <p:nvPr/>
+        </p:nvPicPr>
+        <p:blipFill>
+          <a:blip r:embed="rId3"/>
+          <a:stretch>
+            <a:fillRect/>
+          </a:stretch>
+        </p:blipFill>
+        <p:spPr>
+          <a:xfrm>
+            <a:off x="8241756" y="2583094"/>
+            <a:ext cx="2200724" cy="1291091"/>
+          </a:xfrm>
+          <a:prstGeom prst="rect">
+            <a:avLst/>
+          </a:prstGeom>
+          <a:ln>
+            <a:solidFill>
+              <a:schemeClr val="tx1"/>
+            </a:solidFill>
+          </a:ln>
+        </p:spPr>
+      </p:pic>
+      <p:pic>
+        <p:nvPicPr>
+          <p:cNvPr id="8" name="Image 7">
+            <a:extLst>
+              <a:ext uri="{FF2B5EF4-FFF2-40B4-BE49-F238E27FC236}">
+                <a16:creationId xmlns:a16="http://schemas.microsoft.com/office/drawing/2014/main" id="{BF3B79B0-DFFC-4A3E-A5A0-D547DD2612D4}"/>
+              </a:ext>
+            </a:extLst>
+          </p:cNvPr>
+          <p:cNvPicPr>
+            <a:picLocks noChangeAspect="1"/>
+          </p:cNvPicPr>
+          <p:nvPr/>
+        </p:nvPicPr>
+        <p:blipFill>
+          <a:blip r:embed="rId4"/>
+          <a:stretch>
+            <a:fillRect/>
+          </a:stretch>
+        </p:blipFill>
+        <p:spPr>
+          <a:xfrm>
+            <a:off x="9248990" y="5321601"/>
+            <a:ext cx="2764592" cy="1032750"/>
+          </a:xfrm>
+          <a:prstGeom prst="rect">
+            <a:avLst/>
+          </a:prstGeom>
+          <a:ln>
+            <a:solidFill>
+              <a:schemeClr val="tx1"/>
+            </a:solidFill>
+          </a:ln>
+        </p:spPr>
+      </p:pic>
+      <p:pic>
+        <p:nvPicPr>
+          <p:cNvPr id="9" name="Image 8">
+            <a:extLst>
+              <a:ext uri="{FF2B5EF4-FFF2-40B4-BE49-F238E27FC236}">
+                <a16:creationId xmlns:a16="http://schemas.microsoft.com/office/drawing/2014/main" id="{2E8E7409-D877-494B-B9EF-F3519768E173}"/>
+              </a:ext>
+            </a:extLst>
+          </p:cNvPr>
+          <p:cNvPicPr>
+            <a:picLocks noChangeAspect="1"/>
+          </p:cNvPicPr>
+          <p:nvPr/>
+        </p:nvPicPr>
+        <p:blipFill>
+          <a:blip r:embed="rId5"/>
+          <a:stretch>
+            <a:fillRect/>
+          </a:stretch>
+        </p:blipFill>
+        <p:spPr>
+          <a:xfrm>
+            <a:off x="6498378" y="5321601"/>
+            <a:ext cx="2516560" cy="1032750"/>
+          </a:xfrm>
+          <a:prstGeom prst="rect">
+            <a:avLst/>
+          </a:prstGeom>
+          <a:ln>
+            <a:solidFill>
+              <a:schemeClr val="tx1"/>
+            </a:solidFill>
+          </a:ln>
+        </p:spPr>
+      </p:pic>
+      <p:pic>
+        <p:nvPicPr>
+          <p:cNvPr id="10" name="Image 9" descr="Une image contenant dessin&#10;&#10;Description générée automatiquement">
+            <a:extLst>
+              <a:ext uri="{FF2B5EF4-FFF2-40B4-BE49-F238E27FC236}">
+                <a16:creationId xmlns:a16="http://schemas.microsoft.com/office/drawing/2014/main" id="{6D94A839-7A8E-47D0-8403-F113701E829D}"/>
+              </a:ext>
+            </a:extLst>
+          </p:cNvPr>
+          <p:cNvPicPr>
+            <a:picLocks noChangeAspect="1"/>
+          </p:cNvPicPr>
+          <p:nvPr/>
+        </p:nvPicPr>
+        <p:blipFill rotWithShape="1">
+          <a:blip r:embed="rId6"/>
+          <a:srcRect l="6322"/>
+          <a:stretch/>
+        </p:blipFill>
+        <p:spPr>
+          <a:xfrm>
+            <a:off x="6035683" y="437107"/>
+            <a:ext cx="462694" cy="462695"/>
+          </a:xfrm>
+          <a:prstGeom prst="rect">
+            <a:avLst/>
+          </a:prstGeom>
+          <a:ln>
+            <a:solidFill>
+              <a:schemeClr val="bg1"/>
+            </a:solidFill>
+          </a:ln>
+        </p:spPr>
+      </p:pic>
+      <p:pic>
+        <p:nvPicPr>
+          <p:cNvPr id="7" name="Image 6">
+            <a:extLst>
+              <a:ext uri="{FF2B5EF4-FFF2-40B4-BE49-F238E27FC236}">
+                <a16:creationId xmlns:a16="http://schemas.microsoft.com/office/drawing/2014/main" id="{0CF2FC04-62AA-4D5F-9E9E-D69F48CC317E}"/>
+              </a:ext>
+            </a:extLst>
+          </p:cNvPr>
+          <p:cNvPicPr>
+            <a:picLocks noChangeAspect="1"/>
+          </p:cNvPicPr>
+          <p:nvPr/>
+        </p:nvPicPr>
+        <p:blipFill>
+          <a:blip r:embed="rId7"/>
+          <a:stretch>
+            <a:fillRect/>
+          </a:stretch>
+        </p:blipFill>
+        <p:spPr>
+          <a:xfrm>
+            <a:off x="8858628" y="4072572"/>
+            <a:ext cx="1005927" cy="967824"/>
+          </a:xfrm>
+          <a:prstGeom prst="rect">
+            <a:avLst/>
+          </a:prstGeom>
+        </p:spPr>
+      </p:pic>
+      <p:pic>
+        <p:nvPicPr>
+          <p:cNvPr id="11" name="Image 10">
+            <a:extLst>
+              <a:ext uri="{FF2B5EF4-FFF2-40B4-BE49-F238E27FC236}">
+                <a16:creationId xmlns:a16="http://schemas.microsoft.com/office/drawing/2014/main" id="{572551F3-AF94-44CC-9CC7-33B0D830B8CE}"/>
+              </a:ext>
+            </a:extLst>
+          </p:cNvPr>
+          <p:cNvPicPr>
+            <a:picLocks noChangeAspect="1"/>
+          </p:cNvPicPr>
+          <p:nvPr/>
+        </p:nvPicPr>
+        <p:blipFill>
+          <a:blip r:embed="rId8"/>
+          <a:stretch>
+            <a:fillRect/>
+          </a:stretch>
+        </p:blipFill>
+        <p:spPr>
+          <a:xfrm>
+            <a:off x="1974464" y="4072572"/>
+            <a:ext cx="2238512" cy="2238512"/>
+          </a:xfrm>
+          <a:prstGeom prst="rect">
+            <a:avLst/>
+          </a:prstGeom>
+          <a:ln>
+            <a:solidFill>
+              <a:schemeClr val="tx1"/>
+            </a:solidFill>
+          </a:ln>
+        </p:spPr>
+      </p:pic>
+    </p:spTree>
+    <p:extLst>
+      <p:ext uri="{BB962C8B-B14F-4D97-AF65-F5344CB8AC3E}">
+        <p14:creationId xmlns:p14="http://schemas.microsoft.com/office/powerpoint/2010/main" val="1719596938"/>
+      </p:ext>
+    </p:extLst>
+  </p:cSld>
+  <p:clrMapOvr>
+    <a:masterClrMapping/>
+  </p:clrMapOvr>
+</p:sld>
+</file>
+
+<file path=ppt/slides/slide15.xml><?xml version="1.0" encoding="utf-8"?>
+<p:sld xmlns:a="http://schemas.openxmlformats.org/drawingml/2006/main" xmlns:r="http://schemas.openxmlformats.org/officeDocument/2006/relationships" xmlns:p="http://schemas.openxmlformats.org/presentationml/2006/main">
+  <p:cSld>
+    <p:spTree>
+      <p:nvGrpSpPr>
+        <p:cNvPr id="1" name=""/>
+        <p:cNvGrpSpPr/>
+        <p:nvPr/>
+      </p:nvGrpSpPr>
+      <p:grpSpPr>
+        <a:xfrm>
+          <a:off x="0" y="0"/>
+          <a:ext cx="0" cy="0"/>
+          <a:chOff x="0" y="0"/>
+          <a:chExt cx="0" cy="0"/>
+        </a:xfrm>
+      </p:grpSpPr>
+      <p:sp>
+        <p:nvSpPr>
+          <p:cNvPr id="5" name="Titre 1">
+            <a:extLst>
+              <a:ext uri="{FF2B5EF4-FFF2-40B4-BE49-F238E27FC236}">
+                <a16:creationId xmlns:a16="http://schemas.microsoft.com/office/drawing/2014/main" id="{BA30865C-3393-4E44-A14D-E3EB2B954861}"/>
+              </a:ext>
+            </a:extLst>
+          </p:cNvPr>
+          <p:cNvSpPr>
+            <a:spLocks noGrp="1"/>
+          </p:cNvSpPr>
+          <p:nvPr>
+            <p:ph type="title"/>
+          </p:nvPr>
+        </p:nvSpPr>
+        <p:spPr>
+          <a:xfrm>
+            <a:off x="129540" y="0"/>
+            <a:ext cx="8221980" cy="1325563"/>
+          </a:xfrm>
+        </p:spPr>
+        <p:txBody>
+          <a:bodyPr/>
+          <a:lstStyle/>
+          <a:p>
+            <a:r>
+              <a:rPr lang="fr-FR" dirty="0"/>
+              <a:t>Spécifications Techniques</a:t>
+            </a:r>
+          </a:p>
+        </p:txBody>
+      </p:sp>
+      <p:sp>
+        <p:nvSpPr>
+          <p:cNvPr id="6" name="ZoneTexte 5">
+            <a:extLst>
+              <a:ext uri="{FF2B5EF4-FFF2-40B4-BE49-F238E27FC236}">
+                <a16:creationId xmlns:a16="http://schemas.microsoft.com/office/drawing/2014/main" id="{DF02C497-D03A-4948-8530-B9053CAC30E7}"/>
+              </a:ext>
+            </a:extLst>
+          </p:cNvPr>
+          <p:cNvSpPr txBox="1"/>
+          <p:nvPr/>
+        </p:nvSpPr>
+        <p:spPr>
+          <a:xfrm>
+            <a:off x="83820" y="956231"/>
+            <a:ext cx="3009900" cy="369332"/>
+          </a:xfrm>
+          <a:prstGeom prst="rect">
+            <a:avLst/>
+          </a:prstGeom>
+          <a:noFill/>
+        </p:spPr>
+        <p:txBody>
+          <a:bodyPr wrap="square" rtlCol="0">
+            <a:spAutoFit/>
+          </a:bodyPr>
+          <a:lstStyle/>
+          <a:p>
+            <a:r>
+              <a:rPr lang="fr-FR" i="1" dirty="0"/>
+              <a:t>Déploiement</a:t>
+            </a:r>
+          </a:p>
+        </p:txBody>
+      </p:sp>
+      <p:sp>
+        <p:nvSpPr>
+          <p:cNvPr id="2" name="ZoneTexte 1">
+            <a:extLst>
+              <a:ext uri="{FF2B5EF4-FFF2-40B4-BE49-F238E27FC236}">
+                <a16:creationId xmlns:a16="http://schemas.microsoft.com/office/drawing/2014/main" id="{CA6CD6A8-0BEC-414A-9EDB-43C66AF6CD42}"/>
+              </a:ext>
+            </a:extLst>
+          </p:cNvPr>
+          <p:cNvSpPr txBox="1"/>
+          <p:nvPr/>
+        </p:nvSpPr>
+        <p:spPr>
+          <a:xfrm>
+            <a:off x="263951" y="1847655"/>
+            <a:ext cx="5514679" cy="4985980"/>
+          </a:xfrm>
+          <a:prstGeom prst="rect">
+            <a:avLst/>
+          </a:prstGeom>
+          <a:noFill/>
+        </p:spPr>
+        <p:txBody>
+          <a:bodyPr wrap="square" rtlCol="0">
+            <a:spAutoFit/>
+          </a:bodyPr>
+          <a:lstStyle/>
+          <a:p>
+            <a:r>
+              <a:rPr lang="fr-FR" sz="2000" i="1" u="sng" dirty="0"/>
+              <a:t>Méthode de déploiement</a:t>
+            </a:r>
+          </a:p>
+          <a:p>
+            <a:endParaRPr lang="fr-FR" sz="2000" i="1" u="sng" dirty="0"/>
+          </a:p>
+          <a:p>
+            <a:pPr marL="285750" indent="-285750">
+              <a:buFont typeface="Arial" panose="020B0604020202020204" pitchFamily="34" charset="0"/>
+              <a:buChar char="•"/>
+            </a:pPr>
+            <a:r>
+              <a:rPr lang="fr-FR" sz="2000" i="1" dirty="0"/>
+              <a:t>Hébergement mutualisé</a:t>
+            </a:r>
+          </a:p>
+          <a:p>
+            <a:pPr marL="285750" indent="-285750">
+              <a:buFont typeface="Arial" panose="020B0604020202020204" pitchFamily="34" charset="0"/>
+              <a:buChar char="•"/>
+            </a:pPr>
+            <a:endParaRPr lang="fr-FR" sz="2000" i="1" dirty="0"/>
+          </a:p>
+          <a:p>
+            <a:pPr marL="285750" indent="-285750">
+              <a:buFont typeface="Arial" panose="020B0604020202020204" pitchFamily="34" charset="0"/>
+              <a:buChar char="•"/>
+            </a:pPr>
+            <a:endParaRPr lang="fr-FR" sz="2000" i="1" dirty="0"/>
+          </a:p>
+          <a:p>
+            <a:pPr marL="285750" indent="-285750">
+              <a:buFont typeface="Arial" panose="020B0604020202020204" pitchFamily="34" charset="0"/>
+              <a:buChar char="•"/>
+            </a:pPr>
+            <a:r>
+              <a:rPr lang="fr-FR" sz="2000" i="1" dirty="0"/>
+              <a:t>Hébergement dédié</a:t>
+            </a:r>
+          </a:p>
+          <a:p>
+            <a:pPr marL="285750" indent="-285750">
+              <a:buFont typeface="Arial" panose="020B0604020202020204" pitchFamily="34" charset="0"/>
+              <a:buChar char="•"/>
+            </a:pPr>
+            <a:endParaRPr lang="fr-FR" sz="2000" i="1" dirty="0"/>
+          </a:p>
+          <a:p>
+            <a:pPr marL="285750" indent="-285750">
+              <a:buFont typeface="Arial" panose="020B0604020202020204" pitchFamily="34" charset="0"/>
+              <a:buChar char="•"/>
+            </a:pPr>
+            <a:endParaRPr lang="fr-FR" sz="2000" i="1" dirty="0"/>
+          </a:p>
+          <a:p>
+            <a:pPr marL="285750" indent="-285750">
+              <a:buFont typeface="Arial" panose="020B0604020202020204" pitchFamily="34" charset="0"/>
+              <a:buChar char="•"/>
+            </a:pPr>
+            <a:r>
+              <a:rPr lang="fr-FR" sz="2000" i="1" dirty="0"/>
+              <a:t>Hébergement VPS – Serveur virtuel privé</a:t>
+            </a:r>
+          </a:p>
+          <a:p>
+            <a:pPr marL="285750" indent="-285750">
+              <a:buFont typeface="Arial" panose="020B0604020202020204" pitchFamily="34" charset="0"/>
+              <a:buChar char="•"/>
+            </a:pPr>
+            <a:endParaRPr lang="fr-FR" sz="2000" i="1" dirty="0"/>
+          </a:p>
+          <a:p>
+            <a:pPr marL="285750" indent="-285750">
+              <a:buFont typeface="Arial" panose="020B0604020202020204" pitchFamily="34" charset="0"/>
+              <a:buChar char="•"/>
+            </a:pPr>
+            <a:endParaRPr lang="fr-FR" sz="2000" i="1" dirty="0"/>
+          </a:p>
+          <a:p>
+            <a:endParaRPr lang="fr-FR" sz="2000" i="1" dirty="0"/>
+          </a:p>
+          <a:p>
+            <a:pPr marL="285750" indent="-285750">
+              <a:buFont typeface="Arial" panose="020B0604020202020204" pitchFamily="34" charset="0"/>
+              <a:buChar char="•"/>
+            </a:pPr>
+            <a:endParaRPr lang="fr-FR" sz="2000" i="1" dirty="0"/>
+          </a:p>
+          <a:p>
+            <a:pPr marL="285750" indent="-285750">
+              <a:buFont typeface="Arial" panose="020B0604020202020204" pitchFamily="34" charset="0"/>
+              <a:buChar char="•"/>
+            </a:pPr>
+            <a:endParaRPr lang="fr-FR" sz="2000" i="1" dirty="0"/>
+          </a:p>
+          <a:p>
+            <a:endParaRPr lang="fr-FR" sz="2000" i="1" dirty="0"/>
+          </a:p>
+          <a:p>
+            <a:endParaRPr lang="fr-FR" dirty="0"/>
+          </a:p>
+        </p:txBody>
+      </p:sp>
+      <p:pic>
+        <p:nvPicPr>
+          <p:cNvPr id="12" name="Image 11">
+            <a:extLst>
+              <a:ext uri="{FF2B5EF4-FFF2-40B4-BE49-F238E27FC236}">
+                <a16:creationId xmlns:a16="http://schemas.microsoft.com/office/drawing/2014/main" id="{7C1C5638-9D21-48A9-B254-3F3A5D5DD93A}"/>
+              </a:ext>
+            </a:extLst>
+          </p:cNvPr>
+          <p:cNvPicPr>
+            <a:picLocks noChangeAspect="1"/>
+          </p:cNvPicPr>
+          <p:nvPr/>
+        </p:nvPicPr>
+        <p:blipFill>
+          <a:blip r:embed="rId2"/>
+          <a:stretch>
+            <a:fillRect/>
+          </a:stretch>
+        </p:blipFill>
+        <p:spPr>
+          <a:xfrm>
+            <a:off x="5778630" y="2018719"/>
+            <a:ext cx="3354185" cy="2810263"/>
+          </a:xfrm>
+          <a:prstGeom prst="rect">
+            <a:avLst/>
+          </a:prstGeom>
+          <a:ln>
+            <a:solidFill>
+              <a:schemeClr val="tx1"/>
+            </a:solidFill>
+          </a:ln>
+        </p:spPr>
+      </p:pic>
+      <p:pic>
+        <p:nvPicPr>
+          <p:cNvPr id="15" name="Image 14">
+            <a:extLst>
+              <a:ext uri="{FF2B5EF4-FFF2-40B4-BE49-F238E27FC236}">
+                <a16:creationId xmlns:a16="http://schemas.microsoft.com/office/drawing/2014/main" id="{1D7204C1-B695-4D66-BA1E-FB22FA12F278}"/>
+              </a:ext>
+            </a:extLst>
+          </p:cNvPr>
+          <p:cNvPicPr>
+            <a:picLocks noChangeAspect="1"/>
+          </p:cNvPicPr>
+          <p:nvPr/>
+        </p:nvPicPr>
+        <p:blipFill>
+          <a:blip r:embed="rId3"/>
+          <a:stretch>
+            <a:fillRect/>
+          </a:stretch>
+        </p:blipFill>
+        <p:spPr>
+          <a:xfrm>
+            <a:off x="9656976" y="4804678"/>
+            <a:ext cx="1932795" cy="664718"/>
+          </a:xfrm>
+          <a:prstGeom prst="rect">
+            <a:avLst/>
+          </a:prstGeom>
+          <a:ln>
+            <a:noFill/>
+          </a:ln>
+        </p:spPr>
+      </p:pic>
+      <p:pic>
+        <p:nvPicPr>
+          <p:cNvPr id="16" name="Image 15">
+            <a:extLst>
+              <a:ext uri="{FF2B5EF4-FFF2-40B4-BE49-F238E27FC236}">
+                <a16:creationId xmlns:a16="http://schemas.microsoft.com/office/drawing/2014/main" id="{0CEB5C8E-6FE8-4D83-BF61-940AEA34FDB1}"/>
+              </a:ext>
+            </a:extLst>
+          </p:cNvPr>
+          <p:cNvPicPr>
+            <a:picLocks noChangeAspect="1"/>
+          </p:cNvPicPr>
+          <p:nvPr/>
+        </p:nvPicPr>
+        <p:blipFill>
+          <a:blip r:embed="rId4"/>
+          <a:stretch>
+            <a:fillRect/>
+          </a:stretch>
+        </p:blipFill>
+        <p:spPr>
+          <a:xfrm>
+            <a:off x="9548893" y="2759133"/>
+            <a:ext cx="2376014" cy="664718"/>
+          </a:xfrm>
+          <a:prstGeom prst="rect">
+            <a:avLst/>
+          </a:prstGeom>
+          <a:ln>
+            <a:noFill/>
+          </a:ln>
+        </p:spPr>
+      </p:pic>
+      <p:pic>
+        <p:nvPicPr>
+          <p:cNvPr id="17" name="Image 16">
+            <a:extLst>
+              <a:ext uri="{FF2B5EF4-FFF2-40B4-BE49-F238E27FC236}">
+                <a16:creationId xmlns:a16="http://schemas.microsoft.com/office/drawing/2014/main" id="{B3FD4680-A8AF-43EC-90C0-5079A7426779}"/>
+              </a:ext>
+            </a:extLst>
+          </p:cNvPr>
+          <p:cNvPicPr>
+            <a:picLocks noChangeAspect="1"/>
+          </p:cNvPicPr>
+          <p:nvPr/>
+        </p:nvPicPr>
+        <p:blipFill>
+          <a:blip r:embed="rId5"/>
+          <a:stretch>
+            <a:fillRect/>
+          </a:stretch>
+        </p:blipFill>
+        <p:spPr>
+          <a:xfrm>
+            <a:off x="9416270" y="999110"/>
+            <a:ext cx="2414208" cy="1011357"/>
+          </a:xfrm>
+          <a:prstGeom prst="rect">
+            <a:avLst/>
+          </a:prstGeom>
+          <a:ln>
+            <a:noFill/>
+          </a:ln>
+        </p:spPr>
+      </p:pic>
+      <p:pic>
+        <p:nvPicPr>
+          <p:cNvPr id="9" name="Image 8" descr="Une image contenant dessin&#10;&#10;Description générée automatiquement">
+            <a:extLst>
+              <a:ext uri="{FF2B5EF4-FFF2-40B4-BE49-F238E27FC236}">
+                <a16:creationId xmlns:a16="http://schemas.microsoft.com/office/drawing/2014/main" id="{61DEA0D7-0599-4E2B-BB10-1668B1DA0445}"/>
+              </a:ext>
+            </a:extLst>
+          </p:cNvPr>
+          <p:cNvPicPr>
+            <a:picLocks noChangeAspect="1"/>
+          </p:cNvPicPr>
+          <p:nvPr/>
+        </p:nvPicPr>
+        <p:blipFill rotWithShape="1">
+          <a:blip r:embed="rId6"/>
+          <a:srcRect l="6322"/>
+          <a:stretch/>
+        </p:blipFill>
+        <p:spPr>
+          <a:xfrm>
+            <a:off x="6035683" y="437107"/>
+            <a:ext cx="462694" cy="462695"/>
+          </a:xfrm>
+          <a:prstGeom prst="rect">
+            <a:avLst/>
+          </a:prstGeom>
+          <a:ln>
+            <a:solidFill>
+              <a:schemeClr val="bg1"/>
+            </a:solidFill>
+          </a:ln>
+        </p:spPr>
+      </p:pic>
+    </p:spTree>
+    <p:extLst>
+      <p:ext uri="{BB962C8B-B14F-4D97-AF65-F5344CB8AC3E}">
+        <p14:creationId xmlns:p14="http://schemas.microsoft.com/office/powerpoint/2010/main" val="98154180"/>
+      </p:ext>
+    </p:extLst>
+  </p:cSld>
+  <p:clrMapOvr>
+    <a:masterClrMapping/>
+  </p:clrMapOvr>
+</p:sld>
+</file>
+
+<file path=ppt/slides/slide16.xml><?xml version="1.0" encoding="utf-8"?>
 <p:sld xmlns:a="http://schemas.openxmlformats.org/drawingml/2006/main" xmlns:r="http://schemas.openxmlformats.org/officeDocument/2006/relationships" xmlns:p="http://schemas.openxmlformats.org/presentationml/2006/main">
   <p:cSld>
     <p:bg>
@@ -4125,7 +5887,7 @@
           <p:cNvPr id="2" name="Titre 1">
             <a:extLst>
               <a:ext uri="{FF2B5EF4-FFF2-40B4-BE49-F238E27FC236}">
-                <a16:creationId xmlns:a16="http://schemas.microsoft.com/office/drawing/2014/main" id="{3D758C1C-AD7D-4A5F-A517-82C141E10E20}"/>
+                <a16:creationId xmlns:a16="http://schemas.microsoft.com/office/drawing/2014/main" id="{A5405446-F69A-43F5-9BFF-04EB805D95C2}"/>
               </a:ext>
             </a:extLst>
           </p:cNvPr>
@@ -4154,7 +5916,7 @@
                   <a:srgbClr val="1B1B1B"/>
                 </a:solidFill>
               </a:rPr>
-              <a:t>Spécifications Techniques</a:t>
+              <a:t>Conclusion</a:t>
             </a:r>
           </a:p>
         </p:txBody>
@@ -4292,10 +6054,10 @@
       </p:sp>
       <p:pic>
         <p:nvPicPr>
-          <p:cNvPr id="4" name="Image 3" descr="Une image contenant dessin&#10;&#10;Description générée automatiquement">
-            <a:extLst>
-              <a:ext uri="{FF2B5EF4-FFF2-40B4-BE49-F238E27FC236}">
-                <a16:creationId xmlns:a16="http://schemas.microsoft.com/office/drawing/2014/main" id="{8C8E35CB-83FA-4998-8414-044FDAED8389}"/>
+          <p:cNvPr id="4" name="Image 3" descr="Une image contenant dessin, signe, ordinateur&#10;&#10;Description générée automatiquement">
+            <a:extLst>
+              <a:ext uri="{FF2B5EF4-FFF2-40B4-BE49-F238E27FC236}">
+                <a16:creationId xmlns:a16="http://schemas.microsoft.com/office/drawing/2014/main" id="{72374090-C3FC-46B3-8FD1-6272768F6DE9}"/>
               </a:ext>
             </a:extLst>
           </p:cNvPr>
@@ -4308,12 +6070,12 @@
           <a:blip r:embed="rId2">
             <a:alphaModFix/>
           </a:blip>
-          <a:srcRect l="6322" r="3" b="3"/>
+          <a:srcRect l="9779" r="7776" b="6"/>
           <a:stretch/>
         </p:blipFill>
         <p:spPr>
           <a:xfrm>
-            <a:off x="5181600" y="1330490"/>
+            <a:off x="5181600" y="1268361"/>
             <a:ext cx="1828800" cy="1828800"/>
           </a:xfrm>
           <a:custGeom>
@@ -4494,7 +6256,7 @@
           </a:prstGeom>
           <a:ln w="28575">
             <a:solidFill>
-              <a:srgbClr val="404040"/>
+              <a:srgbClr val="1BB0EB"/>
             </a:solidFill>
           </a:ln>
         </p:spPr>
@@ -4516,733 +6278,7 @@
     </p:spTree>
     <p:extLst>
       <p:ext uri="{BB962C8B-B14F-4D97-AF65-F5344CB8AC3E}">
-        <p14:creationId xmlns:p14="http://schemas.microsoft.com/office/powerpoint/2010/main" val="3913071061"/>
-      </p:ext>
-    </p:extLst>
-  </p:cSld>
-  <p:clrMapOvr>
-    <a:masterClrMapping/>
-  </p:clrMapOvr>
-</p:sld>
-</file>
-
-<file path=ppt/slides/slide14.xml><?xml version="1.0" encoding="utf-8"?>
-<p:sld xmlns:a="http://schemas.openxmlformats.org/drawingml/2006/main" xmlns:r="http://schemas.openxmlformats.org/officeDocument/2006/relationships" xmlns:p="http://schemas.openxmlformats.org/presentationml/2006/main">
-  <p:cSld>
-    <p:spTree>
-      <p:nvGrpSpPr>
-        <p:cNvPr id="1" name=""/>
-        <p:cNvGrpSpPr/>
-        <p:nvPr/>
-      </p:nvGrpSpPr>
-      <p:grpSpPr>
-        <a:xfrm>
-          <a:off x="0" y="0"/>
-          <a:ext cx="0" cy="0"/>
-          <a:chOff x="0" y="0"/>
-          <a:chExt cx="0" cy="0"/>
-        </a:xfrm>
-      </p:grpSpPr>
-      <p:sp>
-        <p:nvSpPr>
-          <p:cNvPr id="5" name="Titre 1">
-            <a:extLst>
-              <a:ext uri="{FF2B5EF4-FFF2-40B4-BE49-F238E27FC236}">
-                <a16:creationId xmlns:a16="http://schemas.microsoft.com/office/drawing/2014/main" id="{BA30865C-3393-4E44-A14D-E3EB2B954861}"/>
-              </a:ext>
-            </a:extLst>
-          </p:cNvPr>
-          <p:cNvSpPr>
-            <a:spLocks noGrp="1"/>
-          </p:cNvSpPr>
-          <p:nvPr>
-            <p:ph type="title"/>
-          </p:nvPr>
-        </p:nvSpPr>
-        <p:spPr>
-          <a:xfrm>
-            <a:off x="129540" y="0"/>
-            <a:ext cx="8221980" cy="1325563"/>
-          </a:xfrm>
-        </p:spPr>
-        <p:txBody>
-          <a:bodyPr/>
-          <a:lstStyle/>
-          <a:p>
-            <a:r>
-              <a:rPr lang="fr-FR" dirty="0"/>
-              <a:t>Spécifications Techniques</a:t>
-            </a:r>
-          </a:p>
-        </p:txBody>
-      </p:sp>
-      <p:sp>
-        <p:nvSpPr>
-          <p:cNvPr id="6" name="ZoneTexte 5">
-            <a:extLst>
-              <a:ext uri="{FF2B5EF4-FFF2-40B4-BE49-F238E27FC236}">
-                <a16:creationId xmlns:a16="http://schemas.microsoft.com/office/drawing/2014/main" id="{DF02C497-D03A-4948-8530-B9053CAC30E7}"/>
-              </a:ext>
-            </a:extLst>
-          </p:cNvPr>
-          <p:cNvSpPr txBox="1"/>
-          <p:nvPr/>
-        </p:nvSpPr>
-        <p:spPr>
-          <a:xfrm>
-            <a:off x="83820" y="956231"/>
-            <a:ext cx="3009900" cy="369332"/>
-          </a:xfrm>
-          <a:prstGeom prst="rect">
-            <a:avLst/>
-          </a:prstGeom>
-          <a:noFill/>
-        </p:spPr>
-        <p:txBody>
-          <a:bodyPr wrap="square" rtlCol="0">
-            <a:spAutoFit/>
-          </a:bodyPr>
-          <a:lstStyle/>
-          <a:p>
-            <a:r>
-              <a:rPr lang="fr-FR" i="1" dirty="0"/>
-              <a:t>Choix technologiques internes</a:t>
-            </a:r>
-          </a:p>
-        </p:txBody>
-      </p:sp>
-      <p:sp>
-        <p:nvSpPr>
-          <p:cNvPr id="4" name="Espace réservé du contenu 2">
-            <a:extLst>
-              <a:ext uri="{FF2B5EF4-FFF2-40B4-BE49-F238E27FC236}">
-                <a16:creationId xmlns:a16="http://schemas.microsoft.com/office/drawing/2014/main" id="{97D0BA48-3C49-4D07-A973-1B24C7C3A5DD}"/>
-              </a:ext>
-            </a:extLst>
-          </p:cNvPr>
-          <p:cNvSpPr>
-            <a:spLocks noGrp="1"/>
-          </p:cNvSpPr>
-          <p:nvPr>
-            <p:ph sz="half" idx="1"/>
-          </p:nvPr>
-        </p:nvSpPr>
-        <p:spPr>
-          <a:xfrm>
-            <a:off x="259080" y="2007838"/>
-            <a:ext cx="4450080" cy="2796423"/>
-          </a:xfrm>
-        </p:spPr>
-        <p:txBody>
-          <a:bodyPr/>
-          <a:lstStyle/>
-          <a:p>
-            <a:pPr marL="0" indent="0">
-              <a:buNone/>
-            </a:pPr>
-            <a:endParaRPr lang="fr-FR" dirty="0"/>
-          </a:p>
-          <a:p>
-            <a:r>
-              <a:rPr lang="fr-FR" dirty="0"/>
-              <a:t>CMS</a:t>
-            </a:r>
-          </a:p>
-          <a:p>
-            <a:endParaRPr lang="fr-FR" dirty="0"/>
-          </a:p>
-          <a:p>
-            <a:pPr marL="0" indent="0">
-              <a:buNone/>
-            </a:pPr>
-            <a:endParaRPr lang="fr-FR" dirty="0"/>
-          </a:p>
-          <a:p>
-            <a:pPr marL="0" indent="0">
-              <a:buNone/>
-            </a:pPr>
-            <a:endParaRPr lang="fr-FR" dirty="0"/>
-          </a:p>
-        </p:txBody>
-      </p:sp>
-      <p:pic>
-        <p:nvPicPr>
-          <p:cNvPr id="2" name="Image 1">
-            <a:extLst>
-              <a:ext uri="{FF2B5EF4-FFF2-40B4-BE49-F238E27FC236}">
-                <a16:creationId xmlns:a16="http://schemas.microsoft.com/office/drawing/2014/main" id="{6A68E941-8FC1-4C66-82F6-F91650D5B4C2}"/>
-              </a:ext>
-            </a:extLst>
-          </p:cNvPr>
-          <p:cNvPicPr>
-            <a:picLocks noChangeAspect="1"/>
-          </p:cNvPicPr>
-          <p:nvPr/>
-        </p:nvPicPr>
-        <p:blipFill>
-          <a:blip r:embed="rId2"/>
-          <a:stretch>
-            <a:fillRect/>
-          </a:stretch>
-        </p:blipFill>
-        <p:spPr>
-          <a:xfrm>
-            <a:off x="7959003" y="1140897"/>
-            <a:ext cx="2004234" cy="2080440"/>
-          </a:xfrm>
-          <a:prstGeom prst="rect">
-            <a:avLst/>
-          </a:prstGeom>
-        </p:spPr>
-      </p:pic>
-      <p:pic>
-        <p:nvPicPr>
-          <p:cNvPr id="3" name="Image 2">
-            <a:extLst>
-              <a:ext uri="{FF2B5EF4-FFF2-40B4-BE49-F238E27FC236}">
-                <a16:creationId xmlns:a16="http://schemas.microsoft.com/office/drawing/2014/main" id="{ED58C331-BF8C-4940-AF9A-06B4AC4136F4}"/>
-              </a:ext>
-            </a:extLst>
-          </p:cNvPr>
-          <p:cNvPicPr>
-            <a:picLocks noChangeAspect="1"/>
-          </p:cNvPicPr>
-          <p:nvPr/>
-        </p:nvPicPr>
-        <p:blipFill>
-          <a:blip r:embed="rId3"/>
-          <a:stretch>
-            <a:fillRect/>
-          </a:stretch>
-        </p:blipFill>
-        <p:spPr>
-          <a:xfrm>
-            <a:off x="7959003" y="3636664"/>
-            <a:ext cx="2034716" cy="1676545"/>
-          </a:xfrm>
-          <a:prstGeom prst="rect">
-            <a:avLst/>
-          </a:prstGeom>
-        </p:spPr>
-      </p:pic>
-      <p:pic>
-        <p:nvPicPr>
-          <p:cNvPr id="7" name="Image 6">
-            <a:extLst>
-              <a:ext uri="{FF2B5EF4-FFF2-40B4-BE49-F238E27FC236}">
-                <a16:creationId xmlns:a16="http://schemas.microsoft.com/office/drawing/2014/main" id="{4966E0B2-023F-4056-BAB3-1355961AA8CD}"/>
-              </a:ext>
-            </a:extLst>
-          </p:cNvPr>
-          <p:cNvPicPr>
-            <a:picLocks noChangeAspect="1"/>
-          </p:cNvPicPr>
-          <p:nvPr/>
-        </p:nvPicPr>
-        <p:blipFill>
-          <a:blip r:embed="rId4"/>
-          <a:stretch>
-            <a:fillRect/>
-          </a:stretch>
-        </p:blipFill>
-        <p:spPr>
-          <a:xfrm>
-            <a:off x="5131986" y="2430693"/>
-            <a:ext cx="1928027" cy="1996613"/>
-          </a:xfrm>
-          <a:prstGeom prst="rect">
-            <a:avLst/>
-          </a:prstGeom>
-        </p:spPr>
-      </p:pic>
-    </p:spTree>
-    <p:extLst>
-      <p:ext uri="{BB962C8B-B14F-4D97-AF65-F5344CB8AC3E}">
-        <p14:creationId xmlns:p14="http://schemas.microsoft.com/office/powerpoint/2010/main" val="2262700931"/>
-      </p:ext>
-    </p:extLst>
-  </p:cSld>
-  <p:clrMapOvr>
-    <a:masterClrMapping/>
-  </p:clrMapOvr>
-</p:sld>
-</file>
-
-<file path=ppt/slides/slide15.xml><?xml version="1.0" encoding="utf-8"?>
-<p:sld xmlns:a="http://schemas.openxmlformats.org/drawingml/2006/main" xmlns:r="http://schemas.openxmlformats.org/officeDocument/2006/relationships" xmlns:p="http://schemas.openxmlformats.org/presentationml/2006/main">
-  <p:cSld>
-    <p:spTree>
-      <p:nvGrpSpPr>
-        <p:cNvPr id="1" name=""/>
-        <p:cNvGrpSpPr/>
-        <p:nvPr/>
-      </p:nvGrpSpPr>
-      <p:grpSpPr>
-        <a:xfrm>
-          <a:off x="0" y="0"/>
-          <a:ext cx="0" cy="0"/>
-          <a:chOff x="0" y="0"/>
-          <a:chExt cx="0" cy="0"/>
-        </a:xfrm>
-      </p:grpSpPr>
-      <p:sp>
-        <p:nvSpPr>
-          <p:cNvPr id="5" name="Titre 1">
-            <a:extLst>
-              <a:ext uri="{FF2B5EF4-FFF2-40B4-BE49-F238E27FC236}">
-                <a16:creationId xmlns:a16="http://schemas.microsoft.com/office/drawing/2014/main" id="{BA30865C-3393-4E44-A14D-E3EB2B954861}"/>
-              </a:ext>
-            </a:extLst>
-          </p:cNvPr>
-          <p:cNvSpPr>
-            <a:spLocks noGrp="1"/>
-          </p:cNvSpPr>
-          <p:nvPr>
-            <p:ph type="title"/>
-          </p:nvPr>
-        </p:nvSpPr>
-        <p:spPr>
-          <a:xfrm>
-            <a:off x="129540" y="0"/>
-            <a:ext cx="8221980" cy="1325563"/>
-          </a:xfrm>
-        </p:spPr>
-        <p:txBody>
-          <a:bodyPr/>
-          <a:lstStyle/>
-          <a:p>
-            <a:r>
-              <a:rPr lang="fr-FR" dirty="0"/>
-              <a:t>Spécifications Techniques</a:t>
-            </a:r>
-          </a:p>
-        </p:txBody>
-      </p:sp>
-      <p:sp>
-        <p:nvSpPr>
-          <p:cNvPr id="6" name="ZoneTexte 5">
-            <a:extLst>
-              <a:ext uri="{FF2B5EF4-FFF2-40B4-BE49-F238E27FC236}">
-                <a16:creationId xmlns:a16="http://schemas.microsoft.com/office/drawing/2014/main" id="{DF02C497-D03A-4948-8530-B9053CAC30E7}"/>
-              </a:ext>
-            </a:extLst>
-          </p:cNvPr>
-          <p:cNvSpPr txBox="1"/>
-          <p:nvPr/>
-        </p:nvSpPr>
-        <p:spPr>
-          <a:xfrm>
-            <a:off x="83820" y="956231"/>
-            <a:ext cx="3009900" cy="369332"/>
-          </a:xfrm>
-          <a:prstGeom prst="rect">
-            <a:avLst/>
-          </a:prstGeom>
-          <a:noFill/>
-        </p:spPr>
-        <p:txBody>
-          <a:bodyPr wrap="square" rtlCol="0">
-            <a:spAutoFit/>
-          </a:bodyPr>
-          <a:lstStyle/>
-          <a:p>
-            <a:r>
-              <a:rPr lang="fr-FR" i="1" dirty="0"/>
-              <a:t>Choix technologiques internes</a:t>
-            </a:r>
-          </a:p>
-        </p:txBody>
-      </p:sp>
-      <p:sp>
-        <p:nvSpPr>
-          <p:cNvPr id="4" name="Espace réservé du contenu 2">
-            <a:extLst>
-              <a:ext uri="{FF2B5EF4-FFF2-40B4-BE49-F238E27FC236}">
-                <a16:creationId xmlns:a16="http://schemas.microsoft.com/office/drawing/2014/main" id="{97D0BA48-3C49-4D07-A973-1B24C7C3A5DD}"/>
-              </a:ext>
-            </a:extLst>
-          </p:cNvPr>
-          <p:cNvSpPr>
-            <a:spLocks noGrp="1"/>
-          </p:cNvSpPr>
-          <p:nvPr>
-            <p:ph sz="half" idx="1"/>
-          </p:nvPr>
-        </p:nvSpPr>
-        <p:spPr>
-          <a:xfrm>
-            <a:off x="259080" y="2007838"/>
-            <a:ext cx="4450080" cy="2796423"/>
-          </a:xfrm>
-        </p:spPr>
-        <p:txBody>
-          <a:bodyPr/>
-          <a:lstStyle/>
-          <a:p>
-            <a:pPr marL="0" indent="0">
-              <a:buNone/>
-            </a:pPr>
-            <a:endParaRPr lang="fr-FR" dirty="0"/>
-          </a:p>
-          <a:p>
-            <a:r>
-              <a:rPr lang="fr-FR" dirty="0"/>
-              <a:t>BDD</a:t>
-            </a:r>
-          </a:p>
-          <a:p>
-            <a:endParaRPr lang="fr-FR" dirty="0"/>
-          </a:p>
-          <a:p>
-            <a:pPr marL="0" indent="0">
-              <a:buNone/>
-            </a:pPr>
-            <a:endParaRPr lang="fr-FR" dirty="0"/>
-          </a:p>
-          <a:p>
-            <a:pPr marL="0" indent="0">
-              <a:buNone/>
-            </a:pPr>
-            <a:endParaRPr lang="fr-FR" dirty="0"/>
-          </a:p>
-        </p:txBody>
-      </p:sp>
-      <p:pic>
-        <p:nvPicPr>
-          <p:cNvPr id="2" name="Image 1">
-            <a:extLst>
-              <a:ext uri="{FF2B5EF4-FFF2-40B4-BE49-F238E27FC236}">
-                <a16:creationId xmlns:a16="http://schemas.microsoft.com/office/drawing/2014/main" id="{5685C6E0-9CF0-4A82-B22B-FF281538D001}"/>
-              </a:ext>
-            </a:extLst>
-          </p:cNvPr>
-          <p:cNvPicPr>
-            <a:picLocks noChangeAspect="1"/>
-          </p:cNvPicPr>
-          <p:nvPr/>
-        </p:nvPicPr>
-        <p:blipFill>
-          <a:blip r:embed="rId2"/>
-          <a:stretch>
-            <a:fillRect/>
-          </a:stretch>
-        </p:blipFill>
-        <p:spPr>
-          <a:xfrm>
-            <a:off x="7128380" y="1843903"/>
-            <a:ext cx="2994920" cy="1585097"/>
-          </a:xfrm>
-          <a:prstGeom prst="rect">
-            <a:avLst/>
-          </a:prstGeom>
-        </p:spPr>
-      </p:pic>
-      <p:pic>
-        <p:nvPicPr>
-          <p:cNvPr id="3" name="Image 2">
-            <a:extLst>
-              <a:ext uri="{FF2B5EF4-FFF2-40B4-BE49-F238E27FC236}">
-                <a16:creationId xmlns:a16="http://schemas.microsoft.com/office/drawing/2014/main" id="{8A0CAA59-AFF9-4CB8-AFA6-575822FC4341}"/>
-              </a:ext>
-            </a:extLst>
-          </p:cNvPr>
-          <p:cNvPicPr>
-            <a:picLocks noChangeAspect="1"/>
-          </p:cNvPicPr>
-          <p:nvPr/>
-        </p:nvPicPr>
-        <p:blipFill>
-          <a:blip r:embed="rId3"/>
-          <a:stretch>
-            <a:fillRect/>
-          </a:stretch>
-        </p:blipFill>
-        <p:spPr>
-          <a:xfrm>
-            <a:off x="7821860" y="3908833"/>
-            <a:ext cx="1607959" cy="1790855"/>
-          </a:xfrm>
-          <a:prstGeom prst="rect">
-            <a:avLst/>
-          </a:prstGeom>
-        </p:spPr>
-      </p:pic>
-    </p:spTree>
-    <p:extLst>
-      <p:ext uri="{BB962C8B-B14F-4D97-AF65-F5344CB8AC3E}">
-        <p14:creationId xmlns:p14="http://schemas.microsoft.com/office/powerpoint/2010/main" val="25514128"/>
-      </p:ext>
-    </p:extLst>
-  </p:cSld>
-  <p:clrMapOvr>
-    <a:masterClrMapping/>
-  </p:clrMapOvr>
-</p:sld>
-</file>
-
-<file path=ppt/slides/slide16.xml><?xml version="1.0" encoding="utf-8"?>
-<p:sld xmlns:a="http://schemas.openxmlformats.org/drawingml/2006/main" xmlns:r="http://schemas.openxmlformats.org/officeDocument/2006/relationships" xmlns:p="http://schemas.openxmlformats.org/presentationml/2006/main">
-  <p:cSld>
-    <p:spTree>
-      <p:nvGrpSpPr>
-        <p:cNvPr id="1" name=""/>
-        <p:cNvGrpSpPr/>
-        <p:nvPr/>
-      </p:nvGrpSpPr>
-      <p:grpSpPr>
-        <a:xfrm>
-          <a:off x="0" y="0"/>
-          <a:ext cx="0" cy="0"/>
-          <a:chOff x="0" y="0"/>
-          <a:chExt cx="0" cy="0"/>
-        </a:xfrm>
-      </p:grpSpPr>
-      <p:sp>
-        <p:nvSpPr>
-          <p:cNvPr id="5" name="Titre 1">
-            <a:extLst>
-              <a:ext uri="{FF2B5EF4-FFF2-40B4-BE49-F238E27FC236}">
-                <a16:creationId xmlns:a16="http://schemas.microsoft.com/office/drawing/2014/main" id="{BA30865C-3393-4E44-A14D-E3EB2B954861}"/>
-              </a:ext>
-            </a:extLst>
-          </p:cNvPr>
-          <p:cNvSpPr>
-            <a:spLocks noGrp="1"/>
-          </p:cNvSpPr>
-          <p:nvPr>
-            <p:ph type="title"/>
-          </p:nvPr>
-        </p:nvSpPr>
-        <p:spPr>
-          <a:xfrm>
-            <a:off x="129540" y="0"/>
-            <a:ext cx="8221980" cy="1325563"/>
-          </a:xfrm>
-        </p:spPr>
-        <p:txBody>
-          <a:bodyPr/>
-          <a:lstStyle/>
-          <a:p>
-            <a:r>
-              <a:rPr lang="fr-FR" dirty="0"/>
-              <a:t>Spécifications Techniques</a:t>
-            </a:r>
-          </a:p>
-        </p:txBody>
-      </p:sp>
-      <p:sp>
-        <p:nvSpPr>
-          <p:cNvPr id="6" name="ZoneTexte 5">
-            <a:extLst>
-              <a:ext uri="{FF2B5EF4-FFF2-40B4-BE49-F238E27FC236}">
-                <a16:creationId xmlns:a16="http://schemas.microsoft.com/office/drawing/2014/main" id="{DF02C497-D03A-4948-8530-B9053CAC30E7}"/>
-              </a:ext>
-            </a:extLst>
-          </p:cNvPr>
-          <p:cNvSpPr txBox="1"/>
-          <p:nvPr/>
-        </p:nvSpPr>
-        <p:spPr>
-          <a:xfrm>
-            <a:off x="83820" y="956231"/>
-            <a:ext cx="3009900" cy="369332"/>
-          </a:xfrm>
-          <a:prstGeom prst="rect">
-            <a:avLst/>
-          </a:prstGeom>
-          <a:noFill/>
-        </p:spPr>
-        <p:txBody>
-          <a:bodyPr wrap="square" rtlCol="0">
-            <a:spAutoFit/>
-          </a:bodyPr>
-          <a:lstStyle/>
-          <a:p>
-            <a:r>
-              <a:rPr lang="fr-FR" i="1" dirty="0"/>
-              <a:t>Choix technologiques externes</a:t>
-            </a:r>
-          </a:p>
-        </p:txBody>
-      </p:sp>
-      <p:sp>
-        <p:nvSpPr>
-          <p:cNvPr id="4" name="Espace réservé du contenu 2">
-            <a:extLst>
-              <a:ext uri="{FF2B5EF4-FFF2-40B4-BE49-F238E27FC236}">
-                <a16:creationId xmlns:a16="http://schemas.microsoft.com/office/drawing/2014/main" id="{97D0BA48-3C49-4D07-A973-1B24C7C3A5DD}"/>
-              </a:ext>
-            </a:extLst>
-          </p:cNvPr>
-          <p:cNvSpPr>
-            <a:spLocks noGrp="1"/>
-          </p:cNvSpPr>
-          <p:nvPr>
-            <p:ph sz="half" idx="1"/>
-          </p:nvPr>
-        </p:nvSpPr>
-        <p:spPr>
-          <a:xfrm>
-            <a:off x="259080" y="2007838"/>
-            <a:ext cx="4450080" cy="2796423"/>
-          </a:xfrm>
-        </p:spPr>
-        <p:txBody>
-          <a:bodyPr/>
-          <a:lstStyle/>
-          <a:p>
-            <a:pPr marL="0" indent="0">
-              <a:buNone/>
-            </a:pPr>
-            <a:endParaRPr lang="fr-FR" dirty="0"/>
-          </a:p>
-          <a:p>
-            <a:r>
-              <a:rPr lang="fr-FR" dirty="0"/>
-              <a:t>Système bancaire</a:t>
-            </a:r>
-          </a:p>
-          <a:p>
-            <a:endParaRPr lang="fr-FR" dirty="0"/>
-          </a:p>
-          <a:p>
-            <a:pPr marL="0" indent="0">
-              <a:buNone/>
-            </a:pPr>
-            <a:endParaRPr lang="fr-FR" dirty="0"/>
-          </a:p>
-          <a:p>
-            <a:pPr marL="0" indent="0">
-              <a:buNone/>
-            </a:pPr>
-            <a:endParaRPr lang="fr-FR" dirty="0"/>
-          </a:p>
-        </p:txBody>
-      </p:sp>
-      <p:pic>
-        <p:nvPicPr>
-          <p:cNvPr id="2" name="Image 1">
-            <a:extLst>
-              <a:ext uri="{FF2B5EF4-FFF2-40B4-BE49-F238E27FC236}">
-                <a16:creationId xmlns:a16="http://schemas.microsoft.com/office/drawing/2014/main" id="{F8C05210-7CAB-48E6-BFE7-ABDC350EB61C}"/>
-              </a:ext>
-            </a:extLst>
-          </p:cNvPr>
-          <p:cNvPicPr>
-            <a:picLocks noChangeAspect="1"/>
-          </p:cNvPicPr>
-          <p:nvPr/>
-        </p:nvPicPr>
-        <p:blipFill>
-          <a:blip r:embed="rId2"/>
-          <a:stretch>
-            <a:fillRect/>
-          </a:stretch>
-        </p:blipFill>
-        <p:spPr>
-          <a:xfrm>
-            <a:off x="4240530" y="1336961"/>
-            <a:ext cx="2865368" cy="1516511"/>
-          </a:xfrm>
-          <a:prstGeom prst="rect">
-            <a:avLst/>
-          </a:prstGeom>
-        </p:spPr>
-      </p:pic>
-      <p:pic>
-        <p:nvPicPr>
-          <p:cNvPr id="3" name="Image 2">
-            <a:extLst>
-              <a:ext uri="{FF2B5EF4-FFF2-40B4-BE49-F238E27FC236}">
-                <a16:creationId xmlns:a16="http://schemas.microsoft.com/office/drawing/2014/main" id="{B1AA2C8C-2FC3-4E45-8318-9D9133E8CB26}"/>
-              </a:ext>
-            </a:extLst>
-          </p:cNvPr>
-          <p:cNvPicPr>
-            <a:picLocks noChangeAspect="1"/>
-          </p:cNvPicPr>
-          <p:nvPr/>
-        </p:nvPicPr>
-        <p:blipFill>
-          <a:blip r:embed="rId3"/>
-          <a:stretch>
-            <a:fillRect/>
-          </a:stretch>
-        </p:blipFill>
-        <p:spPr>
-          <a:xfrm>
-            <a:off x="4240530" y="4175687"/>
-            <a:ext cx="2857748" cy="1676545"/>
-          </a:xfrm>
-          <a:prstGeom prst="rect">
-            <a:avLst/>
-          </a:prstGeom>
-        </p:spPr>
-      </p:pic>
-      <p:pic>
-        <p:nvPicPr>
-          <p:cNvPr id="8" name="Image 7">
-            <a:extLst>
-              <a:ext uri="{FF2B5EF4-FFF2-40B4-BE49-F238E27FC236}">
-                <a16:creationId xmlns:a16="http://schemas.microsoft.com/office/drawing/2014/main" id="{BF3B79B0-DFFC-4A3E-A5A0-D547DD2612D4}"/>
-              </a:ext>
-            </a:extLst>
-          </p:cNvPr>
-          <p:cNvPicPr>
-            <a:picLocks noChangeAspect="1"/>
-          </p:cNvPicPr>
-          <p:nvPr/>
-        </p:nvPicPr>
-        <p:blipFill>
-          <a:blip r:embed="rId4"/>
-          <a:stretch>
-            <a:fillRect/>
-          </a:stretch>
-        </p:blipFill>
-        <p:spPr>
-          <a:xfrm>
-            <a:off x="8031365" y="4477010"/>
-            <a:ext cx="2651990" cy="990686"/>
-          </a:xfrm>
-          <a:prstGeom prst="rect">
-            <a:avLst/>
-          </a:prstGeom>
-        </p:spPr>
-      </p:pic>
-      <p:pic>
-        <p:nvPicPr>
-          <p:cNvPr id="9" name="Image 8">
-            <a:extLst>
-              <a:ext uri="{FF2B5EF4-FFF2-40B4-BE49-F238E27FC236}">
-                <a16:creationId xmlns:a16="http://schemas.microsoft.com/office/drawing/2014/main" id="{2E8E7409-D877-494B-B9EF-F3519768E173}"/>
-              </a:ext>
-            </a:extLst>
-          </p:cNvPr>
-          <p:cNvPicPr>
-            <a:picLocks noChangeAspect="1"/>
-          </p:cNvPicPr>
-          <p:nvPr/>
-        </p:nvPicPr>
-        <p:blipFill>
-          <a:blip r:embed="rId5"/>
-          <a:stretch>
-            <a:fillRect/>
-          </a:stretch>
-        </p:blipFill>
-        <p:spPr>
-          <a:xfrm>
-            <a:off x="8301898" y="2061087"/>
-            <a:ext cx="2110923" cy="922100"/>
-          </a:xfrm>
-          <a:prstGeom prst="rect">
-            <a:avLst/>
-          </a:prstGeom>
-        </p:spPr>
-      </p:pic>
-    </p:spTree>
-    <p:extLst>
-      <p:ext uri="{BB962C8B-B14F-4D97-AF65-F5344CB8AC3E}">
-        <p14:creationId xmlns:p14="http://schemas.microsoft.com/office/powerpoint/2010/main" val="1719596938"/>
+        <p14:creationId xmlns:p14="http://schemas.microsoft.com/office/powerpoint/2010/main" val="2873187597"/>
       </p:ext>
     </p:extLst>
   </p:cSld>
@@ -5297,7 +6333,7 @@
           <a:p>
             <a:r>
               <a:rPr lang="fr-FR" dirty="0"/>
-              <a:t>Spécifications Techniques</a:t>
+              <a:t>Conclusion</a:t>
             </a:r>
           </a:p>
         </p:txBody>
@@ -5316,8 +6352,8 @@
         </p:nvSpPr>
         <p:spPr>
           <a:xfrm>
-            <a:off x="83820" y="956231"/>
-            <a:ext cx="3009900" cy="369332"/>
+            <a:off x="138967" y="2860445"/>
+            <a:ext cx="3433792" cy="923330"/>
           </a:xfrm>
           <a:prstGeom prst="rect">
             <a:avLst/>
@@ -5330,73 +6366,35 @@
           </a:bodyPr>
           <a:lstStyle/>
           <a:p>
+            <a:pPr marL="285750" indent="-285750">
+              <a:buFont typeface="Arial" panose="020B0604020202020204" pitchFamily="34" charset="0"/>
+              <a:buChar char="•"/>
+            </a:pPr>
             <a:r>
               <a:rPr lang="fr-FR" i="1" dirty="0"/>
-              <a:t>Choix technologiques externes</a:t>
-            </a:r>
-          </a:p>
-        </p:txBody>
-      </p:sp>
-      <p:sp>
-        <p:nvSpPr>
-          <p:cNvPr id="4" name="Espace réservé du contenu 2">
-            <a:extLst>
-              <a:ext uri="{FF2B5EF4-FFF2-40B4-BE49-F238E27FC236}">
-                <a16:creationId xmlns:a16="http://schemas.microsoft.com/office/drawing/2014/main" id="{97D0BA48-3C49-4D07-A973-1B24C7C3A5DD}"/>
-              </a:ext>
-            </a:extLst>
-          </p:cNvPr>
-          <p:cNvSpPr>
-            <a:spLocks noGrp="1"/>
-          </p:cNvSpPr>
-          <p:nvPr>
-            <p:ph sz="half" idx="1"/>
-          </p:nvPr>
-        </p:nvSpPr>
-        <p:spPr>
-          <a:xfrm>
-            <a:off x="259080" y="2007838"/>
-            <a:ext cx="4450080" cy="2796423"/>
-          </a:xfrm>
-        </p:spPr>
-        <p:txBody>
-          <a:bodyPr/>
-          <a:lstStyle/>
-          <a:p>
-            <a:pPr marL="0" indent="0">
-              <a:buNone/>
-            </a:pPr>
-            <a:endParaRPr lang="fr-FR" dirty="0"/>
-          </a:p>
-          <a:p>
-            <a:r>
-              <a:rPr lang="fr-FR" dirty="0"/>
-              <a:t>Système d’authentification</a:t>
-            </a:r>
-          </a:p>
-          <a:p>
-            <a:endParaRPr lang="fr-FR" dirty="0"/>
-          </a:p>
-          <a:p>
-            <a:pPr marL="0" indent="0">
-              <a:buNone/>
-            </a:pPr>
-            <a:endParaRPr lang="fr-FR" dirty="0"/>
-          </a:p>
-          <a:p>
-            <a:pPr marL="0" indent="0">
-              <a:buNone/>
-            </a:pPr>
-            <a:endParaRPr lang="fr-FR" dirty="0"/>
+              <a:t>Choix technologiques</a:t>
+            </a:r>
+          </a:p>
+          <a:p>
+            <a:r>
+              <a:rPr lang="fr-FR" i="1" dirty="0"/>
+              <a:t>	- « FROM SCRATCH »</a:t>
+            </a:r>
+          </a:p>
+          <a:p>
+            <a:r>
+              <a:rPr lang="fr-FR" i="1" dirty="0"/>
+              <a:t>	- Module APIs</a:t>
+            </a:r>
           </a:p>
         </p:txBody>
       </p:sp>
       <p:pic>
         <p:nvPicPr>
-          <p:cNvPr id="7" name="Image 6">
-            <a:extLst>
-              <a:ext uri="{FF2B5EF4-FFF2-40B4-BE49-F238E27FC236}">
-                <a16:creationId xmlns:a16="http://schemas.microsoft.com/office/drawing/2014/main" id="{8AF37B22-6286-46B0-A75B-2F78D21F9053}"/>
+          <p:cNvPr id="8" name="Image 7">
+            <a:extLst>
+              <a:ext uri="{FF2B5EF4-FFF2-40B4-BE49-F238E27FC236}">
+                <a16:creationId xmlns:a16="http://schemas.microsoft.com/office/drawing/2014/main" id="{9A7AED4C-E79C-4A50-B829-DACC749613AE}"/>
               </a:ext>
             </a:extLst>
           </p:cNvPr>
@@ -5413,20 +6411,76 @@
         </p:blipFill>
         <p:spPr>
           <a:xfrm>
-            <a:off x="5162441" y="3006053"/>
-            <a:ext cx="2507197" cy="845893"/>
+            <a:off x="7016193" y="4153759"/>
+            <a:ext cx="2468173" cy="2067929"/>
           </a:xfrm>
           <a:prstGeom prst="rect">
             <a:avLst/>
           </a:prstGeom>
+          <a:ln>
+            <a:solidFill>
+              <a:schemeClr val="tx1"/>
+            </a:solidFill>
+          </a:ln>
         </p:spPr>
       </p:pic>
+      <p:sp>
+        <p:nvSpPr>
+          <p:cNvPr id="2" name="Rectangle 1">
+            <a:extLst>
+              <a:ext uri="{FF2B5EF4-FFF2-40B4-BE49-F238E27FC236}">
+                <a16:creationId xmlns:a16="http://schemas.microsoft.com/office/drawing/2014/main" id="{83EC6EE5-9FEF-4C3B-A06A-486A83A501DF}"/>
+              </a:ext>
+            </a:extLst>
+          </p:cNvPr>
+          <p:cNvSpPr/>
+          <p:nvPr/>
+        </p:nvSpPr>
+        <p:spPr>
+          <a:xfrm>
+            <a:off x="246265" y="4970524"/>
+            <a:ext cx="2917145" cy="923330"/>
+          </a:xfrm>
+          <a:prstGeom prst="rect">
+            <a:avLst/>
+          </a:prstGeom>
+        </p:spPr>
+        <p:txBody>
+          <a:bodyPr wrap="none">
+            <a:spAutoFit/>
+          </a:bodyPr>
+          <a:lstStyle/>
+          <a:p>
+            <a:pPr marL="285750" indent="-285750">
+              <a:buFont typeface="Arial" panose="020B0604020202020204" pitchFamily="34" charset="0"/>
+              <a:buChar char="•"/>
+            </a:pPr>
+            <a:r>
+              <a:rPr lang="fr-FR" i="1" dirty="0"/>
+              <a:t>Méthode de déploiement</a:t>
+            </a:r>
+          </a:p>
+          <a:p>
+            <a:r>
+              <a:rPr lang="fr-FR" i="1" dirty="0"/>
+              <a:t>	- Hébergement VPS</a:t>
+            </a:r>
+          </a:p>
+          <a:p>
+            <a:pPr marL="285750" indent="-285750">
+              <a:buFont typeface="Arial" panose="020B0604020202020204" pitchFamily="34" charset="0"/>
+              <a:buChar char="•"/>
+            </a:pPr>
+            <a:endParaRPr lang="fr-FR" i="1" dirty="0"/>
+          </a:p>
+        </p:txBody>
+      </p:sp>
       <p:pic>
         <p:nvPicPr>
-          <p:cNvPr id="8" name="Image 7">
-            <a:extLst>
-              <a:ext uri="{FF2B5EF4-FFF2-40B4-BE49-F238E27FC236}">
-                <a16:creationId xmlns:a16="http://schemas.microsoft.com/office/drawing/2014/main" id="{B63984B4-803B-4868-BBD9-B42B07419EDE}"/>
+          <p:cNvPr id="10" name="Image 9" descr="Une image contenant dessin, signe, ordinateur&#10;&#10;Description générée automatiquement">
+            <a:extLst>
+              <a:ext uri="{FF2B5EF4-FFF2-40B4-BE49-F238E27FC236}">
+                <a16:creationId xmlns:a16="http://schemas.microsoft.com/office/drawing/2014/main" id="{BB1B0729-BB65-4590-8A1F-41138EAD1B79}"/>
               </a:ext>
             </a:extLst>
           </p:cNvPr>
@@ -5435,28 +6489,32 @@
           </p:cNvPicPr>
           <p:nvPr/>
         </p:nvPicPr>
-        <p:blipFill>
+        <p:blipFill rotWithShape="1">
           <a:blip r:embed="rId3"/>
-          <a:stretch>
-            <a:fillRect/>
-          </a:stretch>
+          <a:srcRect l="3301" r="1294" b="1"/>
+          <a:stretch/>
         </p:blipFill>
         <p:spPr>
           <a:xfrm>
-            <a:off x="5479213" y="4640915"/>
-            <a:ext cx="5762236" cy="989832"/>
+            <a:off x="2751929" y="535631"/>
+            <a:ext cx="387511" cy="334889"/>
           </a:xfrm>
           <a:prstGeom prst="rect">
             <a:avLst/>
           </a:prstGeom>
+          <a:ln>
+            <a:solidFill>
+              <a:schemeClr val="bg1"/>
+            </a:solidFill>
+          </a:ln>
         </p:spPr>
       </p:pic>
       <p:pic>
         <p:nvPicPr>
-          <p:cNvPr id="9" name="Image 8">
-            <a:extLst>
-              <a:ext uri="{FF2B5EF4-FFF2-40B4-BE49-F238E27FC236}">
-                <a16:creationId xmlns:a16="http://schemas.microsoft.com/office/drawing/2014/main" id="{668B41E9-D587-4231-867E-A723FDFA7F07}"/>
+          <p:cNvPr id="4" name="Image 3">
+            <a:extLst>
+              <a:ext uri="{FF2B5EF4-FFF2-40B4-BE49-F238E27FC236}">
+                <a16:creationId xmlns:a16="http://schemas.microsoft.com/office/drawing/2014/main" id="{DCFB15BD-6B7A-410D-AB26-1672C632CEDE}"/>
               </a:ext>
             </a:extLst>
           </p:cNvPr>
@@ -5473,18 +6531,23 @@
         </p:blipFill>
         <p:spPr>
           <a:xfrm>
-            <a:off x="5618456" y="1584891"/>
-            <a:ext cx="5762236" cy="986805"/>
+            <a:off x="5169894" y="2258413"/>
+            <a:ext cx="6363251" cy="1204064"/>
           </a:xfrm>
           <a:prstGeom prst="rect">
             <a:avLst/>
           </a:prstGeom>
+          <a:ln>
+            <a:solidFill>
+              <a:schemeClr val="tx1"/>
+            </a:solidFill>
+          </a:ln>
         </p:spPr>
       </p:pic>
     </p:spTree>
     <p:extLst>
       <p:ext uri="{BB962C8B-B14F-4D97-AF65-F5344CB8AC3E}">
-        <p14:creationId xmlns:p14="http://schemas.microsoft.com/office/powerpoint/2010/main" val="2082382380"/>
+        <p14:creationId xmlns:p14="http://schemas.microsoft.com/office/powerpoint/2010/main" val="3249787764"/>
       </p:ext>
     </p:extLst>
   </p:cSld>
@@ -5513,116 +6576,10 @@
       </p:grpSpPr>
       <p:sp>
         <p:nvSpPr>
-          <p:cNvPr id="3" name="Espace réservé du texte 2">
-            <a:extLst>
-              <a:ext uri="{FF2B5EF4-FFF2-40B4-BE49-F238E27FC236}">
-                <a16:creationId xmlns:a16="http://schemas.microsoft.com/office/drawing/2014/main" id="{3137C31F-54CF-48EF-AC4C-6412CBE3D334}"/>
-              </a:ext>
-            </a:extLst>
-          </p:cNvPr>
-          <p:cNvSpPr>
-            <a:spLocks noGrp="1"/>
-          </p:cNvSpPr>
-          <p:nvPr>
-            <p:ph type="body" idx="1"/>
-          </p:nvPr>
-        </p:nvSpPr>
-        <p:spPr/>
-        <p:txBody>
-          <a:bodyPr/>
-          <a:lstStyle/>
-          <a:p>
-            <a:r>
-              <a:rPr lang="fr-FR" dirty="0"/>
-              <a:t>Type de modèle 1</a:t>
-            </a:r>
-          </a:p>
-        </p:txBody>
-      </p:sp>
-      <p:sp>
-        <p:nvSpPr>
-          <p:cNvPr id="4" name="Espace réservé du contenu 3">
-            <a:extLst>
-              <a:ext uri="{FF2B5EF4-FFF2-40B4-BE49-F238E27FC236}">
-                <a16:creationId xmlns:a16="http://schemas.microsoft.com/office/drawing/2014/main" id="{4ED32485-6A35-463F-AB9B-C32DF79BB46D}"/>
-              </a:ext>
-            </a:extLst>
-          </p:cNvPr>
-          <p:cNvSpPr>
-            <a:spLocks noGrp="1"/>
-          </p:cNvSpPr>
-          <p:nvPr>
-            <p:ph sz="half" idx="2"/>
-          </p:nvPr>
-        </p:nvSpPr>
-        <p:spPr/>
-        <p:txBody>
-          <a:bodyPr/>
-          <a:lstStyle/>
-          <a:p>
-            <a:endParaRPr lang="fr-FR"/>
-          </a:p>
-        </p:txBody>
-      </p:sp>
-      <p:sp>
-        <p:nvSpPr>
-          <p:cNvPr id="5" name="Espace réservé du texte 4">
-            <a:extLst>
-              <a:ext uri="{FF2B5EF4-FFF2-40B4-BE49-F238E27FC236}">
-                <a16:creationId xmlns:a16="http://schemas.microsoft.com/office/drawing/2014/main" id="{C9F90798-9DFE-425A-AC37-AFF3E3A8DDB2}"/>
-              </a:ext>
-            </a:extLst>
-          </p:cNvPr>
-          <p:cNvSpPr>
-            <a:spLocks noGrp="1"/>
-          </p:cNvSpPr>
-          <p:nvPr>
-            <p:ph type="body" sz="quarter" idx="3"/>
-          </p:nvPr>
-        </p:nvSpPr>
-        <p:spPr/>
-        <p:txBody>
-          <a:bodyPr/>
-          <a:lstStyle/>
-          <a:p>
-            <a:r>
-              <a:rPr lang="fr-FR" dirty="0"/>
-              <a:t>Type de modèle 2</a:t>
-            </a:r>
-          </a:p>
-        </p:txBody>
-      </p:sp>
-      <p:sp>
-        <p:nvSpPr>
-          <p:cNvPr id="6" name="Espace réservé du contenu 5">
-            <a:extLst>
-              <a:ext uri="{FF2B5EF4-FFF2-40B4-BE49-F238E27FC236}">
-                <a16:creationId xmlns:a16="http://schemas.microsoft.com/office/drawing/2014/main" id="{AE71CBAD-8F6B-4261-A776-D55C2B7972CB}"/>
-              </a:ext>
-            </a:extLst>
-          </p:cNvPr>
-          <p:cNvSpPr>
-            <a:spLocks noGrp="1"/>
-          </p:cNvSpPr>
-          <p:nvPr>
-            <p:ph sz="quarter" idx="4"/>
-          </p:nvPr>
-        </p:nvSpPr>
-        <p:spPr/>
-        <p:txBody>
-          <a:bodyPr/>
-          <a:lstStyle/>
-          <a:p>
-            <a:endParaRPr lang="fr-FR"/>
-          </a:p>
-        </p:txBody>
-      </p:sp>
-      <p:sp>
-        <p:nvSpPr>
-          <p:cNvPr id="7" name="Titre 1">
-            <a:extLst>
-              <a:ext uri="{FF2B5EF4-FFF2-40B4-BE49-F238E27FC236}">
-                <a16:creationId xmlns:a16="http://schemas.microsoft.com/office/drawing/2014/main" id="{196A154E-0831-4E4B-BEDF-81ACB0491737}"/>
+          <p:cNvPr id="5" name="Titre 1">
+            <a:extLst>
+              <a:ext uri="{FF2B5EF4-FFF2-40B4-BE49-F238E27FC236}">
+                <a16:creationId xmlns:a16="http://schemas.microsoft.com/office/drawing/2014/main" id="{BA30865C-3393-4E44-A14D-E3EB2B954861}"/>
               </a:ext>
             </a:extLst>
           </p:cNvPr>
@@ -5645,326 +6602,52 @@
           <a:p>
             <a:r>
               <a:rPr lang="fr-FR" dirty="0"/>
-              <a:t>Conception Graphique</a:t>
-            </a:r>
-          </a:p>
-        </p:txBody>
-      </p:sp>
-      <p:sp>
-        <p:nvSpPr>
-          <p:cNvPr id="8" name="ZoneTexte 7">
-            <a:extLst>
-              <a:ext uri="{FF2B5EF4-FFF2-40B4-BE49-F238E27FC236}">
-                <a16:creationId xmlns:a16="http://schemas.microsoft.com/office/drawing/2014/main" id="{E2D09582-9B89-4665-A1E7-2A76DC054BE5}"/>
-              </a:ext>
-            </a:extLst>
-          </p:cNvPr>
-          <p:cNvSpPr txBox="1"/>
+              <a:t>Conclusion</a:t>
+            </a:r>
+          </a:p>
+        </p:txBody>
+      </p:sp>
+      <p:pic>
+        <p:nvPicPr>
+          <p:cNvPr id="8" name="Image 7">
+            <a:extLst>
+              <a:ext uri="{FF2B5EF4-FFF2-40B4-BE49-F238E27FC236}">
+                <a16:creationId xmlns:a16="http://schemas.microsoft.com/office/drawing/2014/main" id="{9A7AED4C-E79C-4A50-B829-DACC749613AE}"/>
+              </a:ext>
+            </a:extLst>
+          </p:cNvPr>
+          <p:cNvPicPr>
+            <a:picLocks noChangeAspect="1"/>
+          </p:cNvPicPr>
           <p:nvPr/>
-        </p:nvSpPr>
-        <p:spPr>
-          <a:xfrm>
-            <a:off x="83820" y="956231"/>
-            <a:ext cx="3009900" cy="369332"/>
+        </p:nvPicPr>
+        <p:blipFill>
+          <a:blip r:embed="rId2"/>
+          <a:stretch>
+            <a:fillRect/>
+          </a:stretch>
+        </p:blipFill>
+        <p:spPr>
+          <a:xfrm>
+            <a:off x="6634809" y="2275449"/>
+            <a:ext cx="2393829" cy="2005640"/>
           </a:xfrm>
           <a:prstGeom prst="rect">
             <a:avLst/>
           </a:prstGeom>
-          <a:noFill/>
-        </p:spPr>
-        <p:txBody>
-          <a:bodyPr wrap="square" rtlCol="0">
-            <a:spAutoFit/>
-          </a:bodyPr>
-          <a:lstStyle/>
-          <a:p>
-            <a:r>
-              <a:rPr lang="fr-FR" i="1" dirty="0"/>
-              <a:t>Modèles</a:t>
-            </a:r>
-          </a:p>
-        </p:txBody>
-      </p:sp>
-    </p:spTree>
-    <p:extLst>
-      <p:ext uri="{BB962C8B-B14F-4D97-AF65-F5344CB8AC3E}">
-        <p14:creationId xmlns:p14="http://schemas.microsoft.com/office/powerpoint/2010/main" val="3108277908"/>
-      </p:ext>
-    </p:extLst>
-  </p:cSld>
-  <p:clrMapOvr>
-    <a:masterClrMapping/>
-  </p:clrMapOvr>
-</p:sld>
-</file>
-
-<file path=ppt/slides/slide19.xml><?xml version="1.0" encoding="utf-8"?>
-<p:sld xmlns:a="http://schemas.openxmlformats.org/drawingml/2006/main" xmlns:r="http://schemas.openxmlformats.org/officeDocument/2006/relationships" xmlns:p="http://schemas.openxmlformats.org/presentationml/2006/main">
-  <p:cSld>
-    <p:bg>
-      <p:bgPr>
-        <a:solidFill>
-          <a:schemeClr val="bg1"/>
-        </a:solidFill>
-        <a:effectLst/>
-      </p:bgPr>
-    </p:bg>
-    <p:spTree>
-      <p:nvGrpSpPr>
-        <p:cNvPr id="1" name=""/>
-        <p:cNvGrpSpPr/>
-        <p:nvPr/>
-      </p:nvGrpSpPr>
-      <p:grpSpPr>
-        <a:xfrm>
-          <a:off x="0" y="0"/>
-          <a:ext cx="0" cy="0"/>
-          <a:chOff x="0" y="0"/>
-          <a:chExt cx="0" cy="0"/>
-        </a:xfrm>
-      </p:grpSpPr>
-      <p:sp>
-        <p:nvSpPr>
-          <p:cNvPr id="9" name="Rectangle 8">
-            <a:extLst>
-              <a:ext uri="{FF2B5EF4-FFF2-40B4-BE49-F238E27FC236}">
-                <a16:creationId xmlns:a16="http://schemas.microsoft.com/office/drawing/2014/main" id="{936CFC0A-8C37-453C-9488-1B30FBC3B3B0}"/>
-              </a:ext>
-              <a:ext uri="{C183D7F6-B498-43B3-948B-1728B52AA6E4}">
-                <adec:decorative xmlns:adec="http://schemas.microsoft.com/office/drawing/2017/decorative" val="1"/>
-              </a:ext>
-            </a:extLst>
-          </p:cNvPr>
-          <p:cNvSpPr>
-            <a:spLocks noGrp="1" noRot="1" noChangeAspect="1" noMove="1" noResize="1" noEditPoints="1" noAdjustHandles="1" noChangeArrowheads="1" noChangeShapeType="1" noTextEdit="1"/>
-          </p:cNvSpPr>
-          <p:nvPr>
-            <p:extLst>
-              <p:ext uri="{386F3935-93C4-4BCD-93E2-E3B085C9AB24}">
-                <p16:designElem xmlns:p16="http://schemas.microsoft.com/office/powerpoint/2015/main" val="1"/>
-              </p:ext>
-            </p:extLst>
-          </p:nvPr>
-        </p:nvSpPr>
-        <p:spPr>
-          <a:xfrm>
-            <a:off x="0" y="0"/>
-            <a:ext cx="12192000" cy="6858000"/>
-          </a:xfrm>
-          <a:prstGeom prst="rect">
-            <a:avLst/>
-          </a:prstGeom>
-          <a:solidFill>
-            <a:srgbClr val="FFFFFF"/>
-          </a:solidFill>
-          <a:ln w="12700" cap="flat" cmpd="sng" algn="ctr">
-            <a:noFill/>
-            <a:prstDash val="solid"/>
-            <a:miter lim="800000"/>
-          </a:ln>
-          <a:effectLst/>
-        </p:spPr>
-        <p:style>
-          <a:lnRef idx="2">
-            <a:schemeClr val="accent1">
-              <a:shade val="50000"/>
-            </a:schemeClr>
-          </a:lnRef>
-          <a:fillRef idx="1">
-            <a:schemeClr val="accent1"/>
-          </a:fillRef>
-          <a:effectRef idx="0">
-            <a:schemeClr val="accent1"/>
-          </a:effectRef>
-          <a:fontRef idx="minor">
-            <a:schemeClr val="lt1"/>
-          </a:fontRef>
-        </p:style>
-        <p:txBody>
-          <a:bodyPr rtlCol="0" anchor="ctr"/>
-          <a:lstStyle/>
-          <a:p>
-            <a:pPr algn="ctr"/>
-            <a:endParaRPr lang="en-US"/>
-          </a:p>
-        </p:txBody>
-      </p:sp>
-      <p:sp>
-        <p:nvSpPr>
-          <p:cNvPr id="2" name="Titre 1">
-            <a:extLst>
-              <a:ext uri="{FF2B5EF4-FFF2-40B4-BE49-F238E27FC236}">
-                <a16:creationId xmlns:a16="http://schemas.microsoft.com/office/drawing/2014/main" id="{A5405446-F69A-43F5-9BFF-04EB805D95C2}"/>
-              </a:ext>
-            </a:extLst>
-          </p:cNvPr>
-          <p:cNvSpPr>
-            <a:spLocks noGrp="1"/>
-          </p:cNvSpPr>
-          <p:nvPr>
-            <p:ph type="ctrTitle"/>
-          </p:nvPr>
-        </p:nvSpPr>
-        <p:spPr>
-          <a:xfrm>
-            <a:off x="1382597" y="3424348"/>
-            <a:ext cx="9426806" cy="1424410"/>
-          </a:xfrm>
-        </p:spPr>
-        <p:txBody>
-          <a:bodyPr anchor="b">
-            <a:normAutofit/>
-          </a:bodyPr>
-          <a:lstStyle/>
-          <a:p>
-            <a:r>
-              <a:rPr lang="fr-FR" sz="5400">
-                <a:solidFill>
-                  <a:srgbClr val="1B1B1B"/>
-                </a:solidFill>
-              </a:rPr>
-              <a:t>Conclusion</a:t>
-            </a:r>
-          </a:p>
-        </p:txBody>
-      </p:sp>
-      <p:sp>
-        <p:nvSpPr>
-          <p:cNvPr id="11" name="Oval 10">
-            <a:extLst>
-              <a:ext uri="{FF2B5EF4-FFF2-40B4-BE49-F238E27FC236}">
-                <a16:creationId xmlns:a16="http://schemas.microsoft.com/office/drawing/2014/main" id="{FBC3EAFD-A275-4F9B-8F62-72B6678F35A8}"/>
-              </a:ext>
-              <a:ext uri="{C183D7F6-B498-43B3-948B-1728B52AA6E4}">
-                <adec:decorative xmlns:adec="http://schemas.microsoft.com/office/drawing/2017/decorative" val="1"/>
-              </a:ext>
-            </a:extLst>
-          </p:cNvPr>
-          <p:cNvSpPr>
-            <a:spLocks noGrp="1" noRot="1" noChangeAspect="1" noMove="1" noResize="1" noEditPoints="1" noAdjustHandles="1" noChangeArrowheads="1" noChangeShapeType="1" noTextEdit="1"/>
-          </p:cNvSpPr>
-          <p:nvPr>
-            <p:extLst>
-              <p:ext uri="{386F3935-93C4-4BCD-93E2-E3B085C9AB24}">
-                <p16:designElem xmlns:p16="http://schemas.microsoft.com/office/powerpoint/2015/main" val="1"/>
-              </p:ext>
-            </p:extLst>
-          </p:nvPr>
-        </p:nvSpPr>
-        <p:spPr>
-          <a:xfrm>
-            <a:off x="4908526" y="933319"/>
-            <a:ext cx="2463430" cy="2486070"/>
-          </a:xfrm>
-          <a:prstGeom prst="ellipse">
-            <a:avLst/>
-          </a:prstGeom>
-          <a:solidFill>
-            <a:schemeClr val="accent1"/>
-          </a:solidFill>
-          <a:ln>
-            <a:noFill/>
-          </a:ln>
-        </p:spPr>
-        <p:style>
-          <a:lnRef idx="2">
-            <a:schemeClr val="accent1">
-              <a:shade val="50000"/>
-            </a:schemeClr>
-          </a:lnRef>
-          <a:fillRef idx="1">
-            <a:schemeClr val="accent1"/>
-          </a:fillRef>
-          <a:effectRef idx="0">
-            <a:schemeClr val="accent1"/>
-          </a:effectRef>
-          <a:fontRef idx="minor">
-            <a:schemeClr val="lt1"/>
-          </a:fontRef>
-        </p:style>
-        <p:txBody>
-          <a:bodyPr rtlCol="0" anchor="ctr"/>
-          <a:lstStyle/>
-          <a:p>
-            <a:pPr algn="ctr"/>
-            <a:endParaRPr lang="en-US"/>
-          </a:p>
-        </p:txBody>
-      </p:sp>
-      <p:sp>
-        <p:nvSpPr>
-          <p:cNvPr id="13" name="Oval 12">
-            <a:extLst>
-              <a:ext uri="{FF2B5EF4-FFF2-40B4-BE49-F238E27FC236}">
-                <a16:creationId xmlns:a16="http://schemas.microsoft.com/office/drawing/2014/main" id="{06E64A6D-2B9F-4AAD-AB42-A61BAF01AC12}"/>
-              </a:ext>
-              <a:ext uri="{C183D7F6-B498-43B3-948B-1728B52AA6E4}">
-                <adec:decorative xmlns:adec="http://schemas.microsoft.com/office/drawing/2017/decorative" val="1"/>
-              </a:ext>
-            </a:extLst>
-          </p:cNvPr>
-          <p:cNvSpPr>
-            <a:spLocks noGrp="1" noRot="1" noChangeAspect="1" noMove="1" noResize="1" noEditPoints="1" noAdjustHandles="1" noChangeArrowheads="1" noChangeShapeType="1" noTextEdit="1"/>
-          </p:cNvSpPr>
-          <p:nvPr>
-            <p:extLst>
-              <p:ext uri="{386F3935-93C4-4BCD-93E2-E3B085C9AB24}">
-                <p16:designElem xmlns:p16="http://schemas.microsoft.com/office/powerpoint/2015/main" val="1"/>
-              </p:ext>
-            </p:extLst>
-          </p:nvPr>
-        </p:nvSpPr>
-        <p:spPr>
-          <a:xfrm>
-            <a:off x="5117592" y="1268361"/>
-            <a:ext cx="1956816" cy="1953058"/>
-          </a:xfrm>
-          <a:prstGeom prst="ellipse">
-            <a:avLst/>
-          </a:prstGeom>
-          <a:solidFill>
-            <a:srgbClr val="FFFFFF"/>
-          </a:solidFill>
           <a:ln>
             <a:solidFill>
-              <a:schemeClr val="accent1">
-                <a:lumMod val="60000"/>
-                <a:lumOff val="40000"/>
-              </a:schemeClr>
+              <a:schemeClr val="tx1"/>
             </a:solidFill>
           </a:ln>
         </p:spPr>
-        <p:style>
-          <a:lnRef idx="2">
-            <a:schemeClr val="accent1">
-              <a:shade val="50000"/>
-            </a:schemeClr>
-          </a:lnRef>
-          <a:fillRef idx="1">
-            <a:schemeClr val="accent1"/>
-          </a:fillRef>
-          <a:effectRef idx="0">
-            <a:schemeClr val="accent1"/>
-          </a:effectRef>
-          <a:fontRef idx="minor">
-            <a:schemeClr val="lt1"/>
-          </a:fontRef>
-        </p:style>
-        <p:txBody>
-          <a:bodyPr rtlCol="0" anchor="ctr"/>
-          <a:lstStyle/>
-          <a:p>
-            <a:pPr algn="ctr"/>
-            <a:endParaRPr lang="en-US"/>
-          </a:p>
-        </p:txBody>
-      </p:sp>
+      </p:pic>
       <p:pic>
         <p:nvPicPr>
-          <p:cNvPr id="4" name="Image 3" descr="Une image contenant dessin, signe, ordinateur&#10;&#10;Description générée automatiquement">
-            <a:extLst>
-              <a:ext uri="{FF2B5EF4-FFF2-40B4-BE49-F238E27FC236}">
-                <a16:creationId xmlns:a16="http://schemas.microsoft.com/office/drawing/2014/main" id="{72374090-C3FC-46B3-8FD1-6272768F6DE9}"/>
+          <p:cNvPr id="10" name="Image 9" descr="Une image contenant dessin, signe, ordinateur&#10;&#10;Description générée automatiquement">
+            <a:extLst>
+              <a:ext uri="{FF2B5EF4-FFF2-40B4-BE49-F238E27FC236}">
+                <a16:creationId xmlns:a16="http://schemas.microsoft.com/office/drawing/2014/main" id="{BB1B0729-BB65-4590-8A1F-41138EAD1B79}"/>
               </a:ext>
             </a:extLst>
           </p:cNvPr>
@@ -5974,196 +6657,292 @@
           <p:nvPr/>
         </p:nvPicPr>
         <p:blipFill rotWithShape="1">
-          <a:blip r:embed="rId2">
-            <a:alphaModFix/>
-          </a:blip>
-          <a:srcRect l="9779" r="7776" b="6"/>
+          <a:blip r:embed="rId3"/>
+          <a:srcRect l="3301" r="1294" b="1"/>
           <a:stretch/>
         </p:blipFill>
         <p:spPr>
           <a:xfrm>
-            <a:off x="5181600" y="1330490"/>
-            <a:ext cx="1828800" cy="1828800"/>
-          </a:xfrm>
-          <a:custGeom>
+            <a:off x="2751929" y="535631"/>
+            <a:ext cx="387511" cy="334889"/>
+          </a:xfrm>
+          <a:prstGeom prst="rect">
             <a:avLst/>
-            <a:gdLst/>
-            <a:ahLst/>
-            <a:cxnLst/>
-            <a:rect l="l" t="t" r="r" b="b"/>
-            <a:pathLst>
-              <a:path w="6057610" h="6057610">
-                <a:moveTo>
-                  <a:pt x="3028805" y="0"/>
-                </a:moveTo>
-                <a:cubicBezTo>
-                  <a:pt x="4701568" y="0"/>
-                  <a:pt x="6057610" y="1356042"/>
-                  <a:pt x="6057610" y="3028805"/>
-                </a:cubicBezTo>
-                <a:cubicBezTo>
-                  <a:pt x="6057610" y="4701568"/>
-                  <a:pt x="4701568" y="6057610"/>
-                  <a:pt x="3028805" y="6057610"/>
-                </a:cubicBezTo>
-                <a:cubicBezTo>
-                  <a:pt x="1356042" y="6057610"/>
-                  <a:pt x="0" y="4701568"/>
-                  <a:pt x="0" y="3028805"/>
-                </a:cubicBezTo>
-                <a:cubicBezTo>
-                  <a:pt x="0" y="1356042"/>
-                  <a:pt x="1356042" y="0"/>
-                  <a:pt x="3028805" y="0"/>
-                </a:cubicBezTo>
-                <a:close/>
-              </a:path>
-            </a:pathLst>
-          </a:custGeom>
-          <a:effectLst>
-            <a:softEdge rad="0"/>
-          </a:effectLst>
+          </a:prstGeom>
+          <a:ln>
+            <a:solidFill>
+              <a:schemeClr val="bg1"/>
+            </a:solidFill>
+          </a:ln>
         </p:spPr>
       </p:pic>
       <p:pic>
         <p:nvPicPr>
-          <p:cNvPr id="15" name="Picture 14">
-            <a:extLst>
-              <a:ext uri="{FF2B5EF4-FFF2-40B4-BE49-F238E27FC236}">
-                <a16:creationId xmlns:a16="http://schemas.microsoft.com/office/drawing/2014/main" id="{C51881DD-AD85-41BE-8A49-C2FB45800E10}"/>
-              </a:ext>
-              <a:ext uri="{C183D7F6-B498-43B3-948B-1728B52AA6E4}">
-                <adec:decorative xmlns:adec="http://schemas.microsoft.com/office/drawing/2017/decorative" val="1"/>
+          <p:cNvPr id="14" name="Image 13" descr="Une image contenant dessin, signe, ordinateur&#10;&#10;Description générée automatiquement">
+            <a:extLst>
+              <a:ext uri="{FF2B5EF4-FFF2-40B4-BE49-F238E27FC236}">
+                <a16:creationId xmlns:a16="http://schemas.microsoft.com/office/drawing/2014/main" id="{3C88508C-E3E0-4750-ABFC-EB56E3D2799C}"/>
               </a:ext>
             </a:extLst>
           </p:cNvPr>
           <p:cNvPicPr>
-            <a:picLocks noGrp="1" noRot="1" noChangeAspect="1" noMove="1" noResize="1" noEditPoints="1" noAdjustHandles="1" noChangeArrowheads="1" noChangeShapeType="1" noCrop="1"/>
+            <a:picLocks noChangeAspect="1"/>
           </p:cNvPicPr>
-          <p:nvPr>
-            <p:extLst>
-              <p:ext uri="{386F3935-93C4-4BCD-93E2-E3B085C9AB24}">
-                <p16:designElem xmlns:p16="http://schemas.microsoft.com/office/powerpoint/2015/main" val="1"/>
-              </p:ext>
-            </p:extLst>
-          </p:nvPr>
+          <p:nvPr/>
+        </p:nvPicPr>
+        <p:blipFill rotWithShape="1">
+          <a:blip r:embed="rId3"/>
+          <a:srcRect l="3301" r="1294" b="1"/>
+          <a:stretch/>
+        </p:blipFill>
+        <p:spPr>
+          <a:xfrm>
+            <a:off x="2437264" y="3162029"/>
+            <a:ext cx="1445903" cy="1249557"/>
+          </a:xfrm>
+          <a:prstGeom prst="rect">
+            <a:avLst/>
+          </a:prstGeom>
+          <a:ln>
+            <a:solidFill>
+              <a:schemeClr val="bg1"/>
+            </a:solidFill>
+          </a:ln>
+        </p:spPr>
+      </p:pic>
+      <p:pic>
+        <p:nvPicPr>
+          <p:cNvPr id="16" name="Image 15">
+            <a:extLst>
+              <a:ext uri="{FF2B5EF4-FFF2-40B4-BE49-F238E27FC236}">
+                <a16:creationId xmlns:a16="http://schemas.microsoft.com/office/drawing/2014/main" id="{500B7954-B4E7-4089-B5F2-365B0993C5CD}"/>
+              </a:ext>
+            </a:extLst>
+          </p:cNvPr>
+          <p:cNvPicPr>
+            <a:picLocks noChangeAspect="1"/>
+          </p:cNvPicPr>
+          <p:nvPr/>
         </p:nvPicPr>
         <p:blipFill>
-          <a:blip r:embed="rId3" cstate="print">
-            <a:extLst>
-              <a:ext uri="{28A0092B-C50C-407E-A947-70E740481C1C}">
-                <a14:useLocalDpi xmlns:a14="http://schemas.microsoft.com/office/drawing/2010/main" val="0"/>
-              </a:ext>
-            </a:extLst>
-          </a:blip>
-          <a:srcRect l="33525" t="5243" r="33525" b="36180"/>
+          <a:blip r:embed="rId4"/>
           <a:stretch>
             <a:fillRect/>
           </a:stretch>
         </p:blipFill>
         <p:spPr>
           <a:xfrm>
-            <a:off x="4860081" y="896194"/>
-            <a:ext cx="2560320" cy="2560320"/>
-          </a:xfrm>
-          <a:custGeom>
+            <a:off x="646667" y="3020433"/>
+            <a:ext cx="1342894" cy="710734"/>
+          </a:xfrm>
+          <a:prstGeom prst="rect">
             <a:avLst/>
-            <a:gdLst>
-              <a:gd name="connsiteX0" fmla="*/ 2008598 w 4017196"/>
-              <a:gd name="connsiteY0" fmla="*/ 0 h 4017196"/>
-              <a:gd name="connsiteX1" fmla="*/ 4017196 w 4017196"/>
-              <a:gd name="connsiteY1" fmla="*/ 2008598 h 4017196"/>
-              <a:gd name="connsiteX2" fmla="*/ 2008598 w 4017196"/>
-              <a:gd name="connsiteY2" fmla="*/ 4017196 h 4017196"/>
-              <a:gd name="connsiteX3" fmla="*/ 0 w 4017196"/>
-              <a:gd name="connsiteY3" fmla="*/ 2008598 h 4017196"/>
-              <a:gd name="connsiteX4" fmla="*/ 2008598 w 4017196"/>
-              <a:gd name="connsiteY4" fmla="*/ 0 h 4017196"/>
-            </a:gdLst>
-            <a:ahLst/>
-            <a:cxnLst>
-              <a:cxn ang="0">
-                <a:pos x="connsiteX0" y="connsiteY0"/>
-              </a:cxn>
-              <a:cxn ang="0">
-                <a:pos x="connsiteX1" y="connsiteY1"/>
-              </a:cxn>
-              <a:cxn ang="0">
-                <a:pos x="connsiteX2" y="connsiteY2"/>
-              </a:cxn>
-              <a:cxn ang="0">
-                <a:pos x="connsiteX3" y="connsiteY3"/>
-              </a:cxn>
-              <a:cxn ang="0">
-                <a:pos x="connsiteX4" y="connsiteY4"/>
-              </a:cxn>
-            </a:cxnLst>
-            <a:rect l="l" t="t" r="r" b="b"/>
-            <a:pathLst>
-              <a:path w="4017196" h="4017196">
-                <a:moveTo>
-                  <a:pt x="2008598" y="0"/>
-                </a:moveTo>
-                <a:cubicBezTo>
-                  <a:pt x="3117916" y="0"/>
-                  <a:pt x="4017196" y="899280"/>
-                  <a:pt x="4017196" y="2008598"/>
-                </a:cubicBezTo>
-                <a:cubicBezTo>
-                  <a:pt x="4017196" y="3117916"/>
-                  <a:pt x="3117916" y="4017196"/>
-                  <a:pt x="2008598" y="4017196"/>
-                </a:cubicBezTo>
-                <a:cubicBezTo>
-                  <a:pt x="899280" y="4017196"/>
-                  <a:pt x="0" y="3117916"/>
-                  <a:pt x="0" y="2008598"/>
-                </a:cubicBezTo>
-                <a:cubicBezTo>
-                  <a:pt x="0" y="899280"/>
-                  <a:pt x="899280" y="0"/>
-                  <a:pt x="2008598" y="0"/>
-                </a:cubicBezTo>
-                <a:close/>
-              </a:path>
-            </a:pathLst>
-          </a:custGeom>
+          </a:prstGeom>
+          <a:ln>
+            <a:solidFill>
+              <a:schemeClr val="tx1"/>
+            </a:solidFill>
+          </a:ln>
+        </p:spPr>
+      </p:pic>
+      <p:pic>
+        <p:nvPicPr>
+          <p:cNvPr id="17" name="Image 16">
+            <a:extLst>
+              <a:ext uri="{FF2B5EF4-FFF2-40B4-BE49-F238E27FC236}">
+                <a16:creationId xmlns:a16="http://schemas.microsoft.com/office/drawing/2014/main" id="{9B73C122-3E7E-40AC-A7BC-DEFE1CC4DDF2}"/>
+              </a:ext>
+            </a:extLst>
+          </p:cNvPr>
+          <p:cNvPicPr>
+            <a:picLocks noChangeAspect="1"/>
+          </p:cNvPicPr>
+          <p:nvPr/>
+        </p:nvPicPr>
+        <p:blipFill>
+          <a:blip r:embed="rId5"/>
+          <a:stretch>
+            <a:fillRect/>
+          </a:stretch>
+        </p:blipFill>
+        <p:spPr>
+          <a:xfrm>
+            <a:off x="4212565" y="2978019"/>
+            <a:ext cx="1503156" cy="795563"/>
+          </a:xfrm>
+          <a:prstGeom prst="rect">
+            <a:avLst/>
+          </a:prstGeom>
+          <a:ln>
+            <a:solidFill>
+              <a:schemeClr val="tx1"/>
+            </a:solidFill>
+          </a:ln>
+        </p:spPr>
+      </p:pic>
+      <p:pic>
+        <p:nvPicPr>
+          <p:cNvPr id="18" name="Image 17">
+            <a:extLst>
+              <a:ext uri="{FF2B5EF4-FFF2-40B4-BE49-F238E27FC236}">
+                <a16:creationId xmlns:a16="http://schemas.microsoft.com/office/drawing/2014/main" id="{F307F50E-5C31-4B7F-A709-3A112DC83490}"/>
+              </a:ext>
+            </a:extLst>
+          </p:cNvPr>
+          <p:cNvPicPr>
+            <a:picLocks noChangeAspect="1"/>
+          </p:cNvPicPr>
+          <p:nvPr/>
+        </p:nvPicPr>
+        <p:blipFill>
+          <a:blip r:embed="rId6"/>
+          <a:stretch>
+            <a:fillRect/>
+          </a:stretch>
+        </p:blipFill>
+        <p:spPr>
+          <a:xfrm>
+            <a:off x="2412804" y="2163143"/>
+            <a:ext cx="1291987" cy="664718"/>
+          </a:xfrm>
+          <a:prstGeom prst="rect">
+            <a:avLst/>
+          </a:prstGeom>
+          <a:ln>
+            <a:solidFill>
+              <a:schemeClr val="tx1"/>
+            </a:solidFill>
+          </a:ln>
+        </p:spPr>
+      </p:pic>
+      <p:pic>
+        <p:nvPicPr>
+          <p:cNvPr id="19" name="Image 18">
+            <a:extLst>
+              <a:ext uri="{FF2B5EF4-FFF2-40B4-BE49-F238E27FC236}">
+                <a16:creationId xmlns:a16="http://schemas.microsoft.com/office/drawing/2014/main" id="{998D9FAB-BA04-4714-A0CA-962AB8932BD1}"/>
+              </a:ext>
+            </a:extLst>
+          </p:cNvPr>
+          <p:cNvPicPr>
+            <a:picLocks noChangeAspect="1"/>
+          </p:cNvPicPr>
+          <p:nvPr/>
+        </p:nvPicPr>
+        <p:blipFill>
+          <a:blip r:embed="rId7"/>
+          <a:stretch>
+            <a:fillRect/>
+          </a:stretch>
+        </p:blipFill>
+        <p:spPr>
+          <a:xfrm>
+            <a:off x="1051202" y="4522241"/>
+            <a:ext cx="1344480" cy="1351671"/>
+          </a:xfrm>
+          <a:prstGeom prst="rect">
+            <a:avLst/>
+          </a:prstGeom>
+          <a:ln>
+            <a:solidFill>
+              <a:schemeClr val="tx1"/>
+            </a:solidFill>
+          </a:ln>
+        </p:spPr>
+      </p:pic>
+      <p:pic>
+        <p:nvPicPr>
+          <p:cNvPr id="20" name="Image 19">
+            <a:extLst>
+              <a:ext uri="{FF2B5EF4-FFF2-40B4-BE49-F238E27FC236}">
+                <a16:creationId xmlns:a16="http://schemas.microsoft.com/office/drawing/2014/main" id="{152AFE7C-3813-4BCE-8F6D-37D1451D8B74}"/>
+              </a:ext>
+            </a:extLst>
+          </p:cNvPr>
+          <p:cNvPicPr>
+            <a:picLocks noChangeAspect="1"/>
+          </p:cNvPicPr>
+          <p:nvPr/>
+        </p:nvPicPr>
+        <p:blipFill>
+          <a:blip r:embed="rId8"/>
+          <a:stretch>
+            <a:fillRect/>
+          </a:stretch>
+        </p:blipFill>
+        <p:spPr>
+          <a:xfrm>
+            <a:off x="3905526" y="4589954"/>
+            <a:ext cx="1095552" cy="1283959"/>
+          </a:xfrm>
+          <a:prstGeom prst="rect">
+            <a:avLst/>
+          </a:prstGeom>
+          <a:ln>
+            <a:solidFill>
+              <a:schemeClr val="tx1"/>
+            </a:solidFill>
+          </a:ln>
+        </p:spPr>
+      </p:pic>
+      <p:pic>
+        <p:nvPicPr>
+          <p:cNvPr id="21" name="Image 20">
+            <a:extLst>
+              <a:ext uri="{FF2B5EF4-FFF2-40B4-BE49-F238E27FC236}">
+                <a16:creationId xmlns:a16="http://schemas.microsoft.com/office/drawing/2014/main" id="{AFDD31A4-76BC-43BC-A963-5C1245D8767A}"/>
+              </a:ext>
+            </a:extLst>
+          </p:cNvPr>
+          <p:cNvPicPr>
+            <a:picLocks noChangeAspect="1"/>
+          </p:cNvPicPr>
+          <p:nvPr/>
+        </p:nvPicPr>
+        <p:blipFill>
+          <a:blip r:embed="rId9"/>
+          <a:stretch>
+            <a:fillRect/>
+          </a:stretch>
+        </p:blipFill>
+        <p:spPr>
+          <a:xfrm>
+            <a:off x="9268242" y="2857175"/>
+            <a:ext cx="2505261" cy="861598"/>
+          </a:xfrm>
+          <a:prstGeom prst="rect">
+            <a:avLst/>
+          </a:prstGeom>
+          <a:ln>
+            <a:noFill/>
+          </a:ln>
         </p:spPr>
       </p:pic>
       <p:cxnSp>
         <p:nvCxnSpPr>
-          <p:cNvPr id="17" name="Straight Connector 16">
-            <a:extLst>
-              <a:ext uri="{FF2B5EF4-FFF2-40B4-BE49-F238E27FC236}">
-                <a16:creationId xmlns:a16="http://schemas.microsoft.com/office/drawing/2014/main" id="{9AD20FE8-ED02-4CDE-83B1-A1436305C3DC}"/>
-              </a:ext>
-              <a:ext uri="{C183D7F6-B498-43B3-948B-1728B52AA6E4}">
-                <adec:decorative xmlns:adec="http://schemas.microsoft.com/office/drawing/2017/decorative" val="1"/>
+          <p:cNvPr id="7" name="Connecteur droit 6">
+            <a:extLst>
+              <a:ext uri="{FF2B5EF4-FFF2-40B4-BE49-F238E27FC236}">
+                <a16:creationId xmlns:a16="http://schemas.microsoft.com/office/drawing/2014/main" id="{69CA032D-CEB0-4167-BE40-47C4A5EB53FB}"/>
               </a:ext>
             </a:extLst>
           </p:cNvPr>
           <p:cNvCxnSpPr>
-            <a:cxnSpLocks noGrp="1" noRot="1" noChangeAspect="1" noMove="1" noResize="1" noEditPoints="1" noAdjustHandles="1" noChangeArrowheads="1" noChangeShapeType="1"/>
+            <a:cxnSpLocks/>
           </p:cNvCxnSpPr>
-          <p:nvPr>
-            <p:extLst>
-              <p:ext uri="{386F3935-93C4-4BCD-93E2-E3B085C9AB24}">
-                <p16:designElem xmlns:p16="http://schemas.microsoft.com/office/powerpoint/2015/main" val="1"/>
-              </p:ext>
-            </p:extLst>
-          </p:nvPr>
+          <p:nvPr/>
         </p:nvCxnSpPr>
         <p:spPr>
           <a:xfrm>
-            <a:off x="5775960" y="4971278"/>
-            <a:ext cx="640080" cy="0"/>
+            <a:off x="6344239" y="2139884"/>
+            <a:ext cx="0" cy="3893270"/>
           </a:xfrm>
           <a:prstGeom prst="line">
             <a:avLst/>
           </a:prstGeom>
-          <a:ln w="28575">
+          <a:ln>
             <a:solidFill>
-              <a:srgbClr val="1BB0EB"/>
+              <a:schemeClr val="tx1"/>
             </a:solidFill>
           </a:ln>
         </p:spPr>
@@ -6182,10 +6961,86 @@
           </a:fontRef>
         </p:style>
       </p:cxnSp>
+      <p:sp>
+        <p:nvSpPr>
+          <p:cNvPr id="27" name="Rectangle 26">
+            <a:extLst>
+              <a:ext uri="{FF2B5EF4-FFF2-40B4-BE49-F238E27FC236}">
+                <a16:creationId xmlns:a16="http://schemas.microsoft.com/office/drawing/2014/main" id="{AE925CBB-8CB8-4F83-9556-C803291A695F}"/>
+              </a:ext>
+            </a:extLst>
+          </p:cNvPr>
+          <p:cNvSpPr/>
+          <p:nvPr/>
+        </p:nvSpPr>
+        <p:spPr>
+          <a:xfrm>
+            <a:off x="2314043" y="1714273"/>
+            <a:ext cx="1489510" cy="369332"/>
+          </a:xfrm>
+          <a:prstGeom prst="rect">
+            <a:avLst/>
+          </a:prstGeom>
+        </p:spPr>
+        <p:txBody>
+          <a:bodyPr wrap="none">
+            <a:spAutoFit/>
+          </a:bodyPr>
+          <a:lstStyle/>
+          <a:p>
+            <a:pPr marL="285750" indent="-285750">
+              <a:buFont typeface="Arial" panose="020B0604020202020204" pitchFamily="34" charset="0"/>
+              <a:buChar char="•"/>
+            </a:pPr>
+            <a:r>
+              <a:rPr lang="fr-FR" i="1" dirty="0"/>
+              <a:t>Production</a:t>
+            </a:r>
+          </a:p>
+        </p:txBody>
+      </p:sp>
+      <p:sp>
+        <p:nvSpPr>
+          <p:cNvPr id="28" name="Rectangle 27">
+            <a:extLst>
+              <a:ext uri="{FF2B5EF4-FFF2-40B4-BE49-F238E27FC236}">
+                <a16:creationId xmlns:a16="http://schemas.microsoft.com/office/drawing/2014/main" id="{E25B8B6F-70B7-4DD5-BD1F-756B3B87F732}"/>
+              </a:ext>
+            </a:extLst>
+          </p:cNvPr>
+          <p:cNvSpPr/>
+          <p:nvPr/>
+        </p:nvSpPr>
+        <p:spPr>
+          <a:xfrm>
+            <a:off x="8191264" y="1714273"/>
+            <a:ext cx="1666803" cy="369332"/>
+          </a:xfrm>
+          <a:prstGeom prst="rect">
+            <a:avLst/>
+          </a:prstGeom>
+        </p:spPr>
+        <p:txBody>
+          <a:bodyPr wrap="none">
+            <a:spAutoFit/>
+          </a:bodyPr>
+          <a:lstStyle/>
+          <a:p>
+            <a:pPr marL="285750" indent="-285750">
+              <a:buFont typeface="Arial" panose="020B0604020202020204" pitchFamily="34" charset="0"/>
+              <a:buChar char="•"/>
+            </a:pPr>
+            <a:r>
+              <a:rPr lang="fr-FR" i="1" dirty="0"/>
+              <a:t>Déploiement</a:t>
+            </a:r>
+          </a:p>
+        </p:txBody>
+      </p:sp>
     </p:spTree>
     <p:extLst>
       <p:ext uri="{BB962C8B-B14F-4D97-AF65-F5344CB8AC3E}">
-        <p14:creationId xmlns:p14="http://schemas.microsoft.com/office/powerpoint/2010/main" val="2873187597"/>
+        <p14:creationId xmlns:p14="http://schemas.microsoft.com/office/powerpoint/2010/main" val="1041771190"/>
       </p:ext>
     </p:extLst>
   </p:cSld>
@@ -6278,7 +7133,7 @@
         <p:spPr>
           <a:xfrm>
             <a:off x="274321" y="1253852"/>
-            <a:ext cx="6424216" cy="5390788"/>
+            <a:ext cx="6424216" cy="4350297"/>
           </a:xfrm>
         </p:spPr>
         <p:txBody>
@@ -6288,134 +7143,145 @@
           <a:lstStyle/>
           <a:p>
             <a:r>
-              <a:rPr lang="en-US" sz="2400" dirty="0">
+              <a:rPr lang="fr-FR" sz="2400" i="1" dirty="0">
                 <a:solidFill>
                   <a:schemeClr val="bg1"/>
                 </a:solidFill>
               </a:rPr>
-              <a:t>Besoins du client</a:t>
-            </a:r>
-          </a:p>
-          <a:p>
-            <a:endParaRPr lang="en-US" sz="2400" dirty="0">
-              <a:solidFill>
-                <a:schemeClr val="bg1"/>
-              </a:solidFill>
-            </a:endParaRPr>
-          </a:p>
-          <a:p>
-            <a:r>
-              <a:rPr lang="en-US" sz="2400" dirty="0">
+              <a:t>Analyse des besoins</a:t>
+            </a:r>
+          </a:p>
+          <a:p>
+            <a:pPr marL="0" indent="0">
+              <a:buNone/>
+            </a:pPr>
+            <a:r>
+              <a:rPr lang="fr-FR" sz="2000" i="1" dirty="0">
                 <a:solidFill>
                   <a:schemeClr val="bg1"/>
                 </a:solidFill>
               </a:rPr>
-              <a:t>Description Générale de la Solution</a:t>
-            </a:r>
-          </a:p>
-          <a:p>
-            <a:endParaRPr lang="en-US" sz="2400" dirty="0">
-              <a:solidFill>
-                <a:schemeClr val="bg1"/>
-              </a:solidFill>
-            </a:endParaRPr>
-          </a:p>
-          <a:p>
-            <a:r>
-              <a:rPr lang="en-US" sz="2400" dirty="0" err="1">
+              <a:t>	- Contexte</a:t>
+            </a:r>
+          </a:p>
+          <a:p>
+            <a:pPr marL="0" indent="0">
+              <a:buNone/>
+            </a:pPr>
+            <a:r>
+              <a:rPr lang="fr-FR" sz="2400" i="1" dirty="0">
                 <a:solidFill>
                   <a:schemeClr val="bg1"/>
                 </a:solidFill>
               </a:rPr>
-              <a:t>Spécifications</a:t>
-            </a:r>
-            <a:r>
-              <a:rPr lang="en-US" sz="2400" dirty="0">
+              <a:t>	</a:t>
+            </a:r>
+            <a:r>
+              <a:rPr lang="fr-FR" sz="2000" i="1" dirty="0">
                 <a:solidFill>
                   <a:schemeClr val="bg1"/>
                 </a:solidFill>
               </a:rPr>
-              <a:t> </a:t>
-            </a:r>
-            <a:r>
-              <a:rPr lang="en-US" sz="2400" dirty="0" err="1">
+              <a:t>- Objectif</a:t>
+            </a:r>
+          </a:p>
+          <a:p>
+            <a:r>
+              <a:rPr lang="fr-FR" sz="2400" i="1" dirty="0">
                 <a:solidFill>
                   <a:schemeClr val="bg1"/>
                 </a:solidFill>
               </a:rPr>
-              <a:t>Fonctionnelles</a:t>
-            </a:r>
-            <a:endParaRPr lang="en-US" sz="2400" dirty="0">
-              <a:solidFill>
-                <a:schemeClr val="bg1"/>
-              </a:solidFill>
-            </a:endParaRPr>
-          </a:p>
-          <a:p>
-            <a:endParaRPr lang="en-US" sz="2400" dirty="0">
-              <a:solidFill>
-                <a:schemeClr val="bg1"/>
-              </a:solidFill>
-            </a:endParaRPr>
-          </a:p>
-          <a:p>
-            <a:r>
-              <a:rPr lang="en-US" sz="2400" dirty="0" err="1">
+              <a:t>Spécifications Techniques</a:t>
+            </a:r>
+          </a:p>
+          <a:p>
+            <a:pPr marL="0" indent="0">
+              <a:buNone/>
+            </a:pPr>
+            <a:r>
+              <a:rPr lang="fr-FR" sz="2400" i="1" dirty="0">
                 <a:solidFill>
                   <a:schemeClr val="bg1"/>
                 </a:solidFill>
               </a:rPr>
-              <a:t>Spécifications</a:t>
-            </a:r>
-            <a:r>
-              <a:rPr lang="en-US" sz="2400" dirty="0">
+              <a:t>	- </a:t>
+            </a:r>
+            <a:r>
+              <a:rPr lang="fr-FR" sz="2000" i="1" dirty="0">
                 <a:solidFill>
                   <a:schemeClr val="bg1"/>
                 </a:solidFill>
               </a:rPr>
-              <a:t> Techniques</a:t>
-            </a:r>
-          </a:p>
-          <a:p>
-            <a:endParaRPr lang="en-US" sz="2400" dirty="0">
-              <a:solidFill>
-                <a:schemeClr val="bg1"/>
-              </a:solidFill>
-            </a:endParaRPr>
-          </a:p>
-          <a:p>
-            <a:r>
-              <a:rPr lang="en-US" sz="2400" dirty="0">
+              <a:t>Identification Fonctionnelle</a:t>
+            </a:r>
+          </a:p>
+          <a:p>
+            <a:pPr marL="0" indent="0">
+              <a:buNone/>
+            </a:pPr>
+            <a:r>
+              <a:rPr lang="fr-FR" sz="2400" i="1" dirty="0">
                 <a:solidFill>
                   <a:schemeClr val="bg1"/>
                 </a:solidFill>
               </a:rPr>
-              <a:t>Conception </a:t>
-            </a:r>
-            <a:r>
-              <a:rPr lang="en-US" sz="2400" dirty="0" err="1">
+              <a:t>	</a:t>
+            </a:r>
+            <a:r>
+              <a:rPr lang="fr-FR" sz="2000" i="1" dirty="0">
                 <a:solidFill>
                   <a:schemeClr val="bg1"/>
                 </a:solidFill>
               </a:rPr>
-              <a:t>Graphique</a:t>
-            </a:r>
-            <a:endParaRPr lang="en-US" sz="2400" dirty="0">
-              <a:solidFill>
-                <a:schemeClr val="bg1"/>
-              </a:solidFill>
-            </a:endParaRPr>
-          </a:p>
-          <a:p>
-            <a:endParaRPr lang="en-US" sz="2400" dirty="0">
-              <a:solidFill>
-                <a:schemeClr val="bg1"/>
-              </a:solidFill>
-            </a:endParaRPr>
-          </a:p>
-          <a:p>
-            <a:r>
-              <a:rPr lang="en-US" sz="2400" dirty="0">
+              <a:t>- Choix technologiques internes</a:t>
+            </a:r>
+          </a:p>
+          <a:p>
+            <a:pPr marL="0" indent="0">
+              <a:buNone/>
+            </a:pPr>
+            <a:r>
+              <a:rPr lang="fr-FR" sz="2400" i="1" dirty="0">
+                <a:solidFill>
+                  <a:schemeClr val="bg1"/>
+                </a:solidFill>
+              </a:rPr>
+              <a:t>	</a:t>
+            </a:r>
+            <a:r>
+              <a:rPr lang="fr-FR" sz="2000" i="1" dirty="0">
+                <a:solidFill>
+                  <a:schemeClr val="bg1"/>
+                </a:solidFill>
+              </a:rPr>
+              <a:t>- Choix technologiques externes</a:t>
+            </a:r>
+          </a:p>
+          <a:p>
+            <a:pPr marL="0" indent="0">
+              <a:buNone/>
+            </a:pPr>
+            <a:r>
+              <a:rPr lang="fr-FR" sz="2400" i="1" dirty="0">
+                <a:solidFill>
+                  <a:schemeClr val="bg1"/>
+                </a:solidFill>
+              </a:rPr>
+              <a:t>	- </a:t>
+            </a:r>
+            <a:r>
+              <a:rPr lang="fr-FR" sz="2000" i="1" dirty="0">
+                <a:solidFill>
+                  <a:schemeClr val="bg1"/>
+                </a:solidFill>
+              </a:rPr>
+              <a:t>Déploiement</a:t>
+            </a:r>
+          </a:p>
+          <a:p>
+            <a:r>
+              <a:rPr lang="fr-FR" sz="2400" i="1" dirty="0">
                 <a:solidFill>
                   <a:schemeClr val="bg1"/>
                 </a:solidFill>
@@ -6968,12 +7834,17 @@
         </p:blipFill>
         <p:spPr>
           <a:xfrm>
-            <a:off x="7931736" y="2179111"/>
-            <a:ext cx="2353439" cy="2353443"/>
+            <a:off x="8117021" y="2373366"/>
+            <a:ext cx="1741359" cy="1741362"/>
           </a:xfrm>
           <a:prstGeom prst="rect">
             <a:avLst/>
           </a:prstGeom>
+          <a:ln>
+            <a:solidFill>
+              <a:schemeClr val="bg1"/>
+            </a:solidFill>
+          </a:ln>
         </p:spPr>
       </p:pic>
       <p:pic>
@@ -7003,6 +7874,11 @@
           <a:prstGeom prst="rect">
             <a:avLst/>
           </a:prstGeom>
+          <a:ln>
+            <a:solidFill>
+              <a:schemeClr val="bg1"/>
+            </a:solidFill>
+          </a:ln>
         </p:spPr>
       </p:pic>
       <p:sp>
@@ -7378,12 +8254,17 @@
         </p:blipFill>
         <p:spPr>
           <a:xfrm>
-            <a:off x="7931736" y="4615032"/>
-            <a:ext cx="2111930" cy="1825141"/>
+            <a:off x="8182408" y="4607585"/>
+            <a:ext cx="1741359" cy="1504892"/>
           </a:xfrm>
           <a:prstGeom prst="rect">
             <a:avLst/>
           </a:prstGeom>
+          <a:ln>
+            <a:solidFill>
+              <a:schemeClr val="bg1"/>
+            </a:solidFill>
+          </a:ln>
         </p:spPr>
       </p:pic>
     </p:spTree>
@@ -7519,12 +8400,12 @@
           <a:lstStyle/>
           <a:p>
             <a:r>
-              <a:rPr lang="fr-FR" sz="5400">
+              <a:rPr lang="fr-FR" sz="5400" dirty="0">
                 <a:solidFill>
                   <a:srgbClr val="1B1B1B"/>
                 </a:solidFill>
               </a:rPr>
-              <a:t>Besoins du client </a:t>
+              <a:t>Analyse des besoins</a:t>
             </a:r>
           </a:p>
         </p:txBody>
@@ -7929,7 +8810,7 @@
         <p:spPr>
           <a:xfrm>
             <a:off x="129540" y="0"/>
-            <a:ext cx="4206240" cy="1325563"/>
+            <a:ext cx="4926712" cy="1325563"/>
           </a:xfrm>
         </p:spPr>
         <p:txBody>
@@ -7938,7 +8819,7 @@
           <a:p>
             <a:r>
               <a:rPr lang="fr-FR" dirty="0"/>
-              <a:t>Besoins du client</a:t>
+              <a:t>Analyse des besoins</a:t>
             </a:r>
           </a:p>
         </p:txBody>
@@ -7999,8 +8880,13 @@
               <a:avLst/>
             </a:prstGeom>
             <a:noFill/>
-            <a:ln>
-              <a:noFill/>
+            <a:ln w="9525">
+              <a:solidFill>
+                <a:schemeClr val="tx1"/>
+              </a:solidFill>
+              <a:miter lim="800000"/>
+              <a:headEnd/>
+              <a:tailEnd/>
             </a:ln>
             <a:extLst>
               <a:ext uri="{909E8E84-426E-40DD-AFC4-6F175D3DCCD1}">
@@ -8009,16 +8895,6 @@
                     <a:srgbClr val="FFFFFF"/>
                   </a:solidFill>
                 </a14:hiddenFill>
-              </a:ext>
-              <a:ext uri="{91240B29-F687-4F45-9708-019B960494DF}">
-                <a14:hiddenLine xmlns:a14="http://schemas.microsoft.com/office/drawing/2010/main" w="9525">
-                  <a:solidFill>
-                    <a:srgbClr val="000000"/>
-                  </a:solidFill>
-                  <a:miter lim="800000"/>
-                  <a:headEnd/>
-                  <a:tailEnd/>
-                </a14:hiddenLine>
               </a:ext>
             </a:extLst>
           </p:spPr>
@@ -8045,12 +8921,17 @@
           </p:blipFill>
           <p:spPr>
             <a:xfrm>
-              <a:off x="7595396" y="3519236"/>
+              <a:off x="7387456" y="3519237"/>
               <a:ext cx="856558" cy="827224"/>
             </a:xfrm>
             <a:prstGeom prst="rect">
               <a:avLst/>
             </a:prstGeom>
+            <a:ln>
+              <a:solidFill>
+                <a:schemeClr val="tx1"/>
+              </a:solidFill>
+            </a:ln>
           </p:spPr>
         </p:pic>
         <p:pic>
@@ -8081,6 +8962,11 @@
             <a:prstGeom prst="rect">
               <a:avLst/>
             </a:prstGeom>
+            <a:ln>
+              <a:solidFill>
+                <a:schemeClr val="tx1"/>
+              </a:solidFill>
+            </a:ln>
           </p:spPr>
         </p:pic>
         <p:pic>
@@ -8111,6 +8997,11 @@
             <a:prstGeom prst="rect">
               <a:avLst/>
             </a:prstGeom>
+            <a:ln>
+              <a:solidFill>
+                <a:schemeClr val="tx1"/>
+              </a:solidFill>
+            </a:ln>
           </p:spPr>
         </p:pic>
         <p:pic>
@@ -8141,6 +9032,11 @@
             <a:prstGeom prst="rect">
               <a:avLst/>
             </a:prstGeom>
+            <a:ln>
+              <a:solidFill>
+                <a:schemeClr val="tx1"/>
+              </a:solidFill>
+            </a:ln>
           </p:spPr>
         </p:pic>
         <p:pic>
@@ -8171,6 +9067,11 @@
             <a:prstGeom prst="rect">
               <a:avLst/>
             </a:prstGeom>
+            <a:ln>
+              <a:solidFill>
+                <a:schemeClr val="tx1"/>
+              </a:solidFill>
+            </a:ln>
           </p:spPr>
         </p:pic>
         <p:cxnSp>
@@ -8196,6 +9097,11 @@
             <a:prstGeom prst="line">
               <a:avLst/>
             </a:prstGeom>
+            <a:ln>
+              <a:solidFill>
+                <a:schemeClr val="tx1"/>
+              </a:solidFill>
+            </a:ln>
           </p:spPr>
           <p:style>
             <a:lnRef idx="1">
@@ -8236,6 +9142,11 @@
             <a:prstGeom prst="line">
               <a:avLst/>
             </a:prstGeom>
+            <a:ln>
+              <a:solidFill>
+                <a:schemeClr val="tx1"/>
+              </a:solidFill>
+            </a:ln>
           </p:spPr>
           <p:style>
             <a:lnRef idx="1">
@@ -8275,6 +9186,11 @@
             <a:prstGeom prst="line">
               <a:avLst/>
             </a:prstGeom>
+            <a:ln>
+              <a:solidFill>
+                <a:schemeClr val="tx1"/>
+              </a:solidFill>
+            </a:ln>
           </p:spPr>
           <p:style>
             <a:lnRef idx="1">
@@ -8308,12 +9224,17 @@
           </p:nvCxnSpPr>
           <p:spPr>
             <a:xfrm flipH="1">
-              <a:off x="8451954" y="2925153"/>
-              <a:ext cx="322858" cy="1007695"/>
+              <a:off x="8244014" y="2925153"/>
+              <a:ext cx="644827" cy="1007696"/>
             </a:xfrm>
             <a:prstGeom prst="line">
               <a:avLst/>
             </a:prstGeom>
+            <a:ln>
+              <a:solidFill>
+                <a:schemeClr val="tx1"/>
+              </a:solidFill>
+            </a:ln>
           </p:spPr>
           <p:style>
             <a:lnRef idx="1">
@@ -8353,6 +9274,11 @@
             <a:prstGeom prst="line">
               <a:avLst/>
             </a:prstGeom>
+            <a:ln>
+              <a:solidFill>
+                <a:schemeClr val="tx1"/>
+              </a:solidFill>
+            </a:ln>
           </p:spPr>
           <p:style>
             <a:lnRef idx="1">
@@ -8434,39 +9360,199 @@
           <a:lstStyle/>
           <a:p>
             <a:r>
-              <a:rPr lang="fr-FR" dirty="0"/>
+              <a:rPr lang="fr-FR" i="1" dirty="0"/>
               <a:t>5 Points de vente</a:t>
             </a:r>
           </a:p>
           <a:p>
-            <a:endParaRPr lang="fr-FR" dirty="0"/>
-          </a:p>
-          <a:p>
-            <a:r>
-              <a:rPr lang="fr-FR" dirty="0"/>
+            <a:endParaRPr lang="fr-FR" i="1" dirty="0"/>
+          </a:p>
+          <a:p>
+            <a:r>
+              <a:rPr lang="fr-FR" i="1" dirty="0"/>
               <a:t>Système informatique existant</a:t>
             </a:r>
           </a:p>
           <a:p>
-            <a:endParaRPr lang="fr-FR" dirty="0"/>
-          </a:p>
-          <a:p>
-            <a:r>
-              <a:rPr lang="fr-FR" dirty="0"/>
+            <a:endParaRPr lang="fr-FR" i="1" dirty="0"/>
+          </a:p>
+          <a:p>
+            <a:r>
+              <a:rPr lang="fr-FR" i="1" dirty="0"/>
               <a:t>Livraison / à emporter</a:t>
             </a:r>
           </a:p>
           <a:p>
-            <a:endParaRPr lang="fr-FR" dirty="0"/>
-          </a:p>
-          <a:p>
-            <a:r>
-              <a:rPr lang="fr-FR" dirty="0"/>
+            <a:endParaRPr lang="fr-FR" i="1" dirty="0"/>
+          </a:p>
+          <a:p>
+            <a:r>
+              <a:rPr lang="fr-FR" i="1" dirty="0"/>
               <a:t>3 Points de vente futur</a:t>
             </a:r>
           </a:p>
         </p:txBody>
       </p:sp>
+      <p:pic>
+        <p:nvPicPr>
+          <p:cNvPr id="17" name="Image 16" descr="Une image contenant couteau&#10;&#10;Description générée automatiquement">
+            <a:extLst>
+              <a:ext uri="{FF2B5EF4-FFF2-40B4-BE49-F238E27FC236}">
+                <a16:creationId xmlns:a16="http://schemas.microsoft.com/office/drawing/2014/main" id="{3731F323-82C4-4722-AE23-5D76B76A6FB2}"/>
+              </a:ext>
+            </a:extLst>
+          </p:cNvPr>
+          <p:cNvPicPr>
+            <a:picLocks noChangeAspect="1"/>
+          </p:cNvPicPr>
+          <p:nvPr/>
+        </p:nvPicPr>
+        <p:blipFill rotWithShape="1">
+          <a:blip r:embed="rId4"/>
+          <a:srcRect r="2" b="16856"/>
+          <a:stretch/>
+        </p:blipFill>
+        <p:spPr>
+          <a:xfrm>
+            <a:off x="4788203" y="514159"/>
+            <a:ext cx="383197" cy="324828"/>
+          </a:xfrm>
+          <a:prstGeom prst="rect">
+            <a:avLst/>
+          </a:prstGeom>
+          <a:ln>
+            <a:solidFill>
+              <a:schemeClr val="bg1"/>
+            </a:solidFill>
+          </a:ln>
+        </p:spPr>
+      </p:pic>
+      <p:grpSp>
+        <p:nvGrpSpPr>
+          <p:cNvPr id="3" name="Groupe 2">
+            <a:extLst>
+              <a:ext uri="{FF2B5EF4-FFF2-40B4-BE49-F238E27FC236}">
+                <a16:creationId xmlns:a16="http://schemas.microsoft.com/office/drawing/2014/main" id="{10C68344-CD08-413F-ACB1-F31E1DD90ADD}"/>
+              </a:ext>
+            </a:extLst>
+          </p:cNvPr>
+          <p:cNvGrpSpPr/>
+          <p:nvPr/>
+        </p:nvGrpSpPr>
+        <p:grpSpPr>
+          <a:xfrm>
+            <a:off x="2592896" y="5572926"/>
+            <a:ext cx="2030226" cy="566879"/>
+            <a:chOff x="1178783" y="5503063"/>
+            <a:chExt cx="2030226" cy="566879"/>
+          </a:xfrm>
+        </p:grpSpPr>
+        <p:pic>
+          <p:nvPicPr>
+            <p:cNvPr id="19" name="Image 18">
+              <a:extLst>
+                <a:ext uri="{FF2B5EF4-FFF2-40B4-BE49-F238E27FC236}">
+                  <a16:creationId xmlns:a16="http://schemas.microsoft.com/office/drawing/2014/main" id="{5CFAB48A-8BA6-4C28-8DB6-4724D943EDA0}"/>
+                </a:ext>
+              </a:extLst>
+            </p:cNvPr>
+            <p:cNvPicPr>
+              <a:picLocks noChangeAspect="1"/>
+            </p:cNvPicPr>
+            <p:nvPr/>
+          </p:nvPicPr>
+          <p:blipFill>
+            <a:blip r:embed="rId3"/>
+            <a:stretch>
+              <a:fillRect/>
+            </a:stretch>
+          </p:blipFill>
+          <p:spPr>
+            <a:xfrm>
+              <a:off x="1178783" y="5503064"/>
+              <a:ext cx="586370" cy="566289"/>
+            </a:xfrm>
+            <a:prstGeom prst="rect">
+              <a:avLst/>
+            </a:prstGeom>
+            <a:ln>
+              <a:solidFill>
+                <a:schemeClr val="tx1"/>
+              </a:solidFill>
+            </a:ln>
+          </p:spPr>
+        </p:pic>
+        <p:pic>
+          <p:nvPicPr>
+            <p:cNvPr id="22" name="Image 21">
+              <a:extLst>
+                <a:ext uri="{FF2B5EF4-FFF2-40B4-BE49-F238E27FC236}">
+                  <a16:creationId xmlns:a16="http://schemas.microsoft.com/office/drawing/2014/main" id="{A85CFFEB-3BE6-4A2F-ACF4-368456D202E6}"/>
+                </a:ext>
+              </a:extLst>
+            </p:cNvPr>
+            <p:cNvPicPr>
+              <a:picLocks noChangeAspect="1"/>
+            </p:cNvPicPr>
+            <p:nvPr/>
+          </p:nvPicPr>
+          <p:blipFill>
+            <a:blip r:embed="rId3"/>
+            <a:stretch>
+              <a:fillRect/>
+            </a:stretch>
+          </p:blipFill>
+          <p:spPr>
+            <a:xfrm>
+              <a:off x="1900711" y="5503063"/>
+              <a:ext cx="586370" cy="566289"/>
+            </a:xfrm>
+            <a:prstGeom prst="rect">
+              <a:avLst/>
+            </a:prstGeom>
+            <a:ln>
+              <a:solidFill>
+                <a:schemeClr val="tx1"/>
+              </a:solidFill>
+            </a:ln>
+          </p:spPr>
+        </p:pic>
+        <p:pic>
+          <p:nvPicPr>
+            <p:cNvPr id="24" name="Image 23">
+              <a:extLst>
+                <a:ext uri="{FF2B5EF4-FFF2-40B4-BE49-F238E27FC236}">
+                  <a16:creationId xmlns:a16="http://schemas.microsoft.com/office/drawing/2014/main" id="{45480EE9-D600-4A48-A284-87D8EFCAA2A3}"/>
+                </a:ext>
+              </a:extLst>
+            </p:cNvPr>
+            <p:cNvPicPr>
+              <a:picLocks noChangeAspect="1"/>
+            </p:cNvPicPr>
+            <p:nvPr/>
+          </p:nvPicPr>
+          <p:blipFill>
+            <a:blip r:embed="rId3"/>
+            <a:stretch>
+              <a:fillRect/>
+            </a:stretch>
+          </p:blipFill>
+          <p:spPr>
+            <a:xfrm>
+              <a:off x="2622639" y="5503653"/>
+              <a:ext cx="586370" cy="566289"/>
+            </a:xfrm>
+            <a:prstGeom prst="rect">
+              <a:avLst/>
+            </a:prstGeom>
+            <a:ln>
+              <a:solidFill>
+                <a:schemeClr val="tx1"/>
+              </a:solidFill>
+            </a:ln>
+          </p:spPr>
+        </p:pic>
+      </p:grpSp>
     </p:spTree>
     <p:extLst>
       <p:ext uri="{BB962C8B-B14F-4D97-AF65-F5344CB8AC3E}">
@@ -8530,16 +9616,16 @@
           </a:p>
           <a:p>
             <a:r>
-              <a:rPr lang="fr-FR" dirty="0"/>
+              <a:rPr lang="fr-FR" i="1" dirty="0"/>
               <a:t>Boutique en ligne</a:t>
             </a:r>
           </a:p>
           <a:p>
-            <a:endParaRPr lang="fr-FR" dirty="0"/>
-          </a:p>
-          <a:p>
-            <a:r>
-              <a:rPr lang="fr-FR" dirty="0"/>
+            <a:endParaRPr lang="fr-FR" i="1" dirty="0"/>
+          </a:p>
+          <a:p>
+            <a:r>
+              <a:rPr lang="fr-FR" i="1" dirty="0"/>
               <a:t>Gestionnaire centralisée</a:t>
             </a:r>
           </a:p>
@@ -8576,12 +9662,17 @@
         </p:blipFill>
         <p:spPr>
           <a:xfrm>
-            <a:off x="7335977" y="365759"/>
-            <a:ext cx="3801947" cy="6265609"/>
+            <a:off x="6969610" y="0"/>
+            <a:ext cx="4161408" cy="6858000"/>
           </a:xfrm>
           <a:prstGeom prst="rect">
             <a:avLst/>
           </a:prstGeom>
+          <a:ln>
+            <a:solidFill>
+              <a:schemeClr val="tx1"/>
+            </a:solidFill>
+          </a:ln>
         </p:spPr>
       </p:pic>
       <p:pic>
@@ -8606,20 +9697,60 @@
         </p:blipFill>
         <p:spPr>
           <a:xfrm>
-            <a:off x="4837322" y="1910699"/>
-            <a:ext cx="1761598" cy="2893562"/>
+            <a:off x="4601652" y="2007838"/>
+            <a:ext cx="1702460" cy="2796423"/>
           </a:xfrm>
           <a:prstGeom prst="rect">
             <a:avLst/>
           </a:prstGeom>
+          <a:ln>
+            <a:solidFill>
+              <a:schemeClr val="tx1"/>
+            </a:solidFill>
+          </a:ln>
         </p:spPr>
       </p:pic>
       <p:sp>
         <p:nvSpPr>
-          <p:cNvPr id="9" name="Titre 1">
-            <a:extLst>
-              <a:ext uri="{FF2B5EF4-FFF2-40B4-BE49-F238E27FC236}">
-                <a16:creationId xmlns:a16="http://schemas.microsoft.com/office/drawing/2014/main" id="{8909F311-F036-4981-B36F-F617AE3FC5C5}"/>
+          <p:cNvPr id="10" name="ZoneTexte 9">
+            <a:extLst>
+              <a:ext uri="{FF2B5EF4-FFF2-40B4-BE49-F238E27FC236}">
+                <a16:creationId xmlns:a16="http://schemas.microsoft.com/office/drawing/2014/main" id="{91E0E19B-9C55-4D7F-AEC2-B7CC2034D4EC}"/>
+              </a:ext>
+            </a:extLst>
+          </p:cNvPr>
+          <p:cNvSpPr txBox="1"/>
+          <p:nvPr/>
+        </p:nvSpPr>
+        <p:spPr>
+          <a:xfrm>
+            <a:off x="83820" y="956231"/>
+            <a:ext cx="2141220" cy="369332"/>
+          </a:xfrm>
+          <a:prstGeom prst="rect">
+            <a:avLst/>
+          </a:prstGeom>
+          <a:noFill/>
+        </p:spPr>
+        <p:txBody>
+          <a:bodyPr wrap="square" rtlCol="0">
+            <a:spAutoFit/>
+          </a:bodyPr>
+          <a:lstStyle/>
+          <a:p>
+            <a:r>
+              <a:rPr lang="fr-FR" i="1" dirty="0"/>
+              <a:t>Objectif</a:t>
+            </a:r>
+          </a:p>
+        </p:txBody>
+      </p:sp>
+      <p:sp>
+        <p:nvSpPr>
+          <p:cNvPr id="11" name="Titre 1">
+            <a:extLst>
+              <a:ext uri="{FF2B5EF4-FFF2-40B4-BE49-F238E27FC236}">
+                <a16:creationId xmlns:a16="http://schemas.microsoft.com/office/drawing/2014/main" id="{B7F08044-0541-44A8-ACEA-DEE823E754E2}"/>
               </a:ext>
             </a:extLst>
           </p:cNvPr>
@@ -8633,7 +9764,7 @@
         <p:spPr>
           <a:xfrm>
             <a:off x="129540" y="0"/>
-            <a:ext cx="4206240" cy="1325563"/>
+            <a:ext cx="4926712" cy="1325563"/>
           </a:xfrm>
         </p:spPr>
         <p:txBody>
@@ -8642,46 +9773,45 @@
           <a:p>
             <a:r>
               <a:rPr lang="fr-FR" dirty="0"/>
-              <a:t>Besoins du client</a:t>
-            </a:r>
-          </a:p>
-        </p:txBody>
-      </p:sp>
-      <p:sp>
-        <p:nvSpPr>
-          <p:cNvPr id="10" name="ZoneTexte 9">
-            <a:extLst>
-              <a:ext uri="{FF2B5EF4-FFF2-40B4-BE49-F238E27FC236}">
-                <a16:creationId xmlns:a16="http://schemas.microsoft.com/office/drawing/2014/main" id="{91E0E19B-9C55-4D7F-AEC2-B7CC2034D4EC}"/>
-              </a:ext>
-            </a:extLst>
-          </p:cNvPr>
-          <p:cNvSpPr txBox="1"/>
+              <a:t>Analyse des besoins</a:t>
+            </a:r>
+          </a:p>
+        </p:txBody>
+      </p:sp>
+      <p:pic>
+        <p:nvPicPr>
+          <p:cNvPr id="12" name="Image 11" descr="Une image contenant couteau&#10;&#10;Description générée automatiquement">
+            <a:extLst>
+              <a:ext uri="{FF2B5EF4-FFF2-40B4-BE49-F238E27FC236}">
+                <a16:creationId xmlns:a16="http://schemas.microsoft.com/office/drawing/2014/main" id="{C51CE6E3-2D47-4F9E-A45D-F56FCD96A10D}"/>
+              </a:ext>
+            </a:extLst>
+          </p:cNvPr>
+          <p:cNvPicPr>
+            <a:picLocks noChangeAspect="1"/>
+          </p:cNvPicPr>
           <p:nvPr/>
-        </p:nvSpPr>
-        <p:spPr>
-          <a:xfrm>
-            <a:off x="83820" y="956231"/>
-            <a:ext cx="2141220" cy="369332"/>
+        </p:nvPicPr>
+        <p:blipFill rotWithShape="1">
+          <a:blip r:embed="rId4"/>
+          <a:srcRect r="2" b="16856"/>
+          <a:stretch/>
+        </p:blipFill>
+        <p:spPr>
+          <a:xfrm>
+            <a:off x="4788203" y="514159"/>
+            <a:ext cx="383197" cy="324828"/>
           </a:xfrm>
           <a:prstGeom prst="rect">
             <a:avLst/>
           </a:prstGeom>
-          <a:noFill/>
-        </p:spPr>
-        <p:txBody>
-          <a:bodyPr wrap="square" rtlCol="0">
-            <a:spAutoFit/>
-          </a:bodyPr>
-          <a:lstStyle/>
-          <a:p>
-            <a:r>
-              <a:rPr lang="fr-FR" i="1" dirty="0"/>
-              <a:t>Objectif</a:t>
-            </a:r>
-          </a:p>
-        </p:txBody>
-      </p:sp>
+          <a:ln>
+            <a:solidFill>
+              <a:schemeClr val="bg1"/>
+            </a:solidFill>
+          </a:ln>
+        </p:spPr>
+      </p:pic>
     </p:spTree>
     <p:extLst>
       <p:ext uri="{BB962C8B-B14F-4D97-AF65-F5344CB8AC3E}">
@@ -8791,7 +9921,7 @@
           <p:cNvPr id="2" name="Titre 1">
             <a:extLst>
               <a:ext uri="{FF2B5EF4-FFF2-40B4-BE49-F238E27FC236}">
-                <a16:creationId xmlns:a16="http://schemas.microsoft.com/office/drawing/2014/main" id="{78EB769C-1C1D-4D9B-B3CA-4C8EAC5E8198}"/>
+                <a16:creationId xmlns:a16="http://schemas.microsoft.com/office/drawing/2014/main" id="{3D758C1C-AD7D-4A5F-A517-82C141E10E20}"/>
               </a:ext>
             </a:extLst>
           </p:cNvPr>
@@ -8815,12 +9945,12 @@
           <a:lstStyle/>
           <a:p>
             <a:r>
-              <a:rPr lang="fr-FR" sz="5000">
+              <a:rPr lang="fr-FR" sz="5400">
                 <a:solidFill>
                   <a:srgbClr val="1B1B1B"/>
                 </a:solidFill>
               </a:rPr>
-              <a:t>Description Générale de la Solution</a:t>
+              <a:t>Spécifications Techniques</a:t>
             </a:r>
           </a:p>
         </p:txBody>
@@ -8961,7 +10091,7 @@
           <p:cNvPr id="4" name="Image 3" descr="Une image contenant dessin&#10;&#10;Description générée automatiquement">
             <a:extLst>
               <a:ext uri="{FF2B5EF4-FFF2-40B4-BE49-F238E27FC236}">
-                <a16:creationId xmlns:a16="http://schemas.microsoft.com/office/drawing/2014/main" id="{1D6BC720-C59E-4038-A048-AEDFC5783038}"/>
+                <a16:creationId xmlns:a16="http://schemas.microsoft.com/office/drawing/2014/main" id="{8C8E35CB-83FA-4998-8414-044FDAED8389}"/>
               </a:ext>
             </a:extLst>
           </p:cNvPr>
@@ -9182,7 +10312,7 @@
     </p:spTree>
     <p:extLst>
       <p:ext uri="{BB962C8B-B14F-4D97-AF65-F5344CB8AC3E}">
-        <p14:creationId xmlns:p14="http://schemas.microsoft.com/office/powerpoint/2010/main" val="401882958"/>
+        <p14:creationId xmlns:p14="http://schemas.microsoft.com/office/powerpoint/2010/main" val="3913071061"/>
       </p:ext>
     </p:extLst>
   </p:cSld>
@@ -9195,14 +10325,6 @@
 <file path=ppt/slides/slide7.xml><?xml version="1.0" encoding="utf-8"?>
 <p:sld xmlns:a="http://schemas.openxmlformats.org/drawingml/2006/main" xmlns:r="http://schemas.openxmlformats.org/officeDocument/2006/relationships" xmlns:p="http://schemas.openxmlformats.org/presentationml/2006/main">
   <p:cSld>
-    <p:bg>
-      <p:bgPr>
-        <a:solidFill>
-          <a:schemeClr val="bg1"/>
-        </a:solidFill>
-        <a:effectLst/>
-      </p:bgPr>
-    </p:bg>
     <p:spTree>
       <p:nvGrpSpPr>
         <p:cNvPr id="1" name=""/>
@@ -9219,76 +10341,10 @@
       </p:grpSpPr>
       <p:sp>
         <p:nvSpPr>
-          <p:cNvPr id="9" name="Rectangle 8">
-            <a:extLst>
-              <a:ext uri="{FF2B5EF4-FFF2-40B4-BE49-F238E27FC236}">
-                <a16:creationId xmlns:a16="http://schemas.microsoft.com/office/drawing/2014/main" id="{936CFC0A-8C37-453C-9488-1B30FBC3B3B0}"/>
-              </a:ext>
-              <a:ext uri="{C183D7F6-B498-43B3-948B-1728B52AA6E4}">
-                <adec:decorative xmlns:adec="http://schemas.microsoft.com/office/drawing/2017/decorative" val="1"/>
-              </a:ext>
-            </a:extLst>
-          </p:cNvPr>
-          <p:cNvSpPr>
-            <a:spLocks noGrp="1" noRot="1" noChangeAspect="1" noMove="1" noResize="1" noEditPoints="1" noAdjustHandles="1" noChangeArrowheads="1" noChangeShapeType="1" noTextEdit="1"/>
-          </p:cNvSpPr>
-          <p:nvPr>
-            <p:extLst>
-              <p:ext uri="{386F3935-93C4-4BCD-93E2-E3B085C9AB24}">
-                <p16:designElem xmlns:p16="http://schemas.microsoft.com/office/powerpoint/2015/main" val="1"/>
-              </p:ext>
-            </p:extLst>
-          </p:nvPr>
-        </p:nvSpPr>
-        <p:spPr>
-          <a:xfrm>
-            <a:off x="0" y="0"/>
-            <a:ext cx="12192000" cy="6858000"/>
-          </a:xfrm>
-          <a:prstGeom prst="rect">
-            <a:avLst/>
-          </a:prstGeom>
-          <a:solidFill>
-            <a:srgbClr val="FFFFFF"/>
-          </a:solidFill>
-          <a:ln w="12700" cap="flat" cmpd="sng" algn="ctr">
-            <a:noFill/>
-            <a:prstDash val="solid"/>
-            <a:miter lim="800000"/>
-          </a:ln>
-          <a:effectLst/>
-        </p:spPr>
-        <p:style>
-          <a:lnRef idx="2">
-            <a:schemeClr val="accent1">
-              <a:shade val="50000"/>
-            </a:schemeClr>
-          </a:lnRef>
-          <a:fillRef idx="1">
-            <a:schemeClr val="accent1"/>
-          </a:fillRef>
-          <a:effectRef idx="0">
-            <a:schemeClr val="accent1"/>
-          </a:effectRef>
-          <a:fontRef idx="minor">
-            <a:schemeClr val="lt1"/>
-          </a:fontRef>
-        </p:style>
-        <p:txBody>
-          <a:bodyPr rtlCol="0" anchor="ctr"/>
-          <a:lstStyle/>
-          <a:p>
-            <a:pPr algn="ctr"/>
-            <a:endParaRPr lang="en-US"/>
-          </a:p>
-        </p:txBody>
-      </p:sp>
-      <p:sp>
-        <p:nvSpPr>
-          <p:cNvPr id="2" name="Titre 1">
-            <a:extLst>
-              <a:ext uri="{FF2B5EF4-FFF2-40B4-BE49-F238E27FC236}">
-                <a16:creationId xmlns:a16="http://schemas.microsoft.com/office/drawing/2014/main" id="{745F29E1-4E7B-47B0-92AB-78C095D7D04A}"/>
+          <p:cNvPr id="5" name="Titre 1">
+            <a:extLst>
+              <a:ext uri="{FF2B5EF4-FFF2-40B4-BE49-F238E27FC236}">
+                <a16:creationId xmlns:a16="http://schemas.microsoft.com/office/drawing/2014/main" id="{BA30865C-3393-4E44-A14D-E3EB2B954861}"/>
               </a:ext>
             </a:extLst>
           </p:cNvPr>
@@ -9296,169 +10352,329 @@
             <a:spLocks noGrp="1"/>
           </p:cNvSpPr>
           <p:nvPr>
-            <p:ph type="ctrTitle"/>
+            <p:ph type="title"/>
           </p:nvPr>
         </p:nvSpPr>
         <p:spPr>
           <a:xfrm>
-            <a:off x="1382597" y="3424348"/>
-            <a:ext cx="9426806" cy="1424410"/>
-          </a:xfrm>
-        </p:spPr>
-        <p:txBody>
-          <a:bodyPr anchor="b">
-            <a:normAutofit/>
+            <a:off x="129540" y="0"/>
+            <a:ext cx="8221980" cy="1325563"/>
+          </a:xfrm>
+        </p:spPr>
+        <p:txBody>
+          <a:bodyPr/>
+          <a:lstStyle/>
+          <a:p>
+            <a:r>
+              <a:rPr lang="fr-FR" dirty="0"/>
+              <a:t>Spécifications Techniques</a:t>
+            </a:r>
+          </a:p>
+        </p:txBody>
+      </p:sp>
+      <p:sp>
+        <p:nvSpPr>
+          <p:cNvPr id="6" name="ZoneTexte 5">
+            <a:extLst>
+              <a:ext uri="{FF2B5EF4-FFF2-40B4-BE49-F238E27FC236}">
+                <a16:creationId xmlns:a16="http://schemas.microsoft.com/office/drawing/2014/main" id="{DF02C497-D03A-4948-8530-B9053CAC30E7}"/>
+              </a:ext>
+            </a:extLst>
+          </p:cNvPr>
+          <p:cNvSpPr txBox="1"/>
+          <p:nvPr/>
+        </p:nvSpPr>
+        <p:spPr>
+          <a:xfrm>
+            <a:off x="83820" y="956231"/>
+            <a:ext cx="3009900" cy="369332"/>
+          </a:xfrm>
+          <a:prstGeom prst="rect">
+            <a:avLst/>
+          </a:prstGeom>
+          <a:noFill/>
+        </p:spPr>
+        <p:txBody>
+          <a:bodyPr wrap="square" rtlCol="0">
+            <a:spAutoFit/>
           </a:bodyPr>
           <a:lstStyle/>
           <a:p>
             <a:r>
-              <a:rPr lang="fr-FR" sz="5400">
-                <a:solidFill>
-                  <a:srgbClr val="1B1B1B"/>
-                </a:solidFill>
-              </a:rPr>
-              <a:t>Spécifications Fonctionnelles</a:t>
-            </a:r>
-          </a:p>
-        </p:txBody>
-      </p:sp>
-      <p:sp>
-        <p:nvSpPr>
-          <p:cNvPr id="11" name="Oval 10">
-            <a:extLst>
-              <a:ext uri="{FF2B5EF4-FFF2-40B4-BE49-F238E27FC236}">
-                <a16:creationId xmlns:a16="http://schemas.microsoft.com/office/drawing/2014/main" id="{FBC3EAFD-A275-4F9B-8F62-72B6678F35A8}"/>
-              </a:ext>
-              <a:ext uri="{C183D7F6-B498-43B3-948B-1728B52AA6E4}">
-                <adec:decorative xmlns:adec="http://schemas.microsoft.com/office/drawing/2017/decorative" val="1"/>
-              </a:ext>
-            </a:extLst>
-          </p:cNvPr>
-          <p:cNvSpPr>
-            <a:spLocks noGrp="1" noRot="1" noChangeAspect="1" noMove="1" noResize="1" noEditPoints="1" noAdjustHandles="1" noChangeArrowheads="1" noChangeShapeType="1" noTextEdit="1"/>
-          </p:cNvSpPr>
-          <p:nvPr>
-            <p:extLst>
-              <p:ext uri="{386F3935-93C4-4BCD-93E2-E3B085C9AB24}">
-                <p16:designElem xmlns:p16="http://schemas.microsoft.com/office/powerpoint/2015/main" val="1"/>
-              </p:ext>
-            </p:extLst>
-          </p:nvPr>
-        </p:nvSpPr>
-        <p:spPr>
-          <a:xfrm>
-            <a:off x="4908526" y="933319"/>
-            <a:ext cx="2463430" cy="2486070"/>
-          </a:xfrm>
-          <a:prstGeom prst="ellipse">
+              <a:rPr lang="fr-FR" i="1" dirty="0"/>
+              <a:t>Identification Fonctionnelle</a:t>
+            </a:r>
+          </a:p>
+        </p:txBody>
+      </p:sp>
+      <p:sp>
+        <p:nvSpPr>
+          <p:cNvPr id="2" name="ZoneTexte 1">
+            <a:extLst>
+              <a:ext uri="{FF2B5EF4-FFF2-40B4-BE49-F238E27FC236}">
+                <a16:creationId xmlns:a16="http://schemas.microsoft.com/office/drawing/2014/main" id="{CA6CD6A8-0BEC-414A-9EDB-43C66AF6CD42}"/>
+              </a:ext>
+            </a:extLst>
+          </p:cNvPr>
+          <p:cNvSpPr txBox="1"/>
+          <p:nvPr/>
+        </p:nvSpPr>
+        <p:spPr>
+          <a:xfrm>
+            <a:off x="263951" y="1847655"/>
+            <a:ext cx="5514679" cy="4062651"/>
+          </a:xfrm>
+          <a:prstGeom prst="rect">
             <a:avLst/>
           </a:prstGeom>
-          <a:solidFill>
-            <a:schemeClr val="accent1"/>
-          </a:solidFill>
-          <a:ln>
-            <a:noFill/>
-          </a:ln>
-        </p:spPr>
-        <p:style>
-          <a:lnRef idx="2">
-            <a:schemeClr val="accent1">
-              <a:shade val="50000"/>
-            </a:schemeClr>
-          </a:lnRef>
-          <a:fillRef idx="1">
-            <a:schemeClr val="accent1"/>
-          </a:fillRef>
-          <a:effectRef idx="0">
-            <a:schemeClr val="accent1"/>
-          </a:effectRef>
-          <a:fontRef idx="minor">
-            <a:schemeClr val="lt1"/>
-          </a:fontRef>
-        </p:style>
-        <p:txBody>
-          <a:bodyPr rtlCol="0" anchor="ctr"/>
+          <a:noFill/>
+        </p:spPr>
+        <p:txBody>
+          <a:bodyPr wrap="square" rtlCol="0">
+            <a:spAutoFit/>
+          </a:bodyPr>
           <a:lstStyle/>
           <a:p>
-            <a:pPr algn="ctr"/>
-            <a:endParaRPr lang="en-US"/>
-          </a:p>
-        </p:txBody>
-      </p:sp>
-      <p:sp>
-        <p:nvSpPr>
-          <p:cNvPr id="13" name="Oval 12">
-            <a:extLst>
-              <a:ext uri="{FF2B5EF4-FFF2-40B4-BE49-F238E27FC236}">
-                <a16:creationId xmlns:a16="http://schemas.microsoft.com/office/drawing/2014/main" id="{06E64A6D-2B9F-4AAD-AB42-A61BAF01AC12}"/>
-              </a:ext>
-              <a:ext uri="{C183D7F6-B498-43B3-948B-1728B52AA6E4}">
-                <adec:decorative xmlns:adec="http://schemas.microsoft.com/office/drawing/2017/decorative" val="1"/>
-              </a:ext>
-            </a:extLst>
-          </p:cNvPr>
-          <p:cNvSpPr>
-            <a:spLocks noGrp="1" noRot="1" noChangeAspect="1" noMove="1" noResize="1" noEditPoints="1" noAdjustHandles="1" noChangeArrowheads="1" noChangeShapeType="1" noTextEdit="1"/>
-          </p:cNvSpPr>
-          <p:nvPr>
-            <p:extLst>
-              <p:ext uri="{386F3935-93C4-4BCD-93E2-E3B085C9AB24}">
-                <p16:designElem xmlns:p16="http://schemas.microsoft.com/office/powerpoint/2015/main" val="1"/>
-              </p:ext>
-            </p:extLst>
-          </p:nvPr>
-        </p:nvSpPr>
-        <p:spPr>
-          <a:xfrm>
-            <a:off x="5117592" y="1268361"/>
-            <a:ext cx="1956816" cy="1953058"/>
-          </a:xfrm>
-          <a:prstGeom prst="ellipse">
+            <a:r>
+              <a:rPr lang="fr-FR" sz="2000" i="1" u="sng" dirty="0"/>
+              <a:t>Gestion des fonctionnalités</a:t>
+            </a:r>
+          </a:p>
+          <a:p>
+            <a:endParaRPr lang="fr-FR" sz="2000" i="1" u="sng" dirty="0"/>
+          </a:p>
+          <a:p>
+            <a:pPr marL="285750" indent="-285750">
+              <a:buFont typeface="Arial" panose="020B0604020202020204" pitchFamily="34" charset="0"/>
+              <a:buChar char="•"/>
+            </a:pPr>
+            <a:r>
+              <a:rPr lang="fr-FR" sz="2000" i="1" dirty="0"/>
+              <a:t>Aspect et navigation</a:t>
+            </a:r>
+          </a:p>
+          <a:p>
+            <a:pPr marL="285750" indent="-285750">
+              <a:buFont typeface="Arial" panose="020B0604020202020204" pitchFamily="34" charset="0"/>
+              <a:buChar char="•"/>
+            </a:pPr>
+            <a:endParaRPr lang="fr-FR" sz="2000" i="1" dirty="0"/>
+          </a:p>
+          <a:p>
+            <a:pPr marL="285750" indent="-285750">
+              <a:buFont typeface="Arial" panose="020B0604020202020204" pitchFamily="34" charset="0"/>
+              <a:buChar char="•"/>
+            </a:pPr>
+            <a:r>
+              <a:rPr lang="fr-FR" sz="2000" i="1" dirty="0"/>
+              <a:t>Gestion des données et du temps réel</a:t>
+            </a:r>
+          </a:p>
+          <a:p>
+            <a:pPr marL="285750" indent="-285750">
+              <a:buFont typeface="Arial" panose="020B0604020202020204" pitchFamily="34" charset="0"/>
+              <a:buChar char="•"/>
+            </a:pPr>
+            <a:endParaRPr lang="fr-FR" sz="2000" i="1" dirty="0"/>
+          </a:p>
+          <a:p>
+            <a:pPr marL="285750" indent="-285750">
+              <a:buFont typeface="Arial" panose="020B0604020202020204" pitchFamily="34" charset="0"/>
+              <a:buChar char="•"/>
+            </a:pPr>
+            <a:r>
+              <a:rPr lang="fr-FR" sz="2000" i="1" dirty="0"/>
+              <a:t>Gestion des utilisateurs</a:t>
+            </a:r>
+          </a:p>
+          <a:p>
+            <a:pPr marL="285750" indent="-285750">
+              <a:buFont typeface="Arial" panose="020B0604020202020204" pitchFamily="34" charset="0"/>
+              <a:buChar char="•"/>
+            </a:pPr>
+            <a:endParaRPr lang="fr-FR" sz="2000" i="1" dirty="0"/>
+          </a:p>
+          <a:p>
+            <a:pPr marL="285750" indent="-285750">
+              <a:buFont typeface="Arial" panose="020B0604020202020204" pitchFamily="34" charset="0"/>
+              <a:buChar char="•"/>
+            </a:pPr>
+            <a:r>
+              <a:rPr lang="fr-FR" sz="2000" i="1" dirty="0"/>
+              <a:t>Gestion de l’authentification</a:t>
+            </a:r>
+          </a:p>
+          <a:p>
+            <a:pPr marL="285750" indent="-285750">
+              <a:buFont typeface="Arial" panose="020B0604020202020204" pitchFamily="34" charset="0"/>
+              <a:buChar char="•"/>
+            </a:pPr>
+            <a:endParaRPr lang="fr-FR" sz="2000" i="1" dirty="0"/>
+          </a:p>
+          <a:p>
+            <a:pPr marL="285750" indent="-285750">
+              <a:buFont typeface="Arial" panose="020B0604020202020204" pitchFamily="34" charset="0"/>
+              <a:buChar char="•"/>
+            </a:pPr>
+            <a:r>
+              <a:rPr lang="fr-FR" sz="2000" i="1" dirty="0"/>
+              <a:t>Gestion des transactions bancaires en ligne</a:t>
+            </a:r>
+          </a:p>
+          <a:p>
+            <a:endParaRPr lang="fr-FR" sz="2000" i="1" dirty="0"/>
+          </a:p>
+          <a:p>
+            <a:endParaRPr lang="fr-FR" dirty="0"/>
+          </a:p>
+        </p:txBody>
+      </p:sp>
+      <p:pic>
+        <p:nvPicPr>
+          <p:cNvPr id="8" name="Image 7">
+            <a:extLst>
+              <a:ext uri="{FF2B5EF4-FFF2-40B4-BE49-F238E27FC236}">
+                <a16:creationId xmlns:a16="http://schemas.microsoft.com/office/drawing/2014/main" id="{2662C598-B048-4184-A28C-E8C2F566D224}"/>
+              </a:ext>
+            </a:extLst>
+          </p:cNvPr>
+          <p:cNvPicPr>
+            <a:picLocks noChangeAspect="1"/>
+          </p:cNvPicPr>
+          <p:nvPr/>
+        </p:nvPicPr>
+        <p:blipFill>
+          <a:blip r:embed="rId2"/>
+          <a:stretch>
+            <a:fillRect/>
+          </a:stretch>
+        </p:blipFill>
+        <p:spPr>
+          <a:xfrm>
+            <a:off x="9763708" y="4485021"/>
+            <a:ext cx="1265030" cy="1265030"/>
+          </a:xfrm>
+          <a:prstGeom prst="rect">
             <a:avLst/>
           </a:prstGeom>
-          <a:solidFill>
-            <a:srgbClr val="FFFFFF"/>
-          </a:solidFill>
           <a:ln>
             <a:solidFill>
-              <a:schemeClr val="accent1">
-                <a:lumMod val="60000"/>
-                <a:lumOff val="40000"/>
-              </a:schemeClr>
+              <a:schemeClr val="tx1"/>
             </a:solidFill>
           </a:ln>
         </p:spPr>
-        <p:style>
-          <a:lnRef idx="2">
-            <a:schemeClr val="accent1">
-              <a:shade val="50000"/>
-            </a:schemeClr>
-          </a:lnRef>
-          <a:fillRef idx="1">
-            <a:schemeClr val="accent1"/>
-          </a:fillRef>
-          <a:effectRef idx="0">
-            <a:schemeClr val="accent1"/>
-          </a:effectRef>
-          <a:fontRef idx="minor">
-            <a:schemeClr val="lt1"/>
-          </a:fontRef>
-        </p:style>
-        <p:txBody>
-          <a:bodyPr rtlCol="0" anchor="ctr"/>
-          <a:lstStyle/>
-          <a:p>
-            <a:pPr algn="ctr"/>
-            <a:endParaRPr lang="en-US"/>
-          </a:p>
-        </p:txBody>
-      </p:sp>
+      </p:pic>
       <p:pic>
         <p:nvPicPr>
-          <p:cNvPr id="4" name="Image 3" descr="Une image contenant dessin&#10;&#10;Description générée automatiquement">
-            <a:extLst>
-              <a:ext uri="{FF2B5EF4-FFF2-40B4-BE49-F238E27FC236}">
-                <a16:creationId xmlns:a16="http://schemas.microsoft.com/office/drawing/2014/main" id="{529E7EE1-CFF9-42E9-A1D6-B5AC6B4ED8C6}"/>
+          <p:cNvPr id="7" name="Image 6">
+            <a:extLst>
+              <a:ext uri="{FF2B5EF4-FFF2-40B4-BE49-F238E27FC236}">
+                <a16:creationId xmlns:a16="http://schemas.microsoft.com/office/drawing/2014/main" id="{74342683-CC57-4D02-B28F-1238A5401A5B}"/>
+              </a:ext>
+            </a:extLst>
+          </p:cNvPr>
+          <p:cNvPicPr>
+            <a:picLocks noChangeAspect="1"/>
+          </p:cNvPicPr>
+          <p:nvPr/>
+        </p:nvPicPr>
+        <p:blipFill>
+          <a:blip r:embed="rId3"/>
+          <a:stretch>
+            <a:fillRect/>
+          </a:stretch>
+        </p:blipFill>
+        <p:spPr>
+          <a:xfrm>
+            <a:off x="6866115" y="4464419"/>
+            <a:ext cx="1055941" cy="1306234"/>
+          </a:xfrm>
+          <a:prstGeom prst="rect">
+            <a:avLst/>
+          </a:prstGeom>
+          <a:ln>
+            <a:solidFill>
+              <a:schemeClr val="tx1"/>
+            </a:solidFill>
+          </a:ln>
+        </p:spPr>
+      </p:pic>
+      <p:pic>
+        <p:nvPicPr>
+          <p:cNvPr id="9" name="Image 8">
+            <a:extLst>
+              <a:ext uri="{FF2B5EF4-FFF2-40B4-BE49-F238E27FC236}">
+                <a16:creationId xmlns:a16="http://schemas.microsoft.com/office/drawing/2014/main" id="{1E2CC4D7-2945-4924-920E-65E1FCA2368F}"/>
+              </a:ext>
+            </a:extLst>
+          </p:cNvPr>
+          <p:cNvPicPr>
+            <a:picLocks noChangeAspect="1"/>
+          </p:cNvPicPr>
+          <p:nvPr/>
+        </p:nvPicPr>
+        <p:blipFill>
+          <a:blip r:embed="rId4"/>
+          <a:stretch>
+            <a:fillRect/>
+          </a:stretch>
+        </p:blipFill>
+        <p:spPr>
+          <a:xfrm>
+            <a:off x="6035683" y="1620445"/>
+            <a:ext cx="1274545" cy="1274545"/>
+          </a:xfrm>
+          <a:prstGeom prst="rect">
+            <a:avLst/>
+          </a:prstGeom>
+          <a:ln>
+            <a:solidFill>
+              <a:schemeClr val="tx1"/>
+            </a:solidFill>
+          </a:ln>
+        </p:spPr>
+      </p:pic>
+      <p:pic>
+        <p:nvPicPr>
+          <p:cNvPr id="11" name="Image 10">
+            <a:extLst>
+              <a:ext uri="{FF2B5EF4-FFF2-40B4-BE49-F238E27FC236}">
+                <a16:creationId xmlns:a16="http://schemas.microsoft.com/office/drawing/2014/main" id="{FF276D3B-20E7-4532-81B1-8CAE247DDCA2}"/>
+              </a:ext>
+            </a:extLst>
+          </p:cNvPr>
+          <p:cNvPicPr>
+            <a:picLocks noChangeAspect="1"/>
+          </p:cNvPicPr>
+          <p:nvPr/>
+        </p:nvPicPr>
+        <p:blipFill>
+          <a:blip r:embed="rId5"/>
+          <a:stretch>
+            <a:fillRect/>
+          </a:stretch>
+        </p:blipFill>
+        <p:spPr>
+          <a:xfrm>
+            <a:off x="8203358" y="688289"/>
+            <a:ext cx="1379340" cy="1074513"/>
+          </a:xfrm>
+          <a:prstGeom prst="rect">
+            <a:avLst/>
+          </a:prstGeom>
+          <a:ln>
+            <a:solidFill>
+              <a:schemeClr val="tx1"/>
+            </a:solidFill>
+          </a:ln>
+        </p:spPr>
+      </p:pic>
+      <p:pic>
+        <p:nvPicPr>
+          <p:cNvPr id="13" name="Image 12" descr="Une image contenant dessin, signe, ordinateur&#10;&#10;Description générée automatiquement">
+            <a:extLst>
+              <a:ext uri="{FF2B5EF4-FFF2-40B4-BE49-F238E27FC236}">
+                <a16:creationId xmlns:a16="http://schemas.microsoft.com/office/drawing/2014/main" id="{140CFA74-7AEA-4A49-937A-504EF57990C6}"/>
               </a:ext>
             </a:extLst>
           </p:cNvPr>
@@ -9468,218 +10684,98 @@
           <p:nvPr/>
         </p:nvPicPr>
         <p:blipFill rotWithShape="1">
-          <a:blip r:embed="rId2">
-            <a:alphaModFix/>
-          </a:blip>
-          <a:srcRect l="6322" r="3" b="3"/>
+          <a:blip r:embed="rId6"/>
+          <a:srcRect l="3301" r="1294" b="1"/>
           <a:stretch/>
         </p:blipFill>
         <p:spPr>
           <a:xfrm>
-            <a:off x="5181600" y="1330490"/>
-            <a:ext cx="1828800" cy="1828800"/>
-          </a:xfrm>
-          <a:custGeom>
+            <a:off x="8022349" y="2572859"/>
+            <a:ext cx="1741359" cy="1504892"/>
+          </a:xfrm>
+          <a:prstGeom prst="rect">
             <a:avLst/>
-            <a:gdLst/>
-            <a:ahLst/>
-            <a:cxnLst/>
-            <a:rect l="l" t="t" r="r" b="b"/>
-            <a:pathLst>
-              <a:path w="6057610" h="6057610">
-                <a:moveTo>
-                  <a:pt x="3028805" y="0"/>
-                </a:moveTo>
-                <a:cubicBezTo>
-                  <a:pt x="4701568" y="0"/>
-                  <a:pt x="6057610" y="1356042"/>
-                  <a:pt x="6057610" y="3028805"/>
-                </a:cubicBezTo>
-                <a:cubicBezTo>
-                  <a:pt x="6057610" y="4701568"/>
-                  <a:pt x="4701568" y="6057610"/>
-                  <a:pt x="3028805" y="6057610"/>
-                </a:cubicBezTo>
-                <a:cubicBezTo>
-                  <a:pt x="1356042" y="6057610"/>
-                  <a:pt x="0" y="4701568"/>
-                  <a:pt x="0" y="3028805"/>
-                </a:cubicBezTo>
-                <a:cubicBezTo>
-                  <a:pt x="0" y="1356042"/>
-                  <a:pt x="1356042" y="0"/>
-                  <a:pt x="3028805" y="0"/>
-                </a:cubicBezTo>
-                <a:close/>
-              </a:path>
-            </a:pathLst>
-          </a:custGeom>
-          <a:effectLst>
-            <a:softEdge rad="0"/>
-          </a:effectLst>
+          </a:prstGeom>
+          <a:ln>
+            <a:solidFill>
+              <a:schemeClr val="bg1"/>
+            </a:solidFill>
+          </a:ln>
         </p:spPr>
       </p:pic>
       <p:pic>
         <p:nvPicPr>
-          <p:cNvPr id="15" name="Picture 14">
-            <a:extLst>
-              <a:ext uri="{FF2B5EF4-FFF2-40B4-BE49-F238E27FC236}">
-                <a16:creationId xmlns:a16="http://schemas.microsoft.com/office/drawing/2014/main" id="{C51881DD-AD85-41BE-8A49-C2FB45800E10}"/>
-              </a:ext>
-              <a:ext uri="{C183D7F6-B498-43B3-948B-1728B52AA6E4}">
-                <adec:decorative xmlns:adec="http://schemas.microsoft.com/office/drawing/2017/decorative" val="1"/>
+          <p:cNvPr id="3" name="Image 2">
+            <a:extLst>
+              <a:ext uri="{FF2B5EF4-FFF2-40B4-BE49-F238E27FC236}">
+                <a16:creationId xmlns:a16="http://schemas.microsoft.com/office/drawing/2014/main" id="{09A1DF78-70BC-4631-AF46-6F02677C3DA5}"/>
               </a:ext>
             </a:extLst>
           </p:cNvPr>
           <p:cNvPicPr>
-            <a:picLocks noGrp="1" noRot="1" noChangeAspect="1" noMove="1" noResize="1" noEditPoints="1" noAdjustHandles="1" noChangeArrowheads="1" noChangeShapeType="1" noCrop="1"/>
+            <a:picLocks noChangeAspect="1"/>
           </p:cNvPicPr>
-          <p:nvPr>
-            <p:extLst>
-              <p:ext uri="{386F3935-93C4-4BCD-93E2-E3B085C9AB24}">
-                <p16:designElem xmlns:p16="http://schemas.microsoft.com/office/powerpoint/2015/main" val="1"/>
-              </p:ext>
-            </p:extLst>
-          </p:nvPr>
+          <p:nvPr/>
         </p:nvPicPr>
         <p:blipFill>
-          <a:blip r:embed="rId3" cstate="print">
-            <a:extLst>
-              <a:ext uri="{28A0092B-C50C-407E-A947-70E740481C1C}">
-                <a14:useLocalDpi xmlns:a14="http://schemas.microsoft.com/office/drawing/2010/main" val="0"/>
-              </a:ext>
-            </a:extLst>
-          </a:blip>
-          <a:srcRect l="33525" t="5243" r="33525" b="36180"/>
+          <a:blip r:embed="rId7"/>
           <a:stretch>
             <a:fillRect/>
           </a:stretch>
         </p:blipFill>
         <p:spPr>
           <a:xfrm>
-            <a:off x="4860081" y="896194"/>
-            <a:ext cx="2560320" cy="2560320"/>
-          </a:xfrm>
-          <a:custGeom>
-            <a:avLst/>
-            <a:gdLst>
-              <a:gd name="connsiteX0" fmla="*/ 2008598 w 4017196"/>
-              <a:gd name="connsiteY0" fmla="*/ 0 h 4017196"/>
-              <a:gd name="connsiteX1" fmla="*/ 4017196 w 4017196"/>
-              <a:gd name="connsiteY1" fmla="*/ 2008598 h 4017196"/>
-              <a:gd name="connsiteX2" fmla="*/ 2008598 w 4017196"/>
-              <a:gd name="connsiteY2" fmla="*/ 4017196 h 4017196"/>
-              <a:gd name="connsiteX3" fmla="*/ 0 w 4017196"/>
-              <a:gd name="connsiteY3" fmla="*/ 2008598 h 4017196"/>
-              <a:gd name="connsiteX4" fmla="*/ 2008598 w 4017196"/>
-              <a:gd name="connsiteY4" fmla="*/ 0 h 4017196"/>
-            </a:gdLst>
-            <a:ahLst/>
-            <a:cxnLst>
-              <a:cxn ang="0">
-                <a:pos x="connsiteX0" y="connsiteY0"/>
-              </a:cxn>
-              <a:cxn ang="0">
-                <a:pos x="connsiteX1" y="connsiteY1"/>
-              </a:cxn>
-              <a:cxn ang="0">
-                <a:pos x="connsiteX2" y="connsiteY2"/>
-              </a:cxn>
-              <a:cxn ang="0">
-                <a:pos x="connsiteX3" y="connsiteY3"/>
-              </a:cxn>
-              <a:cxn ang="0">
-                <a:pos x="connsiteX4" y="connsiteY4"/>
-              </a:cxn>
-            </a:cxnLst>
-            <a:rect l="l" t="t" r="r" b="b"/>
-            <a:pathLst>
-              <a:path w="4017196" h="4017196">
-                <a:moveTo>
-                  <a:pt x="2008598" y="0"/>
-                </a:moveTo>
-                <a:cubicBezTo>
-                  <a:pt x="3117916" y="0"/>
-                  <a:pt x="4017196" y="899280"/>
-                  <a:pt x="4017196" y="2008598"/>
-                </a:cubicBezTo>
-                <a:cubicBezTo>
-                  <a:pt x="4017196" y="3117916"/>
-                  <a:pt x="3117916" y="4017196"/>
-                  <a:pt x="2008598" y="4017196"/>
-                </a:cubicBezTo>
-                <a:cubicBezTo>
-                  <a:pt x="899280" y="4017196"/>
-                  <a:pt x="0" y="3117916"/>
-                  <a:pt x="0" y="2008598"/>
-                </a:cubicBezTo>
-                <a:cubicBezTo>
-                  <a:pt x="0" y="899280"/>
-                  <a:pt x="899280" y="0"/>
-                  <a:pt x="2008598" y="0"/>
-                </a:cubicBezTo>
-                <a:close/>
-              </a:path>
-            </a:pathLst>
-          </a:custGeom>
-        </p:spPr>
-      </p:pic>
-      <p:cxnSp>
-        <p:nvCxnSpPr>
-          <p:cNvPr id="17" name="Straight Connector 16">
-            <a:extLst>
-              <a:ext uri="{FF2B5EF4-FFF2-40B4-BE49-F238E27FC236}">
-                <a16:creationId xmlns:a16="http://schemas.microsoft.com/office/drawing/2014/main" id="{9AD20FE8-ED02-4CDE-83B1-A1436305C3DC}"/>
-              </a:ext>
-              <a:ext uri="{C183D7F6-B498-43B3-948B-1728B52AA6E4}">
-                <adec:decorative xmlns:adec="http://schemas.microsoft.com/office/drawing/2017/decorative" val="1"/>
-              </a:ext>
-            </a:extLst>
-          </p:cNvPr>
-          <p:cNvCxnSpPr>
-            <a:cxnSpLocks noGrp="1" noRot="1" noChangeAspect="1" noMove="1" noResize="1" noEditPoints="1" noAdjustHandles="1" noChangeArrowheads="1" noChangeShapeType="1"/>
-          </p:cNvCxnSpPr>
-          <p:nvPr>
-            <p:extLst>
-              <p:ext uri="{386F3935-93C4-4BCD-93E2-E3B085C9AB24}">
-                <p16:designElem xmlns:p16="http://schemas.microsoft.com/office/powerpoint/2015/main" val="1"/>
-              </p:ext>
-            </p:extLst>
-          </p:nvPr>
-        </p:nvCxnSpPr>
-        <p:spPr>
-          <a:xfrm>
-            <a:off x="5775960" y="4971278"/>
-            <a:ext cx="640080" cy="0"/>
-          </a:xfrm>
-          <a:prstGeom prst="line">
+            <a:off x="10262785" y="1620444"/>
+            <a:ext cx="1531905" cy="1274545"/>
+          </a:xfrm>
+          <a:prstGeom prst="rect">
             <a:avLst/>
           </a:prstGeom>
-          <a:ln w="28575">
+          <a:ln>
             <a:solidFill>
-              <a:srgbClr val="404040"/>
+              <a:schemeClr val="tx1"/>
             </a:solidFill>
           </a:ln>
         </p:spPr>
-        <p:style>
-          <a:lnRef idx="1">
-            <a:schemeClr val="accent1"/>
-          </a:lnRef>
-          <a:fillRef idx="0">
-            <a:schemeClr val="accent1"/>
-          </a:fillRef>
-          <a:effectRef idx="0">
-            <a:schemeClr val="accent1"/>
-          </a:effectRef>
-          <a:fontRef idx="minor">
-            <a:schemeClr val="tx1"/>
-          </a:fontRef>
-        </p:style>
-      </p:cxnSp>
+      </p:pic>
+      <p:pic>
+        <p:nvPicPr>
+          <p:cNvPr id="14" name="Image 13" descr="Une image contenant dessin&#10;&#10;Description générée automatiquement">
+            <a:extLst>
+              <a:ext uri="{FF2B5EF4-FFF2-40B4-BE49-F238E27FC236}">
+                <a16:creationId xmlns:a16="http://schemas.microsoft.com/office/drawing/2014/main" id="{CFD5346A-AB8B-4F8E-8C00-49D30FC98572}"/>
+              </a:ext>
+            </a:extLst>
+          </p:cNvPr>
+          <p:cNvPicPr>
+            <a:picLocks noChangeAspect="1"/>
+          </p:cNvPicPr>
+          <p:nvPr/>
+        </p:nvPicPr>
+        <p:blipFill rotWithShape="1">
+          <a:blip r:embed="rId8"/>
+          <a:srcRect l="6322"/>
+          <a:stretch/>
+        </p:blipFill>
+        <p:spPr>
+          <a:xfrm>
+            <a:off x="6035683" y="437107"/>
+            <a:ext cx="462694" cy="462695"/>
+          </a:xfrm>
+          <a:prstGeom prst="rect">
+            <a:avLst/>
+          </a:prstGeom>
+          <a:ln>
+            <a:solidFill>
+              <a:schemeClr val="bg1"/>
+            </a:solidFill>
+          </a:ln>
+        </p:spPr>
+      </p:pic>
     </p:spTree>
     <p:extLst>
       <p:ext uri="{BB962C8B-B14F-4D97-AF65-F5344CB8AC3E}">
-        <p14:creationId xmlns:p14="http://schemas.microsoft.com/office/powerpoint/2010/main" val="67447573"/>
+        <p14:creationId xmlns:p14="http://schemas.microsoft.com/office/powerpoint/2010/main" val="3882125936"/>
       </p:ext>
     </p:extLst>
   </p:cSld>
@@ -9734,7 +10830,7 @@
           <a:p>
             <a:r>
               <a:rPr lang="fr-FR" dirty="0"/>
-              <a:t>Spécifications Fonctionnelles</a:t>
+              <a:t>Spécifications Techniques</a:t>
             </a:r>
           </a:p>
         </p:txBody>
@@ -9754,7 +10850,7 @@
         <p:spPr>
           <a:xfrm>
             <a:off x="83820" y="956231"/>
-            <a:ext cx="2141220" cy="369332"/>
+            <a:ext cx="3009900" cy="369332"/>
           </a:xfrm>
           <a:prstGeom prst="rect">
             <a:avLst/>
@@ -9769,17 +10865,17 @@
           <a:p>
             <a:r>
               <a:rPr lang="fr-FR" i="1" dirty="0"/>
-              <a:t>Les acteurs</a:t>
+              <a:t>Identification Fonctionnelle</a:t>
             </a:r>
           </a:p>
         </p:txBody>
       </p:sp>
       <p:pic>
         <p:nvPicPr>
-          <p:cNvPr id="7" name="Image 6">
-            <a:extLst>
-              <a:ext uri="{FF2B5EF4-FFF2-40B4-BE49-F238E27FC236}">
-                <a16:creationId xmlns:a16="http://schemas.microsoft.com/office/drawing/2014/main" id="{66ED12E5-3969-4477-BB36-EAC8B8FD5CB5}"/>
+          <p:cNvPr id="10" name="Image 9">
+            <a:extLst>
+              <a:ext uri="{FF2B5EF4-FFF2-40B4-BE49-F238E27FC236}">
+                <a16:creationId xmlns:a16="http://schemas.microsoft.com/office/drawing/2014/main" id="{BDAB4F21-6164-4B3A-95FE-46D61FECB638}"/>
               </a:ext>
             </a:extLst>
           </p:cNvPr>
@@ -9796,20 +10892,89 @@
         </p:blipFill>
         <p:spPr>
           <a:xfrm>
-            <a:off x="415033" y="2679163"/>
-            <a:ext cx="3977897" cy="3687204"/>
+            <a:off x="5476973" y="1478679"/>
+            <a:ext cx="5600475" cy="3894429"/>
           </a:xfrm>
           <a:prstGeom prst="rect">
             <a:avLst/>
           </a:prstGeom>
+          <a:ln>
+            <a:solidFill>
+              <a:schemeClr val="tx1"/>
+            </a:solidFill>
+          </a:ln>
         </p:spPr>
       </p:pic>
+      <p:sp>
+        <p:nvSpPr>
+          <p:cNvPr id="2" name="ZoneTexte 1">
+            <a:extLst>
+              <a:ext uri="{FF2B5EF4-FFF2-40B4-BE49-F238E27FC236}">
+                <a16:creationId xmlns:a16="http://schemas.microsoft.com/office/drawing/2014/main" id="{CA6CD6A8-0BEC-414A-9EDB-43C66AF6CD42}"/>
+              </a:ext>
+            </a:extLst>
+          </p:cNvPr>
+          <p:cNvSpPr txBox="1"/>
+          <p:nvPr/>
+        </p:nvSpPr>
+        <p:spPr>
+          <a:xfrm>
+            <a:off x="630063" y="2305615"/>
+            <a:ext cx="3695308" cy="2246769"/>
+          </a:xfrm>
+          <a:prstGeom prst="rect">
+            <a:avLst/>
+          </a:prstGeom>
+          <a:noFill/>
+        </p:spPr>
+        <p:txBody>
+          <a:bodyPr wrap="square" rtlCol="0">
+            <a:spAutoFit/>
+          </a:bodyPr>
+          <a:lstStyle/>
+          <a:p>
+            <a:pPr marL="285750" indent="-285750">
+              <a:buFont typeface="Arial" panose="020B0604020202020204" pitchFamily="34" charset="0"/>
+              <a:buChar char="•"/>
+            </a:pPr>
+            <a:r>
+              <a:rPr lang="fr-FR" sz="2000" i="1" dirty="0"/>
+              <a:t>Choix technologiques internes</a:t>
+            </a:r>
+          </a:p>
+          <a:p>
+            <a:endParaRPr lang="fr-FR" sz="2000" i="1" dirty="0"/>
+          </a:p>
+          <a:p>
+            <a:endParaRPr lang="fr-FR" sz="2000" i="1" dirty="0"/>
+          </a:p>
+          <a:p>
+            <a:endParaRPr lang="fr-FR" sz="2000" i="1" dirty="0"/>
+          </a:p>
+          <a:p>
+            <a:endParaRPr lang="fr-FR" sz="2000" i="1" dirty="0"/>
+          </a:p>
+          <a:p>
+            <a:pPr marL="285750" indent="-285750">
+              <a:buFont typeface="Arial" panose="020B0604020202020204" pitchFamily="34" charset="0"/>
+              <a:buChar char="•"/>
+            </a:pPr>
+            <a:r>
+              <a:rPr lang="fr-FR" sz="2000" i="1" dirty="0"/>
+              <a:t>Choix technologiques externes</a:t>
+            </a:r>
+          </a:p>
+          <a:p>
+            <a:endParaRPr lang="fr-FR" sz="2000" dirty="0"/>
+          </a:p>
+        </p:txBody>
+      </p:sp>
       <p:pic>
         <p:nvPicPr>
-          <p:cNvPr id="8" name="Image 7">
-            <a:extLst>
-              <a:ext uri="{FF2B5EF4-FFF2-40B4-BE49-F238E27FC236}">
-                <a16:creationId xmlns:a16="http://schemas.microsoft.com/office/drawing/2014/main" id="{2532B19D-A215-4F7A-A5B4-209CB72D91DE}"/>
+          <p:cNvPr id="7" name="Image 6" descr="Une image contenant dessin&#10;&#10;Description générée automatiquement">
+            <a:extLst>
+              <a:ext uri="{FF2B5EF4-FFF2-40B4-BE49-F238E27FC236}">
+                <a16:creationId xmlns:a16="http://schemas.microsoft.com/office/drawing/2014/main" id="{1CEFDDE4-DF57-409D-BA58-6D133A00694A}"/>
               </a:ext>
             </a:extLst>
           </p:cNvPr>
@@ -9818,56 +10983,30 @@
           </p:cNvPicPr>
           <p:nvPr/>
         </p:nvPicPr>
-        <p:blipFill>
+        <p:blipFill rotWithShape="1">
           <a:blip r:embed="rId3"/>
-          <a:stretch>
-            <a:fillRect/>
-          </a:stretch>
+          <a:srcRect l="6322"/>
+          <a:stretch/>
         </p:blipFill>
         <p:spPr>
           <a:xfrm>
-            <a:off x="5255739" y="2681593"/>
-            <a:ext cx="2392887" cy="3711739"/>
+            <a:off x="6035683" y="437107"/>
+            <a:ext cx="462694" cy="462695"/>
           </a:xfrm>
           <a:prstGeom prst="rect">
             <a:avLst/>
           </a:prstGeom>
-        </p:spPr>
-      </p:pic>
-      <p:pic>
-        <p:nvPicPr>
-          <p:cNvPr id="9" name="Image 8">
-            <a:extLst>
-              <a:ext uri="{FF2B5EF4-FFF2-40B4-BE49-F238E27FC236}">
-                <a16:creationId xmlns:a16="http://schemas.microsoft.com/office/drawing/2014/main" id="{501A1417-28AB-4EF4-9769-0D6334A254D7}"/>
-              </a:ext>
-            </a:extLst>
-          </p:cNvPr>
-          <p:cNvPicPr>
-            <a:picLocks noChangeAspect="1"/>
-          </p:cNvPicPr>
-          <p:nvPr/>
-        </p:nvPicPr>
-        <p:blipFill>
-          <a:blip r:embed="rId4"/>
-          <a:stretch>
-            <a:fillRect/>
-          </a:stretch>
-        </p:blipFill>
-        <p:spPr>
-          <a:xfrm>
-            <a:off x="8511435" y="2679163"/>
-            <a:ext cx="2088685" cy="3711739"/>
-          </a:xfrm>
-          <a:prstGeom prst="rect">
-            <a:avLst/>
-          </a:prstGeom>
+          <a:ln>
+            <a:solidFill>
+              <a:schemeClr val="bg1"/>
+            </a:solidFill>
+          </a:ln>
         </p:spPr>
       </p:pic>
     </p:spTree>
     <p:extLst>
       <p:ext uri="{BB962C8B-B14F-4D97-AF65-F5344CB8AC3E}">
-        <p14:creationId xmlns:p14="http://schemas.microsoft.com/office/powerpoint/2010/main" val="3417301220"/>
+        <p14:creationId xmlns:p14="http://schemas.microsoft.com/office/powerpoint/2010/main" val="1467648923"/>
       </p:ext>
     </p:extLst>
   </p:cSld>
@@ -9922,7 +11061,7 @@
           <a:p>
             <a:r>
               <a:rPr lang="fr-FR" dirty="0"/>
-              <a:t>Spécifications Fonctionnelles</a:t>
+              <a:t>Spécifications Techniques</a:t>
             </a:r>
           </a:p>
         </p:txBody>
@@ -9942,7 +11081,7 @@
         <p:spPr>
           <a:xfrm>
             <a:off x="83820" y="956231"/>
-            <a:ext cx="2781300" cy="369332"/>
+            <a:ext cx="3009900" cy="369332"/>
           </a:xfrm>
           <a:prstGeom prst="rect">
             <a:avLst/>
@@ -9957,8 +11096,81 @@
           <a:p>
             <a:r>
               <a:rPr lang="fr-FR" i="1" dirty="0"/>
-              <a:t>Les domaines fonctionnelles</a:t>
-            </a:r>
+              <a:t>Choix technologiques internes</a:t>
+            </a:r>
+          </a:p>
+        </p:txBody>
+      </p:sp>
+      <p:sp>
+        <p:nvSpPr>
+          <p:cNvPr id="4" name="Espace réservé du contenu 2">
+            <a:extLst>
+              <a:ext uri="{FF2B5EF4-FFF2-40B4-BE49-F238E27FC236}">
+                <a16:creationId xmlns:a16="http://schemas.microsoft.com/office/drawing/2014/main" id="{97D0BA48-3C49-4D07-A973-1B24C7C3A5DD}"/>
+              </a:ext>
+            </a:extLst>
+          </p:cNvPr>
+          <p:cNvSpPr>
+            <a:spLocks noGrp="1"/>
+          </p:cNvSpPr>
+          <p:nvPr>
+            <p:ph sz="half" idx="1"/>
+          </p:nvPr>
+        </p:nvSpPr>
+        <p:spPr>
+          <a:xfrm>
+            <a:off x="222493" y="2360720"/>
+            <a:ext cx="4085556" cy="2796423"/>
+          </a:xfrm>
+        </p:spPr>
+        <p:txBody>
+          <a:bodyPr/>
+          <a:lstStyle/>
+          <a:p>
+            <a:pPr marL="0" indent="0">
+              <a:buNone/>
+            </a:pPr>
+            <a:r>
+              <a:rPr lang="fr-FR" sz="2000" i="1" u="sng" dirty="0"/>
+              <a:t>Aspect et navigation</a:t>
+            </a:r>
+          </a:p>
+          <a:p>
+            <a:pPr marL="0" indent="0">
+              <a:buNone/>
+            </a:pPr>
+            <a:endParaRPr lang="fr-FR" sz="2000" i="1" dirty="0"/>
+          </a:p>
+          <a:p>
+            <a:r>
+              <a:rPr lang="fr-FR" sz="2000" i="1" dirty="0"/>
+              <a:t>Développement sur mesure </a:t>
+            </a:r>
+          </a:p>
+          <a:p>
+            <a:pPr marL="0" indent="0">
+              <a:buNone/>
+            </a:pPr>
+            <a:r>
+              <a:rPr lang="fr-FR" sz="2000" i="1" dirty="0"/>
+              <a:t>	- « FROM SCRATCH»</a:t>
+            </a:r>
+            <a:endParaRPr lang="fr-FR" sz="2000" dirty="0"/>
+          </a:p>
+          <a:p>
+            <a:endParaRPr lang="fr-FR" dirty="0"/>
+          </a:p>
+          <a:p>
+            <a:pPr marL="0" indent="0">
+              <a:buNone/>
+            </a:pPr>
+            <a:endParaRPr lang="fr-FR" dirty="0"/>
+          </a:p>
+          <a:p>
+            <a:pPr marL="0" indent="0">
+              <a:buNone/>
+            </a:pPr>
+            <a:endParaRPr lang="fr-FR" dirty="0"/>
           </a:p>
         </p:txBody>
       </p:sp>
@@ -9967,7 +11179,7 @@
           <p:cNvPr id="2" name="Image 1">
             <a:extLst>
               <a:ext uri="{FF2B5EF4-FFF2-40B4-BE49-F238E27FC236}">
-                <a16:creationId xmlns:a16="http://schemas.microsoft.com/office/drawing/2014/main" id="{D5CDD9ED-EBEA-4550-917A-87B39489A0DA}"/>
+                <a16:creationId xmlns:a16="http://schemas.microsoft.com/office/drawing/2014/main" id="{6A68E941-8FC1-4C66-82F6-F91650D5B4C2}"/>
               </a:ext>
             </a:extLst>
           </p:cNvPr>
@@ -9984,18 +11196,197 @@
         </p:blipFill>
         <p:spPr>
           <a:xfrm>
-            <a:off x="3360079" y="1325563"/>
-            <a:ext cx="7399362" cy="5266857"/>
+            <a:off x="5177485" y="3135714"/>
+            <a:ext cx="1138473" cy="1181762"/>
           </a:xfrm>
           <a:prstGeom prst="rect">
             <a:avLst/>
           </a:prstGeom>
+          <a:ln>
+            <a:solidFill>
+              <a:schemeClr val="tx1"/>
+            </a:solidFill>
+          </a:ln>
+        </p:spPr>
+      </p:pic>
+      <p:pic>
+        <p:nvPicPr>
+          <p:cNvPr id="11" name="Image 10">
+            <a:extLst>
+              <a:ext uri="{FF2B5EF4-FFF2-40B4-BE49-F238E27FC236}">
+                <a16:creationId xmlns:a16="http://schemas.microsoft.com/office/drawing/2014/main" id="{ED0550F1-F33B-43C0-8AF4-9502D4C56C02}"/>
+              </a:ext>
+            </a:extLst>
+          </p:cNvPr>
+          <p:cNvPicPr>
+            <a:picLocks noChangeAspect="1"/>
+          </p:cNvPicPr>
+          <p:nvPr/>
+        </p:nvPicPr>
+        <p:blipFill>
+          <a:blip r:embed="rId3"/>
+          <a:stretch>
+            <a:fillRect/>
+          </a:stretch>
+        </p:blipFill>
+        <p:spPr>
+          <a:xfrm>
+            <a:off x="885931" y="4496728"/>
+            <a:ext cx="2498292" cy="1946182"/>
+          </a:xfrm>
+          <a:prstGeom prst="rect">
+            <a:avLst/>
+          </a:prstGeom>
+          <a:ln>
+            <a:solidFill>
+              <a:schemeClr val="tx1"/>
+            </a:solidFill>
+          </a:ln>
+        </p:spPr>
+      </p:pic>
+      <p:pic>
+        <p:nvPicPr>
+          <p:cNvPr id="12" name="Image 11">
+            <a:extLst>
+              <a:ext uri="{FF2B5EF4-FFF2-40B4-BE49-F238E27FC236}">
+                <a16:creationId xmlns:a16="http://schemas.microsoft.com/office/drawing/2014/main" id="{637DBAA8-4EF5-44E9-AE20-F99C04C47B4F}"/>
+              </a:ext>
+            </a:extLst>
+          </p:cNvPr>
+          <p:cNvPicPr>
+            <a:picLocks noChangeAspect="1"/>
+          </p:cNvPicPr>
+          <p:nvPr/>
+        </p:nvPicPr>
+        <p:blipFill>
+          <a:blip r:embed="rId4"/>
+          <a:stretch>
+            <a:fillRect/>
+          </a:stretch>
+        </p:blipFill>
+        <p:spPr>
+          <a:xfrm>
+            <a:off x="7810059" y="5117347"/>
+            <a:ext cx="2576446" cy="1325563"/>
+          </a:xfrm>
+          <a:prstGeom prst="rect">
+            <a:avLst/>
+          </a:prstGeom>
+          <a:ln>
+            <a:solidFill>
+              <a:schemeClr val="tx1"/>
+            </a:solidFill>
+          </a:ln>
+        </p:spPr>
+      </p:pic>
+      <p:pic>
+        <p:nvPicPr>
+          <p:cNvPr id="13" name="Image 12">
+            <a:extLst>
+              <a:ext uri="{FF2B5EF4-FFF2-40B4-BE49-F238E27FC236}">
+                <a16:creationId xmlns:a16="http://schemas.microsoft.com/office/drawing/2014/main" id="{DFFD7B48-58A0-432E-B8EA-9976C2A78E7D}"/>
+              </a:ext>
+            </a:extLst>
+          </p:cNvPr>
+          <p:cNvPicPr>
+            <a:picLocks noChangeAspect="1"/>
+          </p:cNvPicPr>
+          <p:nvPr/>
+        </p:nvPicPr>
+        <p:blipFill>
+          <a:blip r:embed="rId5"/>
+          <a:stretch>
+            <a:fillRect/>
+          </a:stretch>
+        </p:blipFill>
+        <p:spPr>
+          <a:xfrm>
+            <a:off x="8301403" y="897313"/>
+            <a:ext cx="1679687" cy="1688670"/>
+          </a:xfrm>
+          <a:prstGeom prst="rect">
+            <a:avLst/>
+          </a:prstGeom>
+          <a:ln>
+            <a:solidFill>
+              <a:schemeClr val="tx1"/>
+            </a:solidFill>
+          </a:ln>
+        </p:spPr>
+      </p:pic>
+      <p:pic>
+        <p:nvPicPr>
+          <p:cNvPr id="14" name="Image 13">
+            <a:extLst>
+              <a:ext uri="{FF2B5EF4-FFF2-40B4-BE49-F238E27FC236}">
+                <a16:creationId xmlns:a16="http://schemas.microsoft.com/office/drawing/2014/main" id="{550896EC-327A-42E7-B146-5B5DDE7A0BC0}"/>
+              </a:ext>
+            </a:extLst>
+          </p:cNvPr>
+          <p:cNvPicPr>
+            <a:picLocks noChangeAspect="1"/>
+          </p:cNvPicPr>
+          <p:nvPr/>
+        </p:nvPicPr>
+        <p:blipFill>
+          <a:blip r:embed="rId6"/>
+          <a:stretch>
+            <a:fillRect/>
+          </a:stretch>
+        </p:blipFill>
+        <p:spPr>
+          <a:xfrm>
+            <a:off x="8301403" y="2847917"/>
+            <a:ext cx="1593758" cy="1867844"/>
+          </a:xfrm>
+          <a:prstGeom prst="rect">
+            <a:avLst/>
+          </a:prstGeom>
+          <a:ln>
+            <a:solidFill>
+              <a:schemeClr val="tx1"/>
+            </a:solidFill>
+          </a:ln>
+        </p:spPr>
+      </p:pic>
+      <p:pic>
+        <p:nvPicPr>
+          <p:cNvPr id="15" name="Image 14" descr="Une image contenant dessin&#10;&#10;Description générée automatiquement">
+            <a:extLst>
+              <a:ext uri="{FF2B5EF4-FFF2-40B4-BE49-F238E27FC236}">
+                <a16:creationId xmlns:a16="http://schemas.microsoft.com/office/drawing/2014/main" id="{C04C709F-03E5-400A-9F2D-90C37EE47FEB}"/>
+              </a:ext>
+            </a:extLst>
+          </p:cNvPr>
+          <p:cNvPicPr>
+            <a:picLocks noChangeAspect="1"/>
+          </p:cNvPicPr>
+          <p:nvPr/>
+        </p:nvPicPr>
+        <p:blipFill rotWithShape="1">
+          <a:blip r:embed="rId7"/>
+          <a:srcRect l="6322"/>
+          <a:stretch/>
+        </p:blipFill>
+        <p:spPr>
+          <a:xfrm>
+            <a:off x="6035683" y="437107"/>
+            <a:ext cx="462694" cy="462695"/>
+          </a:xfrm>
+          <a:prstGeom prst="rect">
+            <a:avLst/>
+          </a:prstGeom>
+          <a:ln>
+            <a:solidFill>
+              <a:schemeClr val="bg1"/>
+            </a:solidFill>
+          </a:ln>
         </p:spPr>
       </p:pic>
     </p:spTree>
     <p:extLst>
       <p:ext uri="{BB962C8B-B14F-4D97-AF65-F5344CB8AC3E}">
-        <p14:creationId xmlns:p14="http://schemas.microsoft.com/office/powerpoint/2010/main" val="3772145522"/>
+        <p14:creationId xmlns:p14="http://schemas.microsoft.com/office/powerpoint/2010/main" val="1697960780"/>
       </p:ext>
     </p:extLst>
   </p:cSld>

--- a/Projet_4_Solution_fonctionnelle_et_technique.pptx
+++ b/Projet_4_Solution_fonctionnelle_et_technique.pptx
@@ -277,7 +277,7 @@
           <a:p>
             <a:fld id="{5BE96FD4-4427-443E-B153-7B15BC878EB4}" type="datetimeFigureOut">
               <a:rPr lang="fr-FR" smtClean="0"/>
-              <a:t>17/04/2020</a:t>
+              <a:t>23/04/2020</a:t>
             </a:fld>
             <a:endParaRPr lang="fr-FR"/>
           </a:p>
@@ -475,7 +475,7 @@
           <a:p>
             <a:fld id="{5BE96FD4-4427-443E-B153-7B15BC878EB4}" type="datetimeFigureOut">
               <a:rPr lang="fr-FR" smtClean="0"/>
-              <a:t>17/04/2020</a:t>
+              <a:t>23/04/2020</a:t>
             </a:fld>
             <a:endParaRPr lang="fr-FR"/>
           </a:p>
@@ -683,7 +683,7 @@
           <a:p>
             <a:fld id="{5BE96FD4-4427-443E-B153-7B15BC878EB4}" type="datetimeFigureOut">
               <a:rPr lang="fr-FR" smtClean="0"/>
-              <a:t>17/04/2020</a:t>
+              <a:t>23/04/2020</a:t>
             </a:fld>
             <a:endParaRPr lang="fr-FR"/>
           </a:p>
@@ -881,7 +881,7 @@
           <a:p>
             <a:fld id="{5BE96FD4-4427-443E-B153-7B15BC878EB4}" type="datetimeFigureOut">
               <a:rPr lang="fr-FR" smtClean="0"/>
-              <a:t>17/04/2020</a:t>
+              <a:t>23/04/2020</a:t>
             </a:fld>
             <a:endParaRPr lang="fr-FR"/>
           </a:p>
@@ -1156,7 +1156,7 @@
           <a:p>
             <a:fld id="{5BE96FD4-4427-443E-B153-7B15BC878EB4}" type="datetimeFigureOut">
               <a:rPr lang="fr-FR" smtClean="0"/>
-              <a:t>17/04/2020</a:t>
+              <a:t>23/04/2020</a:t>
             </a:fld>
             <a:endParaRPr lang="fr-FR"/>
           </a:p>
@@ -1421,7 +1421,7 @@
           <a:p>
             <a:fld id="{5BE96FD4-4427-443E-B153-7B15BC878EB4}" type="datetimeFigureOut">
               <a:rPr lang="fr-FR" smtClean="0"/>
-              <a:t>17/04/2020</a:t>
+              <a:t>23/04/2020</a:t>
             </a:fld>
             <a:endParaRPr lang="fr-FR"/>
           </a:p>
@@ -1833,7 +1833,7 @@
           <a:p>
             <a:fld id="{5BE96FD4-4427-443E-B153-7B15BC878EB4}" type="datetimeFigureOut">
               <a:rPr lang="fr-FR" smtClean="0"/>
-              <a:t>17/04/2020</a:t>
+              <a:t>23/04/2020</a:t>
             </a:fld>
             <a:endParaRPr lang="fr-FR"/>
           </a:p>
@@ -1974,7 +1974,7 @@
           <a:p>
             <a:fld id="{5BE96FD4-4427-443E-B153-7B15BC878EB4}" type="datetimeFigureOut">
               <a:rPr lang="fr-FR" smtClean="0"/>
-              <a:t>17/04/2020</a:t>
+              <a:t>23/04/2020</a:t>
             </a:fld>
             <a:endParaRPr lang="fr-FR"/>
           </a:p>
@@ -2087,7 +2087,7 @@
           <a:p>
             <a:fld id="{5BE96FD4-4427-443E-B153-7B15BC878EB4}" type="datetimeFigureOut">
               <a:rPr lang="fr-FR" smtClean="0"/>
-              <a:t>17/04/2020</a:t>
+              <a:t>23/04/2020</a:t>
             </a:fld>
             <a:endParaRPr lang="fr-FR"/>
           </a:p>
@@ -2398,7 +2398,7 @@
           <a:p>
             <a:fld id="{5BE96FD4-4427-443E-B153-7B15BC878EB4}" type="datetimeFigureOut">
               <a:rPr lang="fr-FR" smtClean="0"/>
-              <a:t>17/04/2020</a:t>
+              <a:t>23/04/2020</a:t>
             </a:fld>
             <a:endParaRPr lang="fr-FR"/>
           </a:p>
@@ -2686,7 +2686,7 @@
           <a:p>
             <a:fld id="{5BE96FD4-4427-443E-B153-7B15BC878EB4}" type="datetimeFigureOut">
               <a:rPr lang="fr-FR" smtClean="0"/>
-              <a:t>17/04/2020</a:t>
+              <a:t>23/04/2020</a:t>
             </a:fld>
             <a:endParaRPr lang="fr-FR"/>
           </a:p>
@@ -2927,7 +2927,7 @@
           <a:p>
             <a:fld id="{5BE96FD4-4427-443E-B153-7B15BC878EB4}" type="datetimeFigureOut">
               <a:rPr lang="fr-FR" smtClean="0"/>
-              <a:t>17/04/2020</a:t>
+              <a:t>23/04/2020</a:t>
             </a:fld>
             <a:endParaRPr lang="fr-FR"/>
           </a:p>
@@ -3363,24 +3363,24 @@
         <p:spPr/>
         <p:txBody>
           <a:bodyPr>
-            <a:normAutofit lnSpcReduction="10000"/>
+            <a:normAutofit fontScale="92500" lnSpcReduction="20000"/>
           </a:bodyPr>
           <a:lstStyle/>
           <a:p>
             <a:r>
-              <a:rPr lang="fr-FR" b="1" dirty="0"/>
+              <a:rPr lang="fr-FR" sz="3200" b="1" dirty="0"/>
               <a:t>Boutique en ligne </a:t>
             </a:r>
           </a:p>
           <a:p>
             <a:r>
-              <a:rPr lang="fr-FR" b="1" dirty="0"/>
+              <a:rPr lang="fr-FR" sz="3200" b="1" dirty="0"/>
               <a:t>&amp; </a:t>
             </a:r>
           </a:p>
           <a:p>
             <a:r>
-              <a:rPr lang="fr-FR" b="1" dirty="0"/>
+              <a:rPr lang="fr-FR" sz="3200" b="1" dirty="0"/>
               <a:t>Site de gestion centralisée</a:t>
             </a:r>
           </a:p>

--- a/Projet_4_Solution_fonctionnelle_et_technique.pptx
+++ b/Projet_4_Solution_fonctionnelle_et_technique.pptx
@@ -10,20 +10,19 @@
     <p:sldId id="273" r:id="rId4"/>
     <p:sldId id="259" r:id="rId5"/>
     <p:sldId id="258" r:id="rId6"/>
-    <p:sldId id="274" r:id="rId7"/>
-    <p:sldId id="275" r:id="rId8"/>
-    <p:sldId id="260" r:id="rId9"/>
-    <p:sldId id="262" r:id="rId10"/>
-    <p:sldId id="263" r:id="rId11"/>
-    <p:sldId id="271" r:id="rId12"/>
-    <p:sldId id="264" r:id="rId13"/>
-    <p:sldId id="276" r:id="rId14"/>
-    <p:sldId id="265" r:id="rId15"/>
-    <p:sldId id="266" r:id="rId16"/>
-    <p:sldId id="267" r:id="rId17"/>
-    <p:sldId id="268" r:id="rId18"/>
-    <p:sldId id="272" r:id="rId19"/>
-    <p:sldId id="277" r:id="rId20"/>
+    <p:sldId id="276" r:id="rId7"/>
+    <p:sldId id="285" r:id="rId8"/>
+    <p:sldId id="281" r:id="rId9"/>
+    <p:sldId id="280" r:id="rId10"/>
+    <p:sldId id="266" r:id="rId11"/>
+    <p:sldId id="279" r:id="rId12"/>
+    <p:sldId id="268" r:id="rId13"/>
+    <p:sldId id="282" r:id="rId14"/>
+    <p:sldId id="267" r:id="rId15"/>
+    <p:sldId id="265" r:id="rId16"/>
+    <p:sldId id="277" r:id="rId17"/>
+    <p:sldId id="283" r:id="rId18"/>
+    <p:sldId id="286" r:id="rId19"/>
   </p:sldIdLst>
   <p:sldSz cx="12192000" cy="6858000"/>
   <p:notesSz cx="6858000" cy="9144000"/>
@@ -277,7 +276,7 @@
           <a:p>
             <a:fld id="{5BE96FD4-4427-443E-B153-7B15BC878EB4}" type="datetimeFigureOut">
               <a:rPr lang="fr-FR" smtClean="0"/>
-              <a:t>23/04/2020</a:t>
+              <a:t>22/04/2020</a:t>
             </a:fld>
             <a:endParaRPr lang="fr-FR"/>
           </a:p>
@@ -475,7 +474,7 @@
           <a:p>
             <a:fld id="{5BE96FD4-4427-443E-B153-7B15BC878EB4}" type="datetimeFigureOut">
               <a:rPr lang="fr-FR" smtClean="0"/>
-              <a:t>23/04/2020</a:t>
+              <a:t>22/04/2020</a:t>
             </a:fld>
             <a:endParaRPr lang="fr-FR"/>
           </a:p>
@@ -683,7 +682,7 @@
           <a:p>
             <a:fld id="{5BE96FD4-4427-443E-B153-7B15BC878EB4}" type="datetimeFigureOut">
               <a:rPr lang="fr-FR" smtClean="0"/>
-              <a:t>23/04/2020</a:t>
+              <a:t>22/04/2020</a:t>
             </a:fld>
             <a:endParaRPr lang="fr-FR"/>
           </a:p>
@@ -881,7 +880,7 @@
           <a:p>
             <a:fld id="{5BE96FD4-4427-443E-B153-7B15BC878EB4}" type="datetimeFigureOut">
               <a:rPr lang="fr-FR" smtClean="0"/>
-              <a:t>23/04/2020</a:t>
+              <a:t>22/04/2020</a:t>
             </a:fld>
             <a:endParaRPr lang="fr-FR"/>
           </a:p>
@@ -1156,7 +1155,7 @@
           <a:p>
             <a:fld id="{5BE96FD4-4427-443E-B153-7B15BC878EB4}" type="datetimeFigureOut">
               <a:rPr lang="fr-FR" smtClean="0"/>
-              <a:t>23/04/2020</a:t>
+              <a:t>22/04/2020</a:t>
             </a:fld>
             <a:endParaRPr lang="fr-FR"/>
           </a:p>
@@ -1421,7 +1420,7 @@
           <a:p>
             <a:fld id="{5BE96FD4-4427-443E-B153-7B15BC878EB4}" type="datetimeFigureOut">
               <a:rPr lang="fr-FR" smtClean="0"/>
-              <a:t>23/04/2020</a:t>
+              <a:t>22/04/2020</a:t>
             </a:fld>
             <a:endParaRPr lang="fr-FR"/>
           </a:p>
@@ -1833,7 +1832,7 @@
           <a:p>
             <a:fld id="{5BE96FD4-4427-443E-B153-7B15BC878EB4}" type="datetimeFigureOut">
               <a:rPr lang="fr-FR" smtClean="0"/>
-              <a:t>23/04/2020</a:t>
+              <a:t>22/04/2020</a:t>
             </a:fld>
             <a:endParaRPr lang="fr-FR"/>
           </a:p>
@@ -1974,7 +1973,7 @@
           <a:p>
             <a:fld id="{5BE96FD4-4427-443E-B153-7B15BC878EB4}" type="datetimeFigureOut">
               <a:rPr lang="fr-FR" smtClean="0"/>
-              <a:t>23/04/2020</a:t>
+              <a:t>22/04/2020</a:t>
             </a:fld>
             <a:endParaRPr lang="fr-FR"/>
           </a:p>
@@ -2087,7 +2086,7 @@
           <a:p>
             <a:fld id="{5BE96FD4-4427-443E-B153-7B15BC878EB4}" type="datetimeFigureOut">
               <a:rPr lang="fr-FR" smtClean="0"/>
-              <a:t>23/04/2020</a:t>
+              <a:t>22/04/2020</a:t>
             </a:fld>
             <a:endParaRPr lang="fr-FR"/>
           </a:p>
@@ -2398,7 +2397,7 @@
           <a:p>
             <a:fld id="{5BE96FD4-4427-443E-B153-7B15BC878EB4}" type="datetimeFigureOut">
               <a:rPr lang="fr-FR" smtClean="0"/>
-              <a:t>23/04/2020</a:t>
+              <a:t>22/04/2020</a:t>
             </a:fld>
             <a:endParaRPr lang="fr-FR"/>
           </a:p>
@@ -2686,7 +2685,7 @@
           <a:p>
             <a:fld id="{5BE96FD4-4427-443E-B153-7B15BC878EB4}" type="datetimeFigureOut">
               <a:rPr lang="fr-FR" smtClean="0"/>
-              <a:t>23/04/2020</a:t>
+              <a:t>22/04/2020</a:t>
             </a:fld>
             <a:endParaRPr lang="fr-FR"/>
           </a:p>
@@ -2927,7 +2926,7 @@
           <a:p>
             <a:fld id="{5BE96FD4-4427-443E-B153-7B15BC878EB4}" type="datetimeFigureOut">
               <a:rPr lang="fr-FR" smtClean="0"/>
-              <a:t>23/04/2020</a:t>
+              <a:t>22/04/2020</a:t>
             </a:fld>
             <a:endParaRPr lang="fr-FR"/>
           </a:p>
@@ -3363,31 +3362,31 @@
         <p:spPr/>
         <p:txBody>
           <a:bodyPr>
-            <a:normAutofit fontScale="92500" lnSpcReduction="20000"/>
+            <a:normAutofit lnSpcReduction="10000"/>
           </a:bodyPr>
           <a:lstStyle/>
           <a:p>
             <a:r>
-              <a:rPr lang="fr-FR" sz="3200" b="1" dirty="0"/>
+              <a:rPr lang="fr-FR" b="1" dirty="0"/>
               <a:t>Boutique en ligne </a:t>
             </a:r>
           </a:p>
           <a:p>
             <a:r>
-              <a:rPr lang="fr-FR" sz="3200" b="1" dirty="0"/>
+              <a:rPr lang="fr-FR" b="1" dirty="0"/>
               <a:t>&amp; </a:t>
             </a:r>
           </a:p>
           <a:p>
             <a:r>
-              <a:rPr lang="fr-FR" sz="3200" b="1" dirty="0"/>
-              <a:t>Site de gestion centralisée</a:t>
+              <a:rPr lang="fr-FR" b="1" dirty="0"/>
+              <a:t>Gestion centralisée</a:t>
             </a:r>
           </a:p>
           <a:p>
             <a:r>
               <a:rPr lang="fr-FR" sz="2000" i="1" dirty="0"/>
-              <a:t>Solution fonctionnelle et technique</a:t>
+              <a:t>Solution technique</a:t>
             </a:r>
           </a:p>
         </p:txBody>
@@ -3570,7 +3569,7 @@
           <a:p>
             <a:r>
               <a:rPr lang="fr-FR" dirty="0"/>
-              <a:t>Spécifications Fonctionnelles</a:t>
+              <a:t>Spécifications Techniques</a:t>
             </a:r>
           </a:p>
         </p:txBody>
@@ -3590,7 +3589,7 @@
         <p:spPr>
           <a:xfrm>
             <a:off x="83820" y="956231"/>
-            <a:ext cx="3131820" cy="369332"/>
+            <a:ext cx="3009900" cy="369332"/>
           </a:xfrm>
           <a:prstGeom prst="rect">
             <a:avLst/>
@@ -3605,8 +3604,110 @@
           <a:p>
             <a:r>
               <a:rPr lang="fr-FR" i="1" dirty="0"/>
-              <a:t>Les fonctionnalités générales</a:t>
-            </a:r>
+              <a:t>Choix technologiques internes</a:t>
+            </a:r>
+          </a:p>
+        </p:txBody>
+      </p:sp>
+      <p:sp>
+        <p:nvSpPr>
+          <p:cNvPr id="4" name="Espace réservé du contenu 2">
+            <a:extLst>
+              <a:ext uri="{FF2B5EF4-FFF2-40B4-BE49-F238E27FC236}">
+                <a16:creationId xmlns:a16="http://schemas.microsoft.com/office/drawing/2014/main" id="{97D0BA48-3C49-4D07-A973-1B24C7C3A5DD}"/>
+              </a:ext>
+            </a:extLst>
+          </p:cNvPr>
+          <p:cNvSpPr>
+            <a:spLocks noGrp="1"/>
+          </p:cNvSpPr>
+          <p:nvPr>
+            <p:ph sz="half" idx="1"/>
+          </p:nvPr>
+        </p:nvSpPr>
+        <p:spPr>
+          <a:xfrm>
+            <a:off x="1142961" y="1603064"/>
+            <a:ext cx="4296305" cy="2796423"/>
+          </a:xfrm>
+        </p:spPr>
+        <p:txBody>
+          <a:bodyPr>
+            <a:normAutofit lnSpcReduction="10000"/>
+          </a:bodyPr>
+          <a:lstStyle/>
+          <a:p>
+            <a:pPr marL="0" indent="0">
+              <a:buNone/>
+            </a:pPr>
+            <a:endParaRPr lang="fr-FR" dirty="0"/>
+          </a:p>
+          <a:p>
+            <a:pPr marL="0" indent="0">
+              <a:buNone/>
+            </a:pPr>
+            <a:r>
+              <a:rPr lang="fr-FR" sz="2000" i="1" u="sng" dirty="0"/>
+              <a:t>Gestion des données et du temps réel</a:t>
+            </a:r>
+          </a:p>
+          <a:p>
+            <a:pPr marL="0" indent="0">
+              <a:buNone/>
+            </a:pPr>
+            <a:endParaRPr lang="fr-FR" sz="2000" dirty="0"/>
+          </a:p>
+          <a:p>
+            <a:r>
+              <a:rPr lang="fr-FR" sz="2000" i="1" dirty="0"/>
+              <a:t>Base de données </a:t>
+            </a:r>
+          </a:p>
+          <a:p>
+            <a:endParaRPr lang="fr-FR" sz="2000" i="1" dirty="0"/>
+          </a:p>
+          <a:p>
+            <a:r>
+              <a:rPr lang="fr-FR" sz="2000" i="1" dirty="0"/>
+              <a:t>Développement sur mesure</a:t>
+            </a:r>
+          </a:p>
+          <a:p>
+            <a:pPr marL="0" indent="0">
+              <a:buNone/>
+            </a:pPr>
+            <a:r>
+              <a:rPr lang="fr-FR" sz="2000" i="1" dirty="0"/>
+              <a:t>	- « FROM SCRATCH»</a:t>
+            </a:r>
+            <a:endParaRPr lang="fr-FR" sz="2000" dirty="0"/>
+          </a:p>
+          <a:p>
+            <a:pPr marL="0" indent="0">
+              <a:buNone/>
+            </a:pPr>
+            <a:endParaRPr lang="fr-FR" sz="2000" i="1" dirty="0"/>
+          </a:p>
+          <a:p>
+            <a:endParaRPr lang="fr-FR" sz="2000" dirty="0"/>
+          </a:p>
+          <a:p>
+            <a:pPr marL="0" indent="0">
+              <a:buNone/>
+            </a:pPr>
+            <a:endParaRPr lang="fr-FR" dirty="0"/>
+          </a:p>
+          <a:p>
+            <a:pPr marL="0" indent="0">
+              <a:buNone/>
+            </a:pPr>
+            <a:endParaRPr lang="fr-FR" dirty="0"/>
+          </a:p>
+          <a:p>
+            <a:pPr marL="0" indent="0">
+              <a:buNone/>
+            </a:pPr>
+            <a:endParaRPr lang="fr-FR" dirty="0"/>
           </a:p>
         </p:txBody>
       </p:sp>
@@ -3615,7 +3716,7 @@
           <p:cNvPr id="2" name="Image 1">
             <a:extLst>
               <a:ext uri="{FF2B5EF4-FFF2-40B4-BE49-F238E27FC236}">
-                <a16:creationId xmlns:a16="http://schemas.microsoft.com/office/drawing/2014/main" id="{BDFDAB28-1FE0-4827-BB53-051A236C851C}"/>
+                <a16:creationId xmlns:a16="http://schemas.microsoft.com/office/drawing/2014/main" id="{5685C6E0-9CF0-4A82-B22B-FF281538D001}"/>
               </a:ext>
             </a:extLst>
           </p:cNvPr>
@@ -3632,12 +3733,17 @@
         </p:blipFill>
         <p:spPr>
           <a:xfrm>
-            <a:off x="6903721" y="956231"/>
-            <a:ext cx="4511238" cy="5414979"/>
+            <a:off x="7848548" y="1608707"/>
+            <a:ext cx="3439305" cy="1820293"/>
           </a:xfrm>
           <a:prstGeom prst="rect">
             <a:avLst/>
           </a:prstGeom>
+          <a:ln>
+            <a:solidFill>
+              <a:schemeClr val="tx1"/>
+            </a:solidFill>
+          </a:ln>
         </p:spPr>
       </p:pic>
       <p:pic>
@@ -3645,7 +3751,7 @@
           <p:cNvPr id="3" name="Image 2">
             <a:extLst>
               <a:ext uri="{FF2B5EF4-FFF2-40B4-BE49-F238E27FC236}">
-                <a16:creationId xmlns:a16="http://schemas.microsoft.com/office/drawing/2014/main" id="{D7C37F0D-9BDD-493F-9B43-9FC4082913C1}"/>
+                <a16:creationId xmlns:a16="http://schemas.microsoft.com/office/drawing/2014/main" id="{8A0CAA59-AFF9-4CB8-AFA6-575822FC4341}"/>
               </a:ext>
             </a:extLst>
           </p:cNvPr>
@@ -3662,18 +3768,127 @@
         </p:blipFill>
         <p:spPr>
           <a:xfrm>
-            <a:off x="129540" y="2689802"/>
-            <a:ext cx="6096000" cy="1478394"/>
+            <a:off x="8858809" y="4007685"/>
+            <a:ext cx="1607959" cy="1790855"/>
           </a:xfrm>
           <a:prstGeom prst="rect">
             <a:avLst/>
           </a:prstGeom>
+          <a:ln>
+            <a:solidFill>
+              <a:schemeClr val="tx1"/>
+            </a:solidFill>
+          </a:ln>
+        </p:spPr>
+      </p:pic>
+      <p:pic>
+        <p:nvPicPr>
+          <p:cNvPr id="8" name="Image 7" descr="Une image contenant dessin&#10;&#10;Description générée automatiquement">
+            <a:extLst>
+              <a:ext uri="{FF2B5EF4-FFF2-40B4-BE49-F238E27FC236}">
+                <a16:creationId xmlns:a16="http://schemas.microsoft.com/office/drawing/2014/main" id="{E06A5F26-6DD7-422C-9B69-048E931524E1}"/>
+              </a:ext>
+            </a:extLst>
+          </p:cNvPr>
+          <p:cNvPicPr>
+            <a:picLocks noChangeAspect="1"/>
+          </p:cNvPicPr>
+          <p:nvPr/>
+        </p:nvPicPr>
+        <p:blipFill rotWithShape="1">
+          <a:blip r:embed="rId4"/>
+          <a:srcRect l="6322"/>
+          <a:stretch/>
+        </p:blipFill>
+        <p:spPr>
+          <a:xfrm>
+            <a:off x="6035683" y="437107"/>
+            <a:ext cx="462694" cy="462695"/>
+          </a:xfrm>
+          <a:prstGeom prst="rect">
+            <a:avLst/>
+          </a:prstGeom>
+          <a:ln>
+            <a:solidFill>
+              <a:schemeClr val="bg1"/>
+            </a:solidFill>
+          </a:ln>
+        </p:spPr>
+      </p:pic>
+      <p:pic>
+        <p:nvPicPr>
+          <p:cNvPr id="9" name="Image 8">
+            <a:extLst>
+              <a:ext uri="{FF2B5EF4-FFF2-40B4-BE49-F238E27FC236}">
+                <a16:creationId xmlns:a16="http://schemas.microsoft.com/office/drawing/2014/main" id="{11937A61-FB42-4BF2-B8AE-96FA4EE0B771}"/>
+              </a:ext>
+            </a:extLst>
+          </p:cNvPr>
+          <p:cNvPicPr>
+            <a:picLocks noChangeAspect="1"/>
+          </p:cNvPicPr>
+          <p:nvPr/>
+        </p:nvPicPr>
+        <p:blipFill>
+          <a:blip r:embed="rId5"/>
+          <a:stretch>
+            <a:fillRect/>
+          </a:stretch>
+        </p:blipFill>
+        <p:spPr>
+          <a:xfrm>
+            <a:off x="1858603" y="4676988"/>
+            <a:ext cx="2152469" cy="1790854"/>
+          </a:xfrm>
+          <a:prstGeom prst="rect">
+            <a:avLst/>
+          </a:prstGeom>
+          <a:ln>
+            <a:solidFill>
+              <a:schemeClr val="tx1"/>
+            </a:solidFill>
+          </a:ln>
+        </p:spPr>
+      </p:pic>
+      <p:pic>
+        <p:nvPicPr>
+          <p:cNvPr id="10" name="Image 9">
+            <a:extLst>
+              <a:ext uri="{FF2B5EF4-FFF2-40B4-BE49-F238E27FC236}">
+                <a16:creationId xmlns:a16="http://schemas.microsoft.com/office/drawing/2014/main" id="{867D420B-3EBF-4A73-ACA9-E39D4A7C8370}"/>
+              </a:ext>
+            </a:extLst>
+          </p:cNvPr>
+          <p:cNvPicPr>
+            <a:picLocks noChangeAspect="1"/>
+          </p:cNvPicPr>
+          <p:nvPr/>
+        </p:nvPicPr>
+        <p:blipFill>
+          <a:blip r:embed="rId6"/>
+          <a:stretch>
+            <a:fillRect/>
+          </a:stretch>
+        </p:blipFill>
+        <p:spPr>
+          <a:xfrm>
+            <a:off x="5804063" y="2829808"/>
+            <a:ext cx="1679687" cy="1688670"/>
+          </a:xfrm>
+          <a:prstGeom prst="rect">
+            <a:avLst/>
+          </a:prstGeom>
+          <a:ln>
+            <a:solidFill>
+              <a:schemeClr val="tx1"/>
+            </a:solidFill>
+          </a:ln>
         </p:spPr>
       </p:pic>
     </p:spTree>
     <p:extLst>
       <p:ext uri="{BB962C8B-B14F-4D97-AF65-F5344CB8AC3E}">
-        <p14:creationId xmlns:p14="http://schemas.microsoft.com/office/powerpoint/2010/main" val="1117117435"/>
+        <p14:creationId xmlns:p14="http://schemas.microsoft.com/office/powerpoint/2010/main" val="25514128"/>
       </p:ext>
     </p:extLst>
   </p:cSld>
@@ -3728,7 +3943,7 @@
           <a:p>
             <a:r>
               <a:rPr lang="fr-FR" dirty="0"/>
-              <a:t>Spécifications Fonctionnelles</a:t>
+              <a:t>Spécifications Techniques</a:t>
             </a:r>
           </a:p>
         </p:txBody>
@@ -3748,7 +3963,7 @@
         <p:spPr>
           <a:xfrm>
             <a:off x="83820" y="956231"/>
-            <a:ext cx="3055620" cy="369332"/>
+            <a:ext cx="3009900" cy="369332"/>
           </a:xfrm>
           <a:prstGeom prst="rect">
             <a:avLst/>
@@ -3763,135 +3978,274 @@
           <a:p>
             <a:r>
               <a:rPr lang="fr-FR" i="1" dirty="0"/>
-              <a:t>Les fonctionnalités détaillées</a:t>
-            </a:r>
+              <a:t>Choix technologiques internes</a:t>
+            </a:r>
+          </a:p>
+        </p:txBody>
+      </p:sp>
+      <p:sp>
+        <p:nvSpPr>
+          <p:cNvPr id="4" name="Espace réservé du contenu 2">
+            <a:extLst>
+              <a:ext uri="{FF2B5EF4-FFF2-40B4-BE49-F238E27FC236}">
+                <a16:creationId xmlns:a16="http://schemas.microsoft.com/office/drawing/2014/main" id="{97D0BA48-3C49-4D07-A973-1B24C7C3A5DD}"/>
+              </a:ext>
+            </a:extLst>
+          </p:cNvPr>
+          <p:cNvSpPr>
+            <a:spLocks noGrp="1"/>
+          </p:cNvSpPr>
+          <p:nvPr>
+            <p:ph sz="half" idx="1"/>
+          </p:nvPr>
+        </p:nvSpPr>
+        <p:spPr>
+          <a:xfrm>
+            <a:off x="1750382" y="1626805"/>
+            <a:ext cx="4450080" cy="2796423"/>
+          </a:xfrm>
+        </p:spPr>
+        <p:txBody>
+          <a:bodyPr/>
+          <a:lstStyle/>
+          <a:p>
+            <a:pPr marL="0" indent="0">
+              <a:buNone/>
+            </a:pPr>
+            <a:endParaRPr lang="fr-FR" dirty="0"/>
+          </a:p>
+          <a:p>
+            <a:pPr marL="0" indent="0">
+              <a:buNone/>
+            </a:pPr>
+            <a:r>
+              <a:rPr lang="fr-FR" sz="2000" i="1" u="sng" dirty="0"/>
+              <a:t>Gestion des utilisateurs</a:t>
+            </a:r>
+          </a:p>
+          <a:p>
+            <a:endParaRPr lang="fr-FR" sz="2000" i="1" dirty="0"/>
+          </a:p>
+          <a:p>
+            <a:r>
+              <a:rPr lang="fr-FR" sz="2000" i="1" dirty="0"/>
+              <a:t>Développement sur mesure</a:t>
+            </a:r>
+          </a:p>
+          <a:p>
+            <a:pPr marL="0" indent="0">
+              <a:buNone/>
+            </a:pPr>
+            <a:r>
+              <a:rPr lang="fr-FR" sz="2000" i="1" dirty="0"/>
+              <a:t>	- « FROM SCRATCH»</a:t>
+            </a:r>
+            <a:endParaRPr lang="fr-FR" sz="2000" dirty="0"/>
+          </a:p>
+          <a:p>
+            <a:pPr marL="0" indent="0">
+              <a:buNone/>
+            </a:pPr>
+            <a:endParaRPr lang="fr-FR" sz="2000" i="1" dirty="0"/>
+          </a:p>
+          <a:p>
+            <a:pPr marL="0" indent="0">
+              <a:buNone/>
+            </a:pPr>
+            <a:endParaRPr lang="fr-FR" dirty="0"/>
+          </a:p>
+          <a:p>
+            <a:pPr marL="0" indent="0">
+              <a:buNone/>
+            </a:pPr>
+            <a:endParaRPr lang="fr-FR" dirty="0"/>
+          </a:p>
+          <a:p>
+            <a:pPr marL="0" indent="0">
+              <a:buNone/>
+            </a:pPr>
+            <a:endParaRPr lang="fr-FR" dirty="0"/>
           </a:p>
         </p:txBody>
       </p:sp>
       <p:pic>
         <p:nvPicPr>
-          <p:cNvPr id="1028" name="Image 1">
-            <a:extLst>
-              <a:ext uri="{FF2B5EF4-FFF2-40B4-BE49-F238E27FC236}">
-                <a16:creationId xmlns:a16="http://schemas.microsoft.com/office/drawing/2014/main" id="{486DA824-CD56-459D-9424-B8BDB42A1BC0}"/>
+          <p:cNvPr id="2" name="Image 1">
+            <a:extLst>
+              <a:ext uri="{FF2B5EF4-FFF2-40B4-BE49-F238E27FC236}">
+                <a16:creationId xmlns:a16="http://schemas.microsoft.com/office/drawing/2014/main" id="{8F395B76-5562-4A88-835A-75EA20CF2B78}"/>
               </a:ext>
             </a:extLst>
           </p:cNvPr>
           <p:cNvPicPr>
-            <a:picLocks noChangeAspect="1" noChangeArrowheads="1"/>
+            <a:picLocks noChangeAspect="1"/>
           </p:cNvPicPr>
           <p:nvPr/>
         </p:nvPicPr>
         <p:blipFill>
-          <a:blip r:embed="rId2">
-            <a:extLst>
-              <a:ext uri="{28A0092B-C50C-407E-A947-70E740481C1C}">
-                <a14:useLocalDpi xmlns:a14="http://schemas.microsoft.com/office/drawing/2010/main" val="0"/>
-              </a:ext>
-            </a:extLst>
-          </a:blip>
-          <a:srcRect/>
+          <a:blip r:embed="rId2"/>
           <a:stretch>
             <a:fillRect/>
           </a:stretch>
         </p:blipFill>
-        <p:spPr bwMode="auto">
-          <a:xfrm>
-            <a:off x="262255" y="2281794"/>
-            <a:ext cx="6126163" cy="2971800"/>
+        <p:spPr>
+          <a:xfrm>
+            <a:off x="2056249" y="3888478"/>
+            <a:ext cx="2685434" cy="2685434"/>
           </a:xfrm>
           <a:prstGeom prst="rect">
             <a:avLst/>
           </a:prstGeom>
-          <a:noFill/>
           <a:ln>
-            <a:noFill/>
+            <a:solidFill>
+              <a:schemeClr val="tx1"/>
+            </a:solidFill>
           </a:ln>
-          <a:extLst>
-            <a:ext uri="{909E8E84-426E-40DD-AFC4-6F175D3DCCD1}">
-              <a14:hiddenFill xmlns:a14="http://schemas.microsoft.com/office/drawing/2010/main">
-                <a:solidFill>
-                  <a:srgbClr val="FFFFFF"/>
-                </a:solidFill>
-              </a14:hiddenFill>
-            </a:ext>
-            <a:ext uri="{91240B29-F687-4F45-9708-019B960494DF}">
-              <a14:hiddenLine xmlns:a14="http://schemas.microsoft.com/office/drawing/2010/main" w="9525">
-                <a:solidFill>
-                  <a:srgbClr val="000000"/>
-                </a:solidFill>
-                <a:miter lim="800000"/>
-                <a:headEnd/>
-                <a:tailEnd/>
-              </a14:hiddenLine>
-            </a:ext>
-          </a:extLst>
         </p:spPr>
       </p:pic>
       <p:pic>
         <p:nvPicPr>
-          <p:cNvPr id="1029" name="Picture 5">
-            <a:extLst>
-              <a:ext uri="{FF2B5EF4-FFF2-40B4-BE49-F238E27FC236}">
-                <a16:creationId xmlns:a16="http://schemas.microsoft.com/office/drawing/2014/main" id="{91C19D1D-A0A0-46B7-80D8-8EF0E54CE433}"/>
+          <p:cNvPr id="15" name="Image 14">
+            <a:extLst>
+              <a:ext uri="{FF2B5EF4-FFF2-40B4-BE49-F238E27FC236}">
+                <a16:creationId xmlns:a16="http://schemas.microsoft.com/office/drawing/2014/main" id="{FF98F6CD-29B8-4572-8D3C-74C6F24246C9}"/>
               </a:ext>
             </a:extLst>
           </p:cNvPr>
           <p:cNvPicPr>
-            <a:picLocks noChangeAspect="1" noChangeArrowheads="1"/>
+            <a:picLocks noChangeAspect="1"/>
           </p:cNvPicPr>
           <p:nvPr/>
         </p:nvPicPr>
         <p:blipFill>
-          <a:blip r:embed="rId3">
-            <a:extLst>
-              <a:ext uri="{28A0092B-C50C-407E-A947-70E740481C1C}">
-                <a14:useLocalDpi xmlns:a14="http://schemas.microsoft.com/office/drawing/2010/main" val="0"/>
-              </a:ext>
-            </a:extLst>
-          </a:blip>
-          <a:srcRect/>
+          <a:blip r:embed="rId3"/>
           <a:stretch>
             <a:fillRect/>
           </a:stretch>
         </p:blipFill>
-        <p:spPr bwMode="auto">
-          <a:xfrm>
-            <a:off x="7242175" y="129381"/>
-            <a:ext cx="4068763" cy="6599237"/>
+        <p:spPr>
+          <a:xfrm>
+            <a:off x="7926471" y="5019541"/>
+            <a:ext cx="2576446" cy="1325563"/>
           </a:xfrm>
           <a:prstGeom prst="rect">
             <a:avLst/>
           </a:prstGeom>
-          <a:noFill/>
           <a:ln>
-            <a:noFill/>
+            <a:solidFill>
+              <a:schemeClr val="tx1"/>
+            </a:solidFill>
           </a:ln>
-          <a:extLst>
-            <a:ext uri="{909E8E84-426E-40DD-AFC4-6F175D3DCCD1}">
-              <a14:hiddenFill xmlns:a14="http://schemas.microsoft.com/office/drawing/2010/main">
-                <a:solidFill>
-                  <a:srgbClr val="FFFFFF"/>
-                </a:solidFill>
-              </a14:hiddenFill>
-            </a:ext>
-            <a:ext uri="{91240B29-F687-4F45-9708-019B960494DF}">
-              <a14:hiddenLine xmlns:a14="http://schemas.microsoft.com/office/drawing/2010/main" w="9525">
-                <a:solidFill>
-                  <a:srgbClr val="000000"/>
-                </a:solidFill>
-                <a:miter lim="800000"/>
-                <a:headEnd/>
-                <a:tailEnd/>
-              </a14:hiddenLine>
-            </a:ext>
-          </a:extLst>
+        </p:spPr>
+      </p:pic>
+      <p:pic>
+        <p:nvPicPr>
+          <p:cNvPr id="16" name="Image 15">
+            <a:extLst>
+              <a:ext uri="{FF2B5EF4-FFF2-40B4-BE49-F238E27FC236}">
+                <a16:creationId xmlns:a16="http://schemas.microsoft.com/office/drawing/2014/main" id="{82A861E6-6212-4349-8926-B3CBD8E482BA}"/>
+              </a:ext>
+            </a:extLst>
+          </p:cNvPr>
+          <p:cNvPicPr>
+            <a:picLocks noChangeAspect="1"/>
+          </p:cNvPicPr>
+          <p:nvPr/>
+        </p:nvPicPr>
+        <p:blipFill>
+          <a:blip r:embed="rId4"/>
+          <a:stretch>
+            <a:fillRect/>
+          </a:stretch>
+        </p:blipFill>
+        <p:spPr>
+          <a:xfrm>
+            <a:off x="8301403" y="897313"/>
+            <a:ext cx="1679687" cy="1688670"/>
+          </a:xfrm>
+          <a:prstGeom prst="rect">
+            <a:avLst/>
+          </a:prstGeom>
+          <a:ln>
+            <a:solidFill>
+              <a:schemeClr val="tx1"/>
+            </a:solidFill>
+          </a:ln>
+        </p:spPr>
+      </p:pic>
+      <p:pic>
+        <p:nvPicPr>
+          <p:cNvPr id="17" name="Image 16">
+            <a:extLst>
+              <a:ext uri="{FF2B5EF4-FFF2-40B4-BE49-F238E27FC236}">
+                <a16:creationId xmlns:a16="http://schemas.microsoft.com/office/drawing/2014/main" id="{12DC7647-FA99-42FF-BA2E-BE059FEBA19A}"/>
+              </a:ext>
+            </a:extLst>
+          </p:cNvPr>
+          <p:cNvPicPr>
+            <a:picLocks noChangeAspect="1"/>
+          </p:cNvPicPr>
+          <p:nvPr/>
+        </p:nvPicPr>
+        <p:blipFill>
+          <a:blip r:embed="rId5"/>
+          <a:stretch>
+            <a:fillRect/>
+          </a:stretch>
+        </p:blipFill>
+        <p:spPr>
+          <a:xfrm>
+            <a:off x="8301403" y="2847917"/>
+            <a:ext cx="1593758" cy="1867844"/>
+          </a:xfrm>
+          <a:prstGeom prst="rect">
+            <a:avLst/>
+          </a:prstGeom>
+          <a:ln>
+            <a:solidFill>
+              <a:schemeClr val="tx1"/>
+            </a:solidFill>
+          </a:ln>
+        </p:spPr>
+      </p:pic>
+      <p:pic>
+        <p:nvPicPr>
+          <p:cNvPr id="18" name="Image 17" descr="Une image contenant dessin&#10;&#10;Description générée automatiquement">
+            <a:extLst>
+              <a:ext uri="{FF2B5EF4-FFF2-40B4-BE49-F238E27FC236}">
+                <a16:creationId xmlns:a16="http://schemas.microsoft.com/office/drawing/2014/main" id="{C51927C6-9363-4B46-80B7-F2E2505B7A1A}"/>
+              </a:ext>
+            </a:extLst>
+          </p:cNvPr>
+          <p:cNvPicPr>
+            <a:picLocks noChangeAspect="1"/>
+          </p:cNvPicPr>
+          <p:nvPr/>
+        </p:nvPicPr>
+        <p:blipFill rotWithShape="1">
+          <a:blip r:embed="rId6"/>
+          <a:srcRect l="6322"/>
+          <a:stretch/>
+        </p:blipFill>
+        <p:spPr>
+          <a:xfrm>
+            <a:off x="6035683" y="437107"/>
+            <a:ext cx="462694" cy="462695"/>
+          </a:xfrm>
+          <a:prstGeom prst="rect">
+            <a:avLst/>
+          </a:prstGeom>
+          <a:ln>
+            <a:solidFill>
+              <a:schemeClr val="bg1"/>
+            </a:solidFill>
+          </a:ln>
         </p:spPr>
       </p:pic>
     </p:spTree>
     <p:extLst>
       <p:ext uri="{BB962C8B-B14F-4D97-AF65-F5344CB8AC3E}">
-        <p14:creationId xmlns:p14="http://schemas.microsoft.com/office/powerpoint/2010/main" val="70180672"/>
+        <p14:creationId xmlns:p14="http://schemas.microsoft.com/office/powerpoint/2010/main" val="1732306265"/>
       </p:ext>
     </p:extLst>
   </p:cSld>
@@ -3946,7 +4300,7 @@
           <a:p>
             <a:r>
               <a:rPr lang="fr-FR" dirty="0"/>
-              <a:t>Spécifications Fonctionnelles</a:t>
+              <a:t>Spécifications Techniques</a:t>
             </a:r>
           </a:p>
         </p:txBody>
@@ -3966,7 +4320,7 @@
         <p:spPr>
           <a:xfrm>
             <a:off x="83820" y="956231"/>
-            <a:ext cx="3208020" cy="369332"/>
+            <a:ext cx="3009900" cy="369332"/>
           </a:xfrm>
           <a:prstGeom prst="rect">
             <a:avLst/>
@@ -3981,8 +4335,90 @@
           <a:p>
             <a:r>
               <a:rPr lang="fr-FR" i="1" dirty="0"/>
-              <a:t>Le cycle de vie d’une commande</a:t>
-            </a:r>
+              <a:t>Choix technologiques internes</a:t>
+            </a:r>
+          </a:p>
+        </p:txBody>
+      </p:sp>
+      <p:sp>
+        <p:nvSpPr>
+          <p:cNvPr id="4" name="Espace réservé du contenu 2">
+            <a:extLst>
+              <a:ext uri="{FF2B5EF4-FFF2-40B4-BE49-F238E27FC236}">
+                <a16:creationId xmlns:a16="http://schemas.microsoft.com/office/drawing/2014/main" id="{97D0BA48-3C49-4D07-A973-1B24C7C3A5DD}"/>
+              </a:ext>
+            </a:extLst>
+          </p:cNvPr>
+          <p:cNvSpPr>
+            <a:spLocks noGrp="1"/>
+          </p:cNvSpPr>
+          <p:nvPr>
+            <p:ph sz="half" idx="1"/>
+          </p:nvPr>
+        </p:nvSpPr>
+        <p:spPr>
+          <a:xfrm>
+            <a:off x="1763576" y="1655501"/>
+            <a:ext cx="4450080" cy="2796423"/>
+          </a:xfrm>
+        </p:spPr>
+        <p:txBody>
+          <a:bodyPr/>
+          <a:lstStyle/>
+          <a:p>
+            <a:pPr marL="0" indent="0">
+              <a:buNone/>
+            </a:pPr>
+            <a:endParaRPr lang="fr-FR" dirty="0"/>
+          </a:p>
+          <a:p>
+            <a:pPr marL="0" indent="0">
+              <a:buNone/>
+            </a:pPr>
+            <a:r>
+              <a:rPr lang="fr-FR" sz="2000" i="1" u="sng" dirty="0"/>
+              <a:t>Gestion de l’authentification</a:t>
+            </a:r>
+          </a:p>
+          <a:p>
+            <a:pPr marL="0" indent="0">
+              <a:buNone/>
+            </a:pPr>
+            <a:endParaRPr lang="fr-FR" sz="2000" dirty="0"/>
+          </a:p>
+          <a:p>
+            <a:r>
+              <a:rPr lang="fr-FR" sz="2000" i="1" dirty="0"/>
+              <a:t>Développement sur mesure</a:t>
+            </a:r>
+          </a:p>
+          <a:p>
+            <a:pPr marL="0" indent="0">
+              <a:buNone/>
+            </a:pPr>
+            <a:r>
+              <a:rPr lang="fr-FR" sz="2000" i="1" dirty="0"/>
+              <a:t>	- « FROM SCRATCH»</a:t>
+            </a:r>
+            <a:endParaRPr lang="fr-FR" sz="2000" dirty="0"/>
+          </a:p>
+          <a:p>
+            <a:pPr marL="0" indent="0">
+              <a:buNone/>
+            </a:pPr>
+            <a:endParaRPr lang="fr-FR" dirty="0"/>
+          </a:p>
+          <a:p>
+            <a:pPr marL="0" indent="0">
+              <a:buNone/>
+            </a:pPr>
+            <a:endParaRPr lang="fr-FR" dirty="0"/>
+          </a:p>
+          <a:p>
+            <a:pPr marL="0" indent="0">
+              <a:buNone/>
+            </a:pPr>
+            <a:endParaRPr lang="fr-FR" dirty="0"/>
           </a:p>
         </p:txBody>
       </p:sp>
@@ -3991,7 +4427,7 @@
           <p:cNvPr id="2" name="Image 1">
             <a:extLst>
               <a:ext uri="{FF2B5EF4-FFF2-40B4-BE49-F238E27FC236}">
-                <a16:creationId xmlns:a16="http://schemas.microsoft.com/office/drawing/2014/main" id="{74B20998-1C0A-4821-8F04-829388628A83}"/>
+                <a16:creationId xmlns:a16="http://schemas.microsoft.com/office/drawing/2014/main" id="{D1A86450-66E5-41DE-BBDE-5867CE5C344A}"/>
               </a:ext>
             </a:extLst>
           </p:cNvPr>
@@ -4008,18 +4444,162 @@
         </p:blipFill>
         <p:spPr>
           <a:xfrm>
-            <a:off x="1081695" y="2083953"/>
-            <a:ext cx="9657109" cy="3265287"/>
+            <a:off x="8265591" y="939159"/>
+            <a:ext cx="1679687" cy="1688670"/>
           </a:xfrm>
           <a:prstGeom prst="rect">
             <a:avLst/>
           </a:prstGeom>
+          <a:ln>
+            <a:solidFill>
+              <a:schemeClr val="tx1"/>
+            </a:solidFill>
+          </a:ln>
+        </p:spPr>
+      </p:pic>
+      <p:pic>
+        <p:nvPicPr>
+          <p:cNvPr id="3" name="Image 2">
+            <a:extLst>
+              <a:ext uri="{FF2B5EF4-FFF2-40B4-BE49-F238E27FC236}">
+                <a16:creationId xmlns:a16="http://schemas.microsoft.com/office/drawing/2014/main" id="{F62B1F88-8D84-436F-98A4-802FB161009C}"/>
+              </a:ext>
+            </a:extLst>
+          </p:cNvPr>
+          <p:cNvPicPr>
+            <a:picLocks noChangeAspect="1"/>
+          </p:cNvPicPr>
+          <p:nvPr/>
+        </p:nvPicPr>
+        <p:blipFill>
+          <a:blip r:embed="rId3"/>
+          <a:stretch>
+            <a:fillRect/>
+          </a:stretch>
+        </p:blipFill>
+        <p:spPr>
+          <a:xfrm>
+            <a:off x="7817211" y="5019541"/>
+            <a:ext cx="2576446" cy="1325563"/>
+          </a:xfrm>
+          <a:prstGeom prst="rect">
+            <a:avLst/>
+          </a:prstGeom>
+          <a:ln>
+            <a:solidFill>
+              <a:schemeClr val="tx1"/>
+            </a:solidFill>
+          </a:ln>
+        </p:spPr>
+      </p:pic>
+      <p:pic>
+        <p:nvPicPr>
+          <p:cNvPr id="10" name="Image 9">
+            <a:extLst>
+              <a:ext uri="{FF2B5EF4-FFF2-40B4-BE49-F238E27FC236}">
+                <a16:creationId xmlns:a16="http://schemas.microsoft.com/office/drawing/2014/main" id="{9BCA9FEB-2D39-4760-939F-0D2E2D66EC26}"/>
+              </a:ext>
+            </a:extLst>
+          </p:cNvPr>
+          <p:cNvPicPr>
+            <a:picLocks noChangeAspect="1"/>
+          </p:cNvPicPr>
+          <p:nvPr/>
+        </p:nvPicPr>
+        <p:blipFill>
+          <a:blip r:embed="rId4"/>
+          <a:stretch>
+            <a:fillRect/>
+          </a:stretch>
+        </p:blipFill>
+        <p:spPr>
+          <a:xfrm>
+            <a:off x="8265591" y="2889763"/>
+            <a:ext cx="1593758" cy="1867844"/>
+          </a:xfrm>
+          <a:prstGeom prst="rect">
+            <a:avLst/>
+          </a:prstGeom>
+          <a:ln>
+            <a:solidFill>
+              <a:schemeClr val="tx1"/>
+            </a:solidFill>
+          </a:ln>
+        </p:spPr>
+      </p:pic>
+      <p:pic>
+        <p:nvPicPr>
+          <p:cNvPr id="11" name="Image 10">
+            <a:extLst>
+              <a:ext uri="{FF2B5EF4-FFF2-40B4-BE49-F238E27FC236}">
+                <a16:creationId xmlns:a16="http://schemas.microsoft.com/office/drawing/2014/main" id="{EB9A93A4-3561-451B-9B8C-732E3A39608C}"/>
+              </a:ext>
+            </a:extLst>
+          </p:cNvPr>
+          <p:cNvPicPr>
+            <a:picLocks noChangeAspect="1"/>
+          </p:cNvPicPr>
+          <p:nvPr/>
+        </p:nvPicPr>
+        <p:blipFill>
+          <a:blip r:embed="rId5"/>
+          <a:stretch>
+            <a:fillRect/>
+          </a:stretch>
+        </p:blipFill>
+        <p:spPr>
+          <a:xfrm>
+            <a:off x="2441543" y="3860116"/>
+            <a:ext cx="2026762" cy="2484988"/>
+          </a:xfrm>
+          <a:prstGeom prst="rect">
+            <a:avLst/>
+          </a:prstGeom>
+          <a:ln>
+            <a:solidFill>
+              <a:schemeClr val="tx1"/>
+            </a:solidFill>
+          </a:ln>
+        </p:spPr>
+      </p:pic>
+      <p:pic>
+        <p:nvPicPr>
+          <p:cNvPr id="13" name="Image 12" descr="Une image contenant dessin&#10;&#10;Description générée automatiquement">
+            <a:extLst>
+              <a:ext uri="{FF2B5EF4-FFF2-40B4-BE49-F238E27FC236}">
+                <a16:creationId xmlns:a16="http://schemas.microsoft.com/office/drawing/2014/main" id="{7F15D8D9-538A-4677-9494-811340C79396}"/>
+              </a:ext>
+            </a:extLst>
+          </p:cNvPr>
+          <p:cNvPicPr>
+            <a:picLocks noChangeAspect="1"/>
+          </p:cNvPicPr>
+          <p:nvPr/>
+        </p:nvPicPr>
+        <p:blipFill rotWithShape="1">
+          <a:blip r:embed="rId6"/>
+          <a:srcRect l="6322"/>
+          <a:stretch/>
+        </p:blipFill>
+        <p:spPr>
+          <a:xfrm>
+            <a:off x="6035683" y="437107"/>
+            <a:ext cx="462694" cy="462695"/>
+          </a:xfrm>
+          <a:prstGeom prst="rect">
+            <a:avLst/>
+          </a:prstGeom>
+          <a:ln>
+            <a:solidFill>
+              <a:schemeClr val="bg1"/>
+            </a:solidFill>
+          </a:ln>
         </p:spPr>
       </p:pic>
     </p:spTree>
     <p:extLst>
       <p:ext uri="{BB962C8B-B14F-4D97-AF65-F5344CB8AC3E}">
-        <p14:creationId xmlns:p14="http://schemas.microsoft.com/office/powerpoint/2010/main" val="2771353780"/>
+        <p14:creationId xmlns:p14="http://schemas.microsoft.com/office/powerpoint/2010/main" val="2082382380"/>
       </p:ext>
     </p:extLst>
   </p:cSld>
@@ -4030,6 +4610,1188 @@
 </file>
 
 <file path=ppt/slides/slide13.xml><?xml version="1.0" encoding="utf-8"?>
+<p:sld xmlns:a="http://schemas.openxmlformats.org/drawingml/2006/main" xmlns:r="http://schemas.openxmlformats.org/officeDocument/2006/relationships" xmlns:p="http://schemas.openxmlformats.org/presentationml/2006/main">
+  <p:cSld>
+    <p:spTree>
+      <p:nvGrpSpPr>
+        <p:cNvPr id="1" name=""/>
+        <p:cNvGrpSpPr/>
+        <p:nvPr/>
+      </p:nvGrpSpPr>
+      <p:grpSpPr>
+        <a:xfrm>
+          <a:off x="0" y="0"/>
+          <a:ext cx="0" cy="0"/>
+          <a:chOff x="0" y="0"/>
+          <a:chExt cx="0" cy="0"/>
+        </a:xfrm>
+      </p:grpSpPr>
+      <p:sp>
+        <p:nvSpPr>
+          <p:cNvPr id="5" name="Titre 1">
+            <a:extLst>
+              <a:ext uri="{FF2B5EF4-FFF2-40B4-BE49-F238E27FC236}">
+                <a16:creationId xmlns:a16="http://schemas.microsoft.com/office/drawing/2014/main" id="{BA30865C-3393-4E44-A14D-E3EB2B954861}"/>
+              </a:ext>
+            </a:extLst>
+          </p:cNvPr>
+          <p:cNvSpPr>
+            <a:spLocks noGrp="1"/>
+          </p:cNvSpPr>
+          <p:nvPr>
+            <p:ph type="title"/>
+          </p:nvPr>
+        </p:nvSpPr>
+        <p:spPr>
+          <a:xfrm>
+            <a:off x="129540" y="0"/>
+            <a:ext cx="8221980" cy="1325563"/>
+          </a:xfrm>
+        </p:spPr>
+        <p:txBody>
+          <a:bodyPr/>
+          <a:lstStyle/>
+          <a:p>
+            <a:r>
+              <a:rPr lang="fr-FR" dirty="0"/>
+              <a:t>Spécifications Techniques</a:t>
+            </a:r>
+          </a:p>
+        </p:txBody>
+      </p:sp>
+      <p:sp>
+        <p:nvSpPr>
+          <p:cNvPr id="6" name="ZoneTexte 5">
+            <a:extLst>
+              <a:ext uri="{FF2B5EF4-FFF2-40B4-BE49-F238E27FC236}">
+                <a16:creationId xmlns:a16="http://schemas.microsoft.com/office/drawing/2014/main" id="{DF02C497-D03A-4948-8530-B9053CAC30E7}"/>
+              </a:ext>
+            </a:extLst>
+          </p:cNvPr>
+          <p:cNvSpPr txBox="1"/>
+          <p:nvPr/>
+        </p:nvSpPr>
+        <p:spPr>
+          <a:xfrm>
+            <a:off x="83820" y="956231"/>
+            <a:ext cx="3009900" cy="369332"/>
+          </a:xfrm>
+          <a:prstGeom prst="rect">
+            <a:avLst/>
+          </a:prstGeom>
+          <a:noFill/>
+        </p:spPr>
+        <p:txBody>
+          <a:bodyPr wrap="square" rtlCol="0">
+            <a:spAutoFit/>
+          </a:bodyPr>
+          <a:lstStyle/>
+          <a:p>
+            <a:r>
+              <a:rPr lang="fr-FR" i="1" dirty="0"/>
+              <a:t>Choix technologiques externes</a:t>
+            </a:r>
+          </a:p>
+        </p:txBody>
+      </p:sp>
+      <p:sp>
+        <p:nvSpPr>
+          <p:cNvPr id="4" name="Espace réservé du contenu 2">
+            <a:extLst>
+              <a:ext uri="{FF2B5EF4-FFF2-40B4-BE49-F238E27FC236}">
+                <a16:creationId xmlns:a16="http://schemas.microsoft.com/office/drawing/2014/main" id="{97D0BA48-3C49-4D07-A973-1B24C7C3A5DD}"/>
+              </a:ext>
+            </a:extLst>
+          </p:cNvPr>
+          <p:cNvSpPr>
+            <a:spLocks noGrp="1"/>
+          </p:cNvSpPr>
+          <p:nvPr>
+            <p:ph sz="half" idx="1"/>
+          </p:nvPr>
+        </p:nvSpPr>
+        <p:spPr>
+          <a:xfrm>
+            <a:off x="944292" y="1607841"/>
+            <a:ext cx="4450080" cy="2796423"/>
+          </a:xfrm>
+        </p:spPr>
+        <p:txBody>
+          <a:bodyPr/>
+          <a:lstStyle/>
+          <a:p>
+            <a:pPr marL="0" indent="0">
+              <a:buNone/>
+            </a:pPr>
+            <a:endParaRPr lang="fr-FR" dirty="0"/>
+          </a:p>
+          <a:p>
+            <a:pPr marL="0" indent="0">
+              <a:buNone/>
+            </a:pPr>
+            <a:r>
+              <a:rPr lang="fr-FR" sz="2000" i="1" u="sng" dirty="0"/>
+              <a:t>Gestion de l’authentification</a:t>
+            </a:r>
+          </a:p>
+          <a:p>
+            <a:pPr marL="0" indent="0">
+              <a:buNone/>
+            </a:pPr>
+            <a:endParaRPr lang="fr-FR" sz="2000" dirty="0"/>
+          </a:p>
+          <a:p>
+            <a:r>
+              <a:rPr lang="fr-FR" sz="2000" i="1" dirty="0"/>
+              <a:t>Mise en place des APIs</a:t>
+            </a:r>
+          </a:p>
+          <a:p>
+            <a:pPr marL="0" indent="0">
+              <a:buNone/>
+            </a:pPr>
+            <a:r>
+              <a:rPr lang="fr-FR" sz="2000" i="1" dirty="0"/>
+              <a:t>	- Google </a:t>
+            </a:r>
+            <a:r>
+              <a:rPr lang="fr-FR" sz="2000" i="1" dirty="0" err="1"/>
+              <a:t>Sign</a:t>
+            </a:r>
+            <a:r>
+              <a:rPr lang="fr-FR" sz="2000" i="1" dirty="0"/>
+              <a:t>-In</a:t>
+            </a:r>
+          </a:p>
+          <a:p>
+            <a:pPr marL="0" indent="0">
+              <a:buNone/>
+            </a:pPr>
+            <a:r>
+              <a:rPr lang="fr-FR" i="1" dirty="0"/>
+              <a:t>	</a:t>
+            </a:r>
+            <a:r>
+              <a:rPr lang="fr-FR" sz="2000" i="1" dirty="0"/>
+              <a:t>- Facebook Login </a:t>
+            </a:r>
+          </a:p>
+          <a:p>
+            <a:pPr marL="0" indent="0">
+              <a:buNone/>
+            </a:pPr>
+            <a:endParaRPr lang="fr-FR" dirty="0"/>
+          </a:p>
+          <a:p>
+            <a:pPr marL="0" indent="0">
+              <a:buNone/>
+            </a:pPr>
+            <a:endParaRPr lang="fr-FR" dirty="0"/>
+          </a:p>
+          <a:p>
+            <a:pPr marL="0" indent="0">
+              <a:buNone/>
+            </a:pPr>
+            <a:endParaRPr lang="fr-FR" dirty="0"/>
+          </a:p>
+        </p:txBody>
+      </p:sp>
+      <p:pic>
+        <p:nvPicPr>
+          <p:cNvPr id="11" name="Image 10">
+            <a:extLst>
+              <a:ext uri="{FF2B5EF4-FFF2-40B4-BE49-F238E27FC236}">
+                <a16:creationId xmlns:a16="http://schemas.microsoft.com/office/drawing/2014/main" id="{2FA1B6C2-B9DE-458E-B45F-2002FFABB992}"/>
+              </a:ext>
+            </a:extLst>
+          </p:cNvPr>
+          <p:cNvPicPr>
+            <a:picLocks noChangeAspect="1"/>
+          </p:cNvPicPr>
+          <p:nvPr/>
+        </p:nvPicPr>
+        <p:blipFill>
+          <a:blip r:embed="rId2"/>
+          <a:stretch>
+            <a:fillRect/>
+          </a:stretch>
+        </p:blipFill>
+        <p:spPr>
+          <a:xfrm>
+            <a:off x="1633324" y="4246666"/>
+            <a:ext cx="1854262" cy="2273488"/>
+          </a:xfrm>
+          <a:prstGeom prst="rect">
+            <a:avLst/>
+          </a:prstGeom>
+          <a:ln>
+            <a:solidFill>
+              <a:schemeClr val="tx1"/>
+            </a:solidFill>
+          </a:ln>
+        </p:spPr>
+      </p:pic>
+      <p:pic>
+        <p:nvPicPr>
+          <p:cNvPr id="12" name="Image 11" descr="Une image contenant dessin&#10;&#10;Description générée automatiquement">
+            <a:extLst>
+              <a:ext uri="{FF2B5EF4-FFF2-40B4-BE49-F238E27FC236}">
+                <a16:creationId xmlns:a16="http://schemas.microsoft.com/office/drawing/2014/main" id="{6B08C6BE-6BA3-48F1-AB5A-29B7A5FEAF2D}"/>
+              </a:ext>
+            </a:extLst>
+          </p:cNvPr>
+          <p:cNvPicPr>
+            <a:picLocks noChangeAspect="1"/>
+          </p:cNvPicPr>
+          <p:nvPr/>
+        </p:nvPicPr>
+        <p:blipFill rotWithShape="1">
+          <a:blip r:embed="rId3"/>
+          <a:srcRect l="6322"/>
+          <a:stretch/>
+        </p:blipFill>
+        <p:spPr>
+          <a:xfrm>
+            <a:off x="6035683" y="437107"/>
+            <a:ext cx="462694" cy="462695"/>
+          </a:xfrm>
+          <a:prstGeom prst="rect">
+            <a:avLst/>
+          </a:prstGeom>
+          <a:ln>
+            <a:solidFill>
+              <a:schemeClr val="bg1"/>
+            </a:solidFill>
+          </a:ln>
+        </p:spPr>
+      </p:pic>
+      <p:pic>
+        <p:nvPicPr>
+          <p:cNvPr id="13" name="Image 12">
+            <a:extLst>
+              <a:ext uri="{FF2B5EF4-FFF2-40B4-BE49-F238E27FC236}">
+                <a16:creationId xmlns:a16="http://schemas.microsoft.com/office/drawing/2014/main" id="{FE737298-FBEE-4372-8D0B-4C5934988106}"/>
+              </a:ext>
+            </a:extLst>
+          </p:cNvPr>
+          <p:cNvPicPr>
+            <a:picLocks noChangeAspect="1"/>
+          </p:cNvPicPr>
+          <p:nvPr/>
+        </p:nvPicPr>
+        <p:blipFill>
+          <a:blip r:embed="rId4"/>
+          <a:stretch>
+            <a:fillRect/>
+          </a:stretch>
+        </p:blipFill>
+        <p:spPr>
+          <a:xfrm>
+            <a:off x="4851099" y="3101679"/>
+            <a:ext cx="2993333" cy="1141238"/>
+          </a:xfrm>
+          <a:prstGeom prst="rect">
+            <a:avLst/>
+          </a:prstGeom>
+          <a:ln>
+            <a:solidFill>
+              <a:schemeClr val="tx1"/>
+            </a:solidFill>
+          </a:ln>
+        </p:spPr>
+      </p:pic>
+      <p:pic>
+        <p:nvPicPr>
+          <p:cNvPr id="14" name="Image 13">
+            <a:extLst>
+              <a:ext uri="{FF2B5EF4-FFF2-40B4-BE49-F238E27FC236}">
+                <a16:creationId xmlns:a16="http://schemas.microsoft.com/office/drawing/2014/main" id="{C3D14863-B8C2-4E73-80B4-11EE4F542C91}"/>
+              </a:ext>
+            </a:extLst>
+          </p:cNvPr>
+          <p:cNvPicPr>
+            <a:picLocks noChangeAspect="1"/>
+          </p:cNvPicPr>
+          <p:nvPr/>
+        </p:nvPicPr>
+        <p:blipFill>
+          <a:blip r:embed="rId5"/>
+          <a:stretch>
+            <a:fillRect/>
+          </a:stretch>
+        </p:blipFill>
+        <p:spPr>
+          <a:xfrm>
+            <a:off x="6307450" y="4613584"/>
+            <a:ext cx="5523476" cy="980552"/>
+          </a:xfrm>
+          <a:prstGeom prst="rect">
+            <a:avLst/>
+          </a:prstGeom>
+          <a:ln>
+            <a:solidFill>
+              <a:schemeClr val="tx1"/>
+            </a:solidFill>
+          </a:ln>
+        </p:spPr>
+      </p:pic>
+      <p:pic>
+        <p:nvPicPr>
+          <p:cNvPr id="15" name="Image 14">
+            <a:extLst>
+              <a:ext uri="{FF2B5EF4-FFF2-40B4-BE49-F238E27FC236}">
+                <a16:creationId xmlns:a16="http://schemas.microsoft.com/office/drawing/2014/main" id="{1D74336F-34F8-4C27-BF21-1664EA3B51F6}"/>
+              </a:ext>
+            </a:extLst>
+          </p:cNvPr>
+          <p:cNvPicPr>
+            <a:picLocks noChangeAspect="1"/>
+          </p:cNvPicPr>
+          <p:nvPr/>
+        </p:nvPicPr>
+        <p:blipFill>
+          <a:blip r:embed="rId6"/>
+          <a:stretch>
+            <a:fillRect/>
+          </a:stretch>
+        </p:blipFill>
+        <p:spPr>
+          <a:xfrm>
+            <a:off x="6283542" y="1856916"/>
+            <a:ext cx="5547384" cy="980552"/>
+          </a:xfrm>
+          <a:prstGeom prst="rect">
+            <a:avLst/>
+          </a:prstGeom>
+          <a:ln>
+            <a:solidFill>
+              <a:schemeClr val="tx1"/>
+            </a:solidFill>
+          </a:ln>
+        </p:spPr>
+      </p:pic>
+    </p:spTree>
+    <p:extLst>
+      <p:ext uri="{BB962C8B-B14F-4D97-AF65-F5344CB8AC3E}">
+        <p14:creationId xmlns:p14="http://schemas.microsoft.com/office/powerpoint/2010/main" val="2438556536"/>
+      </p:ext>
+    </p:extLst>
+  </p:cSld>
+  <p:clrMapOvr>
+    <a:masterClrMapping/>
+  </p:clrMapOvr>
+</p:sld>
+</file>
+
+<file path=ppt/slides/slide14.xml><?xml version="1.0" encoding="utf-8"?>
+<p:sld xmlns:a="http://schemas.openxmlformats.org/drawingml/2006/main" xmlns:r="http://schemas.openxmlformats.org/officeDocument/2006/relationships" xmlns:p="http://schemas.openxmlformats.org/presentationml/2006/main">
+  <p:cSld>
+    <p:spTree>
+      <p:nvGrpSpPr>
+        <p:cNvPr id="1" name=""/>
+        <p:cNvGrpSpPr/>
+        <p:nvPr/>
+      </p:nvGrpSpPr>
+      <p:grpSpPr>
+        <a:xfrm>
+          <a:off x="0" y="0"/>
+          <a:ext cx="0" cy="0"/>
+          <a:chOff x="0" y="0"/>
+          <a:chExt cx="0" cy="0"/>
+        </a:xfrm>
+      </p:grpSpPr>
+      <p:sp>
+        <p:nvSpPr>
+          <p:cNvPr id="5" name="Titre 1">
+            <a:extLst>
+              <a:ext uri="{FF2B5EF4-FFF2-40B4-BE49-F238E27FC236}">
+                <a16:creationId xmlns:a16="http://schemas.microsoft.com/office/drawing/2014/main" id="{BA30865C-3393-4E44-A14D-E3EB2B954861}"/>
+              </a:ext>
+            </a:extLst>
+          </p:cNvPr>
+          <p:cNvSpPr>
+            <a:spLocks noGrp="1"/>
+          </p:cNvSpPr>
+          <p:nvPr>
+            <p:ph type="title"/>
+          </p:nvPr>
+        </p:nvSpPr>
+        <p:spPr>
+          <a:xfrm>
+            <a:off x="129540" y="0"/>
+            <a:ext cx="8221980" cy="1325563"/>
+          </a:xfrm>
+        </p:spPr>
+        <p:txBody>
+          <a:bodyPr/>
+          <a:lstStyle/>
+          <a:p>
+            <a:r>
+              <a:rPr lang="fr-FR" dirty="0"/>
+              <a:t>Spécifications Techniques</a:t>
+            </a:r>
+          </a:p>
+        </p:txBody>
+      </p:sp>
+      <p:sp>
+        <p:nvSpPr>
+          <p:cNvPr id="6" name="ZoneTexte 5">
+            <a:extLst>
+              <a:ext uri="{FF2B5EF4-FFF2-40B4-BE49-F238E27FC236}">
+                <a16:creationId xmlns:a16="http://schemas.microsoft.com/office/drawing/2014/main" id="{DF02C497-D03A-4948-8530-B9053CAC30E7}"/>
+              </a:ext>
+            </a:extLst>
+          </p:cNvPr>
+          <p:cNvSpPr txBox="1"/>
+          <p:nvPr/>
+        </p:nvSpPr>
+        <p:spPr>
+          <a:xfrm>
+            <a:off x="83820" y="956231"/>
+            <a:ext cx="3009900" cy="369332"/>
+          </a:xfrm>
+          <a:prstGeom prst="rect">
+            <a:avLst/>
+          </a:prstGeom>
+          <a:noFill/>
+        </p:spPr>
+        <p:txBody>
+          <a:bodyPr wrap="square" rtlCol="0">
+            <a:spAutoFit/>
+          </a:bodyPr>
+          <a:lstStyle/>
+          <a:p>
+            <a:r>
+              <a:rPr lang="fr-FR" i="1" dirty="0"/>
+              <a:t>Choix technologiques externes</a:t>
+            </a:r>
+          </a:p>
+        </p:txBody>
+      </p:sp>
+      <p:sp>
+        <p:nvSpPr>
+          <p:cNvPr id="4" name="Espace réservé du contenu 2">
+            <a:extLst>
+              <a:ext uri="{FF2B5EF4-FFF2-40B4-BE49-F238E27FC236}">
+                <a16:creationId xmlns:a16="http://schemas.microsoft.com/office/drawing/2014/main" id="{97D0BA48-3C49-4D07-A973-1B24C7C3A5DD}"/>
+              </a:ext>
+            </a:extLst>
+          </p:cNvPr>
+          <p:cNvSpPr>
+            <a:spLocks noGrp="1"/>
+          </p:cNvSpPr>
+          <p:nvPr>
+            <p:ph sz="half" idx="1"/>
+          </p:nvPr>
+        </p:nvSpPr>
+        <p:spPr>
+          <a:xfrm>
+            <a:off x="1255398" y="1958969"/>
+            <a:ext cx="4982224" cy="2796423"/>
+          </a:xfrm>
+        </p:spPr>
+        <p:txBody>
+          <a:bodyPr/>
+          <a:lstStyle/>
+          <a:p>
+            <a:pPr marL="0" indent="0">
+              <a:buNone/>
+            </a:pPr>
+            <a:r>
+              <a:rPr lang="fr-FR" sz="2000" i="1" u="sng" dirty="0"/>
+              <a:t>Gestion des transactions bancaires en ligne</a:t>
+            </a:r>
+          </a:p>
+          <a:p>
+            <a:pPr marL="0" indent="0">
+              <a:buNone/>
+            </a:pPr>
+            <a:endParaRPr lang="fr-FR" sz="2000" dirty="0"/>
+          </a:p>
+          <a:p>
+            <a:r>
+              <a:rPr lang="fr-FR" sz="2000" i="1" dirty="0"/>
+              <a:t>Mise en place des APIs</a:t>
+            </a:r>
+          </a:p>
+          <a:p>
+            <a:pPr marL="0" indent="0">
+              <a:buNone/>
+            </a:pPr>
+            <a:r>
+              <a:rPr lang="fr-FR" sz="2000" i="1" dirty="0"/>
+              <a:t>	- STRIPE</a:t>
+            </a:r>
+          </a:p>
+          <a:p>
+            <a:endParaRPr lang="fr-FR" dirty="0"/>
+          </a:p>
+          <a:p>
+            <a:pPr marL="0" indent="0">
+              <a:buNone/>
+            </a:pPr>
+            <a:endParaRPr lang="fr-FR" dirty="0"/>
+          </a:p>
+          <a:p>
+            <a:pPr marL="0" indent="0">
+              <a:buNone/>
+            </a:pPr>
+            <a:endParaRPr lang="fr-FR" dirty="0"/>
+          </a:p>
+        </p:txBody>
+      </p:sp>
+      <p:pic>
+        <p:nvPicPr>
+          <p:cNvPr id="2" name="Image 1">
+            <a:extLst>
+              <a:ext uri="{FF2B5EF4-FFF2-40B4-BE49-F238E27FC236}">
+                <a16:creationId xmlns:a16="http://schemas.microsoft.com/office/drawing/2014/main" id="{F8C05210-7CAB-48E6-BFE7-ABDC350EB61C}"/>
+              </a:ext>
+            </a:extLst>
+          </p:cNvPr>
+          <p:cNvPicPr>
+            <a:picLocks noChangeAspect="1"/>
+          </p:cNvPicPr>
+          <p:nvPr/>
+        </p:nvPicPr>
+        <p:blipFill>
+          <a:blip r:embed="rId2"/>
+          <a:stretch>
+            <a:fillRect/>
+          </a:stretch>
+        </p:blipFill>
+        <p:spPr>
+          <a:xfrm>
+            <a:off x="7764223" y="693875"/>
+            <a:ext cx="3194738" cy="1690832"/>
+          </a:xfrm>
+          <a:prstGeom prst="rect">
+            <a:avLst/>
+          </a:prstGeom>
+          <a:ln>
+            <a:solidFill>
+              <a:schemeClr val="tx1"/>
+            </a:solidFill>
+          </a:ln>
+        </p:spPr>
+      </p:pic>
+      <p:pic>
+        <p:nvPicPr>
+          <p:cNvPr id="3" name="Image 2">
+            <a:extLst>
+              <a:ext uri="{FF2B5EF4-FFF2-40B4-BE49-F238E27FC236}">
+                <a16:creationId xmlns:a16="http://schemas.microsoft.com/office/drawing/2014/main" id="{B1AA2C8C-2FC3-4E45-8318-9D9133E8CB26}"/>
+              </a:ext>
+            </a:extLst>
+          </p:cNvPr>
+          <p:cNvPicPr>
+            <a:picLocks noChangeAspect="1"/>
+          </p:cNvPicPr>
+          <p:nvPr/>
+        </p:nvPicPr>
+        <p:blipFill>
+          <a:blip r:embed="rId3"/>
+          <a:stretch>
+            <a:fillRect/>
+          </a:stretch>
+        </p:blipFill>
+        <p:spPr>
+          <a:xfrm>
+            <a:off x="8241756" y="2583094"/>
+            <a:ext cx="2200724" cy="1291091"/>
+          </a:xfrm>
+          <a:prstGeom prst="rect">
+            <a:avLst/>
+          </a:prstGeom>
+          <a:ln>
+            <a:solidFill>
+              <a:schemeClr val="tx1"/>
+            </a:solidFill>
+          </a:ln>
+        </p:spPr>
+      </p:pic>
+      <p:pic>
+        <p:nvPicPr>
+          <p:cNvPr id="8" name="Image 7">
+            <a:extLst>
+              <a:ext uri="{FF2B5EF4-FFF2-40B4-BE49-F238E27FC236}">
+                <a16:creationId xmlns:a16="http://schemas.microsoft.com/office/drawing/2014/main" id="{BF3B79B0-DFFC-4A3E-A5A0-D547DD2612D4}"/>
+              </a:ext>
+            </a:extLst>
+          </p:cNvPr>
+          <p:cNvPicPr>
+            <a:picLocks noChangeAspect="1"/>
+          </p:cNvPicPr>
+          <p:nvPr/>
+        </p:nvPicPr>
+        <p:blipFill>
+          <a:blip r:embed="rId4"/>
+          <a:stretch>
+            <a:fillRect/>
+          </a:stretch>
+        </p:blipFill>
+        <p:spPr>
+          <a:xfrm>
+            <a:off x="9248990" y="5321601"/>
+            <a:ext cx="2764592" cy="1032750"/>
+          </a:xfrm>
+          <a:prstGeom prst="rect">
+            <a:avLst/>
+          </a:prstGeom>
+          <a:ln>
+            <a:solidFill>
+              <a:schemeClr val="tx1"/>
+            </a:solidFill>
+          </a:ln>
+        </p:spPr>
+      </p:pic>
+      <p:pic>
+        <p:nvPicPr>
+          <p:cNvPr id="9" name="Image 8">
+            <a:extLst>
+              <a:ext uri="{FF2B5EF4-FFF2-40B4-BE49-F238E27FC236}">
+                <a16:creationId xmlns:a16="http://schemas.microsoft.com/office/drawing/2014/main" id="{2E8E7409-D877-494B-B9EF-F3519768E173}"/>
+              </a:ext>
+            </a:extLst>
+          </p:cNvPr>
+          <p:cNvPicPr>
+            <a:picLocks noChangeAspect="1"/>
+          </p:cNvPicPr>
+          <p:nvPr/>
+        </p:nvPicPr>
+        <p:blipFill>
+          <a:blip r:embed="rId5"/>
+          <a:stretch>
+            <a:fillRect/>
+          </a:stretch>
+        </p:blipFill>
+        <p:spPr>
+          <a:xfrm>
+            <a:off x="6498378" y="5321601"/>
+            <a:ext cx="2516560" cy="1032750"/>
+          </a:xfrm>
+          <a:prstGeom prst="rect">
+            <a:avLst/>
+          </a:prstGeom>
+          <a:ln>
+            <a:solidFill>
+              <a:schemeClr val="tx1"/>
+            </a:solidFill>
+          </a:ln>
+        </p:spPr>
+      </p:pic>
+      <p:pic>
+        <p:nvPicPr>
+          <p:cNvPr id="10" name="Image 9" descr="Une image contenant dessin&#10;&#10;Description générée automatiquement">
+            <a:extLst>
+              <a:ext uri="{FF2B5EF4-FFF2-40B4-BE49-F238E27FC236}">
+                <a16:creationId xmlns:a16="http://schemas.microsoft.com/office/drawing/2014/main" id="{6D94A839-7A8E-47D0-8403-F113701E829D}"/>
+              </a:ext>
+            </a:extLst>
+          </p:cNvPr>
+          <p:cNvPicPr>
+            <a:picLocks noChangeAspect="1"/>
+          </p:cNvPicPr>
+          <p:nvPr/>
+        </p:nvPicPr>
+        <p:blipFill rotWithShape="1">
+          <a:blip r:embed="rId6"/>
+          <a:srcRect l="6322"/>
+          <a:stretch/>
+        </p:blipFill>
+        <p:spPr>
+          <a:xfrm>
+            <a:off x="6035683" y="437107"/>
+            <a:ext cx="462694" cy="462695"/>
+          </a:xfrm>
+          <a:prstGeom prst="rect">
+            <a:avLst/>
+          </a:prstGeom>
+          <a:ln>
+            <a:solidFill>
+              <a:schemeClr val="bg1"/>
+            </a:solidFill>
+          </a:ln>
+        </p:spPr>
+      </p:pic>
+      <p:pic>
+        <p:nvPicPr>
+          <p:cNvPr id="7" name="Image 6">
+            <a:extLst>
+              <a:ext uri="{FF2B5EF4-FFF2-40B4-BE49-F238E27FC236}">
+                <a16:creationId xmlns:a16="http://schemas.microsoft.com/office/drawing/2014/main" id="{0CF2FC04-62AA-4D5F-9E9E-D69F48CC317E}"/>
+              </a:ext>
+            </a:extLst>
+          </p:cNvPr>
+          <p:cNvPicPr>
+            <a:picLocks noChangeAspect="1"/>
+          </p:cNvPicPr>
+          <p:nvPr/>
+        </p:nvPicPr>
+        <p:blipFill>
+          <a:blip r:embed="rId7"/>
+          <a:stretch>
+            <a:fillRect/>
+          </a:stretch>
+        </p:blipFill>
+        <p:spPr>
+          <a:xfrm>
+            <a:off x="8858628" y="4072572"/>
+            <a:ext cx="1005927" cy="967824"/>
+          </a:xfrm>
+          <a:prstGeom prst="rect">
+            <a:avLst/>
+          </a:prstGeom>
+        </p:spPr>
+      </p:pic>
+      <p:pic>
+        <p:nvPicPr>
+          <p:cNvPr id="11" name="Image 10">
+            <a:extLst>
+              <a:ext uri="{FF2B5EF4-FFF2-40B4-BE49-F238E27FC236}">
+                <a16:creationId xmlns:a16="http://schemas.microsoft.com/office/drawing/2014/main" id="{572551F3-AF94-44CC-9CC7-33B0D830B8CE}"/>
+              </a:ext>
+            </a:extLst>
+          </p:cNvPr>
+          <p:cNvPicPr>
+            <a:picLocks noChangeAspect="1"/>
+          </p:cNvPicPr>
+          <p:nvPr/>
+        </p:nvPicPr>
+        <p:blipFill>
+          <a:blip r:embed="rId8"/>
+          <a:stretch>
+            <a:fillRect/>
+          </a:stretch>
+        </p:blipFill>
+        <p:spPr>
+          <a:xfrm>
+            <a:off x="1974464" y="4072572"/>
+            <a:ext cx="2238512" cy="2238512"/>
+          </a:xfrm>
+          <a:prstGeom prst="rect">
+            <a:avLst/>
+          </a:prstGeom>
+          <a:ln>
+            <a:solidFill>
+              <a:schemeClr val="tx1"/>
+            </a:solidFill>
+          </a:ln>
+        </p:spPr>
+      </p:pic>
+    </p:spTree>
+    <p:extLst>
+      <p:ext uri="{BB962C8B-B14F-4D97-AF65-F5344CB8AC3E}">
+        <p14:creationId xmlns:p14="http://schemas.microsoft.com/office/powerpoint/2010/main" val="1719596938"/>
+      </p:ext>
+    </p:extLst>
+  </p:cSld>
+  <p:clrMapOvr>
+    <a:masterClrMapping/>
+  </p:clrMapOvr>
+</p:sld>
+</file>
+
+<file path=ppt/slides/slide15.xml><?xml version="1.0" encoding="utf-8"?>
+<p:sld xmlns:a="http://schemas.openxmlformats.org/drawingml/2006/main" xmlns:r="http://schemas.openxmlformats.org/officeDocument/2006/relationships" xmlns:p="http://schemas.openxmlformats.org/presentationml/2006/main">
+  <p:cSld>
+    <p:spTree>
+      <p:nvGrpSpPr>
+        <p:cNvPr id="1" name=""/>
+        <p:cNvGrpSpPr/>
+        <p:nvPr/>
+      </p:nvGrpSpPr>
+      <p:grpSpPr>
+        <a:xfrm>
+          <a:off x="0" y="0"/>
+          <a:ext cx="0" cy="0"/>
+          <a:chOff x="0" y="0"/>
+          <a:chExt cx="0" cy="0"/>
+        </a:xfrm>
+      </p:grpSpPr>
+      <p:sp>
+        <p:nvSpPr>
+          <p:cNvPr id="5" name="Titre 1">
+            <a:extLst>
+              <a:ext uri="{FF2B5EF4-FFF2-40B4-BE49-F238E27FC236}">
+                <a16:creationId xmlns:a16="http://schemas.microsoft.com/office/drawing/2014/main" id="{BA30865C-3393-4E44-A14D-E3EB2B954861}"/>
+              </a:ext>
+            </a:extLst>
+          </p:cNvPr>
+          <p:cNvSpPr>
+            <a:spLocks noGrp="1"/>
+          </p:cNvSpPr>
+          <p:nvPr>
+            <p:ph type="title"/>
+          </p:nvPr>
+        </p:nvSpPr>
+        <p:spPr>
+          <a:xfrm>
+            <a:off x="129540" y="0"/>
+            <a:ext cx="8221980" cy="1325563"/>
+          </a:xfrm>
+        </p:spPr>
+        <p:txBody>
+          <a:bodyPr/>
+          <a:lstStyle/>
+          <a:p>
+            <a:r>
+              <a:rPr lang="fr-FR" dirty="0"/>
+              <a:t>Spécifications Techniques</a:t>
+            </a:r>
+          </a:p>
+        </p:txBody>
+      </p:sp>
+      <p:sp>
+        <p:nvSpPr>
+          <p:cNvPr id="6" name="ZoneTexte 5">
+            <a:extLst>
+              <a:ext uri="{FF2B5EF4-FFF2-40B4-BE49-F238E27FC236}">
+                <a16:creationId xmlns:a16="http://schemas.microsoft.com/office/drawing/2014/main" id="{DF02C497-D03A-4948-8530-B9053CAC30E7}"/>
+              </a:ext>
+            </a:extLst>
+          </p:cNvPr>
+          <p:cNvSpPr txBox="1"/>
+          <p:nvPr/>
+        </p:nvSpPr>
+        <p:spPr>
+          <a:xfrm>
+            <a:off x="83820" y="956231"/>
+            <a:ext cx="3009900" cy="369332"/>
+          </a:xfrm>
+          <a:prstGeom prst="rect">
+            <a:avLst/>
+          </a:prstGeom>
+          <a:noFill/>
+        </p:spPr>
+        <p:txBody>
+          <a:bodyPr wrap="square" rtlCol="0">
+            <a:spAutoFit/>
+          </a:bodyPr>
+          <a:lstStyle/>
+          <a:p>
+            <a:r>
+              <a:rPr lang="fr-FR" i="1" dirty="0"/>
+              <a:t>Déploiement</a:t>
+            </a:r>
+          </a:p>
+        </p:txBody>
+      </p:sp>
+      <p:sp>
+        <p:nvSpPr>
+          <p:cNvPr id="2" name="ZoneTexte 1">
+            <a:extLst>
+              <a:ext uri="{FF2B5EF4-FFF2-40B4-BE49-F238E27FC236}">
+                <a16:creationId xmlns:a16="http://schemas.microsoft.com/office/drawing/2014/main" id="{CA6CD6A8-0BEC-414A-9EDB-43C66AF6CD42}"/>
+              </a:ext>
+            </a:extLst>
+          </p:cNvPr>
+          <p:cNvSpPr txBox="1"/>
+          <p:nvPr/>
+        </p:nvSpPr>
+        <p:spPr>
+          <a:xfrm>
+            <a:off x="263951" y="1847655"/>
+            <a:ext cx="5514679" cy="4985980"/>
+          </a:xfrm>
+          <a:prstGeom prst="rect">
+            <a:avLst/>
+          </a:prstGeom>
+          <a:noFill/>
+        </p:spPr>
+        <p:txBody>
+          <a:bodyPr wrap="square" rtlCol="0">
+            <a:spAutoFit/>
+          </a:bodyPr>
+          <a:lstStyle/>
+          <a:p>
+            <a:r>
+              <a:rPr lang="fr-FR" sz="2000" i="1" u="sng" dirty="0"/>
+              <a:t>Méthode de déploiement</a:t>
+            </a:r>
+          </a:p>
+          <a:p>
+            <a:endParaRPr lang="fr-FR" sz="2000" i="1" u="sng" dirty="0"/>
+          </a:p>
+          <a:p>
+            <a:pPr marL="285750" indent="-285750">
+              <a:buFont typeface="Arial" panose="020B0604020202020204" pitchFamily="34" charset="0"/>
+              <a:buChar char="•"/>
+            </a:pPr>
+            <a:r>
+              <a:rPr lang="fr-FR" sz="2000" i="1" dirty="0"/>
+              <a:t>Hébergement mutualisé</a:t>
+            </a:r>
+          </a:p>
+          <a:p>
+            <a:pPr marL="285750" indent="-285750">
+              <a:buFont typeface="Arial" panose="020B0604020202020204" pitchFamily="34" charset="0"/>
+              <a:buChar char="•"/>
+            </a:pPr>
+            <a:endParaRPr lang="fr-FR" sz="2000" i="1" dirty="0"/>
+          </a:p>
+          <a:p>
+            <a:pPr marL="285750" indent="-285750">
+              <a:buFont typeface="Arial" panose="020B0604020202020204" pitchFamily="34" charset="0"/>
+              <a:buChar char="•"/>
+            </a:pPr>
+            <a:endParaRPr lang="fr-FR" sz="2000" i="1" dirty="0"/>
+          </a:p>
+          <a:p>
+            <a:pPr marL="285750" indent="-285750">
+              <a:buFont typeface="Arial" panose="020B0604020202020204" pitchFamily="34" charset="0"/>
+              <a:buChar char="•"/>
+            </a:pPr>
+            <a:r>
+              <a:rPr lang="fr-FR" sz="2000" i="1" dirty="0"/>
+              <a:t>Hébergement dédié</a:t>
+            </a:r>
+          </a:p>
+          <a:p>
+            <a:pPr marL="285750" indent="-285750">
+              <a:buFont typeface="Arial" panose="020B0604020202020204" pitchFamily="34" charset="0"/>
+              <a:buChar char="•"/>
+            </a:pPr>
+            <a:endParaRPr lang="fr-FR" sz="2000" i="1" dirty="0"/>
+          </a:p>
+          <a:p>
+            <a:pPr marL="285750" indent="-285750">
+              <a:buFont typeface="Arial" panose="020B0604020202020204" pitchFamily="34" charset="0"/>
+              <a:buChar char="•"/>
+            </a:pPr>
+            <a:endParaRPr lang="fr-FR" sz="2000" i="1" dirty="0"/>
+          </a:p>
+          <a:p>
+            <a:pPr marL="285750" indent="-285750">
+              <a:buFont typeface="Arial" panose="020B0604020202020204" pitchFamily="34" charset="0"/>
+              <a:buChar char="•"/>
+            </a:pPr>
+            <a:r>
+              <a:rPr lang="fr-FR" sz="2000" i="1" dirty="0"/>
+              <a:t>Hébergement VPS – Serveur virtuel privé</a:t>
+            </a:r>
+          </a:p>
+          <a:p>
+            <a:pPr marL="285750" indent="-285750">
+              <a:buFont typeface="Arial" panose="020B0604020202020204" pitchFamily="34" charset="0"/>
+              <a:buChar char="•"/>
+            </a:pPr>
+            <a:endParaRPr lang="fr-FR" sz="2000" i="1" dirty="0"/>
+          </a:p>
+          <a:p>
+            <a:pPr marL="285750" indent="-285750">
+              <a:buFont typeface="Arial" panose="020B0604020202020204" pitchFamily="34" charset="0"/>
+              <a:buChar char="•"/>
+            </a:pPr>
+            <a:endParaRPr lang="fr-FR" sz="2000" i="1" dirty="0"/>
+          </a:p>
+          <a:p>
+            <a:endParaRPr lang="fr-FR" sz="2000" i="1" dirty="0"/>
+          </a:p>
+          <a:p>
+            <a:pPr marL="285750" indent="-285750">
+              <a:buFont typeface="Arial" panose="020B0604020202020204" pitchFamily="34" charset="0"/>
+              <a:buChar char="•"/>
+            </a:pPr>
+            <a:endParaRPr lang="fr-FR" sz="2000" i="1" dirty="0"/>
+          </a:p>
+          <a:p>
+            <a:pPr marL="285750" indent="-285750">
+              <a:buFont typeface="Arial" panose="020B0604020202020204" pitchFamily="34" charset="0"/>
+              <a:buChar char="•"/>
+            </a:pPr>
+            <a:endParaRPr lang="fr-FR" sz="2000" i="1" dirty="0"/>
+          </a:p>
+          <a:p>
+            <a:endParaRPr lang="fr-FR" sz="2000" i="1" dirty="0"/>
+          </a:p>
+          <a:p>
+            <a:endParaRPr lang="fr-FR" dirty="0"/>
+          </a:p>
+        </p:txBody>
+      </p:sp>
+      <p:pic>
+        <p:nvPicPr>
+          <p:cNvPr id="12" name="Image 11">
+            <a:extLst>
+              <a:ext uri="{FF2B5EF4-FFF2-40B4-BE49-F238E27FC236}">
+                <a16:creationId xmlns:a16="http://schemas.microsoft.com/office/drawing/2014/main" id="{7C1C5638-9D21-48A9-B254-3F3A5D5DD93A}"/>
+              </a:ext>
+            </a:extLst>
+          </p:cNvPr>
+          <p:cNvPicPr>
+            <a:picLocks noChangeAspect="1"/>
+          </p:cNvPicPr>
+          <p:nvPr/>
+        </p:nvPicPr>
+        <p:blipFill>
+          <a:blip r:embed="rId2"/>
+          <a:stretch>
+            <a:fillRect/>
+          </a:stretch>
+        </p:blipFill>
+        <p:spPr>
+          <a:xfrm>
+            <a:off x="5778630" y="2018719"/>
+            <a:ext cx="3354185" cy="2810263"/>
+          </a:xfrm>
+          <a:prstGeom prst="rect">
+            <a:avLst/>
+          </a:prstGeom>
+          <a:ln>
+            <a:solidFill>
+              <a:schemeClr val="tx1"/>
+            </a:solidFill>
+          </a:ln>
+        </p:spPr>
+      </p:pic>
+      <p:pic>
+        <p:nvPicPr>
+          <p:cNvPr id="15" name="Image 14">
+            <a:extLst>
+              <a:ext uri="{FF2B5EF4-FFF2-40B4-BE49-F238E27FC236}">
+                <a16:creationId xmlns:a16="http://schemas.microsoft.com/office/drawing/2014/main" id="{1D7204C1-B695-4D66-BA1E-FB22FA12F278}"/>
+              </a:ext>
+            </a:extLst>
+          </p:cNvPr>
+          <p:cNvPicPr>
+            <a:picLocks noChangeAspect="1"/>
+          </p:cNvPicPr>
+          <p:nvPr/>
+        </p:nvPicPr>
+        <p:blipFill>
+          <a:blip r:embed="rId3"/>
+          <a:stretch>
+            <a:fillRect/>
+          </a:stretch>
+        </p:blipFill>
+        <p:spPr>
+          <a:xfrm>
+            <a:off x="9656976" y="4804678"/>
+            <a:ext cx="1932795" cy="664718"/>
+          </a:xfrm>
+          <a:prstGeom prst="rect">
+            <a:avLst/>
+          </a:prstGeom>
+          <a:ln>
+            <a:noFill/>
+          </a:ln>
+        </p:spPr>
+      </p:pic>
+      <p:pic>
+        <p:nvPicPr>
+          <p:cNvPr id="16" name="Image 15">
+            <a:extLst>
+              <a:ext uri="{FF2B5EF4-FFF2-40B4-BE49-F238E27FC236}">
+                <a16:creationId xmlns:a16="http://schemas.microsoft.com/office/drawing/2014/main" id="{0CEB5C8E-6FE8-4D83-BF61-940AEA34FDB1}"/>
+              </a:ext>
+            </a:extLst>
+          </p:cNvPr>
+          <p:cNvPicPr>
+            <a:picLocks noChangeAspect="1"/>
+          </p:cNvPicPr>
+          <p:nvPr/>
+        </p:nvPicPr>
+        <p:blipFill>
+          <a:blip r:embed="rId4"/>
+          <a:stretch>
+            <a:fillRect/>
+          </a:stretch>
+        </p:blipFill>
+        <p:spPr>
+          <a:xfrm>
+            <a:off x="9548893" y="2759133"/>
+            <a:ext cx="2376014" cy="664718"/>
+          </a:xfrm>
+          <a:prstGeom prst="rect">
+            <a:avLst/>
+          </a:prstGeom>
+          <a:ln>
+            <a:noFill/>
+          </a:ln>
+        </p:spPr>
+      </p:pic>
+      <p:pic>
+        <p:nvPicPr>
+          <p:cNvPr id="17" name="Image 16">
+            <a:extLst>
+              <a:ext uri="{FF2B5EF4-FFF2-40B4-BE49-F238E27FC236}">
+                <a16:creationId xmlns:a16="http://schemas.microsoft.com/office/drawing/2014/main" id="{B3FD4680-A8AF-43EC-90C0-5079A7426779}"/>
+              </a:ext>
+            </a:extLst>
+          </p:cNvPr>
+          <p:cNvPicPr>
+            <a:picLocks noChangeAspect="1"/>
+          </p:cNvPicPr>
+          <p:nvPr/>
+        </p:nvPicPr>
+        <p:blipFill>
+          <a:blip r:embed="rId5"/>
+          <a:stretch>
+            <a:fillRect/>
+          </a:stretch>
+        </p:blipFill>
+        <p:spPr>
+          <a:xfrm>
+            <a:off x="9416270" y="999110"/>
+            <a:ext cx="2414208" cy="1011357"/>
+          </a:xfrm>
+          <a:prstGeom prst="rect">
+            <a:avLst/>
+          </a:prstGeom>
+          <a:ln>
+            <a:noFill/>
+          </a:ln>
+        </p:spPr>
+      </p:pic>
+      <p:pic>
+        <p:nvPicPr>
+          <p:cNvPr id="9" name="Image 8" descr="Une image contenant dessin&#10;&#10;Description générée automatiquement">
+            <a:extLst>
+              <a:ext uri="{FF2B5EF4-FFF2-40B4-BE49-F238E27FC236}">
+                <a16:creationId xmlns:a16="http://schemas.microsoft.com/office/drawing/2014/main" id="{61DEA0D7-0599-4E2B-BB10-1668B1DA0445}"/>
+              </a:ext>
+            </a:extLst>
+          </p:cNvPr>
+          <p:cNvPicPr>
+            <a:picLocks noChangeAspect="1"/>
+          </p:cNvPicPr>
+          <p:nvPr/>
+        </p:nvPicPr>
+        <p:blipFill rotWithShape="1">
+          <a:blip r:embed="rId6"/>
+          <a:srcRect l="6322"/>
+          <a:stretch/>
+        </p:blipFill>
+        <p:spPr>
+          <a:xfrm>
+            <a:off x="6035683" y="437107"/>
+            <a:ext cx="462694" cy="462695"/>
+          </a:xfrm>
+          <a:prstGeom prst="rect">
+            <a:avLst/>
+          </a:prstGeom>
+          <a:ln>
+            <a:solidFill>
+              <a:schemeClr val="bg1"/>
+            </a:solidFill>
+          </a:ln>
+        </p:spPr>
+      </p:pic>
+    </p:spTree>
+    <p:extLst>
+      <p:ext uri="{BB962C8B-B14F-4D97-AF65-F5344CB8AC3E}">
+        <p14:creationId xmlns:p14="http://schemas.microsoft.com/office/powerpoint/2010/main" val="98154180"/>
+      </p:ext>
+    </p:extLst>
+  </p:cSld>
+  <p:clrMapOvr>
+    <a:masterClrMapping/>
+  </p:clrMapOvr>
+</p:sld>
+</file>
+
+<file path=ppt/slides/slide16.xml><?xml version="1.0" encoding="utf-8"?>
 <p:sld xmlns:a="http://schemas.openxmlformats.org/drawingml/2006/main" xmlns:r="http://schemas.openxmlformats.org/officeDocument/2006/relationships" xmlns:p="http://schemas.openxmlformats.org/presentationml/2006/main">
   <p:cSld>
     <p:bg>
@@ -4125,7 +5887,7 @@
           <p:cNvPr id="2" name="Titre 1">
             <a:extLst>
               <a:ext uri="{FF2B5EF4-FFF2-40B4-BE49-F238E27FC236}">
-                <a16:creationId xmlns:a16="http://schemas.microsoft.com/office/drawing/2014/main" id="{3D758C1C-AD7D-4A5F-A517-82C141E10E20}"/>
+                <a16:creationId xmlns:a16="http://schemas.microsoft.com/office/drawing/2014/main" id="{A5405446-F69A-43F5-9BFF-04EB805D95C2}"/>
               </a:ext>
             </a:extLst>
           </p:cNvPr>
@@ -4154,7 +5916,7 @@
                   <a:srgbClr val="1B1B1B"/>
                 </a:solidFill>
               </a:rPr>
-              <a:t>Spécifications Techniques</a:t>
+              <a:t>Conclusion</a:t>
             </a:r>
           </a:p>
         </p:txBody>
@@ -4292,10 +6054,10 @@
       </p:sp>
       <p:pic>
         <p:nvPicPr>
-          <p:cNvPr id="4" name="Image 3" descr="Une image contenant dessin&#10;&#10;Description générée automatiquement">
-            <a:extLst>
-              <a:ext uri="{FF2B5EF4-FFF2-40B4-BE49-F238E27FC236}">
-                <a16:creationId xmlns:a16="http://schemas.microsoft.com/office/drawing/2014/main" id="{8C8E35CB-83FA-4998-8414-044FDAED8389}"/>
+          <p:cNvPr id="4" name="Image 3" descr="Une image contenant dessin, signe, ordinateur&#10;&#10;Description générée automatiquement">
+            <a:extLst>
+              <a:ext uri="{FF2B5EF4-FFF2-40B4-BE49-F238E27FC236}">
+                <a16:creationId xmlns:a16="http://schemas.microsoft.com/office/drawing/2014/main" id="{72374090-C3FC-46B3-8FD1-6272768F6DE9}"/>
               </a:ext>
             </a:extLst>
           </p:cNvPr>
@@ -4308,12 +6070,12 @@
           <a:blip r:embed="rId2">
             <a:alphaModFix/>
           </a:blip>
-          <a:srcRect l="6322" r="3" b="3"/>
+          <a:srcRect l="9779" r="7776" b="6"/>
           <a:stretch/>
         </p:blipFill>
         <p:spPr>
           <a:xfrm>
-            <a:off x="5181600" y="1330490"/>
+            <a:off x="5181600" y="1268361"/>
             <a:ext cx="1828800" cy="1828800"/>
           </a:xfrm>
           <a:custGeom>
@@ -4494,7 +6256,7 @@
           </a:prstGeom>
           <a:ln w="28575">
             <a:solidFill>
-              <a:srgbClr val="404040"/>
+              <a:srgbClr val="1BB0EB"/>
             </a:solidFill>
           </a:ln>
         </p:spPr>
@@ -4516,733 +6278,7 @@
     </p:spTree>
     <p:extLst>
       <p:ext uri="{BB962C8B-B14F-4D97-AF65-F5344CB8AC3E}">
-        <p14:creationId xmlns:p14="http://schemas.microsoft.com/office/powerpoint/2010/main" val="3913071061"/>
-      </p:ext>
-    </p:extLst>
-  </p:cSld>
-  <p:clrMapOvr>
-    <a:masterClrMapping/>
-  </p:clrMapOvr>
-</p:sld>
-</file>
-
-<file path=ppt/slides/slide14.xml><?xml version="1.0" encoding="utf-8"?>
-<p:sld xmlns:a="http://schemas.openxmlformats.org/drawingml/2006/main" xmlns:r="http://schemas.openxmlformats.org/officeDocument/2006/relationships" xmlns:p="http://schemas.openxmlformats.org/presentationml/2006/main">
-  <p:cSld>
-    <p:spTree>
-      <p:nvGrpSpPr>
-        <p:cNvPr id="1" name=""/>
-        <p:cNvGrpSpPr/>
-        <p:nvPr/>
-      </p:nvGrpSpPr>
-      <p:grpSpPr>
-        <a:xfrm>
-          <a:off x="0" y="0"/>
-          <a:ext cx="0" cy="0"/>
-          <a:chOff x="0" y="0"/>
-          <a:chExt cx="0" cy="0"/>
-        </a:xfrm>
-      </p:grpSpPr>
-      <p:sp>
-        <p:nvSpPr>
-          <p:cNvPr id="5" name="Titre 1">
-            <a:extLst>
-              <a:ext uri="{FF2B5EF4-FFF2-40B4-BE49-F238E27FC236}">
-                <a16:creationId xmlns:a16="http://schemas.microsoft.com/office/drawing/2014/main" id="{BA30865C-3393-4E44-A14D-E3EB2B954861}"/>
-              </a:ext>
-            </a:extLst>
-          </p:cNvPr>
-          <p:cNvSpPr>
-            <a:spLocks noGrp="1"/>
-          </p:cNvSpPr>
-          <p:nvPr>
-            <p:ph type="title"/>
-          </p:nvPr>
-        </p:nvSpPr>
-        <p:spPr>
-          <a:xfrm>
-            <a:off x="129540" y="0"/>
-            <a:ext cx="8221980" cy="1325563"/>
-          </a:xfrm>
-        </p:spPr>
-        <p:txBody>
-          <a:bodyPr/>
-          <a:lstStyle/>
-          <a:p>
-            <a:r>
-              <a:rPr lang="fr-FR" dirty="0"/>
-              <a:t>Spécifications Techniques</a:t>
-            </a:r>
-          </a:p>
-        </p:txBody>
-      </p:sp>
-      <p:sp>
-        <p:nvSpPr>
-          <p:cNvPr id="6" name="ZoneTexte 5">
-            <a:extLst>
-              <a:ext uri="{FF2B5EF4-FFF2-40B4-BE49-F238E27FC236}">
-                <a16:creationId xmlns:a16="http://schemas.microsoft.com/office/drawing/2014/main" id="{DF02C497-D03A-4948-8530-B9053CAC30E7}"/>
-              </a:ext>
-            </a:extLst>
-          </p:cNvPr>
-          <p:cNvSpPr txBox="1"/>
-          <p:nvPr/>
-        </p:nvSpPr>
-        <p:spPr>
-          <a:xfrm>
-            <a:off x="83820" y="956231"/>
-            <a:ext cx="3009900" cy="369332"/>
-          </a:xfrm>
-          <a:prstGeom prst="rect">
-            <a:avLst/>
-          </a:prstGeom>
-          <a:noFill/>
-        </p:spPr>
-        <p:txBody>
-          <a:bodyPr wrap="square" rtlCol="0">
-            <a:spAutoFit/>
-          </a:bodyPr>
-          <a:lstStyle/>
-          <a:p>
-            <a:r>
-              <a:rPr lang="fr-FR" i="1" dirty="0"/>
-              <a:t>Choix technologiques internes</a:t>
-            </a:r>
-          </a:p>
-        </p:txBody>
-      </p:sp>
-      <p:sp>
-        <p:nvSpPr>
-          <p:cNvPr id="4" name="Espace réservé du contenu 2">
-            <a:extLst>
-              <a:ext uri="{FF2B5EF4-FFF2-40B4-BE49-F238E27FC236}">
-                <a16:creationId xmlns:a16="http://schemas.microsoft.com/office/drawing/2014/main" id="{97D0BA48-3C49-4D07-A973-1B24C7C3A5DD}"/>
-              </a:ext>
-            </a:extLst>
-          </p:cNvPr>
-          <p:cNvSpPr>
-            <a:spLocks noGrp="1"/>
-          </p:cNvSpPr>
-          <p:nvPr>
-            <p:ph sz="half" idx="1"/>
-          </p:nvPr>
-        </p:nvSpPr>
-        <p:spPr>
-          <a:xfrm>
-            <a:off x="259080" y="2007838"/>
-            <a:ext cx="4450080" cy="2796423"/>
-          </a:xfrm>
-        </p:spPr>
-        <p:txBody>
-          <a:bodyPr/>
-          <a:lstStyle/>
-          <a:p>
-            <a:pPr marL="0" indent="0">
-              <a:buNone/>
-            </a:pPr>
-            <a:endParaRPr lang="fr-FR" dirty="0"/>
-          </a:p>
-          <a:p>
-            <a:r>
-              <a:rPr lang="fr-FR" dirty="0"/>
-              <a:t>CMS</a:t>
-            </a:r>
-          </a:p>
-          <a:p>
-            <a:endParaRPr lang="fr-FR" dirty="0"/>
-          </a:p>
-          <a:p>
-            <a:pPr marL="0" indent="0">
-              <a:buNone/>
-            </a:pPr>
-            <a:endParaRPr lang="fr-FR" dirty="0"/>
-          </a:p>
-          <a:p>
-            <a:pPr marL="0" indent="0">
-              <a:buNone/>
-            </a:pPr>
-            <a:endParaRPr lang="fr-FR" dirty="0"/>
-          </a:p>
-        </p:txBody>
-      </p:sp>
-      <p:pic>
-        <p:nvPicPr>
-          <p:cNvPr id="2" name="Image 1">
-            <a:extLst>
-              <a:ext uri="{FF2B5EF4-FFF2-40B4-BE49-F238E27FC236}">
-                <a16:creationId xmlns:a16="http://schemas.microsoft.com/office/drawing/2014/main" id="{6A68E941-8FC1-4C66-82F6-F91650D5B4C2}"/>
-              </a:ext>
-            </a:extLst>
-          </p:cNvPr>
-          <p:cNvPicPr>
-            <a:picLocks noChangeAspect="1"/>
-          </p:cNvPicPr>
-          <p:nvPr/>
-        </p:nvPicPr>
-        <p:blipFill>
-          <a:blip r:embed="rId2"/>
-          <a:stretch>
-            <a:fillRect/>
-          </a:stretch>
-        </p:blipFill>
-        <p:spPr>
-          <a:xfrm>
-            <a:off x="7959003" y="1140897"/>
-            <a:ext cx="2004234" cy="2080440"/>
-          </a:xfrm>
-          <a:prstGeom prst="rect">
-            <a:avLst/>
-          </a:prstGeom>
-        </p:spPr>
-      </p:pic>
-      <p:pic>
-        <p:nvPicPr>
-          <p:cNvPr id="3" name="Image 2">
-            <a:extLst>
-              <a:ext uri="{FF2B5EF4-FFF2-40B4-BE49-F238E27FC236}">
-                <a16:creationId xmlns:a16="http://schemas.microsoft.com/office/drawing/2014/main" id="{ED58C331-BF8C-4940-AF9A-06B4AC4136F4}"/>
-              </a:ext>
-            </a:extLst>
-          </p:cNvPr>
-          <p:cNvPicPr>
-            <a:picLocks noChangeAspect="1"/>
-          </p:cNvPicPr>
-          <p:nvPr/>
-        </p:nvPicPr>
-        <p:blipFill>
-          <a:blip r:embed="rId3"/>
-          <a:stretch>
-            <a:fillRect/>
-          </a:stretch>
-        </p:blipFill>
-        <p:spPr>
-          <a:xfrm>
-            <a:off x="7959003" y="3636664"/>
-            <a:ext cx="2034716" cy="1676545"/>
-          </a:xfrm>
-          <a:prstGeom prst="rect">
-            <a:avLst/>
-          </a:prstGeom>
-        </p:spPr>
-      </p:pic>
-      <p:pic>
-        <p:nvPicPr>
-          <p:cNvPr id="7" name="Image 6">
-            <a:extLst>
-              <a:ext uri="{FF2B5EF4-FFF2-40B4-BE49-F238E27FC236}">
-                <a16:creationId xmlns:a16="http://schemas.microsoft.com/office/drawing/2014/main" id="{4966E0B2-023F-4056-BAB3-1355961AA8CD}"/>
-              </a:ext>
-            </a:extLst>
-          </p:cNvPr>
-          <p:cNvPicPr>
-            <a:picLocks noChangeAspect="1"/>
-          </p:cNvPicPr>
-          <p:nvPr/>
-        </p:nvPicPr>
-        <p:blipFill>
-          <a:blip r:embed="rId4"/>
-          <a:stretch>
-            <a:fillRect/>
-          </a:stretch>
-        </p:blipFill>
-        <p:spPr>
-          <a:xfrm>
-            <a:off x="5131986" y="2430693"/>
-            <a:ext cx="1928027" cy="1996613"/>
-          </a:xfrm>
-          <a:prstGeom prst="rect">
-            <a:avLst/>
-          </a:prstGeom>
-        </p:spPr>
-      </p:pic>
-    </p:spTree>
-    <p:extLst>
-      <p:ext uri="{BB962C8B-B14F-4D97-AF65-F5344CB8AC3E}">
-        <p14:creationId xmlns:p14="http://schemas.microsoft.com/office/powerpoint/2010/main" val="2262700931"/>
-      </p:ext>
-    </p:extLst>
-  </p:cSld>
-  <p:clrMapOvr>
-    <a:masterClrMapping/>
-  </p:clrMapOvr>
-</p:sld>
-</file>
-
-<file path=ppt/slides/slide15.xml><?xml version="1.0" encoding="utf-8"?>
-<p:sld xmlns:a="http://schemas.openxmlformats.org/drawingml/2006/main" xmlns:r="http://schemas.openxmlformats.org/officeDocument/2006/relationships" xmlns:p="http://schemas.openxmlformats.org/presentationml/2006/main">
-  <p:cSld>
-    <p:spTree>
-      <p:nvGrpSpPr>
-        <p:cNvPr id="1" name=""/>
-        <p:cNvGrpSpPr/>
-        <p:nvPr/>
-      </p:nvGrpSpPr>
-      <p:grpSpPr>
-        <a:xfrm>
-          <a:off x="0" y="0"/>
-          <a:ext cx="0" cy="0"/>
-          <a:chOff x="0" y="0"/>
-          <a:chExt cx="0" cy="0"/>
-        </a:xfrm>
-      </p:grpSpPr>
-      <p:sp>
-        <p:nvSpPr>
-          <p:cNvPr id="5" name="Titre 1">
-            <a:extLst>
-              <a:ext uri="{FF2B5EF4-FFF2-40B4-BE49-F238E27FC236}">
-                <a16:creationId xmlns:a16="http://schemas.microsoft.com/office/drawing/2014/main" id="{BA30865C-3393-4E44-A14D-E3EB2B954861}"/>
-              </a:ext>
-            </a:extLst>
-          </p:cNvPr>
-          <p:cNvSpPr>
-            <a:spLocks noGrp="1"/>
-          </p:cNvSpPr>
-          <p:nvPr>
-            <p:ph type="title"/>
-          </p:nvPr>
-        </p:nvSpPr>
-        <p:spPr>
-          <a:xfrm>
-            <a:off x="129540" y="0"/>
-            <a:ext cx="8221980" cy="1325563"/>
-          </a:xfrm>
-        </p:spPr>
-        <p:txBody>
-          <a:bodyPr/>
-          <a:lstStyle/>
-          <a:p>
-            <a:r>
-              <a:rPr lang="fr-FR" dirty="0"/>
-              <a:t>Spécifications Techniques</a:t>
-            </a:r>
-          </a:p>
-        </p:txBody>
-      </p:sp>
-      <p:sp>
-        <p:nvSpPr>
-          <p:cNvPr id="6" name="ZoneTexte 5">
-            <a:extLst>
-              <a:ext uri="{FF2B5EF4-FFF2-40B4-BE49-F238E27FC236}">
-                <a16:creationId xmlns:a16="http://schemas.microsoft.com/office/drawing/2014/main" id="{DF02C497-D03A-4948-8530-B9053CAC30E7}"/>
-              </a:ext>
-            </a:extLst>
-          </p:cNvPr>
-          <p:cNvSpPr txBox="1"/>
-          <p:nvPr/>
-        </p:nvSpPr>
-        <p:spPr>
-          <a:xfrm>
-            <a:off x="83820" y="956231"/>
-            <a:ext cx="3009900" cy="369332"/>
-          </a:xfrm>
-          <a:prstGeom prst="rect">
-            <a:avLst/>
-          </a:prstGeom>
-          <a:noFill/>
-        </p:spPr>
-        <p:txBody>
-          <a:bodyPr wrap="square" rtlCol="0">
-            <a:spAutoFit/>
-          </a:bodyPr>
-          <a:lstStyle/>
-          <a:p>
-            <a:r>
-              <a:rPr lang="fr-FR" i="1" dirty="0"/>
-              <a:t>Choix technologiques internes</a:t>
-            </a:r>
-          </a:p>
-        </p:txBody>
-      </p:sp>
-      <p:sp>
-        <p:nvSpPr>
-          <p:cNvPr id="4" name="Espace réservé du contenu 2">
-            <a:extLst>
-              <a:ext uri="{FF2B5EF4-FFF2-40B4-BE49-F238E27FC236}">
-                <a16:creationId xmlns:a16="http://schemas.microsoft.com/office/drawing/2014/main" id="{97D0BA48-3C49-4D07-A973-1B24C7C3A5DD}"/>
-              </a:ext>
-            </a:extLst>
-          </p:cNvPr>
-          <p:cNvSpPr>
-            <a:spLocks noGrp="1"/>
-          </p:cNvSpPr>
-          <p:nvPr>
-            <p:ph sz="half" idx="1"/>
-          </p:nvPr>
-        </p:nvSpPr>
-        <p:spPr>
-          <a:xfrm>
-            <a:off x="259080" y="2007838"/>
-            <a:ext cx="4450080" cy="2796423"/>
-          </a:xfrm>
-        </p:spPr>
-        <p:txBody>
-          <a:bodyPr/>
-          <a:lstStyle/>
-          <a:p>
-            <a:pPr marL="0" indent="0">
-              <a:buNone/>
-            </a:pPr>
-            <a:endParaRPr lang="fr-FR" dirty="0"/>
-          </a:p>
-          <a:p>
-            <a:r>
-              <a:rPr lang="fr-FR" dirty="0"/>
-              <a:t>BDD</a:t>
-            </a:r>
-          </a:p>
-          <a:p>
-            <a:endParaRPr lang="fr-FR" dirty="0"/>
-          </a:p>
-          <a:p>
-            <a:pPr marL="0" indent="0">
-              <a:buNone/>
-            </a:pPr>
-            <a:endParaRPr lang="fr-FR" dirty="0"/>
-          </a:p>
-          <a:p>
-            <a:pPr marL="0" indent="0">
-              <a:buNone/>
-            </a:pPr>
-            <a:endParaRPr lang="fr-FR" dirty="0"/>
-          </a:p>
-        </p:txBody>
-      </p:sp>
-      <p:pic>
-        <p:nvPicPr>
-          <p:cNvPr id="2" name="Image 1">
-            <a:extLst>
-              <a:ext uri="{FF2B5EF4-FFF2-40B4-BE49-F238E27FC236}">
-                <a16:creationId xmlns:a16="http://schemas.microsoft.com/office/drawing/2014/main" id="{5685C6E0-9CF0-4A82-B22B-FF281538D001}"/>
-              </a:ext>
-            </a:extLst>
-          </p:cNvPr>
-          <p:cNvPicPr>
-            <a:picLocks noChangeAspect="1"/>
-          </p:cNvPicPr>
-          <p:nvPr/>
-        </p:nvPicPr>
-        <p:blipFill>
-          <a:blip r:embed="rId2"/>
-          <a:stretch>
-            <a:fillRect/>
-          </a:stretch>
-        </p:blipFill>
-        <p:spPr>
-          <a:xfrm>
-            <a:off x="7128380" y="1843903"/>
-            <a:ext cx="2994920" cy="1585097"/>
-          </a:xfrm>
-          <a:prstGeom prst="rect">
-            <a:avLst/>
-          </a:prstGeom>
-        </p:spPr>
-      </p:pic>
-      <p:pic>
-        <p:nvPicPr>
-          <p:cNvPr id="3" name="Image 2">
-            <a:extLst>
-              <a:ext uri="{FF2B5EF4-FFF2-40B4-BE49-F238E27FC236}">
-                <a16:creationId xmlns:a16="http://schemas.microsoft.com/office/drawing/2014/main" id="{8A0CAA59-AFF9-4CB8-AFA6-575822FC4341}"/>
-              </a:ext>
-            </a:extLst>
-          </p:cNvPr>
-          <p:cNvPicPr>
-            <a:picLocks noChangeAspect="1"/>
-          </p:cNvPicPr>
-          <p:nvPr/>
-        </p:nvPicPr>
-        <p:blipFill>
-          <a:blip r:embed="rId3"/>
-          <a:stretch>
-            <a:fillRect/>
-          </a:stretch>
-        </p:blipFill>
-        <p:spPr>
-          <a:xfrm>
-            <a:off x="7821860" y="3908833"/>
-            <a:ext cx="1607959" cy="1790855"/>
-          </a:xfrm>
-          <a:prstGeom prst="rect">
-            <a:avLst/>
-          </a:prstGeom>
-        </p:spPr>
-      </p:pic>
-    </p:spTree>
-    <p:extLst>
-      <p:ext uri="{BB962C8B-B14F-4D97-AF65-F5344CB8AC3E}">
-        <p14:creationId xmlns:p14="http://schemas.microsoft.com/office/powerpoint/2010/main" val="25514128"/>
-      </p:ext>
-    </p:extLst>
-  </p:cSld>
-  <p:clrMapOvr>
-    <a:masterClrMapping/>
-  </p:clrMapOvr>
-</p:sld>
-</file>
-
-<file path=ppt/slides/slide16.xml><?xml version="1.0" encoding="utf-8"?>
-<p:sld xmlns:a="http://schemas.openxmlformats.org/drawingml/2006/main" xmlns:r="http://schemas.openxmlformats.org/officeDocument/2006/relationships" xmlns:p="http://schemas.openxmlformats.org/presentationml/2006/main">
-  <p:cSld>
-    <p:spTree>
-      <p:nvGrpSpPr>
-        <p:cNvPr id="1" name=""/>
-        <p:cNvGrpSpPr/>
-        <p:nvPr/>
-      </p:nvGrpSpPr>
-      <p:grpSpPr>
-        <a:xfrm>
-          <a:off x="0" y="0"/>
-          <a:ext cx="0" cy="0"/>
-          <a:chOff x="0" y="0"/>
-          <a:chExt cx="0" cy="0"/>
-        </a:xfrm>
-      </p:grpSpPr>
-      <p:sp>
-        <p:nvSpPr>
-          <p:cNvPr id="5" name="Titre 1">
-            <a:extLst>
-              <a:ext uri="{FF2B5EF4-FFF2-40B4-BE49-F238E27FC236}">
-                <a16:creationId xmlns:a16="http://schemas.microsoft.com/office/drawing/2014/main" id="{BA30865C-3393-4E44-A14D-E3EB2B954861}"/>
-              </a:ext>
-            </a:extLst>
-          </p:cNvPr>
-          <p:cNvSpPr>
-            <a:spLocks noGrp="1"/>
-          </p:cNvSpPr>
-          <p:nvPr>
-            <p:ph type="title"/>
-          </p:nvPr>
-        </p:nvSpPr>
-        <p:spPr>
-          <a:xfrm>
-            <a:off x="129540" y="0"/>
-            <a:ext cx="8221980" cy="1325563"/>
-          </a:xfrm>
-        </p:spPr>
-        <p:txBody>
-          <a:bodyPr/>
-          <a:lstStyle/>
-          <a:p>
-            <a:r>
-              <a:rPr lang="fr-FR" dirty="0"/>
-              <a:t>Spécifications Techniques</a:t>
-            </a:r>
-          </a:p>
-        </p:txBody>
-      </p:sp>
-      <p:sp>
-        <p:nvSpPr>
-          <p:cNvPr id="6" name="ZoneTexte 5">
-            <a:extLst>
-              <a:ext uri="{FF2B5EF4-FFF2-40B4-BE49-F238E27FC236}">
-                <a16:creationId xmlns:a16="http://schemas.microsoft.com/office/drawing/2014/main" id="{DF02C497-D03A-4948-8530-B9053CAC30E7}"/>
-              </a:ext>
-            </a:extLst>
-          </p:cNvPr>
-          <p:cNvSpPr txBox="1"/>
-          <p:nvPr/>
-        </p:nvSpPr>
-        <p:spPr>
-          <a:xfrm>
-            <a:off x="83820" y="956231"/>
-            <a:ext cx="3009900" cy="369332"/>
-          </a:xfrm>
-          <a:prstGeom prst="rect">
-            <a:avLst/>
-          </a:prstGeom>
-          <a:noFill/>
-        </p:spPr>
-        <p:txBody>
-          <a:bodyPr wrap="square" rtlCol="0">
-            <a:spAutoFit/>
-          </a:bodyPr>
-          <a:lstStyle/>
-          <a:p>
-            <a:r>
-              <a:rPr lang="fr-FR" i="1" dirty="0"/>
-              <a:t>Choix technologiques externes</a:t>
-            </a:r>
-          </a:p>
-        </p:txBody>
-      </p:sp>
-      <p:sp>
-        <p:nvSpPr>
-          <p:cNvPr id="4" name="Espace réservé du contenu 2">
-            <a:extLst>
-              <a:ext uri="{FF2B5EF4-FFF2-40B4-BE49-F238E27FC236}">
-                <a16:creationId xmlns:a16="http://schemas.microsoft.com/office/drawing/2014/main" id="{97D0BA48-3C49-4D07-A973-1B24C7C3A5DD}"/>
-              </a:ext>
-            </a:extLst>
-          </p:cNvPr>
-          <p:cNvSpPr>
-            <a:spLocks noGrp="1"/>
-          </p:cNvSpPr>
-          <p:nvPr>
-            <p:ph sz="half" idx="1"/>
-          </p:nvPr>
-        </p:nvSpPr>
-        <p:spPr>
-          <a:xfrm>
-            <a:off x="259080" y="2007838"/>
-            <a:ext cx="4450080" cy="2796423"/>
-          </a:xfrm>
-        </p:spPr>
-        <p:txBody>
-          <a:bodyPr/>
-          <a:lstStyle/>
-          <a:p>
-            <a:pPr marL="0" indent="0">
-              <a:buNone/>
-            </a:pPr>
-            <a:endParaRPr lang="fr-FR" dirty="0"/>
-          </a:p>
-          <a:p>
-            <a:r>
-              <a:rPr lang="fr-FR" dirty="0"/>
-              <a:t>Système bancaire</a:t>
-            </a:r>
-          </a:p>
-          <a:p>
-            <a:endParaRPr lang="fr-FR" dirty="0"/>
-          </a:p>
-          <a:p>
-            <a:pPr marL="0" indent="0">
-              <a:buNone/>
-            </a:pPr>
-            <a:endParaRPr lang="fr-FR" dirty="0"/>
-          </a:p>
-          <a:p>
-            <a:pPr marL="0" indent="0">
-              <a:buNone/>
-            </a:pPr>
-            <a:endParaRPr lang="fr-FR" dirty="0"/>
-          </a:p>
-        </p:txBody>
-      </p:sp>
-      <p:pic>
-        <p:nvPicPr>
-          <p:cNvPr id="2" name="Image 1">
-            <a:extLst>
-              <a:ext uri="{FF2B5EF4-FFF2-40B4-BE49-F238E27FC236}">
-                <a16:creationId xmlns:a16="http://schemas.microsoft.com/office/drawing/2014/main" id="{F8C05210-7CAB-48E6-BFE7-ABDC350EB61C}"/>
-              </a:ext>
-            </a:extLst>
-          </p:cNvPr>
-          <p:cNvPicPr>
-            <a:picLocks noChangeAspect="1"/>
-          </p:cNvPicPr>
-          <p:nvPr/>
-        </p:nvPicPr>
-        <p:blipFill>
-          <a:blip r:embed="rId2"/>
-          <a:stretch>
-            <a:fillRect/>
-          </a:stretch>
-        </p:blipFill>
-        <p:spPr>
-          <a:xfrm>
-            <a:off x="4240530" y="1336961"/>
-            <a:ext cx="2865368" cy="1516511"/>
-          </a:xfrm>
-          <a:prstGeom prst="rect">
-            <a:avLst/>
-          </a:prstGeom>
-        </p:spPr>
-      </p:pic>
-      <p:pic>
-        <p:nvPicPr>
-          <p:cNvPr id="3" name="Image 2">
-            <a:extLst>
-              <a:ext uri="{FF2B5EF4-FFF2-40B4-BE49-F238E27FC236}">
-                <a16:creationId xmlns:a16="http://schemas.microsoft.com/office/drawing/2014/main" id="{B1AA2C8C-2FC3-4E45-8318-9D9133E8CB26}"/>
-              </a:ext>
-            </a:extLst>
-          </p:cNvPr>
-          <p:cNvPicPr>
-            <a:picLocks noChangeAspect="1"/>
-          </p:cNvPicPr>
-          <p:nvPr/>
-        </p:nvPicPr>
-        <p:blipFill>
-          <a:blip r:embed="rId3"/>
-          <a:stretch>
-            <a:fillRect/>
-          </a:stretch>
-        </p:blipFill>
-        <p:spPr>
-          <a:xfrm>
-            <a:off x="4240530" y="4175687"/>
-            <a:ext cx="2857748" cy="1676545"/>
-          </a:xfrm>
-          <a:prstGeom prst="rect">
-            <a:avLst/>
-          </a:prstGeom>
-        </p:spPr>
-      </p:pic>
-      <p:pic>
-        <p:nvPicPr>
-          <p:cNvPr id="8" name="Image 7">
-            <a:extLst>
-              <a:ext uri="{FF2B5EF4-FFF2-40B4-BE49-F238E27FC236}">
-                <a16:creationId xmlns:a16="http://schemas.microsoft.com/office/drawing/2014/main" id="{BF3B79B0-DFFC-4A3E-A5A0-D547DD2612D4}"/>
-              </a:ext>
-            </a:extLst>
-          </p:cNvPr>
-          <p:cNvPicPr>
-            <a:picLocks noChangeAspect="1"/>
-          </p:cNvPicPr>
-          <p:nvPr/>
-        </p:nvPicPr>
-        <p:blipFill>
-          <a:blip r:embed="rId4"/>
-          <a:stretch>
-            <a:fillRect/>
-          </a:stretch>
-        </p:blipFill>
-        <p:spPr>
-          <a:xfrm>
-            <a:off x="8031365" y="4477010"/>
-            <a:ext cx="2651990" cy="990686"/>
-          </a:xfrm>
-          <a:prstGeom prst="rect">
-            <a:avLst/>
-          </a:prstGeom>
-        </p:spPr>
-      </p:pic>
-      <p:pic>
-        <p:nvPicPr>
-          <p:cNvPr id="9" name="Image 8">
-            <a:extLst>
-              <a:ext uri="{FF2B5EF4-FFF2-40B4-BE49-F238E27FC236}">
-                <a16:creationId xmlns:a16="http://schemas.microsoft.com/office/drawing/2014/main" id="{2E8E7409-D877-494B-B9EF-F3519768E173}"/>
-              </a:ext>
-            </a:extLst>
-          </p:cNvPr>
-          <p:cNvPicPr>
-            <a:picLocks noChangeAspect="1"/>
-          </p:cNvPicPr>
-          <p:nvPr/>
-        </p:nvPicPr>
-        <p:blipFill>
-          <a:blip r:embed="rId5"/>
-          <a:stretch>
-            <a:fillRect/>
-          </a:stretch>
-        </p:blipFill>
-        <p:spPr>
-          <a:xfrm>
-            <a:off x="8301898" y="2061087"/>
-            <a:ext cx="2110923" cy="922100"/>
-          </a:xfrm>
-          <a:prstGeom prst="rect">
-            <a:avLst/>
-          </a:prstGeom>
-        </p:spPr>
-      </p:pic>
-    </p:spTree>
-    <p:extLst>
-      <p:ext uri="{BB962C8B-B14F-4D97-AF65-F5344CB8AC3E}">
-        <p14:creationId xmlns:p14="http://schemas.microsoft.com/office/powerpoint/2010/main" val="1719596938"/>
+        <p14:creationId xmlns:p14="http://schemas.microsoft.com/office/powerpoint/2010/main" val="2873187597"/>
       </p:ext>
     </p:extLst>
   </p:cSld>
@@ -5297,7 +6333,7 @@
           <a:p>
             <a:r>
               <a:rPr lang="fr-FR" dirty="0"/>
-              <a:t>Spécifications Techniques</a:t>
+              <a:t>Conclusion</a:t>
             </a:r>
           </a:p>
         </p:txBody>
@@ -5316,8 +6352,8 @@
         </p:nvSpPr>
         <p:spPr>
           <a:xfrm>
-            <a:off x="83820" y="956231"/>
-            <a:ext cx="3009900" cy="369332"/>
+            <a:off x="138967" y="2860445"/>
+            <a:ext cx="3433792" cy="923330"/>
           </a:xfrm>
           <a:prstGeom prst="rect">
             <a:avLst/>
@@ -5330,73 +6366,35 @@
           </a:bodyPr>
           <a:lstStyle/>
           <a:p>
+            <a:pPr marL="285750" indent="-285750">
+              <a:buFont typeface="Arial" panose="020B0604020202020204" pitchFamily="34" charset="0"/>
+              <a:buChar char="•"/>
+            </a:pPr>
             <a:r>
               <a:rPr lang="fr-FR" i="1" dirty="0"/>
-              <a:t>Choix technologiques externes</a:t>
-            </a:r>
-          </a:p>
-        </p:txBody>
-      </p:sp>
-      <p:sp>
-        <p:nvSpPr>
-          <p:cNvPr id="4" name="Espace réservé du contenu 2">
-            <a:extLst>
-              <a:ext uri="{FF2B5EF4-FFF2-40B4-BE49-F238E27FC236}">
-                <a16:creationId xmlns:a16="http://schemas.microsoft.com/office/drawing/2014/main" id="{97D0BA48-3C49-4D07-A973-1B24C7C3A5DD}"/>
-              </a:ext>
-            </a:extLst>
-          </p:cNvPr>
-          <p:cNvSpPr>
-            <a:spLocks noGrp="1"/>
-          </p:cNvSpPr>
-          <p:nvPr>
-            <p:ph sz="half" idx="1"/>
-          </p:nvPr>
-        </p:nvSpPr>
-        <p:spPr>
-          <a:xfrm>
-            <a:off x="259080" y="2007838"/>
-            <a:ext cx="4450080" cy="2796423"/>
-          </a:xfrm>
-        </p:spPr>
-        <p:txBody>
-          <a:bodyPr/>
-          <a:lstStyle/>
-          <a:p>
-            <a:pPr marL="0" indent="0">
-              <a:buNone/>
-            </a:pPr>
-            <a:endParaRPr lang="fr-FR" dirty="0"/>
-          </a:p>
-          <a:p>
-            <a:r>
-              <a:rPr lang="fr-FR" dirty="0"/>
-              <a:t>Système d’authentification</a:t>
-            </a:r>
-          </a:p>
-          <a:p>
-            <a:endParaRPr lang="fr-FR" dirty="0"/>
-          </a:p>
-          <a:p>
-            <a:pPr marL="0" indent="0">
-              <a:buNone/>
-            </a:pPr>
-            <a:endParaRPr lang="fr-FR" dirty="0"/>
-          </a:p>
-          <a:p>
-            <a:pPr marL="0" indent="0">
-              <a:buNone/>
-            </a:pPr>
-            <a:endParaRPr lang="fr-FR" dirty="0"/>
+              <a:t>Choix technologiques</a:t>
+            </a:r>
+          </a:p>
+          <a:p>
+            <a:r>
+              <a:rPr lang="fr-FR" i="1" dirty="0"/>
+              <a:t>	- « FROM SCRATCH »</a:t>
+            </a:r>
+          </a:p>
+          <a:p>
+            <a:r>
+              <a:rPr lang="fr-FR" i="1" dirty="0"/>
+              <a:t>	- Module APIs</a:t>
+            </a:r>
           </a:p>
         </p:txBody>
       </p:sp>
       <p:pic>
         <p:nvPicPr>
-          <p:cNvPr id="7" name="Image 6">
-            <a:extLst>
-              <a:ext uri="{FF2B5EF4-FFF2-40B4-BE49-F238E27FC236}">
-                <a16:creationId xmlns:a16="http://schemas.microsoft.com/office/drawing/2014/main" id="{8AF37B22-6286-46B0-A75B-2F78D21F9053}"/>
+          <p:cNvPr id="8" name="Image 7">
+            <a:extLst>
+              <a:ext uri="{FF2B5EF4-FFF2-40B4-BE49-F238E27FC236}">
+                <a16:creationId xmlns:a16="http://schemas.microsoft.com/office/drawing/2014/main" id="{9A7AED4C-E79C-4A50-B829-DACC749613AE}"/>
               </a:ext>
             </a:extLst>
           </p:cNvPr>
@@ -5413,20 +6411,76 @@
         </p:blipFill>
         <p:spPr>
           <a:xfrm>
-            <a:off x="5162441" y="3006053"/>
-            <a:ext cx="2507197" cy="845893"/>
+            <a:off x="7016193" y="4153759"/>
+            <a:ext cx="2468173" cy="2067929"/>
           </a:xfrm>
           <a:prstGeom prst="rect">
             <a:avLst/>
           </a:prstGeom>
+          <a:ln>
+            <a:solidFill>
+              <a:schemeClr val="tx1"/>
+            </a:solidFill>
+          </a:ln>
         </p:spPr>
       </p:pic>
+      <p:sp>
+        <p:nvSpPr>
+          <p:cNvPr id="2" name="Rectangle 1">
+            <a:extLst>
+              <a:ext uri="{FF2B5EF4-FFF2-40B4-BE49-F238E27FC236}">
+                <a16:creationId xmlns:a16="http://schemas.microsoft.com/office/drawing/2014/main" id="{83EC6EE5-9FEF-4C3B-A06A-486A83A501DF}"/>
+              </a:ext>
+            </a:extLst>
+          </p:cNvPr>
+          <p:cNvSpPr/>
+          <p:nvPr/>
+        </p:nvSpPr>
+        <p:spPr>
+          <a:xfrm>
+            <a:off x="246265" y="4970524"/>
+            <a:ext cx="2917145" cy="923330"/>
+          </a:xfrm>
+          <a:prstGeom prst="rect">
+            <a:avLst/>
+          </a:prstGeom>
+        </p:spPr>
+        <p:txBody>
+          <a:bodyPr wrap="none">
+            <a:spAutoFit/>
+          </a:bodyPr>
+          <a:lstStyle/>
+          <a:p>
+            <a:pPr marL="285750" indent="-285750">
+              <a:buFont typeface="Arial" panose="020B0604020202020204" pitchFamily="34" charset="0"/>
+              <a:buChar char="•"/>
+            </a:pPr>
+            <a:r>
+              <a:rPr lang="fr-FR" i="1" dirty="0"/>
+              <a:t>Méthode de déploiement</a:t>
+            </a:r>
+          </a:p>
+          <a:p>
+            <a:r>
+              <a:rPr lang="fr-FR" i="1" dirty="0"/>
+              <a:t>	- Hébergement VPS</a:t>
+            </a:r>
+          </a:p>
+          <a:p>
+            <a:pPr marL="285750" indent="-285750">
+              <a:buFont typeface="Arial" panose="020B0604020202020204" pitchFamily="34" charset="0"/>
+              <a:buChar char="•"/>
+            </a:pPr>
+            <a:endParaRPr lang="fr-FR" i="1" dirty="0"/>
+          </a:p>
+        </p:txBody>
+      </p:sp>
       <p:pic>
         <p:nvPicPr>
-          <p:cNvPr id="8" name="Image 7">
-            <a:extLst>
-              <a:ext uri="{FF2B5EF4-FFF2-40B4-BE49-F238E27FC236}">
-                <a16:creationId xmlns:a16="http://schemas.microsoft.com/office/drawing/2014/main" id="{B63984B4-803B-4868-BBD9-B42B07419EDE}"/>
+          <p:cNvPr id="10" name="Image 9" descr="Une image contenant dessin, signe, ordinateur&#10;&#10;Description générée automatiquement">
+            <a:extLst>
+              <a:ext uri="{FF2B5EF4-FFF2-40B4-BE49-F238E27FC236}">
+                <a16:creationId xmlns:a16="http://schemas.microsoft.com/office/drawing/2014/main" id="{BB1B0729-BB65-4590-8A1F-41138EAD1B79}"/>
               </a:ext>
             </a:extLst>
           </p:cNvPr>
@@ -5435,28 +6489,32 @@
           </p:cNvPicPr>
           <p:nvPr/>
         </p:nvPicPr>
-        <p:blipFill>
+        <p:blipFill rotWithShape="1">
           <a:blip r:embed="rId3"/>
-          <a:stretch>
-            <a:fillRect/>
-          </a:stretch>
+          <a:srcRect l="3301" r="1294" b="1"/>
+          <a:stretch/>
         </p:blipFill>
         <p:spPr>
           <a:xfrm>
-            <a:off x="5479213" y="4640915"/>
-            <a:ext cx="5762236" cy="989832"/>
+            <a:off x="2751929" y="535631"/>
+            <a:ext cx="387511" cy="334889"/>
           </a:xfrm>
           <a:prstGeom prst="rect">
             <a:avLst/>
           </a:prstGeom>
+          <a:ln>
+            <a:solidFill>
+              <a:schemeClr val="bg1"/>
+            </a:solidFill>
+          </a:ln>
         </p:spPr>
       </p:pic>
       <p:pic>
         <p:nvPicPr>
-          <p:cNvPr id="9" name="Image 8">
-            <a:extLst>
-              <a:ext uri="{FF2B5EF4-FFF2-40B4-BE49-F238E27FC236}">
-                <a16:creationId xmlns:a16="http://schemas.microsoft.com/office/drawing/2014/main" id="{668B41E9-D587-4231-867E-A723FDFA7F07}"/>
+          <p:cNvPr id="4" name="Image 3">
+            <a:extLst>
+              <a:ext uri="{FF2B5EF4-FFF2-40B4-BE49-F238E27FC236}">
+                <a16:creationId xmlns:a16="http://schemas.microsoft.com/office/drawing/2014/main" id="{DCFB15BD-6B7A-410D-AB26-1672C632CEDE}"/>
               </a:ext>
             </a:extLst>
           </p:cNvPr>
@@ -5473,18 +6531,23 @@
         </p:blipFill>
         <p:spPr>
           <a:xfrm>
-            <a:off x="5618456" y="1584891"/>
-            <a:ext cx="5762236" cy="986805"/>
+            <a:off x="5169894" y="2258413"/>
+            <a:ext cx="6363251" cy="1204064"/>
           </a:xfrm>
           <a:prstGeom prst="rect">
             <a:avLst/>
           </a:prstGeom>
+          <a:ln>
+            <a:solidFill>
+              <a:schemeClr val="tx1"/>
+            </a:solidFill>
+          </a:ln>
         </p:spPr>
       </p:pic>
     </p:spTree>
     <p:extLst>
       <p:ext uri="{BB962C8B-B14F-4D97-AF65-F5344CB8AC3E}">
-        <p14:creationId xmlns:p14="http://schemas.microsoft.com/office/powerpoint/2010/main" val="2082382380"/>
+        <p14:creationId xmlns:p14="http://schemas.microsoft.com/office/powerpoint/2010/main" val="3249787764"/>
       </p:ext>
     </p:extLst>
   </p:cSld>
@@ -5513,116 +6576,10 @@
       </p:grpSpPr>
       <p:sp>
         <p:nvSpPr>
-          <p:cNvPr id="3" name="Espace réservé du texte 2">
-            <a:extLst>
-              <a:ext uri="{FF2B5EF4-FFF2-40B4-BE49-F238E27FC236}">
-                <a16:creationId xmlns:a16="http://schemas.microsoft.com/office/drawing/2014/main" id="{3137C31F-54CF-48EF-AC4C-6412CBE3D334}"/>
-              </a:ext>
-            </a:extLst>
-          </p:cNvPr>
-          <p:cNvSpPr>
-            <a:spLocks noGrp="1"/>
-          </p:cNvSpPr>
-          <p:nvPr>
-            <p:ph type="body" idx="1"/>
-          </p:nvPr>
-        </p:nvSpPr>
-        <p:spPr/>
-        <p:txBody>
-          <a:bodyPr/>
-          <a:lstStyle/>
-          <a:p>
-            <a:r>
-              <a:rPr lang="fr-FR" dirty="0"/>
-              <a:t>Type de modèle 1</a:t>
-            </a:r>
-          </a:p>
-        </p:txBody>
-      </p:sp>
-      <p:sp>
-        <p:nvSpPr>
-          <p:cNvPr id="4" name="Espace réservé du contenu 3">
-            <a:extLst>
-              <a:ext uri="{FF2B5EF4-FFF2-40B4-BE49-F238E27FC236}">
-                <a16:creationId xmlns:a16="http://schemas.microsoft.com/office/drawing/2014/main" id="{4ED32485-6A35-463F-AB9B-C32DF79BB46D}"/>
-              </a:ext>
-            </a:extLst>
-          </p:cNvPr>
-          <p:cNvSpPr>
-            <a:spLocks noGrp="1"/>
-          </p:cNvSpPr>
-          <p:nvPr>
-            <p:ph sz="half" idx="2"/>
-          </p:nvPr>
-        </p:nvSpPr>
-        <p:spPr/>
-        <p:txBody>
-          <a:bodyPr/>
-          <a:lstStyle/>
-          <a:p>
-            <a:endParaRPr lang="fr-FR"/>
-          </a:p>
-        </p:txBody>
-      </p:sp>
-      <p:sp>
-        <p:nvSpPr>
-          <p:cNvPr id="5" name="Espace réservé du texte 4">
-            <a:extLst>
-              <a:ext uri="{FF2B5EF4-FFF2-40B4-BE49-F238E27FC236}">
-                <a16:creationId xmlns:a16="http://schemas.microsoft.com/office/drawing/2014/main" id="{C9F90798-9DFE-425A-AC37-AFF3E3A8DDB2}"/>
-              </a:ext>
-            </a:extLst>
-          </p:cNvPr>
-          <p:cNvSpPr>
-            <a:spLocks noGrp="1"/>
-          </p:cNvSpPr>
-          <p:nvPr>
-            <p:ph type="body" sz="quarter" idx="3"/>
-          </p:nvPr>
-        </p:nvSpPr>
-        <p:spPr/>
-        <p:txBody>
-          <a:bodyPr/>
-          <a:lstStyle/>
-          <a:p>
-            <a:r>
-              <a:rPr lang="fr-FR" dirty="0"/>
-              <a:t>Type de modèle 2</a:t>
-            </a:r>
-          </a:p>
-        </p:txBody>
-      </p:sp>
-      <p:sp>
-        <p:nvSpPr>
-          <p:cNvPr id="6" name="Espace réservé du contenu 5">
-            <a:extLst>
-              <a:ext uri="{FF2B5EF4-FFF2-40B4-BE49-F238E27FC236}">
-                <a16:creationId xmlns:a16="http://schemas.microsoft.com/office/drawing/2014/main" id="{AE71CBAD-8F6B-4261-A776-D55C2B7972CB}"/>
-              </a:ext>
-            </a:extLst>
-          </p:cNvPr>
-          <p:cNvSpPr>
-            <a:spLocks noGrp="1"/>
-          </p:cNvSpPr>
-          <p:nvPr>
-            <p:ph sz="quarter" idx="4"/>
-          </p:nvPr>
-        </p:nvSpPr>
-        <p:spPr/>
-        <p:txBody>
-          <a:bodyPr/>
-          <a:lstStyle/>
-          <a:p>
-            <a:endParaRPr lang="fr-FR"/>
-          </a:p>
-        </p:txBody>
-      </p:sp>
-      <p:sp>
-        <p:nvSpPr>
-          <p:cNvPr id="7" name="Titre 1">
-            <a:extLst>
-              <a:ext uri="{FF2B5EF4-FFF2-40B4-BE49-F238E27FC236}">
-                <a16:creationId xmlns:a16="http://schemas.microsoft.com/office/drawing/2014/main" id="{196A154E-0831-4E4B-BEDF-81ACB0491737}"/>
+          <p:cNvPr id="5" name="Titre 1">
+            <a:extLst>
+              <a:ext uri="{FF2B5EF4-FFF2-40B4-BE49-F238E27FC236}">
+                <a16:creationId xmlns:a16="http://schemas.microsoft.com/office/drawing/2014/main" id="{BA30865C-3393-4E44-A14D-E3EB2B954861}"/>
               </a:ext>
             </a:extLst>
           </p:cNvPr>
@@ -5645,326 +6602,52 @@
           <a:p>
             <a:r>
               <a:rPr lang="fr-FR" dirty="0"/>
-              <a:t>Conception Graphique</a:t>
-            </a:r>
-          </a:p>
-        </p:txBody>
-      </p:sp>
-      <p:sp>
-        <p:nvSpPr>
-          <p:cNvPr id="8" name="ZoneTexte 7">
-            <a:extLst>
-              <a:ext uri="{FF2B5EF4-FFF2-40B4-BE49-F238E27FC236}">
-                <a16:creationId xmlns:a16="http://schemas.microsoft.com/office/drawing/2014/main" id="{E2D09582-9B89-4665-A1E7-2A76DC054BE5}"/>
-              </a:ext>
-            </a:extLst>
-          </p:cNvPr>
-          <p:cNvSpPr txBox="1"/>
+              <a:t>Conclusion</a:t>
+            </a:r>
+          </a:p>
+        </p:txBody>
+      </p:sp>
+      <p:pic>
+        <p:nvPicPr>
+          <p:cNvPr id="8" name="Image 7">
+            <a:extLst>
+              <a:ext uri="{FF2B5EF4-FFF2-40B4-BE49-F238E27FC236}">
+                <a16:creationId xmlns:a16="http://schemas.microsoft.com/office/drawing/2014/main" id="{9A7AED4C-E79C-4A50-B829-DACC749613AE}"/>
+              </a:ext>
+            </a:extLst>
+          </p:cNvPr>
+          <p:cNvPicPr>
+            <a:picLocks noChangeAspect="1"/>
+          </p:cNvPicPr>
           <p:nvPr/>
-        </p:nvSpPr>
-        <p:spPr>
-          <a:xfrm>
-            <a:off x="83820" y="956231"/>
-            <a:ext cx="3009900" cy="369332"/>
+        </p:nvPicPr>
+        <p:blipFill>
+          <a:blip r:embed="rId2"/>
+          <a:stretch>
+            <a:fillRect/>
+          </a:stretch>
+        </p:blipFill>
+        <p:spPr>
+          <a:xfrm>
+            <a:off x="6634809" y="2275449"/>
+            <a:ext cx="2393829" cy="2005640"/>
           </a:xfrm>
           <a:prstGeom prst="rect">
             <a:avLst/>
           </a:prstGeom>
-          <a:noFill/>
-        </p:spPr>
-        <p:txBody>
-          <a:bodyPr wrap="square" rtlCol="0">
-            <a:spAutoFit/>
-          </a:bodyPr>
-          <a:lstStyle/>
-          <a:p>
-            <a:r>
-              <a:rPr lang="fr-FR" i="1" dirty="0"/>
-              <a:t>Modèles</a:t>
-            </a:r>
-          </a:p>
-        </p:txBody>
-      </p:sp>
-    </p:spTree>
-    <p:extLst>
-      <p:ext uri="{BB962C8B-B14F-4D97-AF65-F5344CB8AC3E}">
-        <p14:creationId xmlns:p14="http://schemas.microsoft.com/office/powerpoint/2010/main" val="3108277908"/>
-      </p:ext>
-    </p:extLst>
-  </p:cSld>
-  <p:clrMapOvr>
-    <a:masterClrMapping/>
-  </p:clrMapOvr>
-</p:sld>
-</file>
-
-<file path=ppt/slides/slide19.xml><?xml version="1.0" encoding="utf-8"?>
-<p:sld xmlns:a="http://schemas.openxmlformats.org/drawingml/2006/main" xmlns:r="http://schemas.openxmlformats.org/officeDocument/2006/relationships" xmlns:p="http://schemas.openxmlformats.org/presentationml/2006/main">
-  <p:cSld>
-    <p:bg>
-      <p:bgPr>
-        <a:solidFill>
-          <a:schemeClr val="bg1"/>
-        </a:solidFill>
-        <a:effectLst/>
-      </p:bgPr>
-    </p:bg>
-    <p:spTree>
-      <p:nvGrpSpPr>
-        <p:cNvPr id="1" name=""/>
-        <p:cNvGrpSpPr/>
-        <p:nvPr/>
-      </p:nvGrpSpPr>
-      <p:grpSpPr>
-        <a:xfrm>
-          <a:off x="0" y="0"/>
-          <a:ext cx="0" cy="0"/>
-          <a:chOff x="0" y="0"/>
-          <a:chExt cx="0" cy="0"/>
-        </a:xfrm>
-      </p:grpSpPr>
-      <p:sp>
-        <p:nvSpPr>
-          <p:cNvPr id="9" name="Rectangle 8">
-            <a:extLst>
-              <a:ext uri="{FF2B5EF4-FFF2-40B4-BE49-F238E27FC236}">
-                <a16:creationId xmlns:a16="http://schemas.microsoft.com/office/drawing/2014/main" id="{936CFC0A-8C37-453C-9488-1B30FBC3B3B0}"/>
-              </a:ext>
-              <a:ext uri="{C183D7F6-B498-43B3-948B-1728B52AA6E4}">
-                <adec:decorative xmlns:adec="http://schemas.microsoft.com/office/drawing/2017/decorative" val="1"/>
-              </a:ext>
-            </a:extLst>
-          </p:cNvPr>
-          <p:cNvSpPr>
-            <a:spLocks noGrp="1" noRot="1" noChangeAspect="1" noMove="1" noResize="1" noEditPoints="1" noAdjustHandles="1" noChangeArrowheads="1" noChangeShapeType="1" noTextEdit="1"/>
-          </p:cNvSpPr>
-          <p:nvPr>
-            <p:extLst>
-              <p:ext uri="{386F3935-93C4-4BCD-93E2-E3B085C9AB24}">
-                <p16:designElem xmlns:p16="http://schemas.microsoft.com/office/powerpoint/2015/main" val="1"/>
-              </p:ext>
-            </p:extLst>
-          </p:nvPr>
-        </p:nvSpPr>
-        <p:spPr>
-          <a:xfrm>
-            <a:off x="0" y="0"/>
-            <a:ext cx="12192000" cy="6858000"/>
-          </a:xfrm>
-          <a:prstGeom prst="rect">
-            <a:avLst/>
-          </a:prstGeom>
-          <a:solidFill>
-            <a:srgbClr val="FFFFFF"/>
-          </a:solidFill>
-          <a:ln w="12700" cap="flat" cmpd="sng" algn="ctr">
-            <a:noFill/>
-            <a:prstDash val="solid"/>
-            <a:miter lim="800000"/>
-          </a:ln>
-          <a:effectLst/>
-        </p:spPr>
-        <p:style>
-          <a:lnRef idx="2">
-            <a:schemeClr val="accent1">
-              <a:shade val="50000"/>
-            </a:schemeClr>
-          </a:lnRef>
-          <a:fillRef idx="1">
-            <a:schemeClr val="accent1"/>
-          </a:fillRef>
-          <a:effectRef idx="0">
-            <a:schemeClr val="accent1"/>
-          </a:effectRef>
-          <a:fontRef idx="minor">
-            <a:schemeClr val="lt1"/>
-          </a:fontRef>
-        </p:style>
-        <p:txBody>
-          <a:bodyPr rtlCol="0" anchor="ctr"/>
-          <a:lstStyle/>
-          <a:p>
-            <a:pPr algn="ctr"/>
-            <a:endParaRPr lang="en-US"/>
-          </a:p>
-        </p:txBody>
-      </p:sp>
-      <p:sp>
-        <p:nvSpPr>
-          <p:cNvPr id="2" name="Titre 1">
-            <a:extLst>
-              <a:ext uri="{FF2B5EF4-FFF2-40B4-BE49-F238E27FC236}">
-                <a16:creationId xmlns:a16="http://schemas.microsoft.com/office/drawing/2014/main" id="{A5405446-F69A-43F5-9BFF-04EB805D95C2}"/>
-              </a:ext>
-            </a:extLst>
-          </p:cNvPr>
-          <p:cNvSpPr>
-            <a:spLocks noGrp="1"/>
-          </p:cNvSpPr>
-          <p:nvPr>
-            <p:ph type="ctrTitle"/>
-          </p:nvPr>
-        </p:nvSpPr>
-        <p:spPr>
-          <a:xfrm>
-            <a:off x="1382597" y="3424348"/>
-            <a:ext cx="9426806" cy="1424410"/>
-          </a:xfrm>
-        </p:spPr>
-        <p:txBody>
-          <a:bodyPr anchor="b">
-            <a:normAutofit/>
-          </a:bodyPr>
-          <a:lstStyle/>
-          <a:p>
-            <a:r>
-              <a:rPr lang="fr-FR" sz="5400">
-                <a:solidFill>
-                  <a:srgbClr val="1B1B1B"/>
-                </a:solidFill>
-              </a:rPr>
-              <a:t>Conclusion</a:t>
-            </a:r>
-          </a:p>
-        </p:txBody>
-      </p:sp>
-      <p:sp>
-        <p:nvSpPr>
-          <p:cNvPr id="11" name="Oval 10">
-            <a:extLst>
-              <a:ext uri="{FF2B5EF4-FFF2-40B4-BE49-F238E27FC236}">
-                <a16:creationId xmlns:a16="http://schemas.microsoft.com/office/drawing/2014/main" id="{FBC3EAFD-A275-4F9B-8F62-72B6678F35A8}"/>
-              </a:ext>
-              <a:ext uri="{C183D7F6-B498-43B3-948B-1728B52AA6E4}">
-                <adec:decorative xmlns:adec="http://schemas.microsoft.com/office/drawing/2017/decorative" val="1"/>
-              </a:ext>
-            </a:extLst>
-          </p:cNvPr>
-          <p:cNvSpPr>
-            <a:spLocks noGrp="1" noRot="1" noChangeAspect="1" noMove="1" noResize="1" noEditPoints="1" noAdjustHandles="1" noChangeArrowheads="1" noChangeShapeType="1" noTextEdit="1"/>
-          </p:cNvSpPr>
-          <p:nvPr>
-            <p:extLst>
-              <p:ext uri="{386F3935-93C4-4BCD-93E2-E3B085C9AB24}">
-                <p16:designElem xmlns:p16="http://schemas.microsoft.com/office/powerpoint/2015/main" val="1"/>
-              </p:ext>
-            </p:extLst>
-          </p:nvPr>
-        </p:nvSpPr>
-        <p:spPr>
-          <a:xfrm>
-            <a:off x="4908526" y="933319"/>
-            <a:ext cx="2463430" cy="2486070"/>
-          </a:xfrm>
-          <a:prstGeom prst="ellipse">
-            <a:avLst/>
-          </a:prstGeom>
-          <a:solidFill>
-            <a:schemeClr val="accent1"/>
-          </a:solidFill>
-          <a:ln>
-            <a:noFill/>
-          </a:ln>
-        </p:spPr>
-        <p:style>
-          <a:lnRef idx="2">
-            <a:schemeClr val="accent1">
-              <a:shade val="50000"/>
-            </a:schemeClr>
-          </a:lnRef>
-          <a:fillRef idx="1">
-            <a:schemeClr val="accent1"/>
-          </a:fillRef>
-          <a:effectRef idx="0">
-            <a:schemeClr val="accent1"/>
-          </a:effectRef>
-          <a:fontRef idx="minor">
-            <a:schemeClr val="lt1"/>
-          </a:fontRef>
-        </p:style>
-        <p:txBody>
-          <a:bodyPr rtlCol="0" anchor="ctr"/>
-          <a:lstStyle/>
-          <a:p>
-            <a:pPr algn="ctr"/>
-            <a:endParaRPr lang="en-US"/>
-          </a:p>
-        </p:txBody>
-      </p:sp>
-      <p:sp>
-        <p:nvSpPr>
-          <p:cNvPr id="13" name="Oval 12">
-            <a:extLst>
-              <a:ext uri="{FF2B5EF4-FFF2-40B4-BE49-F238E27FC236}">
-                <a16:creationId xmlns:a16="http://schemas.microsoft.com/office/drawing/2014/main" id="{06E64A6D-2B9F-4AAD-AB42-A61BAF01AC12}"/>
-              </a:ext>
-              <a:ext uri="{C183D7F6-B498-43B3-948B-1728B52AA6E4}">
-                <adec:decorative xmlns:adec="http://schemas.microsoft.com/office/drawing/2017/decorative" val="1"/>
-              </a:ext>
-            </a:extLst>
-          </p:cNvPr>
-          <p:cNvSpPr>
-            <a:spLocks noGrp="1" noRot="1" noChangeAspect="1" noMove="1" noResize="1" noEditPoints="1" noAdjustHandles="1" noChangeArrowheads="1" noChangeShapeType="1" noTextEdit="1"/>
-          </p:cNvSpPr>
-          <p:nvPr>
-            <p:extLst>
-              <p:ext uri="{386F3935-93C4-4BCD-93E2-E3B085C9AB24}">
-                <p16:designElem xmlns:p16="http://schemas.microsoft.com/office/powerpoint/2015/main" val="1"/>
-              </p:ext>
-            </p:extLst>
-          </p:nvPr>
-        </p:nvSpPr>
-        <p:spPr>
-          <a:xfrm>
-            <a:off x="5117592" y="1268361"/>
-            <a:ext cx="1956816" cy="1953058"/>
-          </a:xfrm>
-          <a:prstGeom prst="ellipse">
-            <a:avLst/>
-          </a:prstGeom>
-          <a:solidFill>
-            <a:srgbClr val="FFFFFF"/>
-          </a:solidFill>
           <a:ln>
             <a:solidFill>
-              <a:schemeClr val="accent1">
-                <a:lumMod val="60000"/>
-                <a:lumOff val="40000"/>
-              </a:schemeClr>
+              <a:schemeClr val="tx1"/>
             </a:solidFill>
           </a:ln>
         </p:spPr>
-        <p:style>
-          <a:lnRef idx="2">
-            <a:schemeClr val="accent1">
-              <a:shade val="50000"/>
-            </a:schemeClr>
-          </a:lnRef>
-          <a:fillRef idx="1">
-            <a:schemeClr val="accent1"/>
-          </a:fillRef>
-          <a:effectRef idx="0">
-            <a:schemeClr val="accent1"/>
-          </a:effectRef>
-          <a:fontRef idx="minor">
-            <a:schemeClr val="lt1"/>
-          </a:fontRef>
-        </p:style>
-        <p:txBody>
-          <a:bodyPr rtlCol="0" anchor="ctr"/>
-          <a:lstStyle/>
-          <a:p>
-            <a:pPr algn="ctr"/>
-            <a:endParaRPr lang="en-US"/>
-          </a:p>
-        </p:txBody>
-      </p:sp>
+      </p:pic>
       <p:pic>
         <p:nvPicPr>
-          <p:cNvPr id="4" name="Image 3" descr="Une image contenant dessin, signe, ordinateur&#10;&#10;Description générée automatiquement">
-            <a:extLst>
-              <a:ext uri="{FF2B5EF4-FFF2-40B4-BE49-F238E27FC236}">
-                <a16:creationId xmlns:a16="http://schemas.microsoft.com/office/drawing/2014/main" id="{72374090-C3FC-46B3-8FD1-6272768F6DE9}"/>
+          <p:cNvPr id="10" name="Image 9" descr="Une image contenant dessin, signe, ordinateur&#10;&#10;Description générée automatiquement">
+            <a:extLst>
+              <a:ext uri="{FF2B5EF4-FFF2-40B4-BE49-F238E27FC236}">
+                <a16:creationId xmlns:a16="http://schemas.microsoft.com/office/drawing/2014/main" id="{BB1B0729-BB65-4590-8A1F-41138EAD1B79}"/>
               </a:ext>
             </a:extLst>
           </p:cNvPr>
@@ -5974,196 +6657,292 @@
           <p:nvPr/>
         </p:nvPicPr>
         <p:blipFill rotWithShape="1">
-          <a:blip r:embed="rId2">
-            <a:alphaModFix/>
-          </a:blip>
-          <a:srcRect l="9779" r="7776" b="6"/>
+          <a:blip r:embed="rId3"/>
+          <a:srcRect l="3301" r="1294" b="1"/>
           <a:stretch/>
         </p:blipFill>
         <p:spPr>
           <a:xfrm>
-            <a:off x="5181600" y="1330490"/>
-            <a:ext cx="1828800" cy="1828800"/>
-          </a:xfrm>
-          <a:custGeom>
+            <a:off x="2751929" y="535631"/>
+            <a:ext cx="387511" cy="334889"/>
+          </a:xfrm>
+          <a:prstGeom prst="rect">
             <a:avLst/>
-            <a:gdLst/>
-            <a:ahLst/>
-            <a:cxnLst/>
-            <a:rect l="l" t="t" r="r" b="b"/>
-            <a:pathLst>
-              <a:path w="6057610" h="6057610">
-                <a:moveTo>
-                  <a:pt x="3028805" y="0"/>
-                </a:moveTo>
-                <a:cubicBezTo>
-                  <a:pt x="4701568" y="0"/>
-                  <a:pt x="6057610" y="1356042"/>
-                  <a:pt x="6057610" y="3028805"/>
-                </a:cubicBezTo>
-                <a:cubicBezTo>
-                  <a:pt x="6057610" y="4701568"/>
-                  <a:pt x="4701568" y="6057610"/>
-                  <a:pt x="3028805" y="6057610"/>
-                </a:cubicBezTo>
-                <a:cubicBezTo>
-                  <a:pt x="1356042" y="6057610"/>
-                  <a:pt x="0" y="4701568"/>
-                  <a:pt x="0" y="3028805"/>
-                </a:cubicBezTo>
-                <a:cubicBezTo>
-                  <a:pt x="0" y="1356042"/>
-                  <a:pt x="1356042" y="0"/>
-                  <a:pt x="3028805" y="0"/>
-                </a:cubicBezTo>
-                <a:close/>
-              </a:path>
-            </a:pathLst>
-          </a:custGeom>
-          <a:effectLst>
-            <a:softEdge rad="0"/>
-          </a:effectLst>
+          </a:prstGeom>
+          <a:ln>
+            <a:solidFill>
+              <a:schemeClr val="bg1"/>
+            </a:solidFill>
+          </a:ln>
         </p:spPr>
       </p:pic>
       <p:pic>
         <p:nvPicPr>
-          <p:cNvPr id="15" name="Picture 14">
-            <a:extLst>
-              <a:ext uri="{FF2B5EF4-FFF2-40B4-BE49-F238E27FC236}">
-                <a16:creationId xmlns:a16="http://schemas.microsoft.com/office/drawing/2014/main" id="{C51881DD-AD85-41BE-8A49-C2FB45800E10}"/>
-              </a:ext>
-              <a:ext uri="{C183D7F6-B498-43B3-948B-1728B52AA6E4}">
-                <adec:decorative xmlns:adec="http://schemas.microsoft.com/office/drawing/2017/decorative" val="1"/>
+          <p:cNvPr id="14" name="Image 13" descr="Une image contenant dessin, signe, ordinateur&#10;&#10;Description générée automatiquement">
+            <a:extLst>
+              <a:ext uri="{FF2B5EF4-FFF2-40B4-BE49-F238E27FC236}">
+                <a16:creationId xmlns:a16="http://schemas.microsoft.com/office/drawing/2014/main" id="{3C88508C-E3E0-4750-ABFC-EB56E3D2799C}"/>
               </a:ext>
             </a:extLst>
           </p:cNvPr>
           <p:cNvPicPr>
-            <a:picLocks noGrp="1" noRot="1" noChangeAspect="1" noMove="1" noResize="1" noEditPoints="1" noAdjustHandles="1" noChangeArrowheads="1" noChangeShapeType="1" noCrop="1"/>
+            <a:picLocks noChangeAspect="1"/>
           </p:cNvPicPr>
-          <p:nvPr>
-            <p:extLst>
-              <p:ext uri="{386F3935-93C4-4BCD-93E2-E3B085C9AB24}">
-                <p16:designElem xmlns:p16="http://schemas.microsoft.com/office/powerpoint/2015/main" val="1"/>
-              </p:ext>
-            </p:extLst>
-          </p:nvPr>
+          <p:nvPr/>
+        </p:nvPicPr>
+        <p:blipFill rotWithShape="1">
+          <a:blip r:embed="rId3"/>
+          <a:srcRect l="3301" r="1294" b="1"/>
+          <a:stretch/>
+        </p:blipFill>
+        <p:spPr>
+          <a:xfrm>
+            <a:off x="2437264" y="3162029"/>
+            <a:ext cx="1445903" cy="1249557"/>
+          </a:xfrm>
+          <a:prstGeom prst="rect">
+            <a:avLst/>
+          </a:prstGeom>
+          <a:ln>
+            <a:solidFill>
+              <a:schemeClr val="bg1"/>
+            </a:solidFill>
+          </a:ln>
+        </p:spPr>
+      </p:pic>
+      <p:pic>
+        <p:nvPicPr>
+          <p:cNvPr id="16" name="Image 15">
+            <a:extLst>
+              <a:ext uri="{FF2B5EF4-FFF2-40B4-BE49-F238E27FC236}">
+                <a16:creationId xmlns:a16="http://schemas.microsoft.com/office/drawing/2014/main" id="{500B7954-B4E7-4089-B5F2-365B0993C5CD}"/>
+              </a:ext>
+            </a:extLst>
+          </p:cNvPr>
+          <p:cNvPicPr>
+            <a:picLocks noChangeAspect="1"/>
+          </p:cNvPicPr>
+          <p:nvPr/>
         </p:nvPicPr>
         <p:blipFill>
-          <a:blip r:embed="rId3" cstate="print">
-            <a:extLst>
-              <a:ext uri="{28A0092B-C50C-407E-A947-70E740481C1C}">
-                <a14:useLocalDpi xmlns:a14="http://schemas.microsoft.com/office/drawing/2010/main" val="0"/>
-              </a:ext>
-            </a:extLst>
-          </a:blip>
-          <a:srcRect l="33525" t="5243" r="33525" b="36180"/>
+          <a:blip r:embed="rId4"/>
           <a:stretch>
             <a:fillRect/>
           </a:stretch>
         </p:blipFill>
         <p:spPr>
           <a:xfrm>
-            <a:off x="4860081" y="896194"/>
-            <a:ext cx="2560320" cy="2560320"/>
-          </a:xfrm>
-          <a:custGeom>
+            <a:off x="646667" y="3020433"/>
+            <a:ext cx="1342894" cy="710734"/>
+          </a:xfrm>
+          <a:prstGeom prst="rect">
             <a:avLst/>
-            <a:gdLst>
-              <a:gd name="connsiteX0" fmla="*/ 2008598 w 4017196"/>
-              <a:gd name="connsiteY0" fmla="*/ 0 h 4017196"/>
-              <a:gd name="connsiteX1" fmla="*/ 4017196 w 4017196"/>
-              <a:gd name="connsiteY1" fmla="*/ 2008598 h 4017196"/>
-              <a:gd name="connsiteX2" fmla="*/ 2008598 w 4017196"/>
-              <a:gd name="connsiteY2" fmla="*/ 4017196 h 4017196"/>
-              <a:gd name="connsiteX3" fmla="*/ 0 w 4017196"/>
-              <a:gd name="connsiteY3" fmla="*/ 2008598 h 4017196"/>
-              <a:gd name="connsiteX4" fmla="*/ 2008598 w 4017196"/>
-              <a:gd name="connsiteY4" fmla="*/ 0 h 4017196"/>
-            </a:gdLst>
-            <a:ahLst/>
-            <a:cxnLst>
-              <a:cxn ang="0">
-                <a:pos x="connsiteX0" y="connsiteY0"/>
-              </a:cxn>
-              <a:cxn ang="0">
-                <a:pos x="connsiteX1" y="connsiteY1"/>
-              </a:cxn>
-              <a:cxn ang="0">
-                <a:pos x="connsiteX2" y="connsiteY2"/>
-              </a:cxn>
-              <a:cxn ang="0">
-                <a:pos x="connsiteX3" y="connsiteY3"/>
-              </a:cxn>
-              <a:cxn ang="0">
-                <a:pos x="connsiteX4" y="connsiteY4"/>
-              </a:cxn>
-            </a:cxnLst>
-            <a:rect l="l" t="t" r="r" b="b"/>
-            <a:pathLst>
-              <a:path w="4017196" h="4017196">
-                <a:moveTo>
-                  <a:pt x="2008598" y="0"/>
-                </a:moveTo>
-                <a:cubicBezTo>
-                  <a:pt x="3117916" y="0"/>
-                  <a:pt x="4017196" y="899280"/>
-                  <a:pt x="4017196" y="2008598"/>
-                </a:cubicBezTo>
-                <a:cubicBezTo>
-                  <a:pt x="4017196" y="3117916"/>
-                  <a:pt x="3117916" y="4017196"/>
-                  <a:pt x="2008598" y="4017196"/>
-                </a:cubicBezTo>
-                <a:cubicBezTo>
-                  <a:pt x="899280" y="4017196"/>
-                  <a:pt x="0" y="3117916"/>
-                  <a:pt x="0" y="2008598"/>
-                </a:cubicBezTo>
-                <a:cubicBezTo>
-                  <a:pt x="0" y="899280"/>
-                  <a:pt x="899280" y="0"/>
-                  <a:pt x="2008598" y="0"/>
-                </a:cubicBezTo>
-                <a:close/>
-              </a:path>
-            </a:pathLst>
-          </a:custGeom>
+          </a:prstGeom>
+          <a:ln>
+            <a:solidFill>
+              <a:schemeClr val="tx1"/>
+            </a:solidFill>
+          </a:ln>
+        </p:spPr>
+      </p:pic>
+      <p:pic>
+        <p:nvPicPr>
+          <p:cNvPr id="17" name="Image 16">
+            <a:extLst>
+              <a:ext uri="{FF2B5EF4-FFF2-40B4-BE49-F238E27FC236}">
+                <a16:creationId xmlns:a16="http://schemas.microsoft.com/office/drawing/2014/main" id="{9B73C122-3E7E-40AC-A7BC-DEFE1CC4DDF2}"/>
+              </a:ext>
+            </a:extLst>
+          </p:cNvPr>
+          <p:cNvPicPr>
+            <a:picLocks noChangeAspect="1"/>
+          </p:cNvPicPr>
+          <p:nvPr/>
+        </p:nvPicPr>
+        <p:blipFill>
+          <a:blip r:embed="rId5"/>
+          <a:stretch>
+            <a:fillRect/>
+          </a:stretch>
+        </p:blipFill>
+        <p:spPr>
+          <a:xfrm>
+            <a:off x="4212565" y="2978019"/>
+            <a:ext cx="1503156" cy="795563"/>
+          </a:xfrm>
+          <a:prstGeom prst="rect">
+            <a:avLst/>
+          </a:prstGeom>
+          <a:ln>
+            <a:solidFill>
+              <a:schemeClr val="tx1"/>
+            </a:solidFill>
+          </a:ln>
+        </p:spPr>
+      </p:pic>
+      <p:pic>
+        <p:nvPicPr>
+          <p:cNvPr id="18" name="Image 17">
+            <a:extLst>
+              <a:ext uri="{FF2B5EF4-FFF2-40B4-BE49-F238E27FC236}">
+                <a16:creationId xmlns:a16="http://schemas.microsoft.com/office/drawing/2014/main" id="{F307F50E-5C31-4B7F-A709-3A112DC83490}"/>
+              </a:ext>
+            </a:extLst>
+          </p:cNvPr>
+          <p:cNvPicPr>
+            <a:picLocks noChangeAspect="1"/>
+          </p:cNvPicPr>
+          <p:nvPr/>
+        </p:nvPicPr>
+        <p:blipFill>
+          <a:blip r:embed="rId6"/>
+          <a:stretch>
+            <a:fillRect/>
+          </a:stretch>
+        </p:blipFill>
+        <p:spPr>
+          <a:xfrm>
+            <a:off x="2412804" y="2163143"/>
+            <a:ext cx="1291987" cy="664718"/>
+          </a:xfrm>
+          <a:prstGeom prst="rect">
+            <a:avLst/>
+          </a:prstGeom>
+          <a:ln>
+            <a:solidFill>
+              <a:schemeClr val="tx1"/>
+            </a:solidFill>
+          </a:ln>
+        </p:spPr>
+      </p:pic>
+      <p:pic>
+        <p:nvPicPr>
+          <p:cNvPr id="19" name="Image 18">
+            <a:extLst>
+              <a:ext uri="{FF2B5EF4-FFF2-40B4-BE49-F238E27FC236}">
+                <a16:creationId xmlns:a16="http://schemas.microsoft.com/office/drawing/2014/main" id="{998D9FAB-BA04-4714-A0CA-962AB8932BD1}"/>
+              </a:ext>
+            </a:extLst>
+          </p:cNvPr>
+          <p:cNvPicPr>
+            <a:picLocks noChangeAspect="1"/>
+          </p:cNvPicPr>
+          <p:nvPr/>
+        </p:nvPicPr>
+        <p:blipFill>
+          <a:blip r:embed="rId7"/>
+          <a:stretch>
+            <a:fillRect/>
+          </a:stretch>
+        </p:blipFill>
+        <p:spPr>
+          <a:xfrm>
+            <a:off x="1051202" y="4522241"/>
+            <a:ext cx="1344480" cy="1351671"/>
+          </a:xfrm>
+          <a:prstGeom prst="rect">
+            <a:avLst/>
+          </a:prstGeom>
+          <a:ln>
+            <a:solidFill>
+              <a:schemeClr val="tx1"/>
+            </a:solidFill>
+          </a:ln>
+        </p:spPr>
+      </p:pic>
+      <p:pic>
+        <p:nvPicPr>
+          <p:cNvPr id="20" name="Image 19">
+            <a:extLst>
+              <a:ext uri="{FF2B5EF4-FFF2-40B4-BE49-F238E27FC236}">
+                <a16:creationId xmlns:a16="http://schemas.microsoft.com/office/drawing/2014/main" id="{152AFE7C-3813-4BCE-8F6D-37D1451D8B74}"/>
+              </a:ext>
+            </a:extLst>
+          </p:cNvPr>
+          <p:cNvPicPr>
+            <a:picLocks noChangeAspect="1"/>
+          </p:cNvPicPr>
+          <p:nvPr/>
+        </p:nvPicPr>
+        <p:blipFill>
+          <a:blip r:embed="rId8"/>
+          <a:stretch>
+            <a:fillRect/>
+          </a:stretch>
+        </p:blipFill>
+        <p:spPr>
+          <a:xfrm>
+            <a:off x="3905526" y="4589954"/>
+            <a:ext cx="1095552" cy="1283959"/>
+          </a:xfrm>
+          <a:prstGeom prst="rect">
+            <a:avLst/>
+          </a:prstGeom>
+          <a:ln>
+            <a:solidFill>
+              <a:schemeClr val="tx1"/>
+            </a:solidFill>
+          </a:ln>
+        </p:spPr>
+      </p:pic>
+      <p:pic>
+        <p:nvPicPr>
+          <p:cNvPr id="21" name="Image 20">
+            <a:extLst>
+              <a:ext uri="{FF2B5EF4-FFF2-40B4-BE49-F238E27FC236}">
+                <a16:creationId xmlns:a16="http://schemas.microsoft.com/office/drawing/2014/main" id="{AFDD31A4-76BC-43BC-A963-5C1245D8767A}"/>
+              </a:ext>
+            </a:extLst>
+          </p:cNvPr>
+          <p:cNvPicPr>
+            <a:picLocks noChangeAspect="1"/>
+          </p:cNvPicPr>
+          <p:nvPr/>
+        </p:nvPicPr>
+        <p:blipFill>
+          <a:blip r:embed="rId9"/>
+          <a:stretch>
+            <a:fillRect/>
+          </a:stretch>
+        </p:blipFill>
+        <p:spPr>
+          <a:xfrm>
+            <a:off x="9268242" y="2857175"/>
+            <a:ext cx="2505261" cy="861598"/>
+          </a:xfrm>
+          <a:prstGeom prst="rect">
+            <a:avLst/>
+          </a:prstGeom>
+          <a:ln>
+            <a:noFill/>
+          </a:ln>
         </p:spPr>
       </p:pic>
       <p:cxnSp>
         <p:nvCxnSpPr>
-          <p:cNvPr id="17" name="Straight Connector 16">
-            <a:extLst>
-              <a:ext uri="{FF2B5EF4-FFF2-40B4-BE49-F238E27FC236}">
-                <a16:creationId xmlns:a16="http://schemas.microsoft.com/office/drawing/2014/main" id="{9AD20FE8-ED02-4CDE-83B1-A1436305C3DC}"/>
-              </a:ext>
-              <a:ext uri="{C183D7F6-B498-43B3-948B-1728B52AA6E4}">
-                <adec:decorative xmlns:adec="http://schemas.microsoft.com/office/drawing/2017/decorative" val="1"/>
+          <p:cNvPr id="7" name="Connecteur droit 6">
+            <a:extLst>
+              <a:ext uri="{FF2B5EF4-FFF2-40B4-BE49-F238E27FC236}">
+                <a16:creationId xmlns:a16="http://schemas.microsoft.com/office/drawing/2014/main" id="{69CA032D-CEB0-4167-BE40-47C4A5EB53FB}"/>
               </a:ext>
             </a:extLst>
           </p:cNvPr>
           <p:cNvCxnSpPr>
-            <a:cxnSpLocks noGrp="1" noRot="1" noChangeAspect="1" noMove="1" noResize="1" noEditPoints="1" noAdjustHandles="1" noChangeArrowheads="1" noChangeShapeType="1"/>
+            <a:cxnSpLocks/>
           </p:cNvCxnSpPr>
-          <p:nvPr>
-            <p:extLst>
-              <p:ext uri="{386F3935-93C4-4BCD-93E2-E3B085C9AB24}">
-                <p16:designElem xmlns:p16="http://schemas.microsoft.com/office/powerpoint/2015/main" val="1"/>
-              </p:ext>
-            </p:extLst>
-          </p:nvPr>
+          <p:nvPr/>
         </p:nvCxnSpPr>
         <p:spPr>
           <a:xfrm>
-            <a:off x="5775960" y="4971278"/>
-            <a:ext cx="640080" cy="0"/>
+            <a:off x="6344239" y="2139884"/>
+            <a:ext cx="0" cy="3893270"/>
           </a:xfrm>
           <a:prstGeom prst="line">
             <a:avLst/>
           </a:prstGeom>
-          <a:ln w="28575">
+          <a:ln>
             <a:solidFill>
-              <a:srgbClr val="1BB0EB"/>
+              <a:schemeClr val="tx1"/>
             </a:solidFill>
           </a:ln>
         </p:spPr>
@@ -6182,10 +6961,86 @@
           </a:fontRef>
         </p:style>
       </p:cxnSp>
+      <p:sp>
+        <p:nvSpPr>
+          <p:cNvPr id="27" name="Rectangle 26">
+            <a:extLst>
+              <a:ext uri="{FF2B5EF4-FFF2-40B4-BE49-F238E27FC236}">
+                <a16:creationId xmlns:a16="http://schemas.microsoft.com/office/drawing/2014/main" id="{AE925CBB-8CB8-4F83-9556-C803291A695F}"/>
+              </a:ext>
+            </a:extLst>
+          </p:cNvPr>
+          <p:cNvSpPr/>
+          <p:nvPr/>
+        </p:nvSpPr>
+        <p:spPr>
+          <a:xfrm>
+            <a:off x="2314043" y="1714273"/>
+            <a:ext cx="1489510" cy="369332"/>
+          </a:xfrm>
+          <a:prstGeom prst="rect">
+            <a:avLst/>
+          </a:prstGeom>
+        </p:spPr>
+        <p:txBody>
+          <a:bodyPr wrap="none">
+            <a:spAutoFit/>
+          </a:bodyPr>
+          <a:lstStyle/>
+          <a:p>
+            <a:pPr marL="285750" indent="-285750">
+              <a:buFont typeface="Arial" panose="020B0604020202020204" pitchFamily="34" charset="0"/>
+              <a:buChar char="•"/>
+            </a:pPr>
+            <a:r>
+              <a:rPr lang="fr-FR" i="1" dirty="0"/>
+              <a:t>Production</a:t>
+            </a:r>
+          </a:p>
+        </p:txBody>
+      </p:sp>
+      <p:sp>
+        <p:nvSpPr>
+          <p:cNvPr id="28" name="Rectangle 27">
+            <a:extLst>
+              <a:ext uri="{FF2B5EF4-FFF2-40B4-BE49-F238E27FC236}">
+                <a16:creationId xmlns:a16="http://schemas.microsoft.com/office/drawing/2014/main" id="{E25B8B6F-70B7-4DD5-BD1F-756B3B87F732}"/>
+              </a:ext>
+            </a:extLst>
+          </p:cNvPr>
+          <p:cNvSpPr/>
+          <p:nvPr/>
+        </p:nvSpPr>
+        <p:spPr>
+          <a:xfrm>
+            <a:off x="8191264" y="1714273"/>
+            <a:ext cx="1666803" cy="369332"/>
+          </a:xfrm>
+          <a:prstGeom prst="rect">
+            <a:avLst/>
+          </a:prstGeom>
+        </p:spPr>
+        <p:txBody>
+          <a:bodyPr wrap="none">
+            <a:spAutoFit/>
+          </a:bodyPr>
+          <a:lstStyle/>
+          <a:p>
+            <a:pPr marL="285750" indent="-285750">
+              <a:buFont typeface="Arial" panose="020B0604020202020204" pitchFamily="34" charset="0"/>
+              <a:buChar char="•"/>
+            </a:pPr>
+            <a:r>
+              <a:rPr lang="fr-FR" i="1" dirty="0"/>
+              <a:t>Déploiement</a:t>
+            </a:r>
+          </a:p>
+        </p:txBody>
+      </p:sp>
     </p:spTree>
     <p:extLst>
       <p:ext uri="{BB962C8B-B14F-4D97-AF65-F5344CB8AC3E}">
-        <p14:creationId xmlns:p14="http://schemas.microsoft.com/office/powerpoint/2010/main" val="2873187597"/>
+        <p14:creationId xmlns:p14="http://schemas.microsoft.com/office/powerpoint/2010/main" val="1041771190"/>
       </p:ext>
     </p:extLst>
   </p:cSld>
@@ -6278,7 +7133,7 @@
         <p:spPr>
           <a:xfrm>
             <a:off x="274321" y="1253852"/>
-            <a:ext cx="6424216" cy="5390788"/>
+            <a:ext cx="6424216" cy="4350297"/>
           </a:xfrm>
         </p:spPr>
         <p:txBody>
@@ -6288,134 +7143,145 @@
           <a:lstStyle/>
           <a:p>
             <a:r>
-              <a:rPr lang="en-US" sz="2400" dirty="0">
+              <a:rPr lang="fr-FR" sz="2400" i="1" dirty="0">
                 <a:solidFill>
                   <a:schemeClr val="bg1"/>
                 </a:solidFill>
               </a:rPr>
-              <a:t>Besoins du client</a:t>
-            </a:r>
-          </a:p>
-          <a:p>
-            <a:endParaRPr lang="en-US" sz="2400" dirty="0">
-              <a:solidFill>
-                <a:schemeClr val="bg1"/>
-              </a:solidFill>
-            </a:endParaRPr>
-          </a:p>
-          <a:p>
-            <a:r>
-              <a:rPr lang="en-US" sz="2400" dirty="0">
+              <a:t>Analyse des besoins</a:t>
+            </a:r>
+          </a:p>
+          <a:p>
+            <a:pPr marL="0" indent="0">
+              <a:buNone/>
+            </a:pPr>
+            <a:r>
+              <a:rPr lang="fr-FR" sz="2000" i="1" dirty="0">
                 <a:solidFill>
                   <a:schemeClr val="bg1"/>
                 </a:solidFill>
               </a:rPr>
-              <a:t>Description Générale de la Solution</a:t>
-            </a:r>
-          </a:p>
-          <a:p>
-            <a:endParaRPr lang="en-US" sz="2400" dirty="0">
-              <a:solidFill>
-                <a:schemeClr val="bg1"/>
-              </a:solidFill>
-            </a:endParaRPr>
-          </a:p>
-          <a:p>
-            <a:r>
-              <a:rPr lang="en-US" sz="2400" dirty="0" err="1">
+              <a:t>	- Contexte</a:t>
+            </a:r>
+          </a:p>
+          <a:p>
+            <a:pPr marL="0" indent="0">
+              <a:buNone/>
+            </a:pPr>
+            <a:r>
+              <a:rPr lang="fr-FR" sz="2400" i="1" dirty="0">
                 <a:solidFill>
                   <a:schemeClr val="bg1"/>
                 </a:solidFill>
               </a:rPr>
-              <a:t>Spécifications</a:t>
-            </a:r>
-            <a:r>
-              <a:rPr lang="en-US" sz="2400" dirty="0">
+              <a:t>	</a:t>
+            </a:r>
+            <a:r>
+              <a:rPr lang="fr-FR" sz="2000" i="1" dirty="0">
                 <a:solidFill>
                   <a:schemeClr val="bg1"/>
                 </a:solidFill>
               </a:rPr>
-              <a:t> </a:t>
-            </a:r>
-            <a:r>
-              <a:rPr lang="en-US" sz="2400" dirty="0" err="1">
+              <a:t>- Objectif</a:t>
+            </a:r>
+          </a:p>
+          <a:p>
+            <a:r>
+              <a:rPr lang="fr-FR" sz="2400" i="1" dirty="0">
                 <a:solidFill>
                   <a:schemeClr val="bg1"/>
                 </a:solidFill>
               </a:rPr>
-              <a:t>Fonctionnelles</a:t>
-            </a:r>
-            <a:endParaRPr lang="en-US" sz="2400" dirty="0">
-              <a:solidFill>
-                <a:schemeClr val="bg1"/>
-              </a:solidFill>
-            </a:endParaRPr>
-          </a:p>
-          <a:p>
-            <a:endParaRPr lang="en-US" sz="2400" dirty="0">
-              <a:solidFill>
-                <a:schemeClr val="bg1"/>
-              </a:solidFill>
-            </a:endParaRPr>
-          </a:p>
-          <a:p>
-            <a:r>
-              <a:rPr lang="en-US" sz="2400" dirty="0" err="1">
+              <a:t>Spécifications Techniques</a:t>
+            </a:r>
+          </a:p>
+          <a:p>
+            <a:pPr marL="0" indent="0">
+              <a:buNone/>
+            </a:pPr>
+            <a:r>
+              <a:rPr lang="fr-FR" sz="2400" i="1" dirty="0">
                 <a:solidFill>
                   <a:schemeClr val="bg1"/>
                 </a:solidFill>
               </a:rPr>
-              <a:t>Spécifications</a:t>
-            </a:r>
-            <a:r>
-              <a:rPr lang="en-US" sz="2400" dirty="0">
+              <a:t>	- </a:t>
+            </a:r>
+            <a:r>
+              <a:rPr lang="fr-FR" sz="2000" i="1" dirty="0">
                 <a:solidFill>
                   <a:schemeClr val="bg1"/>
                 </a:solidFill>
               </a:rPr>
-              <a:t> Techniques</a:t>
-            </a:r>
-          </a:p>
-          <a:p>
-            <a:endParaRPr lang="en-US" sz="2400" dirty="0">
-              <a:solidFill>
-                <a:schemeClr val="bg1"/>
-              </a:solidFill>
-            </a:endParaRPr>
-          </a:p>
-          <a:p>
-            <a:r>
-              <a:rPr lang="en-US" sz="2400" dirty="0">
+              <a:t>Identification Fonctionnelle</a:t>
+            </a:r>
+          </a:p>
+          <a:p>
+            <a:pPr marL="0" indent="0">
+              <a:buNone/>
+            </a:pPr>
+            <a:r>
+              <a:rPr lang="fr-FR" sz="2400" i="1" dirty="0">
                 <a:solidFill>
                   <a:schemeClr val="bg1"/>
                 </a:solidFill>
               </a:rPr>
-              <a:t>Conception </a:t>
-            </a:r>
-            <a:r>
-              <a:rPr lang="en-US" sz="2400" dirty="0" err="1">
+              <a:t>	</a:t>
+            </a:r>
+            <a:r>
+              <a:rPr lang="fr-FR" sz="2000" i="1" dirty="0">
                 <a:solidFill>
                   <a:schemeClr val="bg1"/>
                 </a:solidFill>
               </a:rPr>
-              <a:t>Graphique</a:t>
-            </a:r>
-            <a:endParaRPr lang="en-US" sz="2400" dirty="0">
-              <a:solidFill>
-                <a:schemeClr val="bg1"/>
-              </a:solidFill>
-            </a:endParaRPr>
-          </a:p>
-          <a:p>
-            <a:endParaRPr lang="en-US" sz="2400" dirty="0">
-              <a:solidFill>
-                <a:schemeClr val="bg1"/>
-              </a:solidFill>
-            </a:endParaRPr>
-          </a:p>
-          <a:p>
-            <a:r>
-              <a:rPr lang="en-US" sz="2400" dirty="0">
+              <a:t>- Choix technologiques internes</a:t>
+            </a:r>
+          </a:p>
+          <a:p>
+            <a:pPr marL="0" indent="0">
+              <a:buNone/>
+            </a:pPr>
+            <a:r>
+              <a:rPr lang="fr-FR" sz="2400" i="1" dirty="0">
+                <a:solidFill>
+                  <a:schemeClr val="bg1"/>
+                </a:solidFill>
+              </a:rPr>
+              <a:t>	</a:t>
+            </a:r>
+            <a:r>
+              <a:rPr lang="fr-FR" sz="2000" i="1" dirty="0">
+                <a:solidFill>
+                  <a:schemeClr val="bg1"/>
+                </a:solidFill>
+              </a:rPr>
+              <a:t>- Choix technologiques externes</a:t>
+            </a:r>
+          </a:p>
+          <a:p>
+            <a:pPr marL="0" indent="0">
+              <a:buNone/>
+            </a:pPr>
+            <a:r>
+              <a:rPr lang="fr-FR" sz="2400" i="1" dirty="0">
+                <a:solidFill>
+                  <a:schemeClr val="bg1"/>
+                </a:solidFill>
+              </a:rPr>
+              <a:t>	- </a:t>
+            </a:r>
+            <a:r>
+              <a:rPr lang="fr-FR" sz="2000" i="1" dirty="0">
+                <a:solidFill>
+                  <a:schemeClr val="bg1"/>
+                </a:solidFill>
+              </a:rPr>
+              <a:t>Déploiement</a:t>
+            </a:r>
+          </a:p>
+          <a:p>
+            <a:r>
+              <a:rPr lang="fr-FR" sz="2400" i="1" dirty="0">
                 <a:solidFill>
                   <a:schemeClr val="bg1"/>
                 </a:solidFill>
@@ -6968,12 +7834,17 @@
         </p:blipFill>
         <p:spPr>
           <a:xfrm>
-            <a:off x="7931736" y="2179111"/>
-            <a:ext cx="2353439" cy="2353443"/>
+            <a:off x="8117021" y="2373366"/>
+            <a:ext cx="1741359" cy="1741362"/>
           </a:xfrm>
           <a:prstGeom prst="rect">
             <a:avLst/>
           </a:prstGeom>
+          <a:ln>
+            <a:solidFill>
+              <a:schemeClr val="bg1"/>
+            </a:solidFill>
+          </a:ln>
         </p:spPr>
       </p:pic>
       <p:pic>
@@ -7003,6 +7874,11 @@
           <a:prstGeom prst="rect">
             <a:avLst/>
           </a:prstGeom>
+          <a:ln>
+            <a:solidFill>
+              <a:schemeClr val="bg1"/>
+            </a:solidFill>
+          </a:ln>
         </p:spPr>
       </p:pic>
       <p:sp>
@@ -7378,12 +8254,17 @@
         </p:blipFill>
         <p:spPr>
           <a:xfrm>
-            <a:off x="7931736" y="4615032"/>
-            <a:ext cx="2111930" cy="1825141"/>
+            <a:off x="8182408" y="4607585"/>
+            <a:ext cx="1741359" cy="1504892"/>
           </a:xfrm>
           <a:prstGeom prst="rect">
             <a:avLst/>
           </a:prstGeom>
+          <a:ln>
+            <a:solidFill>
+              <a:schemeClr val="bg1"/>
+            </a:solidFill>
+          </a:ln>
         </p:spPr>
       </p:pic>
     </p:spTree>
@@ -7519,12 +8400,12 @@
           <a:lstStyle/>
           <a:p>
             <a:r>
-              <a:rPr lang="fr-FR" sz="5400">
+              <a:rPr lang="fr-FR" sz="5400" dirty="0">
                 <a:solidFill>
                   <a:srgbClr val="1B1B1B"/>
                 </a:solidFill>
               </a:rPr>
-              <a:t>Besoins du client </a:t>
+              <a:t>Analyse des besoins</a:t>
             </a:r>
           </a:p>
         </p:txBody>
@@ -7929,7 +8810,7 @@
         <p:spPr>
           <a:xfrm>
             <a:off x="129540" y="0"/>
-            <a:ext cx="4206240" cy="1325563"/>
+            <a:ext cx="4926712" cy="1325563"/>
           </a:xfrm>
         </p:spPr>
         <p:txBody>
@@ -7938,7 +8819,7 @@
           <a:p>
             <a:r>
               <a:rPr lang="fr-FR" dirty="0"/>
-              <a:t>Besoins du client</a:t>
+              <a:t>Analyse des besoins</a:t>
             </a:r>
           </a:p>
         </p:txBody>
@@ -7999,8 +8880,13 @@
               <a:avLst/>
             </a:prstGeom>
             <a:noFill/>
-            <a:ln>
-              <a:noFill/>
+            <a:ln w="9525">
+              <a:solidFill>
+                <a:schemeClr val="tx1"/>
+              </a:solidFill>
+              <a:miter lim="800000"/>
+              <a:headEnd/>
+              <a:tailEnd/>
             </a:ln>
             <a:extLst>
               <a:ext uri="{909E8E84-426E-40DD-AFC4-6F175D3DCCD1}">
@@ -8009,16 +8895,6 @@
                     <a:srgbClr val="FFFFFF"/>
                   </a:solidFill>
                 </a14:hiddenFill>
-              </a:ext>
-              <a:ext uri="{91240B29-F687-4F45-9708-019B960494DF}">
-                <a14:hiddenLine xmlns:a14="http://schemas.microsoft.com/office/drawing/2010/main" w="9525">
-                  <a:solidFill>
-                    <a:srgbClr val="000000"/>
-                  </a:solidFill>
-                  <a:miter lim="800000"/>
-                  <a:headEnd/>
-                  <a:tailEnd/>
-                </a14:hiddenLine>
               </a:ext>
             </a:extLst>
           </p:spPr>
@@ -8045,12 +8921,17 @@
           </p:blipFill>
           <p:spPr>
             <a:xfrm>
-              <a:off x="7595396" y="3519236"/>
+              <a:off x="7387456" y="3519237"/>
               <a:ext cx="856558" cy="827224"/>
             </a:xfrm>
             <a:prstGeom prst="rect">
               <a:avLst/>
             </a:prstGeom>
+            <a:ln>
+              <a:solidFill>
+                <a:schemeClr val="tx1"/>
+              </a:solidFill>
+            </a:ln>
           </p:spPr>
         </p:pic>
         <p:pic>
@@ -8081,6 +8962,11 @@
             <a:prstGeom prst="rect">
               <a:avLst/>
             </a:prstGeom>
+            <a:ln>
+              <a:solidFill>
+                <a:schemeClr val="tx1"/>
+              </a:solidFill>
+            </a:ln>
           </p:spPr>
         </p:pic>
         <p:pic>
@@ -8111,6 +8997,11 @@
             <a:prstGeom prst="rect">
               <a:avLst/>
             </a:prstGeom>
+            <a:ln>
+              <a:solidFill>
+                <a:schemeClr val="tx1"/>
+              </a:solidFill>
+            </a:ln>
           </p:spPr>
         </p:pic>
         <p:pic>
@@ -8141,6 +9032,11 @@
             <a:prstGeom prst="rect">
               <a:avLst/>
             </a:prstGeom>
+            <a:ln>
+              <a:solidFill>
+                <a:schemeClr val="tx1"/>
+              </a:solidFill>
+            </a:ln>
           </p:spPr>
         </p:pic>
         <p:pic>
@@ -8171,6 +9067,11 @@
             <a:prstGeom prst="rect">
               <a:avLst/>
             </a:prstGeom>
+            <a:ln>
+              <a:solidFill>
+                <a:schemeClr val="tx1"/>
+              </a:solidFill>
+            </a:ln>
           </p:spPr>
         </p:pic>
         <p:cxnSp>
@@ -8196,6 +9097,11 @@
             <a:prstGeom prst="line">
               <a:avLst/>
             </a:prstGeom>
+            <a:ln>
+              <a:solidFill>
+                <a:schemeClr val="tx1"/>
+              </a:solidFill>
+            </a:ln>
           </p:spPr>
           <p:style>
             <a:lnRef idx="1">
@@ -8236,6 +9142,11 @@
             <a:prstGeom prst="line">
               <a:avLst/>
             </a:prstGeom>
+            <a:ln>
+              <a:solidFill>
+                <a:schemeClr val="tx1"/>
+              </a:solidFill>
+            </a:ln>
           </p:spPr>
           <p:style>
             <a:lnRef idx="1">
@@ -8275,6 +9186,11 @@
             <a:prstGeom prst="line">
               <a:avLst/>
             </a:prstGeom>
+            <a:ln>
+              <a:solidFill>
+                <a:schemeClr val="tx1"/>
+              </a:solidFill>
+            </a:ln>
           </p:spPr>
           <p:style>
             <a:lnRef idx="1">
@@ -8308,12 +9224,17 @@
           </p:nvCxnSpPr>
           <p:spPr>
             <a:xfrm flipH="1">
-              <a:off x="8451954" y="2925153"/>
-              <a:ext cx="322858" cy="1007695"/>
+              <a:off x="8244014" y="2925153"/>
+              <a:ext cx="644827" cy="1007696"/>
             </a:xfrm>
             <a:prstGeom prst="line">
               <a:avLst/>
             </a:prstGeom>
+            <a:ln>
+              <a:solidFill>
+                <a:schemeClr val="tx1"/>
+              </a:solidFill>
+            </a:ln>
           </p:spPr>
           <p:style>
             <a:lnRef idx="1">
@@ -8353,6 +9274,11 @@
             <a:prstGeom prst="line">
               <a:avLst/>
             </a:prstGeom>
+            <a:ln>
+              <a:solidFill>
+                <a:schemeClr val="tx1"/>
+              </a:solidFill>
+            </a:ln>
           </p:spPr>
           <p:style>
             <a:lnRef idx="1">
@@ -8434,39 +9360,199 @@
           <a:lstStyle/>
           <a:p>
             <a:r>
-              <a:rPr lang="fr-FR" dirty="0"/>
+              <a:rPr lang="fr-FR" i="1" dirty="0"/>
               <a:t>5 Points de vente</a:t>
             </a:r>
           </a:p>
           <a:p>
-            <a:endParaRPr lang="fr-FR" dirty="0"/>
-          </a:p>
-          <a:p>
-            <a:r>
-              <a:rPr lang="fr-FR" dirty="0"/>
+            <a:endParaRPr lang="fr-FR" i="1" dirty="0"/>
+          </a:p>
+          <a:p>
+            <a:r>
+              <a:rPr lang="fr-FR" i="1" dirty="0"/>
               <a:t>Système informatique existant</a:t>
             </a:r>
           </a:p>
           <a:p>
-            <a:endParaRPr lang="fr-FR" dirty="0"/>
-          </a:p>
-          <a:p>
-            <a:r>
-              <a:rPr lang="fr-FR" dirty="0"/>
+            <a:endParaRPr lang="fr-FR" i="1" dirty="0"/>
+          </a:p>
+          <a:p>
+            <a:r>
+              <a:rPr lang="fr-FR" i="1" dirty="0"/>
               <a:t>Livraison / à emporter</a:t>
             </a:r>
           </a:p>
           <a:p>
-            <a:endParaRPr lang="fr-FR" dirty="0"/>
-          </a:p>
-          <a:p>
-            <a:r>
-              <a:rPr lang="fr-FR" dirty="0"/>
+            <a:endParaRPr lang="fr-FR" i="1" dirty="0"/>
+          </a:p>
+          <a:p>
+            <a:r>
+              <a:rPr lang="fr-FR" i="1" dirty="0"/>
               <a:t>3 Points de vente futur</a:t>
             </a:r>
           </a:p>
         </p:txBody>
       </p:sp>
+      <p:pic>
+        <p:nvPicPr>
+          <p:cNvPr id="17" name="Image 16" descr="Une image contenant couteau&#10;&#10;Description générée automatiquement">
+            <a:extLst>
+              <a:ext uri="{FF2B5EF4-FFF2-40B4-BE49-F238E27FC236}">
+                <a16:creationId xmlns:a16="http://schemas.microsoft.com/office/drawing/2014/main" id="{3731F323-82C4-4722-AE23-5D76B76A6FB2}"/>
+              </a:ext>
+            </a:extLst>
+          </p:cNvPr>
+          <p:cNvPicPr>
+            <a:picLocks noChangeAspect="1"/>
+          </p:cNvPicPr>
+          <p:nvPr/>
+        </p:nvPicPr>
+        <p:blipFill rotWithShape="1">
+          <a:blip r:embed="rId4"/>
+          <a:srcRect r="2" b="16856"/>
+          <a:stretch/>
+        </p:blipFill>
+        <p:spPr>
+          <a:xfrm>
+            <a:off x="4788203" y="514159"/>
+            <a:ext cx="383197" cy="324828"/>
+          </a:xfrm>
+          <a:prstGeom prst="rect">
+            <a:avLst/>
+          </a:prstGeom>
+          <a:ln>
+            <a:solidFill>
+              <a:schemeClr val="bg1"/>
+            </a:solidFill>
+          </a:ln>
+        </p:spPr>
+      </p:pic>
+      <p:grpSp>
+        <p:nvGrpSpPr>
+          <p:cNvPr id="3" name="Groupe 2">
+            <a:extLst>
+              <a:ext uri="{FF2B5EF4-FFF2-40B4-BE49-F238E27FC236}">
+                <a16:creationId xmlns:a16="http://schemas.microsoft.com/office/drawing/2014/main" id="{10C68344-CD08-413F-ACB1-F31E1DD90ADD}"/>
+              </a:ext>
+            </a:extLst>
+          </p:cNvPr>
+          <p:cNvGrpSpPr/>
+          <p:nvPr/>
+        </p:nvGrpSpPr>
+        <p:grpSpPr>
+          <a:xfrm>
+            <a:off x="2592896" y="5572926"/>
+            <a:ext cx="2030226" cy="566879"/>
+            <a:chOff x="1178783" y="5503063"/>
+            <a:chExt cx="2030226" cy="566879"/>
+          </a:xfrm>
+        </p:grpSpPr>
+        <p:pic>
+          <p:nvPicPr>
+            <p:cNvPr id="19" name="Image 18">
+              <a:extLst>
+                <a:ext uri="{FF2B5EF4-FFF2-40B4-BE49-F238E27FC236}">
+                  <a16:creationId xmlns:a16="http://schemas.microsoft.com/office/drawing/2014/main" id="{5CFAB48A-8BA6-4C28-8DB6-4724D943EDA0}"/>
+                </a:ext>
+              </a:extLst>
+            </p:cNvPr>
+            <p:cNvPicPr>
+              <a:picLocks noChangeAspect="1"/>
+            </p:cNvPicPr>
+            <p:nvPr/>
+          </p:nvPicPr>
+          <p:blipFill>
+            <a:blip r:embed="rId3"/>
+            <a:stretch>
+              <a:fillRect/>
+            </a:stretch>
+          </p:blipFill>
+          <p:spPr>
+            <a:xfrm>
+              <a:off x="1178783" y="5503064"/>
+              <a:ext cx="586370" cy="566289"/>
+            </a:xfrm>
+            <a:prstGeom prst="rect">
+              <a:avLst/>
+            </a:prstGeom>
+            <a:ln>
+              <a:solidFill>
+                <a:schemeClr val="tx1"/>
+              </a:solidFill>
+            </a:ln>
+          </p:spPr>
+        </p:pic>
+        <p:pic>
+          <p:nvPicPr>
+            <p:cNvPr id="22" name="Image 21">
+              <a:extLst>
+                <a:ext uri="{FF2B5EF4-FFF2-40B4-BE49-F238E27FC236}">
+                  <a16:creationId xmlns:a16="http://schemas.microsoft.com/office/drawing/2014/main" id="{A85CFFEB-3BE6-4A2F-ACF4-368456D202E6}"/>
+                </a:ext>
+              </a:extLst>
+            </p:cNvPr>
+            <p:cNvPicPr>
+              <a:picLocks noChangeAspect="1"/>
+            </p:cNvPicPr>
+            <p:nvPr/>
+          </p:nvPicPr>
+          <p:blipFill>
+            <a:blip r:embed="rId3"/>
+            <a:stretch>
+              <a:fillRect/>
+            </a:stretch>
+          </p:blipFill>
+          <p:spPr>
+            <a:xfrm>
+              <a:off x="1900711" y="5503063"/>
+              <a:ext cx="586370" cy="566289"/>
+            </a:xfrm>
+            <a:prstGeom prst="rect">
+              <a:avLst/>
+            </a:prstGeom>
+            <a:ln>
+              <a:solidFill>
+                <a:schemeClr val="tx1"/>
+              </a:solidFill>
+            </a:ln>
+          </p:spPr>
+        </p:pic>
+        <p:pic>
+          <p:nvPicPr>
+            <p:cNvPr id="24" name="Image 23">
+              <a:extLst>
+                <a:ext uri="{FF2B5EF4-FFF2-40B4-BE49-F238E27FC236}">
+                  <a16:creationId xmlns:a16="http://schemas.microsoft.com/office/drawing/2014/main" id="{45480EE9-D600-4A48-A284-87D8EFCAA2A3}"/>
+                </a:ext>
+              </a:extLst>
+            </p:cNvPr>
+            <p:cNvPicPr>
+              <a:picLocks noChangeAspect="1"/>
+            </p:cNvPicPr>
+            <p:nvPr/>
+          </p:nvPicPr>
+          <p:blipFill>
+            <a:blip r:embed="rId3"/>
+            <a:stretch>
+              <a:fillRect/>
+            </a:stretch>
+          </p:blipFill>
+          <p:spPr>
+            <a:xfrm>
+              <a:off x="2622639" y="5503653"/>
+              <a:ext cx="586370" cy="566289"/>
+            </a:xfrm>
+            <a:prstGeom prst="rect">
+              <a:avLst/>
+            </a:prstGeom>
+            <a:ln>
+              <a:solidFill>
+                <a:schemeClr val="tx1"/>
+              </a:solidFill>
+            </a:ln>
+          </p:spPr>
+        </p:pic>
+      </p:grpSp>
     </p:spTree>
     <p:extLst>
       <p:ext uri="{BB962C8B-B14F-4D97-AF65-F5344CB8AC3E}">
@@ -8530,16 +9616,16 @@
           </a:p>
           <a:p>
             <a:r>
-              <a:rPr lang="fr-FR" dirty="0"/>
+              <a:rPr lang="fr-FR" i="1" dirty="0"/>
               <a:t>Boutique en ligne</a:t>
             </a:r>
           </a:p>
           <a:p>
-            <a:endParaRPr lang="fr-FR" dirty="0"/>
-          </a:p>
-          <a:p>
-            <a:r>
-              <a:rPr lang="fr-FR" dirty="0"/>
+            <a:endParaRPr lang="fr-FR" i="1" dirty="0"/>
+          </a:p>
+          <a:p>
+            <a:r>
+              <a:rPr lang="fr-FR" i="1" dirty="0"/>
               <a:t>Gestionnaire centralisée</a:t>
             </a:r>
           </a:p>
@@ -8576,12 +9662,17 @@
         </p:blipFill>
         <p:spPr>
           <a:xfrm>
-            <a:off x="7335977" y="365759"/>
-            <a:ext cx="3801947" cy="6265609"/>
+            <a:off x="6969610" y="0"/>
+            <a:ext cx="4161408" cy="6858000"/>
           </a:xfrm>
           <a:prstGeom prst="rect">
             <a:avLst/>
           </a:prstGeom>
+          <a:ln>
+            <a:solidFill>
+              <a:schemeClr val="tx1"/>
+            </a:solidFill>
+          </a:ln>
         </p:spPr>
       </p:pic>
       <p:pic>
@@ -8606,20 +9697,60 @@
         </p:blipFill>
         <p:spPr>
           <a:xfrm>
-            <a:off x="4837322" y="1910699"/>
-            <a:ext cx="1761598" cy="2893562"/>
+            <a:off x="4601652" y="2007838"/>
+            <a:ext cx="1702460" cy="2796423"/>
           </a:xfrm>
           <a:prstGeom prst="rect">
             <a:avLst/>
           </a:prstGeom>
+          <a:ln>
+            <a:solidFill>
+              <a:schemeClr val="tx1"/>
+            </a:solidFill>
+          </a:ln>
         </p:spPr>
       </p:pic>
       <p:sp>
         <p:nvSpPr>
-          <p:cNvPr id="9" name="Titre 1">
-            <a:extLst>
-              <a:ext uri="{FF2B5EF4-FFF2-40B4-BE49-F238E27FC236}">
-                <a16:creationId xmlns:a16="http://schemas.microsoft.com/office/drawing/2014/main" id="{8909F311-F036-4981-B36F-F617AE3FC5C5}"/>
+          <p:cNvPr id="10" name="ZoneTexte 9">
+            <a:extLst>
+              <a:ext uri="{FF2B5EF4-FFF2-40B4-BE49-F238E27FC236}">
+                <a16:creationId xmlns:a16="http://schemas.microsoft.com/office/drawing/2014/main" id="{91E0E19B-9C55-4D7F-AEC2-B7CC2034D4EC}"/>
+              </a:ext>
+            </a:extLst>
+          </p:cNvPr>
+          <p:cNvSpPr txBox="1"/>
+          <p:nvPr/>
+        </p:nvSpPr>
+        <p:spPr>
+          <a:xfrm>
+            <a:off x="83820" y="956231"/>
+            <a:ext cx="2141220" cy="369332"/>
+          </a:xfrm>
+          <a:prstGeom prst="rect">
+            <a:avLst/>
+          </a:prstGeom>
+          <a:noFill/>
+        </p:spPr>
+        <p:txBody>
+          <a:bodyPr wrap="square" rtlCol="0">
+            <a:spAutoFit/>
+          </a:bodyPr>
+          <a:lstStyle/>
+          <a:p>
+            <a:r>
+              <a:rPr lang="fr-FR" i="1" dirty="0"/>
+              <a:t>Objectif</a:t>
+            </a:r>
+          </a:p>
+        </p:txBody>
+      </p:sp>
+      <p:sp>
+        <p:nvSpPr>
+          <p:cNvPr id="11" name="Titre 1">
+            <a:extLst>
+              <a:ext uri="{FF2B5EF4-FFF2-40B4-BE49-F238E27FC236}">
+                <a16:creationId xmlns:a16="http://schemas.microsoft.com/office/drawing/2014/main" id="{B7F08044-0541-44A8-ACEA-DEE823E754E2}"/>
               </a:ext>
             </a:extLst>
           </p:cNvPr>
@@ -8633,7 +9764,7 @@
         <p:spPr>
           <a:xfrm>
             <a:off x="129540" y="0"/>
-            <a:ext cx="4206240" cy="1325563"/>
+            <a:ext cx="4926712" cy="1325563"/>
           </a:xfrm>
         </p:spPr>
         <p:txBody>
@@ -8642,46 +9773,45 @@
           <a:p>
             <a:r>
               <a:rPr lang="fr-FR" dirty="0"/>
-              <a:t>Besoins du client</a:t>
-            </a:r>
-          </a:p>
-        </p:txBody>
-      </p:sp>
-      <p:sp>
-        <p:nvSpPr>
-          <p:cNvPr id="10" name="ZoneTexte 9">
-            <a:extLst>
-              <a:ext uri="{FF2B5EF4-FFF2-40B4-BE49-F238E27FC236}">
-                <a16:creationId xmlns:a16="http://schemas.microsoft.com/office/drawing/2014/main" id="{91E0E19B-9C55-4D7F-AEC2-B7CC2034D4EC}"/>
-              </a:ext>
-            </a:extLst>
-          </p:cNvPr>
-          <p:cNvSpPr txBox="1"/>
+              <a:t>Analyse des besoins</a:t>
+            </a:r>
+          </a:p>
+        </p:txBody>
+      </p:sp>
+      <p:pic>
+        <p:nvPicPr>
+          <p:cNvPr id="12" name="Image 11" descr="Une image contenant couteau&#10;&#10;Description générée automatiquement">
+            <a:extLst>
+              <a:ext uri="{FF2B5EF4-FFF2-40B4-BE49-F238E27FC236}">
+                <a16:creationId xmlns:a16="http://schemas.microsoft.com/office/drawing/2014/main" id="{C51CE6E3-2D47-4F9E-A45D-F56FCD96A10D}"/>
+              </a:ext>
+            </a:extLst>
+          </p:cNvPr>
+          <p:cNvPicPr>
+            <a:picLocks noChangeAspect="1"/>
+          </p:cNvPicPr>
           <p:nvPr/>
-        </p:nvSpPr>
-        <p:spPr>
-          <a:xfrm>
-            <a:off x="83820" y="956231"/>
-            <a:ext cx="2141220" cy="369332"/>
+        </p:nvPicPr>
+        <p:blipFill rotWithShape="1">
+          <a:blip r:embed="rId4"/>
+          <a:srcRect r="2" b="16856"/>
+          <a:stretch/>
+        </p:blipFill>
+        <p:spPr>
+          <a:xfrm>
+            <a:off x="4788203" y="514159"/>
+            <a:ext cx="383197" cy="324828"/>
           </a:xfrm>
           <a:prstGeom prst="rect">
             <a:avLst/>
           </a:prstGeom>
-          <a:noFill/>
-        </p:spPr>
-        <p:txBody>
-          <a:bodyPr wrap="square" rtlCol="0">
-            <a:spAutoFit/>
-          </a:bodyPr>
-          <a:lstStyle/>
-          <a:p>
-            <a:r>
-              <a:rPr lang="fr-FR" i="1" dirty="0"/>
-              <a:t>Objectif</a:t>
-            </a:r>
-          </a:p>
-        </p:txBody>
-      </p:sp>
+          <a:ln>
+            <a:solidFill>
+              <a:schemeClr val="bg1"/>
+            </a:solidFill>
+          </a:ln>
+        </p:spPr>
+      </p:pic>
     </p:spTree>
     <p:extLst>
       <p:ext uri="{BB962C8B-B14F-4D97-AF65-F5344CB8AC3E}">
@@ -8791,7 +9921,7 @@
           <p:cNvPr id="2" name="Titre 1">
             <a:extLst>
               <a:ext uri="{FF2B5EF4-FFF2-40B4-BE49-F238E27FC236}">
-                <a16:creationId xmlns:a16="http://schemas.microsoft.com/office/drawing/2014/main" id="{78EB769C-1C1D-4D9B-B3CA-4C8EAC5E8198}"/>
+                <a16:creationId xmlns:a16="http://schemas.microsoft.com/office/drawing/2014/main" id="{3D758C1C-AD7D-4A5F-A517-82C141E10E20}"/>
               </a:ext>
             </a:extLst>
           </p:cNvPr>
@@ -8815,12 +9945,12 @@
           <a:lstStyle/>
           <a:p>
             <a:r>
-              <a:rPr lang="fr-FR" sz="5000">
+              <a:rPr lang="fr-FR" sz="5400">
                 <a:solidFill>
                   <a:srgbClr val="1B1B1B"/>
                 </a:solidFill>
               </a:rPr>
-              <a:t>Description Générale de la Solution</a:t>
+              <a:t>Spécifications Techniques</a:t>
             </a:r>
           </a:p>
         </p:txBody>
@@ -8961,7 +10091,7 @@
           <p:cNvPr id="4" name="Image 3" descr="Une image contenant dessin&#10;&#10;Description générée automatiquement">
             <a:extLst>
               <a:ext uri="{FF2B5EF4-FFF2-40B4-BE49-F238E27FC236}">
-                <a16:creationId xmlns:a16="http://schemas.microsoft.com/office/drawing/2014/main" id="{1D6BC720-C59E-4038-A048-AEDFC5783038}"/>
+                <a16:creationId xmlns:a16="http://schemas.microsoft.com/office/drawing/2014/main" id="{8C8E35CB-83FA-4998-8414-044FDAED8389}"/>
               </a:ext>
             </a:extLst>
           </p:cNvPr>
@@ -9182,7 +10312,7 @@
     </p:spTree>
     <p:extLst>
       <p:ext uri="{BB962C8B-B14F-4D97-AF65-F5344CB8AC3E}">
-        <p14:creationId xmlns:p14="http://schemas.microsoft.com/office/powerpoint/2010/main" val="401882958"/>
+        <p14:creationId xmlns:p14="http://schemas.microsoft.com/office/powerpoint/2010/main" val="3913071061"/>
       </p:ext>
     </p:extLst>
   </p:cSld>
@@ -9195,14 +10325,6 @@
 <file path=ppt/slides/slide7.xml><?xml version="1.0" encoding="utf-8"?>
 <p:sld xmlns:a="http://schemas.openxmlformats.org/drawingml/2006/main" xmlns:r="http://schemas.openxmlformats.org/officeDocument/2006/relationships" xmlns:p="http://schemas.openxmlformats.org/presentationml/2006/main">
   <p:cSld>
-    <p:bg>
-      <p:bgPr>
-        <a:solidFill>
-          <a:schemeClr val="bg1"/>
-        </a:solidFill>
-        <a:effectLst/>
-      </p:bgPr>
-    </p:bg>
     <p:spTree>
       <p:nvGrpSpPr>
         <p:cNvPr id="1" name=""/>
@@ -9219,76 +10341,10 @@
       </p:grpSpPr>
       <p:sp>
         <p:nvSpPr>
-          <p:cNvPr id="9" name="Rectangle 8">
-            <a:extLst>
-              <a:ext uri="{FF2B5EF4-FFF2-40B4-BE49-F238E27FC236}">
-                <a16:creationId xmlns:a16="http://schemas.microsoft.com/office/drawing/2014/main" id="{936CFC0A-8C37-453C-9488-1B30FBC3B3B0}"/>
-              </a:ext>
-              <a:ext uri="{C183D7F6-B498-43B3-948B-1728B52AA6E4}">
-                <adec:decorative xmlns:adec="http://schemas.microsoft.com/office/drawing/2017/decorative" val="1"/>
-              </a:ext>
-            </a:extLst>
-          </p:cNvPr>
-          <p:cNvSpPr>
-            <a:spLocks noGrp="1" noRot="1" noChangeAspect="1" noMove="1" noResize="1" noEditPoints="1" noAdjustHandles="1" noChangeArrowheads="1" noChangeShapeType="1" noTextEdit="1"/>
-          </p:cNvSpPr>
-          <p:nvPr>
-            <p:extLst>
-              <p:ext uri="{386F3935-93C4-4BCD-93E2-E3B085C9AB24}">
-                <p16:designElem xmlns:p16="http://schemas.microsoft.com/office/powerpoint/2015/main" val="1"/>
-              </p:ext>
-            </p:extLst>
-          </p:nvPr>
-        </p:nvSpPr>
-        <p:spPr>
-          <a:xfrm>
-            <a:off x="0" y="0"/>
-            <a:ext cx="12192000" cy="6858000"/>
-          </a:xfrm>
-          <a:prstGeom prst="rect">
-            <a:avLst/>
-          </a:prstGeom>
-          <a:solidFill>
-            <a:srgbClr val="FFFFFF"/>
-          </a:solidFill>
-          <a:ln w="12700" cap="flat" cmpd="sng" algn="ctr">
-            <a:noFill/>
-            <a:prstDash val="solid"/>
-            <a:miter lim="800000"/>
-          </a:ln>
-          <a:effectLst/>
-        </p:spPr>
-        <p:style>
-          <a:lnRef idx="2">
-            <a:schemeClr val="accent1">
-              <a:shade val="50000"/>
-            </a:schemeClr>
-          </a:lnRef>
-          <a:fillRef idx="1">
-            <a:schemeClr val="accent1"/>
-          </a:fillRef>
-          <a:effectRef idx="0">
-            <a:schemeClr val="accent1"/>
-          </a:effectRef>
-          <a:fontRef idx="minor">
-            <a:schemeClr val="lt1"/>
-          </a:fontRef>
-        </p:style>
-        <p:txBody>
-          <a:bodyPr rtlCol="0" anchor="ctr"/>
-          <a:lstStyle/>
-          <a:p>
-            <a:pPr algn="ctr"/>
-            <a:endParaRPr lang="en-US"/>
-          </a:p>
-        </p:txBody>
-      </p:sp>
-      <p:sp>
-        <p:nvSpPr>
-          <p:cNvPr id="2" name="Titre 1">
-            <a:extLst>
-              <a:ext uri="{FF2B5EF4-FFF2-40B4-BE49-F238E27FC236}">
-                <a16:creationId xmlns:a16="http://schemas.microsoft.com/office/drawing/2014/main" id="{745F29E1-4E7B-47B0-92AB-78C095D7D04A}"/>
+          <p:cNvPr id="5" name="Titre 1">
+            <a:extLst>
+              <a:ext uri="{FF2B5EF4-FFF2-40B4-BE49-F238E27FC236}">
+                <a16:creationId xmlns:a16="http://schemas.microsoft.com/office/drawing/2014/main" id="{BA30865C-3393-4E44-A14D-E3EB2B954861}"/>
               </a:ext>
             </a:extLst>
           </p:cNvPr>
@@ -9296,169 +10352,329 @@
             <a:spLocks noGrp="1"/>
           </p:cNvSpPr>
           <p:nvPr>
-            <p:ph type="ctrTitle"/>
+            <p:ph type="title"/>
           </p:nvPr>
         </p:nvSpPr>
         <p:spPr>
           <a:xfrm>
-            <a:off x="1382597" y="3424348"/>
-            <a:ext cx="9426806" cy="1424410"/>
-          </a:xfrm>
-        </p:spPr>
-        <p:txBody>
-          <a:bodyPr anchor="b">
-            <a:normAutofit/>
+            <a:off x="129540" y="0"/>
+            <a:ext cx="8221980" cy="1325563"/>
+          </a:xfrm>
+        </p:spPr>
+        <p:txBody>
+          <a:bodyPr/>
+          <a:lstStyle/>
+          <a:p>
+            <a:r>
+              <a:rPr lang="fr-FR" dirty="0"/>
+              <a:t>Spécifications Techniques</a:t>
+            </a:r>
+          </a:p>
+        </p:txBody>
+      </p:sp>
+      <p:sp>
+        <p:nvSpPr>
+          <p:cNvPr id="6" name="ZoneTexte 5">
+            <a:extLst>
+              <a:ext uri="{FF2B5EF4-FFF2-40B4-BE49-F238E27FC236}">
+                <a16:creationId xmlns:a16="http://schemas.microsoft.com/office/drawing/2014/main" id="{DF02C497-D03A-4948-8530-B9053CAC30E7}"/>
+              </a:ext>
+            </a:extLst>
+          </p:cNvPr>
+          <p:cNvSpPr txBox="1"/>
+          <p:nvPr/>
+        </p:nvSpPr>
+        <p:spPr>
+          <a:xfrm>
+            <a:off x="83820" y="956231"/>
+            <a:ext cx="3009900" cy="369332"/>
+          </a:xfrm>
+          <a:prstGeom prst="rect">
+            <a:avLst/>
+          </a:prstGeom>
+          <a:noFill/>
+        </p:spPr>
+        <p:txBody>
+          <a:bodyPr wrap="square" rtlCol="0">
+            <a:spAutoFit/>
           </a:bodyPr>
           <a:lstStyle/>
           <a:p>
             <a:r>
-              <a:rPr lang="fr-FR" sz="5400">
-                <a:solidFill>
-                  <a:srgbClr val="1B1B1B"/>
-                </a:solidFill>
-              </a:rPr>
-              <a:t>Spécifications Fonctionnelles</a:t>
-            </a:r>
-          </a:p>
-        </p:txBody>
-      </p:sp>
-      <p:sp>
-        <p:nvSpPr>
-          <p:cNvPr id="11" name="Oval 10">
-            <a:extLst>
-              <a:ext uri="{FF2B5EF4-FFF2-40B4-BE49-F238E27FC236}">
-                <a16:creationId xmlns:a16="http://schemas.microsoft.com/office/drawing/2014/main" id="{FBC3EAFD-A275-4F9B-8F62-72B6678F35A8}"/>
-              </a:ext>
-              <a:ext uri="{C183D7F6-B498-43B3-948B-1728B52AA6E4}">
-                <adec:decorative xmlns:adec="http://schemas.microsoft.com/office/drawing/2017/decorative" val="1"/>
-              </a:ext>
-            </a:extLst>
-          </p:cNvPr>
-          <p:cNvSpPr>
-            <a:spLocks noGrp="1" noRot="1" noChangeAspect="1" noMove="1" noResize="1" noEditPoints="1" noAdjustHandles="1" noChangeArrowheads="1" noChangeShapeType="1" noTextEdit="1"/>
-          </p:cNvSpPr>
-          <p:nvPr>
-            <p:extLst>
-              <p:ext uri="{386F3935-93C4-4BCD-93E2-E3B085C9AB24}">
-                <p16:designElem xmlns:p16="http://schemas.microsoft.com/office/powerpoint/2015/main" val="1"/>
-              </p:ext>
-            </p:extLst>
-          </p:nvPr>
-        </p:nvSpPr>
-        <p:spPr>
-          <a:xfrm>
-            <a:off x="4908526" y="933319"/>
-            <a:ext cx="2463430" cy="2486070"/>
-          </a:xfrm>
-          <a:prstGeom prst="ellipse">
+              <a:rPr lang="fr-FR" i="1" dirty="0"/>
+              <a:t>Identification Fonctionnelle</a:t>
+            </a:r>
+          </a:p>
+        </p:txBody>
+      </p:sp>
+      <p:sp>
+        <p:nvSpPr>
+          <p:cNvPr id="2" name="ZoneTexte 1">
+            <a:extLst>
+              <a:ext uri="{FF2B5EF4-FFF2-40B4-BE49-F238E27FC236}">
+                <a16:creationId xmlns:a16="http://schemas.microsoft.com/office/drawing/2014/main" id="{CA6CD6A8-0BEC-414A-9EDB-43C66AF6CD42}"/>
+              </a:ext>
+            </a:extLst>
+          </p:cNvPr>
+          <p:cNvSpPr txBox="1"/>
+          <p:nvPr/>
+        </p:nvSpPr>
+        <p:spPr>
+          <a:xfrm>
+            <a:off x="263951" y="1847655"/>
+            <a:ext cx="5514679" cy="4062651"/>
+          </a:xfrm>
+          <a:prstGeom prst="rect">
             <a:avLst/>
           </a:prstGeom>
-          <a:solidFill>
-            <a:schemeClr val="accent1"/>
-          </a:solidFill>
-          <a:ln>
-            <a:noFill/>
-          </a:ln>
-        </p:spPr>
-        <p:style>
-          <a:lnRef idx="2">
-            <a:schemeClr val="accent1">
-              <a:shade val="50000"/>
-            </a:schemeClr>
-          </a:lnRef>
-          <a:fillRef idx="1">
-            <a:schemeClr val="accent1"/>
-          </a:fillRef>
-          <a:effectRef idx="0">
-            <a:schemeClr val="accent1"/>
-          </a:effectRef>
-          <a:fontRef idx="minor">
-            <a:schemeClr val="lt1"/>
-          </a:fontRef>
-        </p:style>
-        <p:txBody>
-          <a:bodyPr rtlCol="0" anchor="ctr"/>
+          <a:noFill/>
+        </p:spPr>
+        <p:txBody>
+          <a:bodyPr wrap="square" rtlCol="0">
+            <a:spAutoFit/>
+          </a:bodyPr>
           <a:lstStyle/>
           <a:p>
-            <a:pPr algn="ctr"/>
-            <a:endParaRPr lang="en-US"/>
-          </a:p>
-        </p:txBody>
-      </p:sp>
-      <p:sp>
-        <p:nvSpPr>
-          <p:cNvPr id="13" name="Oval 12">
-            <a:extLst>
-              <a:ext uri="{FF2B5EF4-FFF2-40B4-BE49-F238E27FC236}">
-                <a16:creationId xmlns:a16="http://schemas.microsoft.com/office/drawing/2014/main" id="{06E64A6D-2B9F-4AAD-AB42-A61BAF01AC12}"/>
-              </a:ext>
-              <a:ext uri="{C183D7F6-B498-43B3-948B-1728B52AA6E4}">
-                <adec:decorative xmlns:adec="http://schemas.microsoft.com/office/drawing/2017/decorative" val="1"/>
-              </a:ext>
-            </a:extLst>
-          </p:cNvPr>
-          <p:cNvSpPr>
-            <a:spLocks noGrp="1" noRot="1" noChangeAspect="1" noMove="1" noResize="1" noEditPoints="1" noAdjustHandles="1" noChangeArrowheads="1" noChangeShapeType="1" noTextEdit="1"/>
-          </p:cNvSpPr>
-          <p:nvPr>
-            <p:extLst>
-              <p:ext uri="{386F3935-93C4-4BCD-93E2-E3B085C9AB24}">
-                <p16:designElem xmlns:p16="http://schemas.microsoft.com/office/powerpoint/2015/main" val="1"/>
-              </p:ext>
-            </p:extLst>
-          </p:nvPr>
-        </p:nvSpPr>
-        <p:spPr>
-          <a:xfrm>
-            <a:off x="5117592" y="1268361"/>
-            <a:ext cx="1956816" cy="1953058"/>
-          </a:xfrm>
-          <a:prstGeom prst="ellipse">
+            <a:r>
+              <a:rPr lang="fr-FR" sz="2000" i="1" u="sng" dirty="0"/>
+              <a:t>Gestion des fonctionnalités</a:t>
+            </a:r>
+          </a:p>
+          <a:p>
+            <a:endParaRPr lang="fr-FR" sz="2000" i="1" u="sng" dirty="0"/>
+          </a:p>
+          <a:p>
+            <a:pPr marL="285750" indent="-285750">
+              <a:buFont typeface="Arial" panose="020B0604020202020204" pitchFamily="34" charset="0"/>
+              <a:buChar char="•"/>
+            </a:pPr>
+            <a:r>
+              <a:rPr lang="fr-FR" sz="2000" i="1" dirty="0"/>
+              <a:t>Aspect et navigation</a:t>
+            </a:r>
+          </a:p>
+          <a:p>
+            <a:pPr marL="285750" indent="-285750">
+              <a:buFont typeface="Arial" panose="020B0604020202020204" pitchFamily="34" charset="0"/>
+              <a:buChar char="•"/>
+            </a:pPr>
+            <a:endParaRPr lang="fr-FR" sz="2000" i="1" dirty="0"/>
+          </a:p>
+          <a:p>
+            <a:pPr marL="285750" indent="-285750">
+              <a:buFont typeface="Arial" panose="020B0604020202020204" pitchFamily="34" charset="0"/>
+              <a:buChar char="•"/>
+            </a:pPr>
+            <a:r>
+              <a:rPr lang="fr-FR" sz="2000" i="1" dirty="0"/>
+              <a:t>Gestion des données et du temps réel</a:t>
+            </a:r>
+          </a:p>
+          <a:p>
+            <a:pPr marL="285750" indent="-285750">
+              <a:buFont typeface="Arial" panose="020B0604020202020204" pitchFamily="34" charset="0"/>
+              <a:buChar char="•"/>
+            </a:pPr>
+            <a:endParaRPr lang="fr-FR" sz="2000" i="1" dirty="0"/>
+          </a:p>
+          <a:p>
+            <a:pPr marL="285750" indent="-285750">
+              <a:buFont typeface="Arial" panose="020B0604020202020204" pitchFamily="34" charset="0"/>
+              <a:buChar char="•"/>
+            </a:pPr>
+            <a:r>
+              <a:rPr lang="fr-FR" sz="2000" i="1" dirty="0"/>
+              <a:t>Gestion des utilisateurs</a:t>
+            </a:r>
+          </a:p>
+          <a:p>
+            <a:pPr marL="285750" indent="-285750">
+              <a:buFont typeface="Arial" panose="020B0604020202020204" pitchFamily="34" charset="0"/>
+              <a:buChar char="•"/>
+            </a:pPr>
+            <a:endParaRPr lang="fr-FR" sz="2000" i="1" dirty="0"/>
+          </a:p>
+          <a:p>
+            <a:pPr marL="285750" indent="-285750">
+              <a:buFont typeface="Arial" panose="020B0604020202020204" pitchFamily="34" charset="0"/>
+              <a:buChar char="•"/>
+            </a:pPr>
+            <a:r>
+              <a:rPr lang="fr-FR" sz="2000" i="1" dirty="0"/>
+              <a:t>Gestion de l’authentification</a:t>
+            </a:r>
+          </a:p>
+          <a:p>
+            <a:pPr marL="285750" indent="-285750">
+              <a:buFont typeface="Arial" panose="020B0604020202020204" pitchFamily="34" charset="0"/>
+              <a:buChar char="•"/>
+            </a:pPr>
+            <a:endParaRPr lang="fr-FR" sz="2000" i="1" dirty="0"/>
+          </a:p>
+          <a:p>
+            <a:pPr marL="285750" indent="-285750">
+              <a:buFont typeface="Arial" panose="020B0604020202020204" pitchFamily="34" charset="0"/>
+              <a:buChar char="•"/>
+            </a:pPr>
+            <a:r>
+              <a:rPr lang="fr-FR" sz="2000" i="1" dirty="0"/>
+              <a:t>Gestion des transactions bancaires en ligne</a:t>
+            </a:r>
+          </a:p>
+          <a:p>
+            <a:endParaRPr lang="fr-FR" sz="2000" i="1" dirty="0"/>
+          </a:p>
+          <a:p>
+            <a:endParaRPr lang="fr-FR" dirty="0"/>
+          </a:p>
+        </p:txBody>
+      </p:sp>
+      <p:pic>
+        <p:nvPicPr>
+          <p:cNvPr id="8" name="Image 7">
+            <a:extLst>
+              <a:ext uri="{FF2B5EF4-FFF2-40B4-BE49-F238E27FC236}">
+                <a16:creationId xmlns:a16="http://schemas.microsoft.com/office/drawing/2014/main" id="{2662C598-B048-4184-A28C-E8C2F566D224}"/>
+              </a:ext>
+            </a:extLst>
+          </p:cNvPr>
+          <p:cNvPicPr>
+            <a:picLocks noChangeAspect="1"/>
+          </p:cNvPicPr>
+          <p:nvPr/>
+        </p:nvPicPr>
+        <p:blipFill>
+          <a:blip r:embed="rId2"/>
+          <a:stretch>
+            <a:fillRect/>
+          </a:stretch>
+        </p:blipFill>
+        <p:spPr>
+          <a:xfrm>
+            <a:off x="9763708" y="4485021"/>
+            <a:ext cx="1265030" cy="1265030"/>
+          </a:xfrm>
+          <a:prstGeom prst="rect">
             <a:avLst/>
           </a:prstGeom>
-          <a:solidFill>
-            <a:srgbClr val="FFFFFF"/>
-          </a:solidFill>
           <a:ln>
             <a:solidFill>
-              <a:schemeClr val="accent1">
-                <a:lumMod val="60000"/>
-                <a:lumOff val="40000"/>
-              </a:schemeClr>
+              <a:schemeClr val="tx1"/>
             </a:solidFill>
           </a:ln>
         </p:spPr>
-        <p:style>
-          <a:lnRef idx="2">
-            <a:schemeClr val="accent1">
-              <a:shade val="50000"/>
-            </a:schemeClr>
-          </a:lnRef>
-          <a:fillRef idx="1">
-            <a:schemeClr val="accent1"/>
-          </a:fillRef>
-          <a:effectRef idx="0">
-            <a:schemeClr val="accent1"/>
-          </a:effectRef>
-          <a:fontRef idx="minor">
-            <a:schemeClr val="lt1"/>
-          </a:fontRef>
-        </p:style>
-        <p:txBody>
-          <a:bodyPr rtlCol="0" anchor="ctr"/>
-          <a:lstStyle/>
-          <a:p>
-            <a:pPr algn="ctr"/>
-            <a:endParaRPr lang="en-US"/>
-          </a:p>
-        </p:txBody>
-      </p:sp>
+      </p:pic>
       <p:pic>
         <p:nvPicPr>
-          <p:cNvPr id="4" name="Image 3" descr="Une image contenant dessin&#10;&#10;Description générée automatiquement">
-            <a:extLst>
-              <a:ext uri="{FF2B5EF4-FFF2-40B4-BE49-F238E27FC236}">
-                <a16:creationId xmlns:a16="http://schemas.microsoft.com/office/drawing/2014/main" id="{529E7EE1-CFF9-42E9-A1D6-B5AC6B4ED8C6}"/>
+          <p:cNvPr id="7" name="Image 6">
+            <a:extLst>
+              <a:ext uri="{FF2B5EF4-FFF2-40B4-BE49-F238E27FC236}">
+                <a16:creationId xmlns:a16="http://schemas.microsoft.com/office/drawing/2014/main" id="{74342683-CC57-4D02-B28F-1238A5401A5B}"/>
+              </a:ext>
+            </a:extLst>
+          </p:cNvPr>
+          <p:cNvPicPr>
+            <a:picLocks noChangeAspect="1"/>
+          </p:cNvPicPr>
+          <p:nvPr/>
+        </p:nvPicPr>
+        <p:blipFill>
+          <a:blip r:embed="rId3"/>
+          <a:stretch>
+            <a:fillRect/>
+          </a:stretch>
+        </p:blipFill>
+        <p:spPr>
+          <a:xfrm>
+            <a:off x="6866115" y="4464419"/>
+            <a:ext cx="1055941" cy="1306234"/>
+          </a:xfrm>
+          <a:prstGeom prst="rect">
+            <a:avLst/>
+          </a:prstGeom>
+          <a:ln>
+            <a:solidFill>
+              <a:schemeClr val="tx1"/>
+            </a:solidFill>
+          </a:ln>
+        </p:spPr>
+      </p:pic>
+      <p:pic>
+        <p:nvPicPr>
+          <p:cNvPr id="9" name="Image 8">
+            <a:extLst>
+              <a:ext uri="{FF2B5EF4-FFF2-40B4-BE49-F238E27FC236}">
+                <a16:creationId xmlns:a16="http://schemas.microsoft.com/office/drawing/2014/main" id="{1E2CC4D7-2945-4924-920E-65E1FCA2368F}"/>
+              </a:ext>
+            </a:extLst>
+          </p:cNvPr>
+          <p:cNvPicPr>
+            <a:picLocks noChangeAspect="1"/>
+          </p:cNvPicPr>
+          <p:nvPr/>
+        </p:nvPicPr>
+        <p:blipFill>
+          <a:blip r:embed="rId4"/>
+          <a:stretch>
+            <a:fillRect/>
+          </a:stretch>
+        </p:blipFill>
+        <p:spPr>
+          <a:xfrm>
+            <a:off x="6035683" y="1620445"/>
+            <a:ext cx="1274545" cy="1274545"/>
+          </a:xfrm>
+          <a:prstGeom prst="rect">
+            <a:avLst/>
+          </a:prstGeom>
+          <a:ln>
+            <a:solidFill>
+              <a:schemeClr val="tx1"/>
+            </a:solidFill>
+          </a:ln>
+        </p:spPr>
+      </p:pic>
+      <p:pic>
+        <p:nvPicPr>
+          <p:cNvPr id="11" name="Image 10">
+            <a:extLst>
+              <a:ext uri="{FF2B5EF4-FFF2-40B4-BE49-F238E27FC236}">
+                <a16:creationId xmlns:a16="http://schemas.microsoft.com/office/drawing/2014/main" id="{FF276D3B-20E7-4532-81B1-8CAE247DDCA2}"/>
+              </a:ext>
+            </a:extLst>
+          </p:cNvPr>
+          <p:cNvPicPr>
+            <a:picLocks noChangeAspect="1"/>
+          </p:cNvPicPr>
+          <p:nvPr/>
+        </p:nvPicPr>
+        <p:blipFill>
+          <a:blip r:embed="rId5"/>
+          <a:stretch>
+            <a:fillRect/>
+          </a:stretch>
+        </p:blipFill>
+        <p:spPr>
+          <a:xfrm>
+            <a:off x="8203358" y="688289"/>
+            <a:ext cx="1379340" cy="1074513"/>
+          </a:xfrm>
+          <a:prstGeom prst="rect">
+            <a:avLst/>
+          </a:prstGeom>
+          <a:ln>
+            <a:solidFill>
+              <a:schemeClr val="tx1"/>
+            </a:solidFill>
+          </a:ln>
+        </p:spPr>
+      </p:pic>
+      <p:pic>
+        <p:nvPicPr>
+          <p:cNvPr id="13" name="Image 12" descr="Une image contenant dessin, signe, ordinateur&#10;&#10;Description générée automatiquement">
+            <a:extLst>
+              <a:ext uri="{FF2B5EF4-FFF2-40B4-BE49-F238E27FC236}">
+                <a16:creationId xmlns:a16="http://schemas.microsoft.com/office/drawing/2014/main" id="{140CFA74-7AEA-4A49-937A-504EF57990C6}"/>
               </a:ext>
             </a:extLst>
           </p:cNvPr>
@@ -9468,218 +10684,98 @@
           <p:nvPr/>
         </p:nvPicPr>
         <p:blipFill rotWithShape="1">
-          <a:blip r:embed="rId2">
-            <a:alphaModFix/>
-          </a:blip>
-          <a:srcRect l="6322" r="3" b="3"/>
+          <a:blip r:embed="rId6"/>
+          <a:srcRect l="3301" r="1294" b="1"/>
           <a:stretch/>
         </p:blipFill>
         <p:spPr>
           <a:xfrm>
-            <a:off x="5181600" y="1330490"/>
-            <a:ext cx="1828800" cy="1828800"/>
-          </a:xfrm>
-          <a:custGeom>
+            <a:off x="8022349" y="2572859"/>
+            <a:ext cx="1741359" cy="1504892"/>
+          </a:xfrm>
+          <a:prstGeom prst="rect">
             <a:avLst/>
-            <a:gdLst/>
-            <a:ahLst/>
-            <a:cxnLst/>
-            <a:rect l="l" t="t" r="r" b="b"/>
-            <a:pathLst>
-              <a:path w="6057610" h="6057610">
-                <a:moveTo>
-                  <a:pt x="3028805" y="0"/>
-                </a:moveTo>
-                <a:cubicBezTo>
-                  <a:pt x="4701568" y="0"/>
-                  <a:pt x="6057610" y="1356042"/>
-                  <a:pt x="6057610" y="3028805"/>
-                </a:cubicBezTo>
-                <a:cubicBezTo>
-                  <a:pt x="6057610" y="4701568"/>
-                  <a:pt x="4701568" y="6057610"/>
-                  <a:pt x="3028805" y="6057610"/>
-                </a:cubicBezTo>
-                <a:cubicBezTo>
-                  <a:pt x="1356042" y="6057610"/>
-                  <a:pt x="0" y="4701568"/>
-                  <a:pt x="0" y="3028805"/>
-                </a:cubicBezTo>
-                <a:cubicBezTo>
-                  <a:pt x="0" y="1356042"/>
-                  <a:pt x="1356042" y="0"/>
-                  <a:pt x="3028805" y="0"/>
-                </a:cubicBezTo>
-                <a:close/>
-              </a:path>
-            </a:pathLst>
-          </a:custGeom>
-          <a:effectLst>
-            <a:softEdge rad="0"/>
-          </a:effectLst>
+          </a:prstGeom>
+          <a:ln>
+            <a:solidFill>
+              <a:schemeClr val="bg1"/>
+            </a:solidFill>
+          </a:ln>
         </p:spPr>
       </p:pic>
       <p:pic>
         <p:nvPicPr>
-          <p:cNvPr id="15" name="Picture 14">
-            <a:extLst>
-              <a:ext uri="{FF2B5EF4-FFF2-40B4-BE49-F238E27FC236}">
-                <a16:creationId xmlns:a16="http://schemas.microsoft.com/office/drawing/2014/main" id="{C51881DD-AD85-41BE-8A49-C2FB45800E10}"/>
-              </a:ext>
-              <a:ext uri="{C183D7F6-B498-43B3-948B-1728B52AA6E4}">
-                <adec:decorative xmlns:adec="http://schemas.microsoft.com/office/drawing/2017/decorative" val="1"/>
+          <p:cNvPr id="3" name="Image 2">
+            <a:extLst>
+              <a:ext uri="{FF2B5EF4-FFF2-40B4-BE49-F238E27FC236}">
+                <a16:creationId xmlns:a16="http://schemas.microsoft.com/office/drawing/2014/main" id="{09A1DF78-70BC-4631-AF46-6F02677C3DA5}"/>
               </a:ext>
             </a:extLst>
           </p:cNvPr>
           <p:cNvPicPr>
-            <a:picLocks noGrp="1" noRot="1" noChangeAspect="1" noMove="1" noResize="1" noEditPoints="1" noAdjustHandles="1" noChangeArrowheads="1" noChangeShapeType="1" noCrop="1"/>
+            <a:picLocks noChangeAspect="1"/>
           </p:cNvPicPr>
-          <p:nvPr>
-            <p:extLst>
-              <p:ext uri="{386F3935-93C4-4BCD-93E2-E3B085C9AB24}">
-                <p16:designElem xmlns:p16="http://schemas.microsoft.com/office/powerpoint/2015/main" val="1"/>
-              </p:ext>
-            </p:extLst>
-          </p:nvPr>
+          <p:nvPr/>
         </p:nvPicPr>
         <p:blipFill>
-          <a:blip r:embed="rId3" cstate="print">
-            <a:extLst>
-              <a:ext uri="{28A0092B-C50C-407E-A947-70E740481C1C}">
-                <a14:useLocalDpi xmlns:a14="http://schemas.microsoft.com/office/drawing/2010/main" val="0"/>
-              </a:ext>
-            </a:extLst>
-          </a:blip>
-          <a:srcRect l="33525" t="5243" r="33525" b="36180"/>
+          <a:blip r:embed="rId7"/>
           <a:stretch>
             <a:fillRect/>
           </a:stretch>
         </p:blipFill>
         <p:spPr>
           <a:xfrm>
-            <a:off x="4860081" y="896194"/>
-            <a:ext cx="2560320" cy="2560320"/>
-          </a:xfrm>
-          <a:custGeom>
-            <a:avLst/>
-            <a:gdLst>
-              <a:gd name="connsiteX0" fmla="*/ 2008598 w 4017196"/>
-              <a:gd name="connsiteY0" fmla="*/ 0 h 4017196"/>
-              <a:gd name="connsiteX1" fmla="*/ 4017196 w 4017196"/>
-              <a:gd name="connsiteY1" fmla="*/ 2008598 h 4017196"/>
-              <a:gd name="connsiteX2" fmla="*/ 2008598 w 4017196"/>
-              <a:gd name="connsiteY2" fmla="*/ 4017196 h 4017196"/>
-              <a:gd name="connsiteX3" fmla="*/ 0 w 4017196"/>
-              <a:gd name="connsiteY3" fmla="*/ 2008598 h 4017196"/>
-              <a:gd name="connsiteX4" fmla="*/ 2008598 w 4017196"/>
-              <a:gd name="connsiteY4" fmla="*/ 0 h 4017196"/>
-            </a:gdLst>
-            <a:ahLst/>
-            <a:cxnLst>
-              <a:cxn ang="0">
-                <a:pos x="connsiteX0" y="connsiteY0"/>
-              </a:cxn>
-              <a:cxn ang="0">
-                <a:pos x="connsiteX1" y="connsiteY1"/>
-              </a:cxn>
-              <a:cxn ang="0">
-                <a:pos x="connsiteX2" y="connsiteY2"/>
-              </a:cxn>
-              <a:cxn ang="0">
-                <a:pos x="connsiteX3" y="connsiteY3"/>
-              </a:cxn>
-              <a:cxn ang="0">
-                <a:pos x="connsiteX4" y="connsiteY4"/>
-              </a:cxn>
-            </a:cxnLst>
-            <a:rect l="l" t="t" r="r" b="b"/>
-            <a:pathLst>
-              <a:path w="4017196" h="4017196">
-                <a:moveTo>
-                  <a:pt x="2008598" y="0"/>
-                </a:moveTo>
-                <a:cubicBezTo>
-                  <a:pt x="3117916" y="0"/>
-                  <a:pt x="4017196" y="899280"/>
-                  <a:pt x="4017196" y="2008598"/>
-                </a:cubicBezTo>
-                <a:cubicBezTo>
-                  <a:pt x="4017196" y="3117916"/>
-                  <a:pt x="3117916" y="4017196"/>
-                  <a:pt x="2008598" y="4017196"/>
-                </a:cubicBezTo>
-                <a:cubicBezTo>
-                  <a:pt x="899280" y="4017196"/>
-                  <a:pt x="0" y="3117916"/>
-                  <a:pt x="0" y="2008598"/>
-                </a:cubicBezTo>
-                <a:cubicBezTo>
-                  <a:pt x="0" y="899280"/>
-                  <a:pt x="899280" y="0"/>
-                  <a:pt x="2008598" y="0"/>
-                </a:cubicBezTo>
-                <a:close/>
-              </a:path>
-            </a:pathLst>
-          </a:custGeom>
-        </p:spPr>
-      </p:pic>
-      <p:cxnSp>
-        <p:nvCxnSpPr>
-          <p:cNvPr id="17" name="Straight Connector 16">
-            <a:extLst>
-              <a:ext uri="{FF2B5EF4-FFF2-40B4-BE49-F238E27FC236}">
-                <a16:creationId xmlns:a16="http://schemas.microsoft.com/office/drawing/2014/main" id="{9AD20FE8-ED02-4CDE-83B1-A1436305C3DC}"/>
-              </a:ext>
-              <a:ext uri="{C183D7F6-B498-43B3-948B-1728B52AA6E4}">
-                <adec:decorative xmlns:adec="http://schemas.microsoft.com/office/drawing/2017/decorative" val="1"/>
-              </a:ext>
-            </a:extLst>
-          </p:cNvPr>
-          <p:cNvCxnSpPr>
-            <a:cxnSpLocks noGrp="1" noRot="1" noChangeAspect="1" noMove="1" noResize="1" noEditPoints="1" noAdjustHandles="1" noChangeArrowheads="1" noChangeShapeType="1"/>
-          </p:cNvCxnSpPr>
-          <p:nvPr>
-            <p:extLst>
-              <p:ext uri="{386F3935-93C4-4BCD-93E2-E3B085C9AB24}">
-                <p16:designElem xmlns:p16="http://schemas.microsoft.com/office/powerpoint/2015/main" val="1"/>
-              </p:ext>
-            </p:extLst>
-          </p:nvPr>
-        </p:nvCxnSpPr>
-        <p:spPr>
-          <a:xfrm>
-            <a:off x="5775960" y="4971278"/>
-            <a:ext cx="640080" cy="0"/>
-          </a:xfrm>
-          <a:prstGeom prst="line">
+            <a:off x="10262785" y="1620444"/>
+            <a:ext cx="1531905" cy="1274545"/>
+          </a:xfrm>
+          <a:prstGeom prst="rect">
             <a:avLst/>
           </a:prstGeom>
-          <a:ln w="28575">
+          <a:ln>
             <a:solidFill>
-              <a:srgbClr val="404040"/>
+              <a:schemeClr val="tx1"/>
             </a:solidFill>
           </a:ln>
         </p:spPr>
-        <p:style>
-          <a:lnRef idx="1">
-            <a:schemeClr val="accent1"/>
-          </a:lnRef>
-          <a:fillRef idx="0">
-            <a:schemeClr val="accent1"/>
-          </a:fillRef>
-          <a:effectRef idx="0">
-            <a:schemeClr val="accent1"/>
-          </a:effectRef>
-          <a:fontRef idx="minor">
-            <a:schemeClr val="tx1"/>
-          </a:fontRef>
-        </p:style>
-      </p:cxnSp>
+      </p:pic>
+      <p:pic>
+        <p:nvPicPr>
+          <p:cNvPr id="14" name="Image 13" descr="Une image contenant dessin&#10;&#10;Description générée automatiquement">
+            <a:extLst>
+              <a:ext uri="{FF2B5EF4-FFF2-40B4-BE49-F238E27FC236}">
+                <a16:creationId xmlns:a16="http://schemas.microsoft.com/office/drawing/2014/main" id="{CFD5346A-AB8B-4F8E-8C00-49D30FC98572}"/>
+              </a:ext>
+            </a:extLst>
+          </p:cNvPr>
+          <p:cNvPicPr>
+            <a:picLocks noChangeAspect="1"/>
+          </p:cNvPicPr>
+          <p:nvPr/>
+        </p:nvPicPr>
+        <p:blipFill rotWithShape="1">
+          <a:blip r:embed="rId8"/>
+          <a:srcRect l="6322"/>
+          <a:stretch/>
+        </p:blipFill>
+        <p:spPr>
+          <a:xfrm>
+            <a:off x="6035683" y="437107"/>
+            <a:ext cx="462694" cy="462695"/>
+          </a:xfrm>
+          <a:prstGeom prst="rect">
+            <a:avLst/>
+          </a:prstGeom>
+          <a:ln>
+            <a:solidFill>
+              <a:schemeClr val="bg1"/>
+            </a:solidFill>
+          </a:ln>
+        </p:spPr>
+      </p:pic>
     </p:spTree>
     <p:extLst>
       <p:ext uri="{BB962C8B-B14F-4D97-AF65-F5344CB8AC3E}">
-        <p14:creationId xmlns:p14="http://schemas.microsoft.com/office/powerpoint/2010/main" val="67447573"/>
+        <p14:creationId xmlns:p14="http://schemas.microsoft.com/office/powerpoint/2010/main" val="3882125936"/>
       </p:ext>
     </p:extLst>
   </p:cSld>
@@ -9734,7 +10830,7 @@
           <a:p>
             <a:r>
               <a:rPr lang="fr-FR" dirty="0"/>
-              <a:t>Spécifications Fonctionnelles</a:t>
+              <a:t>Spécifications Techniques</a:t>
             </a:r>
           </a:p>
         </p:txBody>
@@ -9754,7 +10850,7 @@
         <p:spPr>
           <a:xfrm>
             <a:off x="83820" y="956231"/>
-            <a:ext cx="2141220" cy="369332"/>
+            <a:ext cx="3009900" cy="369332"/>
           </a:xfrm>
           <a:prstGeom prst="rect">
             <a:avLst/>
@@ -9769,17 +10865,17 @@
           <a:p>
             <a:r>
               <a:rPr lang="fr-FR" i="1" dirty="0"/>
-              <a:t>Les acteurs</a:t>
+              <a:t>Identification Fonctionnelle</a:t>
             </a:r>
           </a:p>
         </p:txBody>
       </p:sp>
       <p:pic>
         <p:nvPicPr>
-          <p:cNvPr id="7" name="Image 6">
-            <a:extLst>
-              <a:ext uri="{FF2B5EF4-FFF2-40B4-BE49-F238E27FC236}">
-                <a16:creationId xmlns:a16="http://schemas.microsoft.com/office/drawing/2014/main" id="{66ED12E5-3969-4477-BB36-EAC8B8FD5CB5}"/>
+          <p:cNvPr id="10" name="Image 9">
+            <a:extLst>
+              <a:ext uri="{FF2B5EF4-FFF2-40B4-BE49-F238E27FC236}">
+                <a16:creationId xmlns:a16="http://schemas.microsoft.com/office/drawing/2014/main" id="{BDAB4F21-6164-4B3A-95FE-46D61FECB638}"/>
               </a:ext>
             </a:extLst>
           </p:cNvPr>
@@ -9796,20 +10892,89 @@
         </p:blipFill>
         <p:spPr>
           <a:xfrm>
-            <a:off x="415033" y="2679163"/>
-            <a:ext cx="3977897" cy="3687204"/>
+            <a:off x="5476973" y="1478679"/>
+            <a:ext cx="5600475" cy="3894429"/>
           </a:xfrm>
           <a:prstGeom prst="rect">
             <a:avLst/>
           </a:prstGeom>
+          <a:ln>
+            <a:solidFill>
+              <a:schemeClr val="tx1"/>
+            </a:solidFill>
+          </a:ln>
         </p:spPr>
       </p:pic>
+      <p:sp>
+        <p:nvSpPr>
+          <p:cNvPr id="2" name="ZoneTexte 1">
+            <a:extLst>
+              <a:ext uri="{FF2B5EF4-FFF2-40B4-BE49-F238E27FC236}">
+                <a16:creationId xmlns:a16="http://schemas.microsoft.com/office/drawing/2014/main" id="{CA6CD6A8-0BEC-414A-9EDB-43C66AF6CD42}"/>
+              </a:ext>
+            </a:extLst>
+          </p:cNvPr>
+          <p:cNvSpPr txBox="1"/>
+          <p:nvPr/>
+        </p:nvSpPr>
+        <p:spPr>
+          <a:xfrm>
+            <a:off x="630063" y="2305615"/>
+            <a:ext cx="3695308" cy="2246769"/>
+          </a:xfrm>
+          <a:prstGeom prst="rect">
+            <a:avLst/>
+          </a:prstGeom>
+          <a:noFill/>
+        </p:spPr>
+        <p:txBody>
+          <a:bodyPr wrap="square" rtlCol="0">
+            <a:spAutoFit/>
+          </a:bodyPr>
+          <a:lstStyle/>
+          <a:p>
+            <a:pPr marL="285750" indent="-285750">
+              <a:buFont typeface="Arial" panose="020B0604020202020204" pitchFamily="34" charset="0"/>
+              <a:buChar char="•"/>
+            </a:pPr>
+            <a:r>
+              <a:rPr lang="fr-FR" sz="2000" i="1" dirty="0"/>
+              <a:t>Choix technologiques internes</a:t>
+            </a:r>
+          </a:p>
+          <a:p>
+            <a:endParaRPr lang="fr-FR" sz="2000" i="1" dirty="0"/>
+          </a:p>
+          <a:p>
+            <a:endParaRPr lang="fr-FR" sz="2000" i="1" dirty="0"/>
+          </a:p>
+          <a:p>
+            <a:endParaRPr lang="fr-FR" sz="2000" i="1" dirty="0"/>
+          </a:p>
+          <a:p>
+            <a:endParaRPr lang="fr-FR" sz="2000" i="1" dirty="0"/>
+          </a:p>
+          <a:p>
+            <a:pPr marL="285750" indent="-285750">
+              <a:buFont typeface="Arial" panose="020B0604020202020204" pitchFamily="34" charset="0"/>
+              <a:buChar char="•"/>
+            </a:pPr>
+            <a:r>
+              <a:rPr lang="fr-FR" sz="2000" i="1" dirty="0"/>
+              <a:t>Choix technologiques externes</a:t>
+            </a:r>
+          </a:p>
+          <a:p>
+            <a:endParaRPr lang="fr-FR" sz="2000" dirty="0"/>
+          </a:p>
+        </p:txBody>
+      </p:sp>
       <p:pic>
         <p:nvPicPr>
-          <p:cNvPr id="8" name="Image 7">
-            <a:extLst>
-              <a:ext uri="{FF2B5EF4-FFF2-40B4-BE49-F238E27FC236}">
-                <a16:creationId xmlns:a16="http://schemas.microsoft.com/office/drawing/2014/main" id="{2532B19D-A215-4F7A-A5B4-209CB72D91DE}"/>
+          <p:cNvPr id="7" name="Image 6" descr="Une image contenant dessin&#10;&#10;Description générée automatiquement">
+            <a:extLst>
+              <a:ext uri="{FF2B5EF4-FFF2-40B4-BE49-F238E27FC236}">
+                <a16:creationId xmlns:a16="http://schemas.microsoft.com/office/drawing/2014/main" id="{1CEFDDE4-DF57-409D-BA58-6D133A00694A}"/>
               </a:ext>
             </a:extLst>
           </p:cNvPr>
@@ -9818,56 +10983,30 @@
           </p:cNvPicPr>
           <p:nvPr/>
         </p:nvPicPr>
-        <p:blipFill>
+        <p:blipFill rotWithShape="1">
           <a:blip r:embed="rId3"/>
-          <a:stretch>
-            <a:fillRect/>
-          </a:stretch>
+          <a:srcRect l="6322"/>
+          <a:stretch/>
         </p:blipFill>
         <p:spPr>
           <a:xfrm>
-            <a:off x="5255739" y="2681593"/>
-            <a:ext cx="2392887" cy="3711739"/>
+            <a:off x="6035683" y="437107"/>
+            <a:ext cx="462694" cy="462695"/>
           </a:xfrm>
           <a:prstGeom prst="rect">
             <a:avLst/>
           </a:prstGeom>
-        </p:spPr>
-      </p:pic>
-      <p:pic>
-        <p:nvPicPr>
-          <p:cNvPr id="9" name="Image 8">
-            <a:extLst>
-              <a:ext uri="{FF2B5EF4-FFF2-40B4-BE49-F238E27FC236}">
-                <a16:creationId xmlns:a16="http://schemas.microsoft.com/office/drawing/2014/main" id="{501A1417-28AB-4EF4-9769-0D6334A254D7}"/>
-              </a:ext>
-            </a:extLst>
-          </p:cNvPr>
-          <p:cNvPicPr>
-            <a:picLocks noChangeAspect="1"/>
-          </p:cNvPicPr>
-          <p:nvPr/>
-        </p:nvPicPr>
-        <p:blipFill>
-          <a:blip r:embed="rId4"/>
-          <a:stretch>
-            <a:fillRect/>
-          </a:stretch>
-        </p:blipFill>
-        <p:spPr>
-          <a:xfrm>
-            <a:off x="8511435" y="2679163"/>
-            <a:ext cx="2088685" cy="3711739"/>
-          </a:xfrm>
-          <a:prstGeom prst="rect">
-            <a:avLst/>
-          </a:prstGeom>
+          <a:ln>
+            <a:solidFill>
+              <a:schemeClr val="bg1"/>
+            </a:solidFill>
+          </a:ln>
         </p:spPr>
       </p:pic>
     </p:spTree>
     <p:extLst>
       <p:ext uri="{BB962C8B-B14F-4D97-AF65-F5344CB8AC3E}">
-        <p14:creationId xmlns:p14="http://schemas.microsoft.com/office/powerpoint/2010/main" val="3417301220"/>
+        <p14:creationId xmlns:p14="http://schemas.microsoft.com/office/powerpoint/2010/main" val="1467648923"/>
       </p:ext>
     </p:extLst>
   </p:cSld>
@@ -9922,7 +11061,7 @@
           <a:p>
             <a:r>
               <a:rPr lang="fr-FR" dirty="0"/>
-              <a:t>Spécifications Fonctionnelles</a:t>
+              <a:t>Spécifications Techniques</a:t>
             </a:r>
           </a:p>
         </p:txBody>
@@ -9942,7 +11081,7 @@
         <p:spPr>
           <a:xfrm>
             <a:off x="83820" y="956231"/>
-            <a:ext cx="2781300" cy="369332"/>
+            <a:ext cx="3009900" cy="369332"/>
           </a:xfrm>
           <a:prstGeom prst="rect">
             <a:avLst/>
@@ -9957,8 +11096,81 @@
           <a:p>
             <a:r>
               <a:rPr lang="fr-FR" i="1" dirty="0"/>
-              <a:t>Les domaines fonctionnelles</a:t>
-            </a:r>
+              <a:t>Choix technologiques internes</a:t>
+            </a:r>
+          </a:p>
+        </p:txBody>
+      </p:sp>
+      <p:sp>
+        <p:nvSpPr>
+          <p:cNvPr id="4" name="Espace réservé du contenu 2">
+            <a:extLst>
+              <a:ext uri="{FF2B5EF4-FFF2-40B4-BE49-F238E27FC236}">
+                <a16:creationId xmlns:a16="http://schemas.microsoft.com/office/drawing/2014/main" id="{97D0BA48-3C49-4D07-A973-1B24C7C3A5DD}"/>
+              </a:ext>
+            </a:extLst>
+          </p:cNvPr>
+          <p:cNvSpPr>
+            <a:spLocks noGrp="1"/>
+          </p:cNvSpPr>
+          <p:nvPr>
+            <p:ph sz="half" idx="1"/>
+          </p:nvPr>
+        </p:nvSpPr>
+        <p:spPr>
+          <a:xfrm>
+            <a:off x="222493" y="2360720"/>
+            <a:ext cx="4085556" cy="2796423"/>
+          </a:xfrm>
+        </p:spPr>
+        <p:txBody>
+          <a:bodyPr/>
+          <a:lstStyle/>
+          <a:p>
+            <a:pPr marL="0" indent="0">
+              <a:buNone/>
+            </a:pPr>
+            <a:r>
+              <a:rPr lang="fr-FR" sz="2000" i="1" u="sng" dirty="0"/>
+              <a:t>Aspect et navigation</a:t>
+            </a:r>
+          </a:p>
+          <a:p>
+            <a:pPr marL="0" indent="0">
+              <a:buNone/>
+            </a:pPr>
+            <a:endParaRPr lang="fr-FR" sz="2000" i="1" dirty="0"/>
+          </a:p>
+          <a:p>
+            <a:r>
+              <a:rPr lang="fr-FR" sz="2000" i="1" dirty="0"/>
+              <a:t>Développement sur mesure </a:t>
+            </a:r>
+          </a:p>
+          <a:p>
+            <a:pPr marL="0" indent="0">
+              <a:buNone/>
+            </a:pPr>
+            <a:r>
+              <a:rPr lang="fr-FR" sz="2000" i="1" dirty="0"/>
+              <a:t>	- « FROM SCRATCH»</a:t>
+            </a:r>
+            <a:endParaRPr lang="fr-FR" sz="2000" dirty="0"/>
+          </a:p>
+          <a:p>
+            <a:endParaRPr lang="fr-FR" dirty="0"/>
+          </a:p>
+          <a:p>
+            <a:pPr marL="0" indent="0">
+              <a:buNone/>
+            </a:pPr>
+            <a:endParaRPr lang="fr-FR" dirty="0"/>
+          </a:p>
+          <a:p>
+            <a:pPr marL="0" indent="0">
+              <a:buNone/>
+            </a:pPr>
+            <a:endParaRPr lang="fr-FR" dirty="0"/>
           </a:p>
         </p:txBody>
       </p:sp>
@@ -9967,7 +11179,7 @@
           <p:cNvPr id="2" name="Image 1">
             <a:extLst>
               <a:ext uri="{FF2B5EF4-FFF2-40B4-BE49-F238E27FC236}">
-                <a16:creationId xmlns:a16="http://schemas.microsoft.com/office/drawing/2014/main" id="{D5CDD9ED-EBEA-4550-917A-87B39489A0DA}"/>
+                <a16:creationId xmlns:a16="http://schemas.microsoft.com/office/drawing/2014/main" id="{6A68E941-8FC1-4C66-82F6-F91650D5B4C2}"/>
               </a:ext>
             </a:extLst>
           </p:cNvPr>
@@ -9984,18 +11196,197 @@
         </p:blipFill>
         <p:spPr>
           <a:xfrm>
-            <a:off x="3360079" y="1325563"/>
-            <a:ext cx="7399362" cy="5266857"/>
+            <a:off x="5177485" y="3135714"/>
+            <a:ext cx="1138473" cy="1181762"/>
           </a:xfrm>
           <a:prstGeom prst="rect">
             <a:avLst/>
           </a:prstGeom>
+          <a:ln>
+            <a:solidFill>
+              <a:schemeClr val="tx1"/>
+            </a:solidFill>
+          </a:ln>
+        </p:spPr>
+      </p:pic>
+      <p:pic>
+        <p:nvPicPr>
+          <p:cNvPr id="11" name="Image 10">
+            <a:extLst>
+              <a:ext uri="{FF2B5EF4-FFF2-40B4-BE49-F238E27FC236}">
+                <a16:creationId xmlns:a16="http://schemas.microsoft.com/office/drawing/2014/main" id="{ED0550F1-F33B-43C0-8AF4-9502D4C56C02}"/>
+              </a:ext>
+            </a:extLst>
+          </p:cNvPr>
+          <p:cNvPicPr>
+            <a:picLocks noChangeAspect="1"/>
+          </p:cNvPicPr>
+          <p:nvPr/>
+        </p:nvPicPr>
+        <p:blipFill>
+          <a:blip r:embed="rId3"/>
+          <a:stretch>
+            <a:fillRect/>
+          </a:stretch>
+        </p:blipFill>
+        <p:spPr>
+          <a:xfrm>
+            <a:off x="885931" y="4496728"/>
+            <a:ext cx="2498292" cy="1946182"/>
+          </a:xfrm>
+          <a:prstGeom prst="rect">
+            <a:avLst/>
+          </a:prstGeom>
+          <a:ln>
+            <a:solidFill>
+              <a:schemeClr val="tx1"/>
+            </a:solidFill>
+          </a:ln>
+        </p:spPr>
+      </p:pic>
+      <p:pic>
+        <p:nvPicPr>
+          <p:cNvPr id="12" name="Image 11">
+            <a:extLst>
+              <a:ext uri="{FF2B5EF4-FFF2-40B4-BE49-F238E27FC236}">
+                <a16:creationId xmlns:a16="http://schemas.microsoft.com/office/drawing/2014/main" id="{637DBAA8-4EF5-44E9-AE20-F99C04C47B4F}"/>
+              </a:ext>
+            </a:extLst>
+          </p:cNvPr>
+          <p:cNvPicPr>
+            <a:picLocks noChangeAspect="1"/>
+          </p:cNvPicPr>
+          <p:nvPr/>
+        </p:nvPicPr>
+        <p:blipFill>
+          <a:blip r:embed="rId4"/>
+          <a:stretch>
+            <a:fillRect/>
+          </a:stretch>
+        </p:blipFill>
+        <p:spPr>
+          <a:xfrm>
+            <a:off x="7810059" y="5117347"/>
+            <a:ext cx="2576446" cy="1325563"/>
+          </a:xfrm>
+          <a:prstGeom prst="rect">
+            <a:avLst/>
+          </a:prstGeom>
+          <a:ln>
+            <a:solidFill>
+              <a:schemeClr val="tx1"/>
+            </a:solidFill>
+          </a:ln>
+        </p:spPr>
+      </p:pic>
+      <p:pic>
+        <p:nvPicPr>
+          <p:cNvPr id="13" name="Image 12">
+            <a:extLst>
+              <a:ext uri="{FF2B5EF4-FFF2-40B4-BE49-F238E27FC236}">
+                <a16:creationId xmlns:a16="http://schemas.microsoft.com/office/drawing/2014/main" id="{DFFD7B48-58A0-432E-B8EA-9976C2A78E7D}"/>
+              </a:ext>
+            </a:extLst>
+          </p:cNvPr>
+          <p:cNvPicPr>
+            <a:picLocks noChangeAspect="1"/>
+          </p:cNvPicPr>
+          <p:nvPr/>
+        </p:nvPicPr>
+        <p:blipFill>
+          <a:blip r:embed="rId5"/>
+          <a:stretch>
+            <a:fillRect/>
+          </a:stretch>
+        </p:blipFill>
+        <p:spPr>
+          <a:xfrm>
+            <a:off x="8301403" y="897313"/>
+            <a:ext cx="1679687" cy="1688670"/>
+          </a:xfrm>
+          <a:prstGeom prst="rect">
+            <a:avLst/>
+          </a:prstGeom>
+          <a:ln>
+            <a:solidFill>
+              <a:schemeClr val="tx1"/>
+            </a:solidFill>
+          </a:ln>
+        </p:spPr>
+      </p:pic>
+      <p:pic>
+        <p:nvPicPr>
+          <p:cNvPr id="14" name="Image 13">
+            <a:extLst>
+              <a:ext uri="{FF2B5EF4-FFF2-40B4-BE49-F238E27FC236}">
+                <a16:creationId xmlns:a16="http://schemas.microsoft.com/office/drawing/2014/main" id="{550896EC-327A-42E7-B146-5B5DDE7A0BC0}"/>
+              </a:ext>
+            </a:extLst>
+          </p:cNvPr>
+          <p:cNvPicPr>
+            <a:picLocks noChangeAspect="1"/>
+          </p:cNvPicPr>
+          <p:nvPr/>
+        </p:nvPicPr>
+        <p:blipFill>
+          <a:blip r:embed="rId6"/>
+          <a:stretch>
+            <a:fillRect/>
+          </a:stretch>
+        </p:blipFill>
+        <p:spPr>
+          <a:xfrm>
+            <a:off x="8301403" y="2847917"/>
+            <a:ext cx="1593758" cy="1867844"/>
+          </a:xfrm>
+          <a:prstGeom prst="rect">
+            <a:avLst/>
+          </a:prstGeom>
+          <a:ln>
+            <a:solidFill>
+              <a:schemeClr val="tx1"/>
+            </a:solidFill>
+          </a:ln>
+        </p:spPr>
+      </p:pic>
+      <p:pic>
+        <p:nvPicPr>
+          <p:cNvPr id="15" name="Image 14" descr="Une image contenant dessin&#10;&#10;Description générée automatiquement">
+            <a:extLst>
+              <a:ext uri="{FF2B5EF4-FFF2-40B4-BE49-F238E27FC236}">
+                <a16:creationId xmlns:a16="http://schemas.microsoft.com/office/drawing/2014/main" id="{C04C709F-03E5-400A-9F2D-90C37EE47FEB}"/>
+              </a:ext>
+            </a:extLst>
+          </p:cNvPr>
+          <p:cNvPicPr>
+            <a:picLocks noChangeAspect="1"/>
+          </p:cNvPicPr>
+          <p:nvPr/>
+        </p:nvPicPr>
+        <p:blipFill rotWithShape="1">
+          <a:blip r:embed="rId7"/>
+          <a:srcRect l="6322"/>
+          <a:stretch/>
+        </p:blipFill>
+        <p:spPr>
+          <a:xfrm>
+            <a:off x="6035683" y="437107"/>
+            <a:ext cx="462694" cy="462695"/>
+          </a:xfrm>
+          <a:prstGeom prst="rect">
+            <a:avLst/>
+          </a:prstGeom>
+          <a:ln>
+            <a:solidFill>
+              <a:schemeClr val="bg1"/>
+            </a:solidFill>
+          </a:ln>
         </p:spPr>
       </p:pic>
     </p:spTree>
     <p:extLst>
       <p:ext uri="{BB962C8B-B14F-4D97-AF65-F5344CB8AC3E}">
-        <p14:creationId xmlns:p14="http://schemas.microsoft.com/office/powerpoint/2010/main" val="3772145522"/>
+        <p14:creationId xmlns:p14="http://schemas.microsoft.com/office/powerpoint/2010/main" val="1697960780"/>
       </p:ext>
     </p:extLst>
   </p:cSld>
